--- a/08-permissions-orgs.pptx
+++ b/08-permissions-orgs.pptx
@@ -6,10 +6,10 @@
     <p:sldMasterId id="2147483847" r:id="rId6"/>
   </p:sldMasterIdLst>
   <p:notesMasterIdLst>
-    <p:notesMasterId r:id="rId48"/>
+    <p:notesMasterId r:id="rId36"/>
   </p:notesMasterIdLst>
   <p:handoutMasterIdLst>
-    <p:handoutMasterId r:id="rId49"/>
+    <p:handoutMasterId r:id="rId37"/>
   </p:handoutMasterIdLst>
   <p:sldIdLst>
     <p:sldId id="256" r:id="rId7"/>
@@ -33,26 +33,14 @@
     <p:sldId id="347" r:id="rId25"/>
     <p:sldId id="348" r:id="rId26"/>
     <p:sldId id="350" r:id="rId27"/>
-    <p:sldId id="349" r:id="rId28"/>
-    <p:sldId id="330" r:id="rId29"/>
-    <p:sldId id="351" r:id="rId30"/>
-    <p:sldId id="331" r:id="rId31"/>
-    <p:sldId id="326" r:id="rId32"/>
-    <p:sldId id="329" r:id="rId33"/>
-    <p:sldId id="316" r:id="rId34"/>
-    <p:sldId id="318" r:id="rId35"/>
-    <p:sldId id="324" r:id="rId36"/>
-    <p:sldId id="317" r:id="rId37"/>
-    <p:sldId id="320" r:id="rId38"/>
-    <p:sldId id="323" r:id="rId39"/>
-    <p:sldId id="321" r:id="rId40"/>
-    <p:sldId id="322" r:id="rId41"/>
-    <p:sldId id="315" r:id="rId42"/>
-    <p:sldId id="272" r:id="rId43"/>
-    <p:sldId id="278" r:id="rId44"/>
-    <p:sldId id="301" r:id="rId45"/>
-    <p:sldId id="276" r:id="rId46"/>
-    <p:sldId id="267" r:id="rId47"/>
+    <p:sldId id="355" r:id="rId28"/>
+    <p:sldId id="352" r:id="rId29"/>
+    <p:sldId id="353" r:id="rId30"/>
+    <p:sldId id="354" r:id="rId31"/>
+    <p:sldId id="356" r:id="rId32"/>
+    <p:sldId id="357" r:id="rId33"/>
+    <p:sldId id="276" r:id="rId34"/>
+    <p:sldId id="267" r:id="rId35"/>
   </p:sldIdLst>
   <p:sldSz cx="16256000" cy="9144000"/>
   <p:notesSz cx="6858000" cy="9144000"/>
@@ -314,7 +302,7 @@
               <a:pPr>
                 <a:defRPr/>
               </a:pPr>
-              <a:t>2016-01-25</a:t>
+              <a:t>2016-01-26</a:t>
             </a:fld>
             <a:endParaRPr lang="en-US" dirty="0"/>
           </a:p>
@@ -497,7 +485,7 @@
               <a:pPr>
                 <a:defRPr/>
               </a:pPr>
-              <a:t>2016-01-25</a:t>
+              <a:t>2016-01-26</a:t>
             </a:fld>
             <a:endParaRPr lang="en-US" dirty="0"/>
           </a:p>
@@ -1750,15 +1738,7 @@
           <a:bodyPr/>
           <a:lstStyle/>
           <a:p>
-            <a:r>
-              <a:rPr lang="en-US" dirty="0" smtClean="0"/>
-              <a:t>Instructor Note: Answer--Because your new user name is part of the Team object that is under the new (chef</a:t>
-            </a:r>
-            <a:r>
-              <a:rPr lang="en-US" smtClean="0"/>
-              <a:t>) organization.</a:t>
-            </a:r>
-            <a:endParaRPr lang="en-US" dirty="0"/>
+            <a:endParaRPr lang="en-US" baseline="0" dirty="0" smtClean="0"/>
           </a:p>
         </p:txBody>
       </p:sp>
@@ -1838,7 +1818,7 @@
     </p:spTree>
     <p:extLst>
       <p:ext uri="{BB962C8B-B14F-4D97-AF65-F5344CB8AC3E}">
-        <p14:creationId xmlns:p14="http://schemas.microsoft.com/office/powerpoint/2010/main" val="3366694902"/>
+        <p14:creationId xmlns:p14="http://schemas.microsoft.com/office/powerpoint/2010/main" val="2565008402"/>
       </p:ext>
     </p:extLst>
   </p:cSld>
@@ -1893,96 +1873,13 @@
           <a:lstStyle/>
           <a:p>
             <a:r>
-              <a:rPr lang="en-US" dirty="0" smtClean="0">
-                <a:effectLst/>
-              </a:rPr>
-              <a:t>So to share nodes between different users, they are shared by virtue of a combination of an Organization and a team...because a Team object is a child object of an Organization, correct?</a:t>
-            </a:r>
-            <a:r>
-              <a:rPr lang="en-US" sz="1200" kern="1200" dirty="0" smtClean="0">
-                <a:solidFill>
-                  <a:schemeClr val="tx1"/>
-                </a:solidFill>
-                <a:effectLst/>
-                <a:latin typeface="Arial" panose="020B0604020202020204" pitchFamily="34" charset="0"/>
-                <a:ea typeface="ＭＳ Ｐゴシック" charset="0"/>
-                <a:cs typeface="Arial" panose="020B0604020202020204" pitchFamily="34" charset="0"/>
-              </a:rPr>
-              <a:t>1 </a:t>
-            </a:r>
-          </a:p>
-          <a:p>
-            <a:r>
-              <a:rPr lang="en-US" i="1" dirty="0" smtClean="0">
-                <a:effectLst/>
-              </a:rPr>
-              <a:t/>
-            </a:r>
-            <a:br>
-              <a:rPr lang="en-US" i="1" dirty="0" smtClean="0">
-                <a:effectLst/>
-              </a:rPr>
-            </a:br>
-            <a:endParaRPr lang="en-US" dirty="0" smtClean="0">
-              <a:effectLst/>
-            </a:endParaRPr>
-          </a:p>
-          <a:p>
-            <a:r>
-              <a:rPr lang="en-US" sz="1200" i="1" u="none" strike="noStrike" kern="1200" dirty="0" smtClean="0">
-                <a:solidFill>
-                  <a:schemeClr val="tx1"/>
-                </a:solidFill>
-                <a:effectLst/>
-                <a:latin typeface="Arial" panose="020B0604020202020204" pitchFamily="34" charset="0"/>
-                <a:ea typeface="ＭＳ Ｐゴシック" charset="0"/>
-                <a:cs typeface="Arial" panose="020B0604020202020204" pitchFamily="34" charset="0"/>
-                <a:hlinkClick r:id="rId3"/>
-              </a:rPr>
-              <a:t>[</a:t>
-            </a:r>
-            <a:r>
-              <a:rPr lang="en-US" sz="1200" u="none" strike="noStrike" kern="1200" dirty="0" smtClean="0">
-                <a:solidFill>
-                  <a:schemeClr val="tx1"/>
-                </a:solidFill>
-                <a:effectLst/>
-                <a:latin typeface="Arial" panose="020B0604020202020204" pitchFamily="34" charset="0"/>
-                <a:ea typeface="ＭＳ Ｐゴシック" charset="0"/>
-                <a:cs typeface="Arial" panose="020B0604020202020204" pitchFamily="34" charset="0"/>
-                <a:hlinkClick r:id="rId3"/>
-              </a:rPr>
-              <a:t>8:56</a:t>
-            </a:r>
-            <a:r>
-              <a:rPr lang="en-US" sz="1200" i="1" u="none" strike="noStrike" kern="1200" dirty="0" smtClean="0">
-                <a:solidFill>
-                  <a:schemeClr val="tx1"/>
-                </a:solidFill>
-                <a:effectLst/>
-                <a:latin typeface="Arial" panose="020B0604020202020204" pitchFamily="34" charset="0"/>
-                <a:ea typeface="ＭＳ Ｐゴシック" charset="0"/>
-                <a:cs typeface="Arial" panose="020B0604020202020204" pitchFamily="34" charset="0"/>
-                <a:hlinkClick r:id="rId3"/>
-              </a:rPr>
-              <a:t>]</a:t>
-            </a:r>
-            <a:r>
-              <a:rPr lang="en-US" dirty="0" smtClean="0">
-                <a:effectLst/>
-              </a:rPr>
-              <a:t> </a:t>
-            </a:r>
-          </a:p>
-          <a:p>
-            <a:r>
-              <a:rPr lang="en-US" dirty="0" smtClean="0">
-                <a:effectLst/>
-              </a:rPr>
-              <a:t>Therefore, Nodes need to be created under an Organization, and then any team members associate to that Org can see and or manage nodes created under that Org, right?</a:t>
-            </a:r>
-          </a:p>
-          <a:p>
+              <a:rPr lang="en-US" dirty="0" smtClean="0"/>
+              <a:t>When you create a new team, all these permissions are enabled (checked)</a:t>
+            </a:r>
+            <a:r>
+              <a:rPr lang="en-US" baseline="0" dirty="0" smtClean="0"/>
+              <a:t> so if you want to limit team members' permissions listed here, you will need to disable them.</a:t>
+            </a:r>
             <a:endParaRPr lang="en-US" dirty="0"/>
           </a:p>
         </p:txBody>
@@ -2010,7 +1907,7 @@
               <a:pPr>
                 <a:defRPr/>
               </a:pPr>
-              <a:t>23</a:t>
+              <a:t>26</a:t>
             </a:fld>
             <a:endParaRPr lang="en-US" dirty="0"/>
           </a:p>
@@ -2063,7 +1960,7 @@
     </p:spTree>
     <p:extLst>
       <p:ext uri="{BB962C8B-B14F-4D97-AF65-F5344CB8AC3E}">
-        <p14:creationId xmlns:p14="http://schemas.microsoft.com/office/powerpoint/2010/main" val="4153655013"/>
+        <p14:creationId xmlns:p14="http://schemas.microsoft.com/office/powerpoint/2010/main" val="864745901"/>
       </p:ext>
     </p:extLst>
   </p:cSld>
@@ -2117,95 +2014,39 @@
           <a:bodyPr/>
           <a:lstStyle/>
           <a:p>
-            <a:r>
-              <a:rPr lang="en-US" dirty="0" smtClean="0">
-                <a:effectLst/>
-              </a:rPr>
-              <a:t>So to share nodes between different users, they are shared by virtue of a combination of an Organization and a team...because a Team object is a child object of an Organization, correct?</a:t>
-            </a:r>
-            <a:r>
-              <a:rPr lang="en-US" sz="1200" kern="1200" dirty="0" smtClean="0">
-                <a:solidFill>
-                  <a:schemeClr val="tx1"/>
-                </a:solidFill>
-                <a:effectLst/>
-                <a:latin typeface="Arial" panose="020B0604020202020204" pitchFamily="34" charset="0"/>
-                <a:ea typeface="ＭＳ Ｐゴシック" charset="0"/>
-                <a:cs typeface="Arial" panose="020B0604020202020204" pitchFamily="34" charset="0"/>
-              </a:rPr>
-              <a:t>1 </a:t>
-            </a:r>
-          </a:p>
-          <a:p>
-            <a:r>
-              <a:rPr lang="en-US" i="1" dirty="0" smtClean="0">
-                <a:effectLst/>
-              </a:rPr>
-              <a:t/>
+            <a:pPr marL="0" marR="0" indent="0" algn="l" defTabSz="1217613" rtl="0" eaLnBrk="1" fontAlgn="base" latinLnBrk="0" hangingPunct="1">
+              <a:lnSpc>
+                <a:spcPct val="90000"/>
+              </a:lnSpc>
+              <a:spcBef>
+                <a:spcPct val="30000"/>
+              </a:spcBef>
+              <a:spcAft>
+                <a:spcPts val="450"/>
+              </a:spcAft>
+              <a:buClrTx/>
+              <a:buSzTx/>
+              <a:buFontTx/>
+              <a:buNone/>
+              <a:tabLst/>
+              <a:defRPr/>
+            </a:pPr>
+            <a:r>
+              <a:rPr lang="en-US" dirty="0" smtClean="0"/>
+              <a:t>Instructor Note: This is what a Compliance</a:t>
+            </a:r>
+            <a:r>
+              <a:rPr lang="en-US" baseline="0" dirty="0" smtClean="0"/>
+              <a:t> SME wrote about the last two permissions listed above: "</a:t>
+            </a:r>
+            <a:r>
+              <a:rPr lang="en-US" dirty="0" smtClean="0"/>
+              <a:t>patch management - execute patch execution (deactivated by default). Security automation - use cookbooks for remediation (not available yet)</a:t>
             </a:r>
             <a:br>
-              <a:rPr lang="en-US" i="1" dirty="0" smtClean="0">
-                <a:effectLst/>
-              </a:rPr>
+              <a:rPr lang="en-US" dirty="0" smtClean="0"/>
             </a:br>
-            <a:endParaRPr lang="en-US" dirty="0" smtClean="0">
-              <a:effectLst/>
-            </a:endParaRPr>
-          </a:p>
-          <a:p>
-            <a:r>
-              <a:rPr lang="en-US" sz="1200" i="1" u="none" strike="noStrike" kern="1200" dirty="0" smtClean="0">
-                <a:solidFill>
-                  <a:schemeClr val="tx1"/>
-                </a:solidFill>
-                <a:effectLst/>
-                <a:latin typeface="Arial" panose="020B0604020202020204" pitchFamily="34" charset="0"/>
-                <a:ea typeface="ＭＳ Ｐゴシック" charset="0"/>
-                <a:cs typeface="Arial" panose="020B0604020202020204" pitchFamily="34" charset="0"/>
-                <a:hlinkClick r:id="rId3"/>
-              </a:rPr>
-              <a:t>[</a:t>
-            </a:r>
-            <a:r>
-              <a:rPr lang="en-US" sz="1200" u="none" strike="noStrike" kern="1200" dirty="0" smtClean="0">
-                <a:solidFill>
-                  <a:schemeClr val="tx1"/>
-                </a:solidFill>
-                <a:effectLst/>
-                <a:latin typeface="Arial" panose="020B0604020202020204" pitchFamily="34" charset="0"/>
-                <a:ea typeface="ＭＳ Ｐゴシック" charset="0"/>
-                <a:cs typeface="Arial" panose="020B0604020202020204" pitchFamily="34" charset="0"/>
-                <a:hlinkClick r:id="rId3"/>
-              </a:rPr>
-              <a:t>8:56</a:t>
-            </a:r>
-            <a:r>
-              <a:rPr lang="en-US" sz="1200" i="1" u="none" strike="noStrike" kern="1200" dirty="0" smtClean="0">
-                <a:solidFill>
-                  <a:schemeClr val="tx1"/>
-                </a:solidFill>
-                <a:effectLst/>
-                <a:latin typeface="Arial" panose="020B0604020202020204" pitchFamily="34" charset="0"/>
-                <a:ea typeface="ＭＳ Ｐゴシック" charset="0"/>
-                <a:cs typeface="Arial" panose="020B0604020202020204" pitchFamily="34" charset="0"/>
-                <a:hlinkClick r:id="rId3"/>
-              </a:rPr>
-              <a:t>]</a:t>
-            </a:r>
-            <a:r>
-              <a:rPr lang="en-US" dirty="0" smtClean="0">
-                <a:effectLst/>
-              </a:rPr>
-              <a:t> </a:t>
-            </a:r>
-          </a:p>
-          <a:p>
-            <a:r>
-              <a:rPr lang="en-US" dirty="0" smtClean="0">
-                <a:effectLst/>
-              </a:rPr>
-              <a:t>Therefore, Nodes need to be created under an Organization, and then any team members associate to that Org can see and or manage nodes created under that Org, right?</a:t>
-            </a:r>
+            <a:endParaRPr lang="en-US" dirty="0" smtClean="0"/>
           </a:p>
           <a:p>
             <a:endParaRPr lang="en-US" dirty="0"/>
@@ -2235,7 +2076,7 @@
               <a:pPr>
                 <a:defRPr/>
               </a:pPr>
-              <a:t>24</a:t>
+              <a:t>27</a:t>
             </a:fld>
             <a:endParaRPr lang="en-US" dirty="0"/>
           </a:p>
@@ -2288,301 +2129,7 @@
     </p:spTree>
     <p:extLst>
       <p:ext uri="{BB962C8B-B14F-4D97-AF65-F5344CB8AC3E}">
-        <p14:creationId xmlns:p14="http://schemas.microsoft.com/office/powerpoint/2010/main" val="9547437"/>
-      </p:ext>
-    </p:extLst>
-  </p:cSld>
-  <p:clrMapOvr>
-    <a:masterClrMapping/>
-  </p:clrMapOvr>
-</p:notes>
-</file>
-
-<file path=ppt/notesSlides/notesSlide18.xml><?xml version="1.0" encoding="utf-8"?>
-<p:notes xmlns:a="http://schemas.openxmlformats.org/drawingml/2006/main" xmlns:r="http://schemas.openxmlformats.org/officeDocument/2006/relationships" xmlns:p="http://schemas.openxmlformats.org/presentationml/2006/main">
-  <p:cSld>
-    <p:spTree>
-      <p:nvGrpSpPr>
-        <p:cNvPr id="1" name=""/>
-        <p:cNvGrpSpPr/>
-        <p:nvPr/>
-      </p:nvGrpSpPr>
-      <p:grpSpPr>
-        <a:xfrm>
-          <a:off x="0" y="0"/>
-          <a:ext cx="0" cy="0"/>
-          <a:chOff x="0" y="0"/>
-          <a:chExt cx="0" cy="0"/>
-        </a:xfrm>
-      </p:grpSpPr>
-      <p:sp>
-        <p:nvSpPr>
-          <p:cNvPr id="2" name="Slide Image Placeholder 1"/>
-          <p:cNvSpPr>
-            <a:spLocks noGrp="1" noRot="1" noChangeAspect="1"/>
-          </p:cNvSpPr>
-          <p:nvPr>
-            <p:ph type="sldImg"/>
-          </p:nvPr>
-        </p:nvSpPr>
-        <p:spPr/>
-      </p:sp>
-      <p:sp>
-        <p:nvSpPr>
-          <p:cNvPr id="3" name="Notes Placeholder 2"/>
-          <p:cNvSpPr>
-            <a:spLocks noGrp="1"/>
-          </p:cNvSpPr>
-          <p:nvPr>
-            <p:ph type="body" idx="1"/>
-          </p:nvPr>
-        </p:nvSpPr>
-        <p:spPr/>
-        <p:txBody>
-          <a:bodyPr/>
-          <a:lstStyle/>
-          <a:p>
-            <a:r>
-              <a:rPr lang="en-US" dirty="0" smtClean="0"/>
-              <a:t>Nodes are created under </a:t>
-            </a:r>
-            <a:br>
-              <a:rPr lang="en-US" dirty="0" smtClean="0"/>
-            </a:br>
-            <a:r>
-              <a:rPr lang="en-US" dirty="0" smtClean="0"/>
-              <a:t>`test-org`.</a:t>
-            </a:r>
-          </a:p>
-          <a:p>
-            <a:endParaRPr lang="en-US" dirty="0" smtClean="0"/>
-          </a:p>
-          <a:p>
-            <a:r>
-              <a:rPr lang="en-US" dirty="0" smtClean="0"/>
-              <a:t>This is done by associating users a Team object that lives under an Organization object.</a:t>
-            </a:r>
-          </a:p>
-          <a:p>
-            <a:endParaRPr lang="en-US" dirty="0"/>
-          </a:p>
-        </p:txBody>
-      </p:sp>
-      <p:sp>
-        <p:nvSpPr>
-          <p:cNvPr id="4" name="Slide Number Placeholder 3"/>
-          <p:cNvSpPr>
-            <a:spLocks noGrp="1"/>
-          </p:cNvSpPr>
-          <p:nvPr>
-            <p:ph type="sldNum" sz="quarter" idx="10"/>
-          </p:nvPr>
-        </p:nvSpPr>
-        <p:spPr/>
-        <p:txBody>
-          <a:bodyPr/>
-          <a:lstStyle/>
-          <a:p>
-            <a:pPr>
-              <a:defRPr/>
-            </a:pPr>
-            <a:fld id="{DC3734AA-3150-D947-AC52-2F5DF48BFCD5}" type="slidenum">
-              <a:rPr lang="en-US" smtClean="0"/>
-              <a:pPr>
-                <a:defRPr/>
-              </a:pPr>
-              <a:t>25</a:t>
-            </a:fld>
-            <a:endParaRPr lang="en-US" dirty="0"/>
-          </a:p>
-        </p:txBody>
-      </p:sp>
-      <p:sp>
-        <p:nvSpPr>
-          <p:cNvPr id="5" name="Header Placeholder 4"/>
-          <p:cNvSpPr>
-            <a:spLocks noGrp="1"/>
-          </p:cNvSpPr>
-          <p:nvPr>
-            <p:ph type="hdr" sz="quarter" idx="11"/>
-          </p:nvPr>
-        </p:nvSpPr>
-        <p:spPr/>
-        <p:txBody>
-          <a:bodyPr/>
-          <a:lstStyle/>
-          <a:p>
-            <a:pPr>
-              <a:defRPr/>
-            </a:pPr>
-            <a:endParaRPr lang="en-US"/>
-          </a:p>
-        </p:txBody>
-      </p:sp>
-      <p:sp>
-        <p:nvSpPr>
-          <p:cNvPr id="6" name="Footer Placeholder 5"/>
-          <p:cNvSpPr>
-            <a:spLocks noGrp="1"/>
-          </p:cNvSpPr>
-          <p:nvPr>
-            <p:ph type="ftr" sz="quarter" idx="12"/>
-          </p:nvPr>
-        </p:nvSpPr>
-        <p:spPr/>
-        <p:txBody>
-          <a:bodyPr/>
-          <a:lstStyle/>
-          <a:p>
-            <a:pPr>
-              <a:defRPr/>
-            </a:pPr>
-            <a:endParaRPr lang="en-US"/>
-          </a:p>
-        </p:txBody>
-      </p:sp>
-    </p:spTree>
-    <p:extLst>
-      <p:ext uri="{BB962C8B-B14F-4D97-AF65-F5344CB8AC3E}">
-        <p14:creationId xmlns:p14="http://schemas.microsoft.com/office/powerpoint/2010/main" val="1499698902"/>
-      </p:ext>
-    </p:extLst>
-  </p:cSld>
-  <p:clrMapOvr>
-    <a:masterClrMapping/>
-  </p:clrMapOvr>
-</p:notes>
-</file>
-
-<file path=ppt/notesSlides/notesSlide19.xml><?xml version="1.0" encoding="utf-8"?>
-<p:notes xmlns:a="http://schemas.openxmlformats.org/drawingml/2006/main" xmlns:r="http://schemas.openxmlformats.org/officeDocument/2006/relationships" xmlns:p="http://schemas.openxmlformats.org/presentationml/2006/main">
-  <p:cSld>
-    <p:spTree>
-      <p:nvGrpSpPr>
-        <p:cNvPr id="1" name=""/>
-        <p:cNvGrpSpPr/>
-        <p:nvPr/>
-      </p:nvGrpSpPr>
-      <p:grpSpPr>
-        <a:xfrm>
-          <a:off x="0" y="0"/>
-          <a:ext cx="0" cy="0"/>
-          <a:chOff x="0" y="0"/>
-          <a:chExt cx="0" cy="0"/>
-        </a:xfrm>
-      </p:grpSpPr>
-      <p:sp>
-        <p:nvSpPr>
-          <p:cNvPr id="2" name="Slide Image Placeholder 1"/>
-          <p:cNvSpPr>
-            <a:spLocks noGrp="1" noRot="1" noChangeAspect="1"/>
-          </p:cNvSpPr>
-          <p:nvPr>
-            <p:ph type="sldImg"/>
-          </p:nvPr>
-        </p:nvSpPr>
-        <p:spPr/>
-      </p:sp>
-      <p:sp>
-        <p:nvSpPr>
-          <p:cNvPr id="3" name="Notes Placeholder 2"/>
-          <p:cNvSpPr>
-            <a:spLocks noGrp="1"/>
-          </p:cNvSpPr>
-          <p:nvPr>
-            <p:ph type="body" idx="1"/>
-          </p:nvPr>
-        </p:nvSpPr>
-        <p:spPr/>
-        <p:txBody>
-          <a:bodyPr/>
-          <a:lstStyle/>
-          <a:p>
-            <a:r>
-              <a:rPr lang="en-US" dirty="0" smtClean="0"/>
-              <a:t>In addition to the uploading procedure we'll do in the exercise, in the workplace you could also upload such custom profiles using an API.</a:t>
-            </a:r>
-            <a:endParaRPr lang="en-US" dirty="0"/>
-          </a:p>
-        </p:txBody>
-      </p:sp>
-      <p:sp>
-        <p:nvSpPr>
-          <p:cNvPr id="4" name="Slide Number Placeholder 3"/>
-          <p:cNvSpPr>
-            <a:spLocks noGrp="1"/>
-          </p:cNvSpPr>
-          <p:nvPr>
-            <p:ph type="sldNum" sz="quarter" idx="10"/>
-          </p:nvPr>
-        </p:nvSpPr>
-        <p:spPr/>
-        <p:txBody>
-          <a:bodyPr/>
-          <a:lstStyle/>
-          <a:p>
-            <a:pPr>
-              <a:defRPr/>
-            </a:pPr>
-            <a:fld id="{DC3734AA-3150-D947-AC52-2F5DF48BFCD5}" type="slidenum">
-              <a:rPr lang="en-US" smtClean="0"/>
-              <a:pPr>
-                <a:defRPr/>
-              </a:pPr>
-              <a:t>28</a:t>
-            </a:fld>
-            <a:endParaRPr lang="en-US" dirty="0"/>
-          </a:p>
-        </p:txBody>
-      </p:sp>
-      <p:sp>
-        <p:nvSpPr>
-          <p:cNvPr id="5" name="Header Placeholder 4"/>
-          <p:cNvSpPr>
-            <a:spLocks noGrp="1"/>
-          </p:cNvSpPr>
-          <p:nvPr>
-            <p:ph type="hdr" sz="quarter" idx="11"/>
-          </p:nvPr>
-        </p:nvSpPr>
-        <p:spPr/>
-        <p:txBody>
-          <a:bodyPr/>
-          <a:lstStyle/>
-          <a:p>
-            <a:pPr>
-              <a:defRPr/>
-            </a:pPr>
-            <a:endParaRPr lang="en-US"/>
-          </a:p>
-        </p:txBody>
-      </p:sp>
-      <p:sp>
-        <p:nvSpPr>
-          <p:cNvPr id="6" name="Footer Placeholder 5"/>
-          <p:cNvSpPr>
-            <a:spLocks noGrp="1"/>
-          </p:cNvSpPr>
-          <p:nvPr>
-            <p:ph type="ftr" sz="quarter" idx="12"/>
-          </p:nvPr>
-        </p:nvSpPr>
-        <p:spPr/>
-        <p:txBody>
-          <a:bodyPr/>
-          <a:lstStyle/>
-          <a:p>
-            <a:pPr>
-              <a:defRPr/>
-            </a:pPr>
-            <a:endParaRPr lang="en-US"/>
-          </a:p>
-        </p:txBody>
-      </p:sp>
-    </p:spTree>
-    <p:extLst>
-      <p:ext uri="{BB962C8B-B14F-4D97-AF65-F5344CB8AC3E}">
-        <p14:creationId xmlns:p14="http://schemas.microsoft.com/office/powerpoint/2010/main" val="1483228767"/>
+        <p14:creationId xmlns:p14="http://schemas.microsoft.com/office/powerpoint/2010/main" val="2461995008"/>
       </p:ext>
     </p:extLst>
   </p:cSld>
@@ -2638,34 +2185,26 @@
           <a:p>
             <a:r>
               <a:rPr lang="en-US" dirty="0" smtClean="0"/>
-              <a:t>As of this writing, the</a:t>
-            </a:r>
-            <a:r>
-              <a:rPr lang="en-US" baseline="0" dirty="0" smtClean="0"/>
-              <a:t> only way to share access to nodes is via </a:t>
-            </a:r>
-            <a:r>
-              <a:rPr lang="en-US" baseline="0" dirty="0" smtClean="0"/>
-              <a:t>teams/organizations</a:t>
-            </a:r>
-            <a:r>
-              <a:rPr lang="en-US" baseline="0" dirty="0" smtClean="0"/>
-              <a:t>. </a:t>
-            </a:r>
-            <a:endParaRPr lang="en-US" baseline="0" dirty="0" smtClean="0"/>
-          </a:p>
-          <a:p>
-            <a:endParaRPr lang="en-US" baseline="0" dirty="0" smtClean="0"/>
-          </a:p>
-          <a:p>
-            <a:r>
-              <a:rPr lang="en-US" dirty="0" smtClean="0"/>
-              <a:t>Permissions / RBAC is used to control what users and organizations can do in the context of chef compliance. You can effectively enable or disable permissions to scan systems, update packages, or manage various aspects of Chef Compliance including users and organizations. see </a:t>
-            </a:r>
-            <a:r>
-              <a:rPr lang="en-US" dirty="0" err="1" smtClean="0"/>
-              <a:t>ChefComplianceSalesEngFAQ</a:t>
-            </a:r>
+              <a:t>Permissions are used </a:t>
+            </a:r>
+            <a:r>
+              <a:rPr lang="en-US" dirty="0" smtClean="0"/>
+              <a:t>to control what users and organizations can do in the context of </a:t>
+            </a:r>
+            <a:r>
+              <a:rPr lang="en-US" dirty="0" smtClean="0"/>
+              <a:t>Chef Compliance</a:t>
+            </a:r>
+            <a:r>
+              <a:rPr lang="en-US" dirty="0" smtClean="0"/>
+              <a:t>. You can effectively enable or disable permissions to scan systems, update packages, or manage various aspects of Chef Compliance including users and </a:t>
+            </a:r>
+            <a:r>
+              <a:rPr lang="en-US" dirty="0" smtClean="0"/>
+              <a:t>organizations.</a:t>
+            </a:r>
+          </a:p>
+          <a:p>
             <a:endParaRPr lang="en-US" dirty="0" smtClean="0"/>
           </a:p>
           <a:p>
@@ -2756,777 +2295,6 @@
     <p:extLst>
       <p:ext uri="{BB962C8B-B14F-4D97-AF65-F5344CB8AC3E}">
         <p14:creationId xmlns:p14="http://schemas.microsoft.com/office/powerpoint/2010/main" val="4020403135"/>
-      </p:ext>
-    </p:extLst>
-  </p:cSld>
-  <p:clrMapOvr>
-    <a:masterClrMapping/>
-  </p:clrMapOvr>
-</p:notes>
-</file>
-
-<file path=ppt/notesSlides/notesSlide20.xml><?xml version="1.0" encoding="utf-8"?>
-<p:notes xmlns:a="http://schemas.openxmlformats.org/drawingml/2006/main" xmlns:r="http://schemas.openxmlformats.org/officeDocument/2006/relationships" xmlns:p="http://schemas.openxmlformats.org/presentationml/2006/main">
-  <p:cSld>
-    <p:spTree>
-      <p:nvGrpSpPr>
-        <p:cNvPr id="1" name=""/>
-        <p:cNvGrpSpPr/>
-        <p:nvPr/>
-      </p:nvGrpSpPr>
-      <p:grpSpPr>
-        <a:xfrm>
-          <a:off x="0" y="0"/>
-          <a:ext cx="0" cy="0"/>
-          <a:chOff x="0" y="0"/>
-          <a:chExt cx="0" cy="0"/>
-        </a:xfrm>
-      </p:grpSpPr>
-      <p:sp>
-        <p:nvSpPr>
-          <p:cNvPr id="2" name="Slide Image Placeholder 1"/>
-          <p:cNvSpPr>
-            <a:spLocks noGrp="1" noRot="1" noChangeAspect="1"/>
-          </p:cNvSpPr>
-          <p:nvPr>
-            <p:ph type="sldImg"/>
-          </p:nvPr>
-        </p:nvSpPr>
-        <p:spPr/>
-      </p:sp>
-      <p:sp>
-        <p:nvSpPr>
-          <p:cNvPr id="3" name="Notes Placeholder 2"/>
-          <p:cNvSpPr>
-            <a:spLocks noGrp="1"/>
-          </p:cNvSpPr>
-          <p:nvPr>
-            <p:ph type="body" idx="1"/>
-          </p:nvPr>
-        </p:nvSpPr>
-        <p:spPr/>
-        <p:txBody>
-          <a:bodyPr/>
-          <a:lstStyle/>
-          <a:p>
-            <a:endParaRPr lang="en-US" dirty="0"/>
-          </a:p>
-        </p:txBody>
-      </p:sp>
-      <p:sp>
-        <p:nvSpPr>
-          <p:cNvPr id="4" name="Slide Number Placeholder 3"/>
-          <p:cNvSpPr>
-            <a:spLocks noGrp="1"/>
-          </p:cNvSpPr>
-          <p:nvPr>
-            <p:ph type="sldNum" sz="quarter" idx="10"/>
-          </p:nvPr>
-        </p:nvSpPr>
-        <p:spPr/>
-        <p:txBody>
-          <a:bodyPr/>
-          <a:lstStyle/>
-          <a:p>
-            <a:pPr>
-              <a:defRPr/>
-            </a:pPr>
-            <a:fld id="{DC3734AA-3150-D947-AC52-2F5DF48BFCD5}" type="slidenum">
-              <a:rPr lang="en-US" smtClean="0"/>
-              <a:pPr>
-                <a:defRPr/>
-              </a:pPr>
-              <a:t>36</a:t>
-            </a:fld>
-            <a:endParaRPr lang="en-US" dirty="0"/>
-          </a:p>
-        </p:txBody>
-      </p:sp>
-      <p:sp>
-        <p:nvSpPr>
-          <p:cNvPr id="5" name="Header Placeholder 4"/>
-          <p:cNvSpPr>
-            <a:spLocks noGrp="1"/>
-          </p:cNvSpPr>
-          <p:nvPr>
-            <p:ph type="hdr" sz="quarter" idx="11"/>
-          </p:nvPr>
-        </p:nvSpPr>
-        <p:spPr/>
-        <p:txBody>
-          <a:bodyPr/>
-          <a:lstStyle/>
-          <a:p>
-            <a:pPr>
-              <a:defRPr/>
-            </a:pPr>
-            <a:endParaRPr lang="en-US"/>
-          </a:p>
-        </p:txBody>
-      </p:sp>
-      <p:sp>
-        <p:nvSpPr>
-          <p:cNvPr id="6" name="Footer Placeholder 5"/>
-          <p:cNvSpPr>
-            <a:spLocks noGrp="1"/>
-          </p:cNvSpPr>
-          <p:nvPr>
-            <p:ph type="ftr" sz="quarter" idx="12"/>
-          </p:nvPr>
-        </p:nvSpPr>
-        <p:spPr/>
-        <p:txBody>
-          <a:bodyPr/>
-          <a:lstStyle/>
-          <a:p>
-            <a:pPr>
-              <a:defRPr/>
-            </a:pPr>
-            <a:endParaRPr lang="en-US"/>
-          </a:p>
-        </p:txBody>
-      </p:sp>
-    </p:spTree>
-    <p:extLst>
-      <p:ext uri="{BB962C8B-B14F-4D97-AF65-F5344CB8AC3E}">
-        <p14:creationId xmlns:p14="http://schemas.microsoft.com/office/powerpoint/2010/main" val="156069988"/>
-      </p:ext>
-    </p:extLst>
-  </p:cSld>
-  <p:clrMapOvr>
-    <a:masterClrMapping/>
-  </p:clrMapOvr>
-</p:notes>
-</file>
-
-<file path=ppt/notesSlides/notesSlide21.xml><?xml version="1.0" encoding="utf-8"?>
-<p:notes xmlns:a="http://schemas.openxmlformats.org/drawingml/2006/main" xmlns:r="http://schemas.openxmlformats.org/officeDocument/2006/relationships" xmlns:p="http://schemas.openxmlformats.org/presentationml/2006/main">
-  <p:cSld>
-    <p:spTree>
-      <p:nvGrpSpPr>
-        <p:cNvPr id="1" name=""/>
-        <p:cNvGrpSpPr/>
-        <p:nvPr/>
-      </p:nvGrpSpPr>
-      <p:grpSpPr>
-        <a:xfrm>
-          <a:off x="0" y="0"/>
-          <a:ext cx="0" cy="0"/>
-          <a:chOff x="0" y="0"/>
-          <a:chExt cx="0" cy="0"/>
-        </a:xfrm>
-      </p:grpSpPr>
-      <p:sp>
-        <p:nvSpPr>
-          <p:cNvPr id="2" name="Slide Image Placeholder 1"/>
-          <p:cNvSpPr>
-            <a:spLocks noGrp="1" noRot="1" noChangeAspect="1"/>
-          </p:cNvSpPr>
-          <p:nvPr>
-            <p:ph type="sldImg"/>
-          </p:nvPr>
-        </p:nvSpPr>
-        <p:spPr/>
-      </p:sp>
-      <p:sp>
-        <p:nvSpPr>
-          <p:cNvPr id="3" name="Notes Placeholder 2"/>
-          <p:cNvSpPr>
-            <a:spLocks noGrp="1"/>
-          </p:cNvSpPr>
-          <p:nvPr>
-            <p:ph type="body" idx="1"/>
-          </p:nvPr>
-        </p:nvSpPr>
-        <p:spPr/>
-        <p:txBody>
-          <a:bodyPr>
-            <a:normAutofit/>
-          </a:bodyPr>
-          <a:lstStyle/>
-          <a:p>
-            <a:pPr marL="0" marR="0" indent="0" algn="l" defTabSz="1217613" rtl="0" eaLnBrk="1" fontAlgn="base" latinLnBrk="0" hangingPunct="1">
-              <a:lnSpc>
-                <a:spcPct val="90000"/>
-              </a:lnSpc>
-              <a:spcBef>
-                <a:spcPct val="30000"/>
-              </a:spcBef>
-              <a:spcAft>
-                <a:spcPts val="450"/>
-              </a:spcAft>
-              <a:buClrTx/>
-              <a:buSzTx/>
-              <a:buFontTx/>
-              <a:buNone/>
-              <a:tabLst/>
-              <a:defRPr/>
-            </a:pPr>
-            <a:r>
-              <a:rPr lang="en-US" b="0" dirty="0" smtClean="0"/>
-              <a:t>The custom profile you will create will scan nodes to ensure they have a '/</a:t>
-            </a:r>
-            <a:r>
-              <a:rPr lang="en-US" b="0" dirty="0" err="1" smtClean="0"/>
-              <a:t>tmp</a:t>
-            </a:r>
-            <a:r>
-              <a:rPr lang="en-US" b="0" dirty="0" smtClean="0"/>
-              <a:t>' directory and </a:t>
-            </a:r>
-            <a:r>
-              <a:rPr lang="en-US" b="0" baseline="0" dirty="0" smtClean="0"/>
-              <a:t>that directory should be </a:t>
-            </a:r>
-            <a:r>
-              <a:rPr lang="en-US" dirty="0" smtClean="0"/>
-              <a:t>owned by the root user.</a:t>
-            </a:r>
-          </a:p>
-          <a:p>
-            <a:pPr marL="0" marR="0" indent="0" algn="l" defTabSz="1217613" rtl="0" eaLnBrk="1" fontAlgn="base" latinLnBrk="0" hangingPunct="1">
-              <a:lnSpc>
-                <a:spcPct val="90000"/>
-              </a:lnSpc>
-              <a:spcBef>
-                <a:spcPct val="30000"/>
-              </a:spcBef>
-              <a:spcAft>
-                <a:spcPts val="450"/>
-              </a:spcAft>
-              <a:buClrTx/>
-              <a:buSzTx/>
-              <a:buFontTx/>
-              <a:buNone/>
-              <a:tabLst/>
-              <a:defRPr/>
-            </a:pPr>
-            <a:endParaRPr lang="en-US" dirty="0" smtClean="0"/>
-          </a:p>
-          <a:p>
-            <a:pPr marL="0" marR="0" indent="0" algn="l" defTabSz="1217613" rtl="0" eaLnBrk="1" fontAlgn="base" latinLnBrk="0" hangingPunct="1">
-              <a:lnSpc>
-                <a:spcPct val="90000"/>
-              </a:lnSpc>
-              <a:spcBef>
-                <a:spcPct val="30000"/>
-              </a:spcBef>
-              <a:spcAft>
-                <a:spcPts val="450"/>
-              </a:spcAft>
-              <a:buClrTx/>
-              <a:buSzTx/>
-              <a:buFontTx/>
-              <a:buNone/>
-              <a:tabLst/>
-              <a:defRPr/>
-            </a:pPr>
-            <a:r>
-              <a:rPr lang="en-US" b="1" dirty="0" smtClean="0"/>
-              <a:t>Note</a:t>
-            </a:r>
-            <a:r>
-              <a:rPr lang="en-US" dirty="0" smtClean="0"/>
-              <a:t>: In the workplace you would likely perform these custom profile tasks on your local</a:t>
-            </a:r>
-            <a:r>
-              <a:rPr lang="en-US" baseline="0" dirty="0" smtClean="0"/>
-              <a:t> workstation and upload them to the Compliance Server. In this class we'll use our target nodes as a workstation to create the profile on since they already have Chef installed on them. Then we'll ultimately upload the customer profile to your Compliance Server.</a:t>
-            </a:r>
-            <a:endParaRPr lang="en-US" dirty="0" smtClean="0"/>
-          </a:p>
-          <a:p>
-            <a:endParaRPr lang="en-US" dirty="0"/>
-          </a:p>
-        </p:txBody>
-      </p:sp>
-      <p:sp>
-        <p:nvSpPr>
-          <p:cNvPr id="4" name="Slide Number Placeholder 3"/>
-          <p:cNvSpPr>
-            <a:spLocks noGrp="1"/>
-          </p:cNvSpPr>
-          <p:nvPr>
-            <p:ph type="sldNum" sz="quarter" idx="10"/>
-          </p:nvPr>
-        </p:nvSpPr>
-        <p:spPr/>
-        <p:txBody>
-          <a:bodyPr/>
-          <a:lstStyle/>
-          <a:p>
-            <a:pPr>
-              <a:defRPr/>
-            </a:pPr>
-            <a:fld id="{DC3734AA-3150-D947-AC52-2F5DF48BFCD5}" type="slidenum">
-              <a:rPr lang="en-US" smtClean="0"/>
-              <a:pPr>
-                <a:defRPr/>
-              </a:pPr>
-              <a:t>37</a:t>
-            </a:fld>
-            <a:endParaRPr lang="en-US" dirty="0"/>
-          </a:p>
-        </p:txBody>
-      </p:sp>
-      <p:sp>
-        <p:nvSpPr>
-          <p:cNvPr id="5" name="Header Placeholder 4"/>
-          <p:cNvSpPr>
-            <a:spLocks noGrp="1"/>
-          </p:cNvSpPr>
-          <p:nvPr>
-            <p:ph type="hdr" sz="quarter" idx="11"/>
-          </p:nvPr>
-        </p:nvSpPr>
-        <p:spPr/>
-        <p:txBody>
-          <a:bodyPr/>
-          <a:lstStyle/>
-          <a:p>
-            <a:pPr>
-              <a:defRPr/>
-            </a:pPr>
-            <a:endParaRPr lang="en-US"/>
-          </a:p>
-        </p:txBody>
-      </p:sp>
-      <p:sp>
-        <p:nvSpPr>
-          <p:cNvPr id="6" name="Footer Placeholder 5"/>
-          <p:cNvSpPr>
-            <a:spLocks noGrp="1"/>
-          </p:cNvSpPr>
-          <p:nvPr>
-            <p:ph type="ftr" sz="quarter" idx="12"/>
-          </p:nvPr>
-        </p:nvSpPr>
-        <p:spPr/>
-        <p:txBody>
-          <a:bodyPr/>
-          <a:lstStyle/>
-          <a:p>
-            <a:pPr>
-              <a:defRPr/>
-            </a:pPr>
-            <a:endParaRPr lang="en-US"/>
-          </a:p>
-        </p:txBody>
-      </p:sp>
-    </p:spTree>
-    <p:extLst>
-      <p:ext uri="{BB962C8B-B14F-4D97-AF65-F5344CB8AC3E}">
-        <p14:creationId xmlns:p14="http://schemas.microsoft.com/office/powerpoint/2010/main" val="3964402445"/>
-      </p:ext>
-    </p:extLst>
-  </p:cSld>
-  <p:clrMapOvr>
-    <a:masterClrMapping/>
-  </p:clrMapOvr>
-</p:notes>
-</file>
-
-<file path=ppt/notesSlides/notesSlide22.xml><?xml version="1.0" encoding="utf-8"?>
-<p:notes xmlns:a="http://schemas.openxmlformats.org/drawingml/2006/main" xmlns:r="http://schemas.openxmlformats.org/officeDocument/2006/relationships" xmlns:p="http://schemas.openxmlformats.org/presentationml/2006/main">
-  <p:cSld>
-    <p:spTree>
-      <p:nvGrpSpPr>
-        <p:cNvPr id="1" name=""/>
-        <p:cNvGrpSpPr/>
-        <p:nvPr/>
-      </p:nvGrpSpPr>
-      <p:grpSpPr>
-        <a:xfrm>
-          <a:off x="0" y="0"/>
-          <a:ext cx="0" cy="0"/>
-          <a:chOff x="0" y="0"/>
-          <a:chExt cx="0" cy="0"/>
-        </a:xfrm>
-      </p:grpSpPr>
-      <p:sp>
-        <p:nvSpPr>
-          <p:cNvPr id="2" name="Slide Image Placeholder 1"/>
-          <p:cNvSpPr>
-            <a:spLocks noGrp="1" noRot="1" noChangeAspect="1"/>
-          </p:cNvSpPr>
-          <p:nvPr>
-            <p:ph type="sldImg"/>
-          </p:nvPr>
-        </p:nvSpPr>
-        <p:spPr/>
-      </p:sp>
-      <p:sp>
-        <p:nvSpPr>
-          <p:cNvPr id="3" name="Notes Placeholder 2"/>
-          <p:cNvSpPr>
-            <a:spLocks noGrp="1"/>
-          </p:cNvSpPr>
-          <p:nvPr>
-            <p:ph type="body" idx="1"/>
-          </p:nvPr>
-        </p:nvSpPr>
-        <p:spPr/>
-        <p:txBody>
-          <a:bodyPr/>
-          <a:lstStyle/>
-          <a:p>
-            <a:pPr marL="0" marR="0" indent="0" algn="l" defTabSz="1217613" rtl="0" eaLnBrk="1" fontAlgn="base" latinLnBrk="0" hangingPunct="1">
-              <a:lnSpc>
-                <a:spcPct val="90000"/>
-              </a:lnSpc>
-              <a:spcBef>
-                <a:spcPct val="30000"/>
-              </a:spcBef>
-              <a:spcAft>
-                <a:spcPts val="450"/>
-              </a:spcAft>
-              <a:buClrTx/>
-              <a:buSzTx/>
-              <a:buFontTx/>
-              <a:buNone/>
-              <a:tabLst/>
-              <a:defRPr/>
-            </a:pPr>
-            <a:r>
-              <a:rPr lang="en-US" dirty="0" smtClean="0"/>
-              <a:t>On your target node, create a directory for your profiles</a:t>
-            </a:r>
-            <a:r>
-              <a:rPr lang="en-US" baseline="0" dirty="0" smtClean="0"/>
-              <a:t> and the move into that new directory.</a:t>
-            </a:r>
-          </a:p>
-          <a:p>
-            <a:pPr marL="0" marR="0" indent="0" algn="l" defTabSz="1217613" rtl="0" eaLnBrk="1" fontAlgn="base" latinLnBrk="0" hangingPunct="1">
-              <a:lnSpc>
-                <a:spcPct val="90000"/>
-              </a:lnSpc>
-              <a:spcBef>
-                <a:spcPct val="30000"/>
-              </a:spcBef>
-              <a:spcAft>
-                <a:spcPts val="450"/>
-              </a:spcAft>
-              <a:buClrTx/>
-              <a:buSzTx/>
-              <a:buFontTx/>
-              <a:buNone/>
-              <a:tabLst/>
-              <a:defRPr/>
-            </a:pPr>
-            <a:endParaRPr lang="en-US" baseline="0" dirty="0" smtClean="0"/>
-          </a:p>
-          <a:p>
-            <a:pPr marL="0" marR="0" indent="0" algn="l" defTabSz="1217613" rtl="0" eaLnBrk="1" fontAlgn="base" latinLnBrk="0" hangingPunct="1">
-              <a:lnSpc>
-                <a:spcPct val="90000"/>
-              </a:lnSpc>
-              <a:spcBef>
-                <a:spcPct val="30000"/>
-              </a:spcBef>
-              <a:spcAft>
-                <a:spcPts val="450"/>
-              </a:spcAft>
-              <a:buClrTx/>
-              <a:buSzTx/>
-              <a:buFontTx/>
-              <a:buNone/>
-              <a:tabLst/>
-              <a:defRPr/>
-            </a:pPr>
-            <a:r>
-              <a:rPr lang="en-US" dirty="0" smtClean="0"/>
-              <a:t>$ `mkdir -p ~/</a:t>
-            </a:r>
-            <a:r>
-              <a:rPr lang="en-US" dirty="0" err="1" smtClean="0"/>
-              <a:t>compliance_profiles</a:t>
-            </a:r>
-            <a:r>
-              <a:rPr lang="en-US" dirty="0" smtClean="0"/>
-              <a:t>/profile_01`</a:t>
-            </a:r>
-          </a:p>
-          <a:p>
-            <a:r>
-              <a:rPr lang="en-US" dirty="0" smtClean="0"/>
-              <a:t>$ `cd ~/</a:t>
-            </a:r>
-            <a:r>
-              <a:rPr lang="en-US" dirty="0" err="1" smtClean="0"/>
-              <a:t>compliance_profiles</a:t>
-            </a:r>
-            <a:r>
-              <a:rPr lang="en-US" dirty="0" smtClean="0"/>
-              <a:t>/profile_01'</a:t>
-            </a:r>
-          </a:p>
-          <a:p>
-            <a:endParaRPr lang="en-US" dirty="0" smtClean="0"/>
-          </a:p>
-          <a:p>
-            <a:r>
-              <a:rPr lang="en-US" dirty="0" smtClean="0"/>
-              <a:t>Reminder: In the workplace you would likely perform this task TBD</a:t>
-            </a:r>
-          </a:p>
-          <a:p>
-            <a:pPr marL="0" marR="0" indent="0" algn="l" defTabSz="1217613" rtl="0" eaLnBrk="1" fontAlgn="base" latinLnBrk="0" hangingPunct="1">
-              <a:lnSpc>
-                <a:spcPct val="90000"/>
-              </a:lnSpc>
-              <a:spcBef>
-                <a:spcPct val="30000"/>
-              </a:spcBef>
-              <a:spcAft>
-                <a:spcPts val="450"/>
-              </a:spcAft>
-              <a:buClrTx/>
-              <a:buSzTx/>
-              <a:buFontTx/>
-              <a:buNone/>
-              <a:tabLst/>
-              <a:defRPr/>
-            </a:pPr>
-            <a:endParaRPr lang="en-US" baseline="0" dirty="0" smtClean="0"/>
-          </a:p>
-          <a:p>
-            <a:pPr marL="0" marR="0" indent="0" algn="l" defTabSz="1217613" rtl="0" eaLnBrk="1" fontAlgn="base" latinLnBrk="0" hangingPunct="1">
-              <a:lnSpc>
-                <a:spcPct val="90000"/>
-              </a:lnSpc>
-              <a:spcBef>
-                <a:spcPct val="30000"/>
-              </a:spcBef>
-              <a:spcAft>
-                <a:spcPts val="450"/>
-              </a:spcAft>
-              <a:buClrTx/>
-              <a:buSzTx/>
-              <a:buFontTx/>
-              <a:buNone/>
-              <a:tabLst/>
-              <a:defRPr/>
-            </a:pPr>
-            <a:endParaRPr lang="en-US" dirty="0" smtClean="0"/>
-          </a:p>
-        </p:txBody>
-      </p:sp>
-      <p:sp>
-        <p:nvSpPr>
-          <p:cNvPr id="4" name="Slide Number Placeholder 3"/>
-          <p:cNvSpPr>
-            <a:spLocks noGrp="1"/>
-          </p:cNvSpPr>
-          <p:nvPr>
-            <p:ph type="sldNum" sz="quarter" idx="10"/>
-          </p:nvPr>
-        </p:nvSpPr>
-        <p:spPr/>
-        <p:txBody>
-          <a:bodyPr/>
-          <a:lstStyle/>
-          <a:p>
-            <a:pPr>
-              <a:defRPr/>
-            </a:pPr>
-            <a:fld id="{DC3734AA-3150-D947-AC52-2F5DF48BFCD5}" type="slidenum">
-              <a:rPr lang="en-US" smtClean="0"/>
-              <a:pPr>
-                <a:defRPr/>
-              </a:pPr>
-              <a:t>38</a:t>
-            </a:fld>
-            <a:endParaRPr lang="en-US" dirty="0"/>
-          </a:p>
-        </p:txBody>
-      </p:sp>
-      <p:sp>
-        <p:nvSpPr>
-          <p:cNvPr id="5" name="Header Placeholder 4"/>
-          <p:cNvSpPr>
-            <a:spLocks noGrp="1"/>
-          </p:cNvSpPr>
-          <p:nvPr>
-            <p:ph type="hdr" sz="quarter" idx="11"/>
-          </p:nvPr>
-        </p:nvSpPr>
-        <p:spPr/>
-        <p:txBody>
-          <a:bodyPr/>
-          <a:lstStyle/>
-          <a:p>
-            <a:pPr>
-              <a:defRPr/>
-            </a:pPr>
-            <a:endParaRPr lang="en-US"/>
-          </a:p>
-        </p:txBody>
-      </p:sp>
-      <p:sp>
-        <p:nvSpPr>
-          <p:cNvPr id="6" name="Footer Placeholder 5"/>
-          <p:cNvSpPr>
-            <a:spLocks noGrp="1"/>
-          </p:cNvSpPr>
-          <p:nvPr>
-            <p:ph type="ftr" sz="quarter" idx="12"/>
-          </p:nvPr>
-        </p:nvSpPr>
-        <p:spPr/>
-        <p:txBody>
-          <a:bodyPr/>
-          <a:lstStyle/>
-          <a:p>
-            <a:pPr>
-              <a:defRPr/>
-            </a:pPr>
-            <a:endParaRPr lang="en-US"/>
-          </a:p>
-        </p:txBody>
-      </p:sp>
-    </p:spTree>
-    <p:extLst>
-      <p:ext uri="{BB962C8B-B14F-4D97-AF65-F5344CB8AC3E}">
-        <p14:creationId xmlns:p14="http://schemas.microsoft.com/office/powerpoint/2010/main" val="1882353999"/>
-      </p:ext>
-    </p:extLst>
-  </p:cSld>
-  <p:clrMapOvr>
-    <a:masterClrMapping/>
-  </p:clrMapOvr>
-</p:notes>
-</file>
-
-<file path=ppt/notesSlides/notesSlide23.xml><?xml version="1.0" encoding="utf-8"?>
-<p:notes xmlns:a="http://schemas.openxmlformats.org/drawingml/2006/main" xmlns:r="http://schemas.openxmlformats.org/officeDocument/2006/relationships" xmlns:p="http://schemas.openxmlformats.org/presentationml/2006/main">
-  <p:cSld>
-    <p:spTree>
-      <p:nvGrpSpPr>
-        <p:cNvPr id="1" name=""/>
-        <p:cNvGrpSpPr/>
-        <p:nvPr/>
-      </p:nvGrpSpPr>
-      <p:grpSpPr>
-        <a:xfrm>
-          <a:off x="0" y="0"/>
-          <a:ext cx="0" cy="0"/>
-          <a:chOff x="0" y="0"/>
-          <a:chExt cx="0" cy="0"/>
-        </a:xfrm>
-      </p:grpSpPr>
-      <p:sp>
-        <p:nvSpPr>
-          <p:cNvPr id="2" name="Slide Image Placeholder 1"/>
-          <p:cNvSpPr>
-            <a:spLocks noGrp="1" noRot="1" noChangeAspect="1"/>
-          </p:cNvSpPr>
-          <p:nvPr>
-            <p:ph type="sldImg"/>
-          </p:nvPr>
-        </p:nvSpPr>
-        <p:spPr/>
-      </p:sp>
-      <p:sp>
-        <p:nvSpPr>
-          <p:cNvPr id="3" name="Notes Placeholder 2"/>
-          <p:cNvSpPr>
-            <a:spLocks noGrp="1"/>
-          </p:cNvSpPr>
-          <p:nvPr>
-            <p:ph type="body" idx="1"/>
-          </p:nvPr>
-        </p:nvSpPr>
-        <p:spPr/>
-        <p:txBody>
-          <a:bodyPr/>
-          <a:lstStyle/>
-          <a:p>
-            <a:r>
-              <a:rPr lang="en-US" dirty="0" smtClean="0"/>
-              <a:t>In addition to the uploading procedure we'll do in the exercise, in the workplace you could also upload such custom profiles using an API.</a:t>
-            </a:r>
-            <a:endParaRPr lang="en-US" dirty="0"/>
-          </a:p>
-        </p:txBody>
-      </p:sp>
-      <p:sp>
-        <p:nvSpPr>
-          <p:cNvPr id="4" name="Slide Number Placeholder 3"/>
-          <p:cNvSpPr>
-            <a:spLocks noGrp="1"/>
-          </p:cNvSpPr>
-          <p:nvPr>
-            <p:ph type="sldNum" sz="quarter" idx="10"/>
-          </p:nvPr>
-        </p:nvSpPr>
-        <p:spPr/>
-        <p:txBody>
-          <a:bodyPr/>
-          <a:lstStyle/>
-          <a:p>
-            <a:pPr>
-              <a:defRPr/>
-            </a:pPr>
-            <a:fld id="{DC3734AA-3150-D947-AC52-2F5DF48BFCD5}" type="slidenum">
-              <a:rPr lang="en-US" smtClean="0"/>
-              <a:pPr>
-                <a:defRPr/>
-              </a:pPr>
-              <a:t>39</a:t>
-            </a:fld>
-            <a:endParaRPr lang="en-US" dirty="0"/>
-          </a:p>
-        </p:txBody>
-      </p:sp>
-      <p:sp>
-        <p:nvSpPr>
-          <p:cNvPr id="5" name="Header Placeholder 4"/>
-          <p:cNvSpPr>
-            <a:spLocks noGrp="1"/>
-          </p:cNvSpPr>
-          <p:nvPr>
-            <p:ph type="hdr" sz="quarter" idx="11"/>
-          </p:nvPr>
-        </p:nvSpPr>
-        <p:spPr/>
-        <p:txBody>
-          <a:bodyPr/>
-          <a:lstStyle/>
-          <a:p>
-            <a:pPr>
-              <a:defRPr/>
-            </a:pPr>
-            <a:endParaRPr lang="en-US"/>
-          </a:p>
-        </p:txBody>
-      </p:sp>
-      <p:sp>
-        <p:nvSpPr>
-          <p:cNvPr id="6" name="Footer Placeholder 5"/>
-          <p:cNvSpPr>
-            <a:spLocks noGrp="1"/>
-          </p:cNvSpPr>
-          <p:nvPr>
-            <p:ph type="ftr" sz="quarter" idx="12"/>
-          </p:nvPr>
-        </p:nvSpPr>
-        <p:spPr/>
-        <p:txBody>
-          <a:bodyPr/>
-          <a:lstStyle/>
-          <a:p>
-            <a:pPr>
-              <a:defRPr/>
-            </a:pPr>
-            <a:endParaRPr lang="en-US"/>
-          </a:p>
-        </p:txBody>
-      </p:sp>
-    </p:spTree>
-    <p:extLst>
-      <p:ext uri="{BB962C8B-B14F-4D97-AF65-F5344CB8AC3E}">
-        <p14:creationId xmlns:p14="http://schemas.microsoft.com/office/powerpoint/2010/main" val="3405956132"/>
       </p:ext>
     </p:extLst>
   </p:cSld>
@@ -3906,12 +2674,33 @@
             </a:r>
             <a:r>
               <a:rPr lang="en-US" baseline="0" dirty="0" smtClean="0"/>
-              <a:t> only way to share access to nodes from one user's account </a:t>
+              <a:t> only way to share access to nodes </a:t>
             </a:r>
             <a:r>
               <a:rPr lang="en-US" baseline="0" dirty="0" smtClean="0"/>
-              <a:t>is via a combination of an Organizations object and its Team object.</a:t>
-            </a:r>
+              <a:t>between different user accounts via </a:t>
+            </a:r>
+            <a:r>
+              <a:rPr lang="en-US" baseline="0" dirty="0" smtClean="0"/>
+              <a:t>a combination of an </a:t>
+            </a:r>
+            <a:r>
+              <a:rPr lang="en-US" baseline="0" dirty="0" smtClean="0"/>
+              <a:t>Organization </a:t>
+            </a:r>
+            <a:r>
+              <a:rPr lang="en-US" baseline="0" dirty="0" smtClean="0"/>
+              <a:t>object and its Team object</a:t>
+            </a:r>
+            <a:r>
+              <a:rPr lang="en-US" baseline="0" dirty="0" smtClean="0"/>
+              <a:t>.</a:t>
+            </a:r>
+          </a:p>
+          <a:p>
+            <a:endParaRPr lang="en-US" baseline="0" dirty="0" smtClean="0"/>
+          </a:p>
+          <a:p>
             <a:endParaRPr lang="en-US" baseline="0" dirty="0" smtClean="0"/>
           </a:p>
           <a:p>
@@ -11681,7 +10470,7 @@
                 <a:ea typeface="+mn-ea"/>
                 <a:cs typeface="+mn-cs"/>
               </a:rPr>
-              <a:t>5-</a:t>
+              <a:t>8-</a:t>
             </a:r>
             <a:fld id="{F0B79B2F-E1DD-4D43-95B3-EA08C411D807}" type="slidenum">
               <a:rPr lang="en-US" smtClean="0">
@@ -12441,7 +11230,7 @@
                 <a:ea typeface="+mn-ea"/>
                 <a:cs typeface="+mn-cs"/>
               </a:rPr>
-              <a:t>5-</a:t>
+              <a:t>8-</a:t>
             </a:r>
             <a:fld id="{F0B79B2F-E1DD-4D43-95B3-EA08C411D807}" type="slidenum">
               <a:rPr lang="en-US" smtClean="0">
@@ -13061,9 +11850,16 @@
           <a:p>
             <a:r>
               <a:rPr lang="en-US" dirty="0"/>
-              <a:t>Specifying Views and Actions Various Users Have Access To</a:t>
-            </a:r>
-            <a:endParaRPr lang="en-US" dirty="0"/>
+              <a:t>Specifying Views and Actions </a:t>
+            </a:r>
+            <a:r>
+              <a:rPr lang="en-US" dirty="0" smtClean="0"/>
+              <a:t>Users </a:t>
+            </a:r>
+            <a:r>
+              <a:rPr lang="en-US" dirty="0"/>
+              <a:t>Have Access To</a:t>
+            </a:r>
           </a:p>
         </p:txBody>
       </p:sp>
@@ -13152,8 +11948,13 @@
           <a:p>
             <a:r>
               <a:rPr lang="en-US" dirty="0" smtClean="0"/>
-              <a:t>Notice that you cannot access any nodes.</a:t>
-            </a:r>
+              <a:t>Notice that you cannot access any </a:t>
+            </a:r>
+            <a:r>
+              <a:rPr lang="en-US" dirty="0" smtClean="0"/>
+              <a:t>nodes that were added previously.</a:t>
+            </a:r>
+            <a:endParaRPr lang="en-US" dirty="0" smtClean="0"/>
           </a:p>
           <a:p>
             <a:endParaRPr lang="en-US" dirty="0"/>
@@ -13161,8 +11962,13 @@
           <a:p>
             <a:r>
               <a:rPr lang="en-US" dirty="0" smtClean="0"/>
-              <a:t>Also notice that your current permissions don't allow you to manage anything.</a:t>
-            </a:r>
+              <a:t>Also notice that your current permissions don't allow you to manage </a:t>
+            </a:r>
+            <a:r>
+              <a:rPr lang="en-US" dirty="0" smtClean="0"/>
+              <a:t>users or organizations.</a:t>
+            </a:r>
+            <a:endParaRPr lang="en-US" dirty="0" smtClean="0"/>
           </a:p>
           <a:p>
             <a:endParaRPr lang="en-US" dirty="0"/>
@@ -13221,8 +12027,8 @@
         </p:nvCxnSpPr>
         <p:spPr>
           <a:xfrm>
-            <a:off x="4103436" y="5156055"/>
-            <a:ext cx="3484138" cy="1264200"/>
+            <a:off x="5429250" y="5734050"/>
+            <a:ext cx="2158324" cy="686205"/>
           </a:xfrm>
           <a:prstGeom prst="straightConnector1">
             <a:avLst/>
@@ -13329,23 +12135,7 @@
           <a:p>
             <a:r>
               <a:rPr lang="en-US" dirty="0" smtClean="0"/>
-              <a:t>Organizations are objects that enable you to </a:t>
-            </a:r>
-            <a:r>
-              <a:rPr lang="en-US" dirty="0" smtClean="0"/>
-              <a:t>segregate target </a:t>
-            </a:r>
-            <a:r>
-              <a:rPr lang="en-US" dirty="0" smtClean="0"/>
-              <a:t>nodes </a:t>
-            </a:r>
-            <a:r>
-              <a:rPr lang="en-US" dirty="0" smtClean="0"/>
-              <a:t>and make them accessible </a:t>
-            </a:r>
-            <a:r>
-              <a:rPr lang="en-US" dirty="0" smtClean="0"/>
-              <a:t>to </a:t>
+              <a:t>Organizations are objects that enable you to segregate target nodes and make them accessible to </a:t>
             </a:r>
             <a:r>
               <a:rPr lang="en-US" dirty="0"/>
@@ -13362,32 +12152,51 @@
           <a:p>
             <a:r>
               <a:rPr lang="en-US" dirty="0" smtClean="0"/>
-              <a:t>Before you add nodes </a:t>
-            </a:r>
-            <a:r>
-              <a:rPr lang="en-US" dirty="0" smtClean="0"/>
-              <a:t>that you may want to share with other users, </a:t>
-            </a:r>
-            <a:r>
-              <a:rPr lang="en-US" dirty="0" smtClean="0"/>
-              <a:t>you </a:t>
-            </a:r>
-            <a:r>
-              <a:rPr lang="en-US" dirty="0" smtClean="0"/>
-              <a:t>should first create at least one Compliance </a:t>
-            </a:r>
-            <a:r>
-              <a:rPr lang="en-US" dirty="0" smtClean="0"/>
-              <a:t>Organization and a corresponding Compliance Team to </a:t>
-            </a:r>
-            <a:r>
-              <a:rPr lang="en-US" dirty="0" smtClean="0"/>
-              <a:t>which those nodes will be associated</a:t>
+              <a:t>Before you add nodes that you may want to share with other users, you should first create at least one Compliance </a:t>
+            </a:r>
+            <a:r>
+              <a:rPr lang="en-US" dirty="0" smtClean="0"/>
+              <a:t>organization </a:t>
+            </a:r>
+            <a:r>
+              <a:rPr lang="en-US" dirty="0" smtClean="0"/>
+              <a:t>and a corresponding Compliance </a:t>
+            </a:r>
+            <a:r>
+              <a:rPr lang="en-US" dirty="0" smtClean="0"/>
+              <a:t>team </a:t>
+            </a:r>
+            <a:r>
+              <a:rPr lang="en-US" dirty="0" smtClean="0"/>
+              <a:t>to which those nodes will be associated</a:t>
             </a:r>
             <a:r>
               <a:rPr lang="en-US" dirty="0" smtClean="0"/>
               <a:t>.</a:t>
             </a:r>
+          </a:p>
+          <a:p>
+            <a:endParaRPr lang="en-US" dirty="0"/>
+          </a:p>
+          <a:p>
+            <a:r>
+              <a:rPr lang="en-US" dirty="0" smtClean="0"/>
+              <a:t>In </a:t>
+            </a:r>
+            <a:r>
+              <a:rPr lang="en-US" dirty="0" smtClean="0"/>
+              <a:t>such a scenario, y</a:t>
+            </a:r>
+            <a:r>
+              <a:rPr lang="en-US" dirty="0" smtClean="0"/>
+              <a:t>ou'll need to switch to the new organization and then add nodes while you are working under that organization.</a:t>
+            </a:r>
+          </a:p>
+          <a:p>
+            <a:endParaRPr lang="en-US" dirty="0"/>
+          </a:p>
+          <a:p>
+            <a:endParaRPr lang="en-US" dirty="0" smtClean="0"/>
           </a:p>
           <a:p>
             <a:endParaRPr lang="en-US" dirty="0"/>
@@ -13898,8 +12707,8 @@
         </p:nvSpPr>
         <p:spPr>
           <a:xfrm>
-            <a:off x="650039" y="2364198"/>
-            <a:ext cx="6587339" cy="5345953"/>
+            <a:off x="650039" y="2165350"/>
+            <a:ext cx="6587339" cy="5671801"/>
           </a:xfrm>
         </p:spPr>
         <p:txBody>
@@ -13920,7 +12729,11 @@
             </a:r>
             <a:r>
               <a:rPr lang="en-US" dirty="0" smtClean="0"/>
-              <a:t> link to add team member to your new organization.</a:t>
+              <a:t> link to add team member to your new organization</a:t>
+            </a:r>
+            <a:r>
+              <a:rPr lang="en-US" dirty="0" smtClean="0"/>
+              <a:t>.</a:t>
             </a:r>
           </a:p>
           <a:p>
@@ -13930,8 +12743,50 @@
             </a:pPr>
             <a:r>
               <a:rPr lang="en-US" dirty="0" smtClean="0"/>
-              <a:t>Click the Add user filed and then select your new user name to this team.</a:t>
-            </a:r>
+              <a:t>Click </a:t>
+            </a:r>
+            <a:r>
+              <a:rPr lang="en-US" dirty="0" smtClean="0"/>
+              <a:t>the </a:t>
+            </a:r>
+            <a:r>
+              <a:rPr lang="en-US" b="1" dirty="0" smtClean="0"/>
+              <a:t>Add user </a:t>
+            </a:r>
+            <a:r>
+              <a:rPr lang="en-US" dirty="0" smtClean="0"/>
+              <a:t>field </a:t>
+            </a:r>
+            <a:r>
+              <a:rPr lang="en-US" dirty="0" smtClean="0"/>
+              <a:t>and then select your new user name to </a:t>
+            </a:r>
+            <a:r>
+              <a:rPr lang="en-US" dirty="0" smtClean="0"/>
+              <a:t>add it to this </a:t>
+            </a:r>
+            <a:r>
+              <a:rPr lang="en-US" dirty="0" smtClean="0"/>
+              <a:t>team</a:t>
+            </a:r>
+            <a:r>
+              <a:rPr lang="en-US" dirty="0" smtClean="0"/>
+              <a:t>.</a:t>
+            </a:r>
+          </a:p>
+          <a:p>
+            <a:endParaRPr lang="en-US" dirty="0" smtClean="0"/>
+          </a:p>
+          <a:p>
+            <a:r>
+              <a:rPr lang="en-US" dirty="0" smtClean="0"/>
+              <a:t>Notice </a:t>
+            </a:r>
+            <a:r>
+              <a:rPr lang="en-US" dirty="0"/>
+              <a:t>that the original admin user us already part of this and any new organization teams.</a:t>
+            </a:r>
+            <a:endParaRPr lang="en-US" dirty="0" smtClean="0"/>
           </a:p>
           <a:p>
             <a:pPr marL="514350" indent="-514350">
@@ -14044,8 +12899,8 @@
         </p:nvCxnSpPr>
         <p:spPr>
           <a:xfrm>
-            <a:off x="2741185" y="5908214"/>
-            <a:ext cx="6850287" cy="1601539"/>
+            <a:off x="6400800" y="5334000"/>
+            <a:ext cx="3190672" cy="2175753"/>
           </a:xfrm>
           <a:prstGeom prst="straightConnector1">
             <a:avLst/>
@@ -14375,11 +13230,15 @@
           <a:p>
             <a:r>
               <a:rPr lang="en-US" b="1" dirty="0" smtClean="0"/>
-              <a:t>Questions</a:t>
-            </a:r>
-            <a:r>
-              <a:rPr lang="en-US" dirty="0" smtClean="0"/>
-              <a:t>: Where have your previous nodes gone?</a:t>
+              <a:t>Question</a:t>
+            </a:r>
+            <a:r>
+              <a:rPr lang="en-US" dirty="0" smtClean="0"/>
+              <a:t>: </a:t>
+            </a:r>
+            <a:r>
+              <a:rPr lang="en-US" dirty="0" smtClean="0"/>
+              <a:t>Where have your previous nodes gone?</a:t>
             </a:r>
           </a:p>
           <a:p>
@@ -15010,7 +13869,15 @@
           <a:p>
             <a:r>
               <a:rPr lang="en-US" dirty="0" smtClean="0"/>
-              <a:t>As you may recall, the last time you tried to view nodes while logged into the Compliance Dashboard with your new user name, you could not see any nodes.</a:t>
+              <a:t>As you may recall, the last time you tried to view nodes while logged </a:t>
+            </a:r>
+            <a:r>
+              <a:rPr lang="en-US" dirty="0" smtClean="0"/>
+              <a:t>in to </a:t>
+            </a:r>
+            <a:r>
+              <a:rPr lang="en-US" dirty="0" smtClean="0"/>
+              <a:t>the Compliance Dashboard with your new user name, you could not see any nodes.</a:t>
             </a:r>
           </a:p>
           <a:p>
@@ -15092,6 +13959,42 @@
           </a:ln>
         </p:spPr>
       </p:pic>
+      <p:cxnSp>
+        <p:nvCxnSpPr>
+          <p:cNvPr id="5" name="Straight Arrow Connector 4"/>
+          <p:cNvCxnSpPr/>
+          <p:nvPr/>
+        </p:nvCxnSpPr>
+        <p:spPr>
+          <a:xfrm flipV="1">
+            <a:off x="6084437" y="3771900"/>
+            <a:ext cx="8145913" cy="3185437"/>
+          </a:xfrm>
+          <a:prstGeom prst="straightConnector1">
+            <a:avLst/>
+          </a:prstGeom>
+          <a:ln>
+            <a:solidFill>
+              <a:schemeClr val="accent1"/>
+            </a:solidFill>
+            <a:tailEnd type="triangle"/>
+          </a:ln>
+        </p:spPr>
+        <p:style>
+          <a:lnRef idx="3">
+            <a:schemeClr val="accent1"/>
+          </a:lnRef>
+          <a:fillRef idx="0">
+            <a:schemeClr val="accent1"/>
+          </a:fillRef>
+          <a:effectRef idx="2">
+            <a:schemeClr val="accent1"/>
+          </a:effectRef>
+          <a:fontRef idx="minor">
+            <a:schemeClr val="tx1"/>
+          </a:fontRef>
+        </p:style>
+      </p:cxnSp>
     </p:spTree>
     <p:extLst>
       <p:ext uri="{BB962C8B-B14F-4D97-AF65-F5344CB8AC3E}">
@@ -15210,7 +14113,6 @@
               <a:rPr lang="en-US" dirty="0" smtClean="0"/>
               <a:t>permissions.</a:t>
             </a:r>
-            <a:endParaRPr lang="en-US" dirty="0" smtClean="0"/>
           </a:p>
           <a:p>
             <a:pPr marL="457200" indent="-457200">
@@ -15219,15 +14121,7 @@
             </a:pPr>
             <a:r>
               <a:rPr lang="en-US" dirty="0" smtClean="0"/>
-              <a:t>Create </a:t>
-            </a:r>
-            <a:r>
-              <a:rPr lang="en-US" dirty="0" smtClean="0"/>
-              <a:t>and apply </a:t>
-            </a:r>
-            <a:r>
-              <a:rPr lang="en-US" dirty="0" smtClean="0"/>
-              <a:t>organizations.</a:t>
+              <a:t>Create and apply organizations.</a:t>
             </a:r>
           </a:p>
           <a:p>
@@ -15249,7 +14143,6 @@
               <a:rPr lang="en-US" dirty="0" smtClean="0"/>
               <a:t>Set Team permissions.</a:t>
             </a:r>
-            <a:endParaRPr lang="en-US" dirty="0" smtClean="0"/>
           </a:p>
           <a:p>
             <a:pPr marL="457200" indent="-457200">
@@ -15371,17 +14264,35 @@
           <a:p>
             <a:r>
               <a:rPr lang="en-US" dirty="0" smtClean="0"/>
-              <a:t>While logged in with your new user name, you should now be able to access the node that was created under your new organization.</a:t>
-            </a:r>
-          </a:p>
-          <a:p>
-            <a:endParaRPr lang="en-US" dirty="0"/>
-          </a:p>
-          <a:p>
-            <a:r>
-              <a:rPr lang="en-US" dirty="0" smtClean="0"/>
-              <a:t>Do you remember why this is possible?</a:t>
-            </a:r>
+              <a:t>While logged in with your new user name, you should now be able to access the node that was created under your new organization</a:t>
+            </a:r>
+            <a:r>
+              <a:rPr lang="en-US" dirty="0" smtClean="0"/>
+              <a:t>.</a:t>
+            </a:r>
+          </a:p>
+          <a:p>
+            <a:endParaRPr lang="en-US" b="1" dirty="0"/>
+          </a:p>
+          <a:p>
+            <a:r>
+              <a:rPr lang="en-US" b="1" dirty="0" smtClean="0"/>
+              <a:t>Question</a:t>
+            </a:r>
+            <a:r>
+              <a:rPr lang="en-US" dirty="0" smtClean="0"/>
+              <a:t>: Do </a:t>
+            </a:r>
+            <a:r>
+              <a:rPr lang="en-US" dirty="0" smtClean="0"/>
+              <a:t>you remember why this is possible</a:t>
+            </a:r>
+            <a:r>
+              <a:rPr lang="en-US" dirty="0" smtClean="0"/>
+              <a:t>?</a:t>
+            </a:r>
+          </a:p>
+          <a:p>
             <a:endParaRPr lang="en-US" dirty="0"/>
           </a:p>
           <a:p>
@@ -15413,7 +14324,7 @@
       </p:sp>
       <p:pic>
         <p:nvPicPr>
-          <p:cNvPr id="5" name="Picture 4"/>
+          <p:cNvPr id="6" name="Picture 5"/>
           <p:cNvPicPr>
             <a:picLocks noChangeAspect="1"/>
           </p:cNvPicPr>
@@ -15427,8 +14338,8 @@
         </p:blipFill>
         <p:spPr>
           <a:xfrm>
-            <a:off x="7792423" y="452607"/>
-            <a:ext cx="7752377" cy="7257544"/>
+            <a:off x="7530289" y="1133475"/>
+            <a:ext cx="8318933" cy="6109951"/>
           </a:xfrm>
           <a:prstGeom prst="rect">
             <a:avLst/>
@@ -15540,7 +14451,15 @@
           <a:p>
             <a:r>
               <a:rPr lang="en-US" dirty="0" smtClean="0"/>
-              <a:t>You should only be able to access the nodes that was created under your new organization.</a:t>
+              <a:t>You should only be able to access the </a:t>
+            </a:r>
+            <a:r>
+              <a:rPr lang="en-US" dirty="0" smtClean="0"/>
+              <a:t>node </a:t>
+            </a:r>
+            <a:r>
+              <a:rPr lang="en-US" dirty="0" smtClean="0"/>
+              <a:t>that was created under your new organization.</a:t>
             </a:r>
             <a:endParaRPr lang="en-US" dirty="0"/>
           </a:p>
@@ -15640,7 +14559,7 @@
             <a:spLocks noGrp="1"/>
           </p:cNvSpPr>
           <p:nvPr>
-            <p:ph type="title"/>
+            <p:ph type="ctrTitle"/>
           </p:nvPr>
         </p:nvSpPr>
         <p:spPr/>
@@ -15652,14 +14571,7 @@
           <a:p>
             <a:r>
               <a:rPr lang="en-US" dirty="0" smtClean="0"/>
-              <a:t>GL: Using Your New </a:t>
-            </a:r>
-            <a:br>
-              <a:rPr lang="en-US" dirty="0" smtClean="0"/>
-            </a:br>
-            <a:r>
-              <a:rPr lang="en-US" dirty="0" smtClean="0"/>
-              <a:t>Organization</a:t>
+              <a:t>Managing Team Permissions</a:t>
             </a:r>
             <a:endParaRPr lang="en-US" dirty="0"/>
           </a:p>
@@ -15667,27 +14579,22 @@
       </p:sp>
       <p:sp>
         <p:nvSpPr>
-          <p:cNvPr id="3" name="Text Placeholder 2"/>
-          <p:cNvSpPr>
-            <a:spLocks noGrp="1"/>
-          </p:cNvSpPr>
-          <p:nvPr>
-            <p:ph type="body" sz="quarter" idx="12"/>
-          </p:nvPr>
-        </p:nvSpPr>
-        <p:spPr>
-          <a:xfrm>
-            <a:off x="269039" y="2364198"/>
-            <a:ext cx="7007250" cy="5345953"/>
-          </a:xfrm>
-        </p:spPr>
+          <p:cNvPr id="3" name="Subtitle 2"/>
+          <p:cNvSpPr>
+            <a:spLocks noGrp="1"/>
+          </p:cNvSpPr>
+          <p:nvPr>
+            <p:ph type="subTitle" idx="1"/>
+          </p:nvPr>
+        </p:nvSpPr>
+        <p:spPr/>
         <p:txBody>
           <a:bodyPr/>
           <a:lstStyle/>
           <a:p>
             <a:r>
               <a:rPr lang="en-US" dirty="0" smtClean="0"/>
-              <a:t>While logged in with your new user name, you should now be able to access the node that was created under your new organization.</a:t>
+              <a:t>Teams have their own set of permissions.</a:t>
             </a:r>
           </a:p>
           <a:p>
@@ -15696,70 +14603,31 @@
           <a:p>
             <a:r>
               <a:rPr lang="en-US" dirty="0" smtClean="0"/>
-              <a:t>Do you remember why this is possible?</a:t>
-            </a:r>
+              <a:t>Team permissions are completely separate and independent of user permissions.</a:t>
+            </a:r>
+            <a:endParaRPr lang="en-US" dirty="0" smtClean="0"/>
+          </a:p>
+          <a:p>
+            <a:endParaRPr lang="en-US" dirty="0" smtClean="0"/>
+          </a:p>
+          <a:p>
+            <a:endParaRPr lang="en-US" dirty="0" smtClean="0"/>
+          </a:p>
+          <a:p>
+            <a:endParaRPr lang="en-US" dirty="0" smtClean="0"/>
+          </a:p>
+          <a:p>
+            <a:endParaRPr lang="en-US" dirty="0" smtClean="0"/>
+          </a:p>
+          <a:p>
             <a:endParaRPr lang="en-US" dirty="0"/>
           </a:p>
-          <a:p>
-            <a:endParaRPr lang="en-US" dirty="0" smtClean="0"/>
-          </a:p>
-          <a:p>
-            <a:endParaRPr lang="en-US" dirty="0" smtClean="0"/>
-          </a:p>
-          <a:p>
-            <a:endParaRPr lang="en-US" dirty="0"/>
-          </a:p>
-          <a:p>
-            <a:endParaRPr lang="en-US" dirty="0" smtClean="0"/>
-          </a:p>
-          <a:p>
-            <a:endParaRPr lang="en-US" dirty="0"/>
-          </a:p>
-          <a:p>
-            <a:endParaRPr lang="en-US" dirty="0" smtClean="0"/>
-          </a:p>
-          <a:p>
-            <a:pPr marL="514350" indent="-514350">
-              <a:buFont typeface="+mj-lt"/>
-              <a:buAutoNum type="arabicPeriod"/>
-            </a:pPr>
-            <a:endParaRPr lang="en-US" dirty="0"/>
-          </a:p>
-        </p:txBody>
-      </p:sp>
-      <p:pic>
-        <p:nvPicPr>
-          <p:cNvPr id="5" name="Picture 4"/>
-          <p:cNvPicPr>
-            <a:picLocks noChangeAspect="1"/>
-          </p:cNvPicPr>
-          <p:nvPr/>
-        </p:nvPicPr>
-        <p:blipFill>
-          <a:blip r:embed="rId3"/>
-          <a:stretch>
-            <a:fillRect/>
-          </a:stretch>
-        </p:blipFill>
-        <p:spPr>
-          <a:xfrm>
-            <a:off x="7792423" y="452607"/>
-            <a:ext cx="7752377" cy="7257544"/>
-          </a:xfrm>
-          <a:prstGeom prst="rect">
-            <a:avLst/>
-          </a:prstGeom>
-          <a:ln>
-            <a:solidFill>
-              <a:schemeClr val="accent1"/>
-            </a:solidFill>
-          </a:ln>
-        </p:spPr>
-      </p:pic>
+        </p:txBody>
+      </p:sp>
     </p:spTree>
     <p:extLst>
       <p:ext uri="{BB962C8B-B14F-4D97-AF65-F5344CB8AC3E}">
-        <p14:creationId xmlns:p14="http://schemas.microsoft.com/office/powerpoint/2010/main" val="769385658"/>
+        <p14:creationId xmlns:p14="http://schemas.microsoft.com/office/powerpoint/2010/main" val="1760666084"/>
       </p:ext>
     </p:extLst>
   </p:cSld>
@@ -15799,21 +14667,18 @@
             <p:ph type="title"/>
           </p:nvPr>
         </p:nvSpPr>
-        <p:spPr>
-          <a:xfrm>
-            <a:off x="609600" y="304800"/>
-            <a:ext cx="7568242" cy="828675"/>
-          </a:xfrm>
-        </p:spPr>
-        <p:txBody>
-          <a:bodyPr>
-            <a:normAutofit fontScale="90000"/>
-          </a:bodyPr>
+        <p:spPr/>
+        <p:txBody>
+          <a:bodyPr/>
           <a:lstStyle/>
           <a:p>
             <a:r>
               <a:rPr lang="en-US" dirty="0" smtClean="0"/>
-              <a:t>Organizations and Teams</a:t>
+              <a:t>GL: Managing </a:t>
+            </a:r>
+            <a:r>
+              <a:rPr lang="en-US" dirty="0" smtClean="0"/>
+              <a:t>Team Permissions</a:t>
             </a:r>
             <a:endParaRPr lang="en-US" dirty="0"/>
           </a:p>
@@ -15832,48 +14697,73 @@
         <p:spPr>
           <a:xfrm>
             <a:off x="650040" y="1856198"/>
-            <a:ext cx="6078564" cy="5345953"/>
+            <a:ext cx="4819107" cy="5345953"/>
           </a:xfrm>
         </p:spPr>
         <p:txBody>
           <a:bodyPr/>
           <a:lstStyle/>
           <a:p>
-            <a:r>
-              <a:rPr lang="en-US" dirty="0"/>
-              <a:t>When an organization is created and nodes are created under it, you can then allow users other than just the admin user to access those nodes. </a:t>
-            </a:r>
-            <a:endParaRPr lang="en-US" dirty="0" smtClean="0"/>
-          </a:p>
-          <a:p>
+            <a:pPr marL="514350" indent="-514350">
+              <a:buAutoNum type="arabicPeriod"/>
+            </a:pPr>
+            <a:r>
+              <a:rPr lang="en-US" dirty="0" smtClean="0"/>
+              <a:t>Log out of the Compliance Web UI and log back in as </a:t>
+            </a:r>
+            <a:r>
+              <a:rPr lang="en-US" b="1" dirty="0" smtClean="0"/>
+              <a:t>admin</a:t>
+            </a:r>
+            <a:r>
+              <a:rPr lang="en-US" dirty="0" smtClean="0"/>
+              <a:t>.</a:t>
+            </a:r>
             <a:endParaRPr lang="en-US" dirty="0"/>
           </a:p>
           <a:p>
-            <a:r>
-              <a:rPr lang="en-US" dirty="0" smtClean="0"/>
-              <a:t>This </a:t>
-            </a:r>
-            <a:r>
-              <a:rPr lang="en-US" dirty="0"/>
-              <a:t>is done by associating </a:t>
-            </a:r>
-            <a:r>
-              <a:rPr lang="en-US" dirty="0" smtClean="0"/>
-              <a:t>users to </a:t>
-            </a:r>
-            <a:r>
-              <a:rPr lang="en-US" dirty="0"/>
-              <a:t>a Team object that lives under an Organization object.</a:t>
-            </a:r>
-          </a:p>
-          <a:p>
-            <a:endParaRPr lang="en-US" dirty="0"/>
+            <a:pPr marL="514350" indent="-514350">
+              <a:buAutoNum type="arabicPeriod"/>
+            </a:pPr>
+            <a:r>
+              <a:rPr lang="en-US" dirty="0" smtClean="0"/>
+              <a:t>If you like you can switch back to the admin organization although it really doesn't matter for the next task.</a:t>
+            </a:r>
           </a:p>
         </p:txBody>
       </p:sp>
       <p:pic>
         <p:nvPicPr>
-          <p:cNvPr id="5" name="Picture 4"/>
+          <p:cNvPr id="4" name="Picture 3"/>
+          <p:cNvPicPr>
+            <a:picLocks noChangeAspect="1"/>
+          </p:cNvPicPr>
+          <p:nvPr/>
+        </p:nvPicPr>
+        <p:blipFill>
+          <a:blip r:embed="rId2"/>
+          <a:stretch>
+            <a:fillRect/>
+          </a:stretch>
+        </p:blipFill>
+        <p:spPr>
+          <a:xfrm>
+            <a:off x="11868150" y="4603873"/>
+            <a:ext cx="2895600" cy="3341077"/>
+          </a:xfrm>
+          <a:prstGeom prst="rect">
+            <a:avLst/>
+          </a:prstGeom>
+          <a:ln>
+            <a:solidFill>
+              <a:schemeClr val="accent1"/>
+            </a:solidFill>
+          </a:ln>
+        </p:spPr>
+      </p:pic>
+      <p:pic>
+        <p:nvPicPr>
+          <p:cNvPr id="8" name="Picture 7"/>
           <p:cNvPicPr>
             <a:picLocks noChangeAspect="1"/>
           </p:cNvPicPr>
@@ -15887,18 +14777,95 @@
         </p:blipFill>
         <p:spPr>
           <a:xfrm>
-            <a:off x="8336022" y="332197"/>
-            <a:ext cx="4776129" cy="3403923"/>
+            <a:off x="11705740" y="1133475"/>
+            <a:ext cx="3058010" cy="3300413"/>
           </a:xfrm>
           <a:prstGeom prst="rect">
             <a:avLst/>
           </a:prstGeom>
+          <a:ln>
+            <a:solidFill>
+              <a:schemeClr val="accent1"/>
+            </a:solidFill>
+          </a:ln>
         </p:spPr>
       </p:pic>
+      <p:cxnSp>
+        <p:nvCxnSpPr>
+          <p:cNvPr id="9" name="Straight Arrow Connector 8"/>
+          <p:cNvCxnSpPr/>
+          <p:nvPr/>
+        </p:nvCxnSpPr>
+        <p:spPr>
+          <a:xfrm>
+            <a:off x="5124450" y="2647950"/>
+            <a:ext cx="6210300" cy="1219200"/>
+          </a:xfrm>
+          <a:prstGeom prst="straightConnector1">
+            <a:avLst/>
+          </a:prstGeom>
+          <a:ln>
+            <a:solidFill>
+              <a:schemeClr val="accent1"/>
+            </a:solidFill>
+            <a:tailEnd type="triangle"/>
+          </a:ln>
+        </p:spPr>
+        <p:style>
+          <a:lnRef idx="3">
+            <a:schemeClr val="accent1"/>
+          </a:lnRef>
+          <a:fillRef idx="0">
+            <a:schemeClr val="accent1"/>
+          </a:fillRef>
+          <a:effectRef idx="2">
+            <a:schemeClr val="accent1"/>
+          </a:effectRef>
+          <a:fontRef idx="minor">
+            <a:schemeClr val="tx1"/>
+          </a:fontRef>
+        </p:style>
+      </p:cxnSp>
+      <p:cxnSp>
+        <p:nvCxnSpPr>
+          <p:cNvPr id="13" name="Straight Arrow Connector 12"/>
+          <p:cNvCxnSpPr/>
+          <p:nvPr/>
+        </p:nvCxnSpPr>
+        <p:spPr>
+          <a:xfrm flipV="1">
+            <a:off x="4972050" y="5143500"/>
+            <a:ext cx="7429500" cy="238125"/>
+          </a:xfrm>
+          <a:prstGeom prst="straightConnector1">
+            <a:avLst/>
+          </a:prstGeom>
+          <a:ln>
+            <a:solidFill>
+              <a:schemeClr val="accent1"/>
+            </a:solidFill>
+            <a:tailEnd type="triangle"/>
+          </a:ln>
+        </p:spPr>
+        <p:style>
+          <a:lnRef idx="3">
+            <a:schemeClr val="accent1"/>
+          </a:lnRef>
+          <a:fillRef idx="0">
+            <a:schemeClr val="accent1"/>
+          </a:fillRef>
+          <a:effectRef idx="2">
+            <a:schemeClr val="accent1"/>
+          </a:effectRef>
+          <a:fontRef idx="minor">
+            <a:schemeClr val="tx1"/>
+          </a:fontRef>
+        </p:style>
+      </p:cxnSp>
     </p:spTree>
     <p:extLst>
       <p:ext uri="{BB962C8B-B14F-4D97-AF65-F5344CB8AC3E}">
-        <p14:creationId xmlns:p14="http://schemas.microsoft.com/office/powerpoint/2010/main" val="1465386422"/>
+        <p14:creationId xmlns:p14="http://schemas.microsoft.com/office/powerpoint/2010/main" val="3509343264"/>
       </p:ext>
     </p:extLst>
   </p:cSld>
@@ -15908,13 +14875,6 @@
   <p:transition spd="med">
     <p:fade/>
   </p:transition>
-  <p:timing>
-    <p:tnLst>
-      <p:par>
-        <p:cTn id="1" dur="indefinite" restart="never" nodeType="tmRoot"/>
-      </p:par>
-    </p:tnLst>
-  </p:timing>
 </p:sld>
 </file>
 
@@ -15945,21 +14905,18 @@
             <p:ph type="title"/>
           </p:nvPr>
         </p:nvSpPr>
-        <p:spPr>
-          <a:xfrm>
-            <a:off x="609600" y="304800"/>
-            <a:ext cx="7568242" cy="828675"/>
-          </a:xfrm>
-        </p:spPr>
-        <p:txBody>
-          <a:bodyPr>
-            <a:normAutofit/>
-          </a:bodyPr>
+        <p:spPr/>
+        <p:txBody>
+          <a:bodyPr/>
           <a:lstStyle/>
           <a:p>
             <a:r>
               <a:rPr lang="en-US" dirty="0" smtClean="0"/>
-              <a:t>TODO - permissions.</a:t>
+              <a:t>GL: Managing </a:t>
+            </a:r>
+            <a:r>
+              <a:rPr lang="en-US" dirty="0" smtClean="0"/>
+              <a:t>Team Permissions</a:t>
             </a:r>
             <a:endParaRPr lang="en-US" dirty="0"/>
           </a:p>
@@ -15978,28 +14935,197 @@
         <p:spPr>
           <a:xfrm>
             <a:off x="650040" y="1856198"/>
-            <a:ext cx="6078564" cy="5345953"/>
+            <a:ext cx="4969710" cy="5345953"/>
           </a:xfrm>
         </p:spPr>
         <p:txBody>
           <a:bodyPr/>
           <a:lstStyle/>
           <a:p>
-            <a:r>
-              <a:rPr lang="en-US" dirty="0" smtClean="0"/>
-              <a:t>Everything past this slide is under heavy construction.</a:t>
+            <a:pPr marL="514350" indent="-514350">
+              <a:buFont typeface="+mj-lt"/>
+              <a:buAutoNum type="arabicPeriod" startAt="3"/>
+            </a:pPr>
+            <a:r>
+              <a:rPr lang="en-US" dirty="0" smtClean="0"/>
+              <a:t>Click </a:t>
+            </a:r>
+            <a:r>
+              <a:rPr lang="en-US" b="1" dirty="0" smtClean="0"/>
+              <a:t>Manage Organizations </a:t>
+            </a:r>
+            <a:r>
+              <a:rPr lang="en-US" dirty="0" smtClean="0"/>
+              <a:t>from the menu</a:t>
+            </a:r>
+            <a:r>
+              <a:rPr lang="en-US" dirty="0" smtClean="0"/>
+              <a:t>.</a:t>
+            </a:r>
+          </a:p>
+          <a:p>
+            <a:pPr marL="514350" indent="-514350">
+              <a:buFont typeface="+mj-lt"/>
+              <a:buAutoNum type="arabicPeriod" startAt="3"/>
+            </a:pPr>
+            <a:r>
+              <a:rPr lang="en-US" dirty="0" smtClean="0"/>
+              <a:t>From the resulting Organizations screen, click the </a:t>
+            </a:r>
+            <a:r>
+              <a:rPr lang="en-US" b="1" dirty="0" smtClean="0"/>
+              <a:t>chef</a:t>
+            </a:r>
+            <a:r>
+              <a:rPr lang="en-US" dirty="0" smtClean="0"/>
+              <a:t> organization's </a:t>
+            </a:r>
+            <a:r>
+              <a:rPr lang="en-US" b="1" dirty="0" smtClean="0"/>
+              <a:t>Teams</a:t>
+            </a:r>
+            <a:r>
+              <a:rPr lang="en-US" dirty="0" smtClean="0"/>
+              <a:t> link.</a:t>
             </a:r>
             <a:endParaRPr lang="en-US" dirty="0"/>
           </a:p>
-          <a:p>
-            <a:endParaRPr lang="en-US" dirty="0"/>
-          </a:p>
-        </p:txBody>
-      </p:sp>
+        </p:txBody>
+      </p:sp>
+      <p:pic>
+        <p:nvPicPr>
+          <p:cNvPr id="5" name="Picture 4"/>
+          <p:cNvPicPr>
+            <a:picLocks noChangeAspect="1"/>
+          </p:cNvPicPr>
+          <p:nvPr/>
+        </p:nvPicPr>
+        <p:blipFill>
+          <a:blip r:embed="rId2"/>
+          <a:stretch>
+            <a:fillRect/>
+          </a:stretch>
+        </p:blipFill>
+        <p:spPr>
+          <a:xfrm>
+            <a:off x="11717686" y="1108526"/>
+            <a:ext cx="2626964" cy="3183766"/>
+          </a:xfrm>
+          <a:prstGeom prst="rect">
+            <a:avLst/>
+          </a:prstGeom>
+          <a:ln>
+            <a:solidFill>
+              <a:schemeClr val="accent1"/>
+            </a:solidFill>
+          </a:ln>
+        </p:spPr>
+      </p:pic>
+      <p:cxnSp>
+        <p:nvCxnSpPr>
+          <p:cNvPr id="7" name="Straight Arrow Connector 6"/>
+          <p:cNvCxnSpPr/>
+          <p:nvPr/>
+        </p:nvCxnSpPr>
+        <p:spPr>
+          <a:xfrm>
+            <a:off x="5486400" y="2857500"/>
+            <a:ext cx="6572250" cy="152400"/>
+          </a:xfrm>
+          <a:prstGeom prst="straightConnector1">
+            <a:avLst/>
+          </a:prstGeom>
+          <a:ln>
+            <a:solidFill>
+              <a:schemeClr val="accent1"/>
+            </a:solidFill>
+            <a:tailEnd type="triangle"/>
+          </a:ln>
+        </p:spPr>
+        <p:style>
+          <a:lnRef idx="3">
+            <a:schemeClr val="accent1"/>
+          </a:lnRef>
+          <a:fillRef idx="0">
+            <a:schemeClr val="accent1"/>
+          </a:fillRef>
+          <a:effectRef idx="2">
+            <a:schemeClr val="accent1"/>
+          </a:effectRef>
+          <a:fontRef idx="minor">
+            <a:schemeClr val="tx1"/>
+          </a:fontRef>
+        </p:style>
+      </p:cxnSp>
+      <p:pic>
+        <p:nvPicPr>
+          <p:cNvPr id="10" name="Picture 9"/>
+          <p:cNvPicPr>
+            <a:picLocks noChangeAspect="1"/>
+          </p:cNvPicPr>
+          <p:nvPr/>
+        </p:nvPicPr>
+        <p:blipFill>
+          <a:blip r:embed="rId3"/>
+          <a:stretch>
+            <a:fillRect/>
+          </a:stretch>
+        </p:blipFill>
+        <p:spPr>
+          <a:xfrm>
+            <a:off x="9017000" y="4468572"/>
+            <a:ext cx="6781800" cy="3370011"/>
+          </a:xfrm>
+          <a:prstGeom prst="rect">
+            <a:avLst/>
+          </a:prstGeom>
+          <a:ln>
+            <a:solidFill>
+              <a:schemeClr val="accent1"/>
+            </a:solidFill>
+          </a:ln>
+        </p:spPr>
+      </p:pic>
+      <p:cxnSp>
+        <p:nvCxnSpPr>
+          <p:cNvPr id="13" name="Straight Arrow Connector 12"/>
+          <p:cNvCxnSpPr/>
+          <p:nvPr/>
+        </p:nvCxnSpPr>
+        <p:spPr>
+          <a:xfrm>
+            <a:off x="5145436" y="5293594"/>
+            <a:ext cx="8532464" cy="1754906"/>
+          </a:xfrm>
+          <a:prstGeom prst="straightConnector1">
+            <a:avLst/>
+          </a:prstGeom>
+          <a:ln>
+            <a:solidFill>
+              <a:schemeClr val="accent1"/>
+            </a:solidFill>
+            <a:tailEnd type="triangle"/>
+          </a:ln>
+        </p:spPr>
+        <p:style>
+          <a:lnRef idx="3">
+            <a:schemeClr val="accent1"/>
+          </a:lnRef>
+          <a:fillRef idx="0">
+            <a:schemeClr val="accent1"/>
+          </a:fillRef>
+          <a:effectRef idx="2">
+            <a:schemeClr val="accent1"/>
+          </a:effectRef>
+          <a:fontRef idx="minor">
+            <a:schemeClr val="tx1"/>
+          </a:fontRef>
+        </p:style>
+      </p:cxnSp>
     </p:spTree>
     <p:extLst>
       <p:ext uri="{BB962C8B-B14F-4D97-AF65-F5344CB8AC3E}">
-        <p14:creationId xmlns:p14="http://schemas.microsoft.com/office/powerpoint/2010/main" val="2632475762"/>
+        <p14:creationId xmlns:p14="http://schemas.microsoft.com/office/powerpoint/2010/main" val="3842935009"/>
       </p:ext>
     </p:extLst>
   </p:cSld>
@@ -16009,13 +15135,6 @@
   <p:transition spd="med">
     <p:fade/>
   </p:transition>
-  <p:timing>
-    <p:tnLst>
-      <p:par>
-        <p:cTn id="1" dur="indefinite" restart="never" nodeType="tmRoot"/>
-      </p:par>
-    </p:tnLst>
-  </p:timing>
 </p:sld>
 </file>
 
@@ -16046,1039 +15165,93 @@
             <p:ph type="title"/>
           </p:nvPr>
         </p:nvSpPr>
+        <p:spPr/>
+        <p:txBody>
+          <a:bodyPr/>
+          <a:lstStyle/>
+          <a:p>
+            <a:r>
+              <a:rPr lang="en-US" dirty="0" smtClean="0"/>
+              <a:t>GL: Managing </a:t>
+            </a:r>
+            <a:r>
+              <a:rPr lang="en-US" dirty="0" smtClean="0"/>
+              <a:t>Team Permissions</a:t>
+            </a:r>
+            <a:endParaRPr lang="en-US" dirty="0"/>
+          </a:p>
+        </p:txBody>
+      </p:sp>
+      <p:sp>
+        <p:nvSpPr>
+          <p:cNvPr id="3" name="Text Placeholder 2"/>
+          <p:cNvSpPr>
+            <a:spLocks noGrp="1"/>
+          </p:cNvSpPr>
+          <p:nvPr>
+            <p:ph type="body" sz="quarter" idx="12"/>
+          </p:nvPr>
+        </p:nvSpPr>
         <p:spPr>
           <a:xfrm>
-            <a:off x="609599" y="304800"/>
-            <a:ext cx="14146003" cy="828675"/>
-          </a:xfrm>
-        </p:spPr>
-        <p:txBody>
-          <a:bodyPr>
-            <a:normAutofit fontScale="90000"/>
-          </a:bodyPr>
+            <a:off x="650040" y="1856198"/>
+            <a:ext cx="4969710" cy="5345953"/>
+          </a:xfrm>
+        </p:spPr>
+        <p:txBody>
+          <a:bodyPr/>
           <a:lstStyle/>
           <a:p>
-            <a:r>
-              <a:rPr lang="en-US" dirty="0" smtClean="0"/>
-              <a:t>Sharing Nodes via Organizations and Teams</a:t>
-            </a:r>
+            <a:pPr marL="514350" indent="-514350">
+              <a:buFont typeface="+mj-lt"/>
+              <a:buAutoNum type="arabicPeriod" startAt="5"/>
+            </a:pPr>
+            <a:r>
+              <a:rPr lang="en-US" dirty="0"/>
+              <a:t>From the resulting </a:t>
+            </a:r>
+            <a:r>
+              <a:rPr lang="en-US" dirty="0" smtClean="0"/>
+              <a:t>Teams screen</a:t>
+            </a:r>
+            <a:r>
+              <a:rPr lang="en-US" dirty="0"/>
+              <a:t>, click the </a:t>
+            </a:r>
+            <a:r>
+              <a:rPr lang="en-US" b="1" dirty="0" smtClean="0"/>
+              <a:t>pencil </a:t>
+            </a:r>
+            <a:r>
+              <a:rPr lang="en-US" dirty="0" smtClean="0"/>
+              <a:t>icon.</a:t>
+            </a:r>
+          </a:p>
+          <a:p>
+            <a:pPr marL="514350" indent="-514350">
+              <a:buFont typeface="+mj-lt"/>
+              <a:buAutoNum type="arabicPeriod" startAt="5"/>
+            </a:pPr>
             <a:endParaRPr lang="en-US" dirty="0"/>
           </a:p>
-        </p:txBody>
-      </p:sp>
-      <p:pic>
-        <p:nvPicPr>
-          <p:cNvPr id="5" name="Picture 4"/>
-          <p:cNvPicPr>
-            <a:picLocks noChangeAspect="1"/>
-          </p:cNvPicPr>
-          <p:nvPr/>
-        </p:nvPicPr>
-        <p:blipFill>
-          <a:blip r:embed="rId3"/>
-          <a:stretch>
-            <a:fillRect/>
-          </a:stretch>
-        </p:blipFill>
-        <p:spPr>
-          <a:xfrm>
-            <a:off x="2114893" y="4838086"/>
-            <a:ext cx="4776129" cy="3403923"/>
-          </a:xfrm>
-          <a:prstGeom prst="rect">
-            <a:avLst/>
-          </a:prstGeom>
-          <a:ln>
-            <a:solidFill>
-              <a:schemeClr val="accent1"/>
-            </a:solidFill>
-          </a:ln>
-        </p:spPr>
-      </p:pic>
+          <a:p>
+            <a:r>
+              <a:rPr lang="en-US" dirty="0" smtClean="0"/>
+              <a:t>The team permissions screen should display.</a:t>
+            </a:r>
+          </a:p>
+          <a:p>
+            <a:pPr marL="514350" indent="-514350">
+              <a:buFont typeface="+mj-lt"/>
+              <a:buAutoNum type="arabicPeriod" startAt="5"/>
+            </a:pPr>
+            <a:endParaRPr lang="en-US" dirty="0"/>
+          </a:p>
+        </p:txBody>
+      </p:sp>
       <p:pic>
         <p:nvPicPr>
           <p:cNvPr id="4" name="Picture 3"/>
-          <p:cNvPicPr>
-            <a:picLocks noChangeAspect="1"/>
-          </p:cNvPicPr>
-          <p:nvPr/>
-        </p:nvPicPr>
-        <p:blipFill>
-          <a:blip r:embed="rId4"/>
-          <a:stretch>
-            <a:fillRect/>
-          </a:stretch>
-        </p:blipFill>
-        <p:spPr>
-          <a:xfrm>
-            <a:off x="7330781" y="5201468"/>
-            <a:ext cx="4029075" cy="2743200"/>
-          </a:xfrm>
-          <a:prstGeom prst="rect">
-            <a:avLst/>
-          </a:prstGeom>
-          <a:ln>
-            <a:solidFill>
-              <a:schemeClr val="accent1"/>
-            </a:solidFill>
-          </a:ln>
-        </p:spPr>
-      </p:pic>
-      <p:pic>
-        <p:nvPicPr>
-          <p:cNvPr id="6" name="Picture 5"/>
-          <p:cNvPicPr>
-            <a:picLocks noChangeAspect="1"/>
-          </p:cNvPicPr>
-          <p:nvPr/>
-        </p:nvPicPr>
-        <p:blipFill>
-          <a:blip r:embed="rId5"/>
-          <a:stretch>
-            <a:fillRect/>
-          </a:stretch>
-        </p:blipFill>
-        <p:spPr>
-          <a:xfrm>
-            <a:off x="11799615" y="5487218"/>
-            <a:ext cx="4076700" cy="2171700"/>
-          </a:xfrm>
-          <a:prstGeom prst="rect">
-            <a:avLst/>
-          </a:prstGeom>
-          <a:ln>
-            <a:solidFill>
-              <a:schemeClr val="accent1"/>
-            </a:solidFill>
-          </a:ln>
-        </p:spPr>
-      </p:pic>
-      <p:pic>
-        <p:nvPicPr>
-          <p:cNvPr id="7" name="Picture 6"/>
-          <p:cNvPicPr>
-            <a:picLocks noChangeAspect="1"/>
-          </p:cNvPicPr>
-          <p:nvPr/>
-        </p:nvPicPr>
-        <p:blipFill>
-          <a:blip r:embed="rId6"/>
-          <a:stretch>
-            <a:fillRect/>
-          </a:stretch>
-        </p:blipFill>
-        <p:spPr>
-          <a:xfrm>
-            <a:off x="13560214" y="1095784"/>
-            <a:ext cx="2390775" cy="3343275"/>
-          </a:xfrm>
-          <a:prstGeom prst="rect">
-            <a:avLst/>
-          </a:prstGeom>
-          <a:ln>
-            <a:solidFill>
-              <a:schemeClr val="accent1"/>
-            </a:solidFill>
-          </a:ln>
-        </p:spPr>
-      </p:pic>
-      <p:pic>
-        <p:nvPicPr>
-          <p:cNvPr id="8" name="Picture 7"/>
-          <p:cNvPicPr>
-            <a:picLocks noChangeAspect="1"/>
-          </p:cNvPicPr>
-          <p:nvPr/>
-        </p:nvPicPr>
-        <p:blipFill>
-          <a:blip r:embed="rId7"/>
-          <a:stretch>
-            <a:fillRect/>
-          </a:stretch>
-        </p:blipFill>
-        <p:spPr>
-          <a:xfrm>
-            <a:off x="609599" y="1095784"/>
-            <a:ext cx="2228850" cy="3362325"/>
-          </a:xfrm>
-          <a:prstGeom prst="rect">
-            <a:avLst/>
-          </a:prstGeom>
-          <a:ln>
-            <a:solidFill>
-              <a:schemeClr val="accent1"/>
-            </a:solidFill>
-          </a:ln>
-        </p:spPr>
-      </p:pic>
-      <p:pic>
-        <p:nvPicPr>
-          <p:cNvPr id="10" name="Picture 9"/>
-          <p:cNvPicPr>
-            <a:picLocks noChangeAspect="1"/>
-          </p:cNvPicPr>
-          <p:nvPr/>
-        </p:nvPicPr>
-        <p:blipFill>
-          <a:blip r:embed="rId8"/>
-          <a:stretch>
-            <a:fillRect/>
-          </a:stretch>
-        </p:blipFill>
-        <p:spPr>
-          <a:xfrm>
-            <a:off x="3251857" y="1614896"/>
-            <a:ext cx="4305300" cy="1552575"/>
-          </a:xfrm>
-          <a:prstGeom prst="rect">
-            <a:avLst/>
-          </a:prstGeom>
-          <a:ln>
-            <a:solidFill>
-              <a:schemeClr val="accent1"/>
-            </a:solidFill>
-          </a:ln>
-        </p:spPr>
-      </p:pic>
-      <p:pic>
-        <p:nvPicPr>
-          <p:cNvPr id="12" name="Picture 11"/>
-          <p:cNvPicPr>
-            <a:picLocks noChangeAspect="1"/>
-          </p:cNvPicPr>
-          <p:nvPr/>
-        </p:nvPicPr>
-        <p:blipFill>
-          <a:blip r:embed="rId9"/>
-          <a:stretch>
-            <a:fillRect/>
-          </a:stretch>
-        </p:blipFill>
-        <p:spPr>
-          <a:xfrm>
-            <a:off x="7970565" y="989986"/>
-            <a:ext cx="3829050" cy="3848100"/>
-          </a:xfrm>
-          <a:prstGeom prst="rect">
-            <a:avLst/>
-          </a:prstGeom>
-          <a:ln>
-            <a:solidFill>
-              <a:schemeClr val="accent1"/>
-            </a:solidFill>
-          </a:ln>
-        </p:spPr>
-      </p:pic>
-      <p:pic>
-        <p:nvPicPr>
-          <p:cNvPr id="13" name="Picture 12"/>
-          <p:cNvPicPr>
-            <a:picLocks noChangeAspect="1"/>
-          </p:cNvPicPr>
-          <p:nvPr/>
-        </p:nvPicPr>
-        <p:blipFill>
-          <a:blip r:embed="rId10"/>
-          <a:stretch>
-            <a:fillRect/>
-          </a:stretch>
-        </p:blipFill>
-        <p:spPr>
-          <a:xfrm>
-            <a:off x="-2533307" y="5201468"/>
-            <a:ext cx="4648200" cy="2981325"/>
-          </a:xfrm>
-          <a:prstGeom prst="rect">
-            <a:avLst/>
-          </a:prstGeom>
-          <a:ln>
-            <a:solidFill>
-              <a:schemeClr val="accent1"/>
-            </a:solidFill>
-          </a:ln>
-        </p:spPr>
-      </p:pic>
-    </p:spTree>
-    <p:extLst>
-      <p:ext uri="{BB962C8B-B14F-4D97-AF65-F5344CB8AC3E}">
-        <p14:creationId xmlns:p14="http://schemas.microsoft.com/office/powerpoint/2010/main" val="2057228420"/>
-      </p:ext>
-    </p:extLst>
-  </p:cSld>
-  <p:clrMapOvr>
-    <a:masterClrMapping/>
-  </p:clrMapOvr>
-  <p:transition spd="med">
-    <p:fade/>
-  </p:transition>
-  <p:timing>
-    <p:tnLst>
-      <p:par>
-        <p:cTn id="1" dur="indefinite" restart="never" nodeType="tmRoot"/>
-      </p:par>
-    </p:tnLst>
-  </p:timing>
-</p:sld>
-</file>
-
-<file path=ppt/slides/slide26.xml><?xml version="1.0" encoding="utf-8"?>
-<p:sld xmlns:a="http://schemas.openxmlformats.org/drawingml/2006/main" xmlns:r="http://schemas.openxmlformats.org/officeDocument/2006/relationships" xmlns:p="http://schemas.openxmlformats.org/presentationml/2006/main">
-  <p:cSld>
-    <p:spTree>
-      <p:nvGrpSpPr>
-        <p:cNvPr id="1" name=""/>
-        <p:cNvGrpSpPr/>
-        <p:nvPr/>
-      </p:nvGrpSpPr>
-      <p:grpSpPr>
-        <a:xfrm>
-          <a:off x="0" y="0"/>
-          <a:ext cx="0" cy="0"/>
-          <a:chOff x="0" y="0"/>
-          <a:chExt cx="0" cy="0"/>
-        </a:xfrm>
-      </p:grpSpPr>
-      <p:sp>
-        <p:nvSpPr>
-          <p:cNvPr id="2" name="Title 1"/>
-          <p:cNvSpPr>
-            <a:spLocks noGrp="1"/>
-          </p:cNvSpPr>
-          <p:nvPr>
-            <p:ph type="ctrTitle"/>
-          </p:nvPr>
-        </p:nvSpPr>
-        <p:spPr/>
-        <p:txBody>
-          <a:bodyPr>
-            <a:normAutofit fontScale="90000"/>
-          </a:bodyPr>
-          <a:lstStyle/>
-          <a:p>
-            <a:r>
-              <a:rPr lang="en-US" dirty="0" smtClean="0"/>
-              <a:t>Organizations in Chef Compliance</a:t>
-            </a:r>
-            <a:endParaRPr lang="en-US" dirty="0"/>
-          </a:p>
-        </p:txBody>
-      </p:sp>
-      <p:sp>
-        <p:nvSpPr>
-          <p:cNvPr id="3" name="Subtitle 2"/>
-          <p:cNvSpPr>
-            <a:spLocks noGrp="1"/>
-          </p:cNvSpPr>
-          <p:nvPr>
-            <p:ph type="subTitle" idx="1"/>
-          </p:nvPr>
-        </p:nvSpPr>
-        <p:spPr>
-          <a:xfrm>
-            <a:off x="1671638" y="3271838"/>
-            <a:ext cx="12319000" cy="4302154"/>
-          </a:xfrm>
-        </p:spPr>
-        <p:txBody>
-          <a:bodyPr/>
-          <a:lstStyle/>
-          <a:p>
-            <a:r>
-              <a:rPr lang="en-US" dirty="0" smtClean="0"/>
-              <a:t>You can also limit other users' ability to manage nodes by setting permissions at the user level, or at the organization's team level.</a:t>
-            </a:r>
-          </a:p>
-          <a:p>
-            <a:endParaRPr lang="en-US" dirty="0"/>
-          </a:p>
-          <a:p>
-            <a:r>
-              <a:rPr lang="en-US" dirty="0" smtClean="0"/>
-              <a:t>Team objects reside under the Organization object and will be discussed later in this module.</a:t>
-            </a:r>
-            <a:endParaRPr lang="en-US" dirty="0"/>
-          </a:p>
-        </p:txBody>
-      </p:sp>
-    </p:spTree>
-    <p:extLst>
-      <p:ext uri="{BB962C8B-B14F-4D97-AF65-F5344CB8AC3E}">
-        <p14:creationId xmlns:p14="http://schemas.microsoft.com/office/powerpoint/2010/main" val="4024330429"/>
-      </p:ext>
-    </p:extLst>
-  </p:cSld>
-  <p:clrMapOvr>
-    <a:masterClrMapping/>
-  </p:clrMapOvr>
-  <p:transition spd="med">
-    <p:fade/>
-  </p:transition>
-  <p:timing>
-    <p:tnLst>
-      <p:par>
-        <p:cTn id="1" dur="indefinite" restart="never" nodeType="tmRoot"/>
-      </p:par>
-    </p:tnLst>
-  </p:timing>
-</p:sld>
-</file>
-
-<file path=ppt/slides/slide27.xml><?xml version="1.0" encoding="utf-8"?>
-<p:sld xmlns:a="http://schemas.openxmlformats.org/drawingml/2006/main" xmlns:r="http://schemas.openxmlformats.org/officeDocument/2006/relationships" xmlns:p="http://schemas.openxmlformats.org/presentationml/2006/main">
-  <p:cSld>
-    <p:spTree>
-      <p:nvGrpSpPr>
-        <p:cNvPr id="1" name=""/>
-        <p:cNvGrpSpPr/>
-        <p:nvPr/>
-      </p:nvGrpSpPr>
-      <p:grpSpPr>
-        <a:xfrm>
-          <a:off x="0" y="0"/>
-          <a:ext cx="0" cy="0"/>
-          <a:chOff x="0" y="0"/>
-          <a:chExt cx="0" cy="0"/>
-        </a:xfrm>
-      </p:grpSpPr>
-      <p:sp>
-        <p:nvSpPr>
-          <p:cNvPr id="2" name="Title 1"/>
-          <p:cNvSpPr>
-            <a:spLocks noGrp="1"/>
-          </p:cNvSpPr>
-          <p:nvPr>
-            <p:ph type="title"/>
-          </p:nvPr>
-        </p:nvSpPr>
-        <p:spPr/>
-        <p:txBody>
-          <a:bodyPr/>
-          <a:lstStyle/>
-          <a:p>
-            <a:r>
-              <a:rPr lang="en-US" dirty="0" smtClean="0"/>
-              <a:t>Nodes and Organizations</a:t>
-            </a:r>
-            <a:endParaRPr lang="en-US" dirty="0"/>
-          </a:p>
-        </p:txBody>
-      </p:sp>
-      <p:sp>
-        <p:nvSpPr>
-          <p:cNvPr id="3" name="Text Placeholder 2"/>
-          <p:cNvSpPr>
-            <a:spLocks noGrp="1"/>
-          </p:cNvSpPr>
-          <p:nvPr>
-            <p:ph type="body" sz="quarter" idx="12"/>
-          </p:nvPr>
-        </p:nvSpPr>
-        <p:spPr/>
-        <p:txBody>
-          <a:bodyPr/>
-          <a:lstStyle/>
-          <a:p>
-            <a:r>
-              <a:rPr lang="en-US" dirty="0"/>
-              <a:t>You asked about permission management in Chef Compliance:</a:t>
-            </a:r>
-            <a:r>
-              <a:rPr lang="en-US" dirty="0"/>
-              <a:t/>
-            </a:r>
-            <a:br>
-              <a:rPr lang="en-US" dirty="0"/>
-            </a:br>
-            <a:r>
-              <a:rPr lang="en-US" dirty="0"/>
-              <a:t>- we distinguish between users and teams</a:t>
-            </a:r>
-            <a:r>
-              <a:rPr lang="en-US" dirty="0"/>
-              <a:t/>
-            </a:r>
-            <a:br>
-              <a:rPr lang="en-US" dirty="0"/>
-            </a:br>
-            <a:r>
-              <a:rPr lang="en-US" dirty="0"/>
-              <a:t>- multiple users can be part of a team</a:t>
-            </a:r>
-            <a:r>
-              <a:rPr lang="en-US" dirty="0"/>
-              <a:t/>
-            </a:r>
-            <a:br>
-              <a:rPr lang="en-US" dirty="0"/>
-            </a:br>
-            <a:r>
-              <a:rPr lang="en-US" dirty="0"/>
-              <a:t>- if you want to share nodes with multiple users, the nodes need to be part of a team (we do not have a transfer nodes from user to team yet)</a:t>
-            </a:r>
-            <a:r>
-              <a:rPr lang="en-US" dirty="0"/>
-              <a:t/>
-            </a:r>
-            <a:br>
-              <a:rPr lang="en-US" dirty="0"/>
-            </a:br>
-            <a:r>
-              <a:rPr lang="en-US" dirty="0"/>
-              <a:t>A user can have the following permissions:</a:t>
-            </a:r>
-            <a:r>
-              <a:rPr lang="en-US" dirty="0"/>
-              <a:t/>
-            </a:r>
-            <a:br>
-              <a:rPr lang="en-US" dirty="0"/>
-            </a:br>
-            <a:r>
-              <a:rPr lang="en-US" dirty="0"/>
-              <a:t>- site management - aka administrator, can do everything</a:t>
-            </a:r>
-            <a:r>
-              <a:rPr lang="en-US" dirty="0"/>
-              <a:t/>
-            </a:r>
-            <a:br>
-              <a:rPr lang="en-US" dirty="0"/>
-            </a:br>
-            <a:r>
-              <a:rPr lang="en-US" dirty="0"/>
-              <a:t>- organization management - can create, edit or delete orgs</a:t>
-            </a:r>
-            <a:r>
-              <a:rPr lang="en-US" dirty="0"/>
-              <a:t/>
-            </a:r>
-            <a:br>
-              <a:rPr lang="en-US" dirty="0"/>
-            </a:br>
-            <a:r>
-              <a:rPr lang="en-US" dirty="0"/>
-              <a:t>- user management - can create, edit or delete users</a:t>
-            </a:r>
-            <a:r>
-              <a:rPr lang="en-US" dirty="0"/>
-              <a:t/>
-            </a:r>
-            <a:br>
-              <a:rPr lang="en-US" dirty="0"/>
-            </a:br>
-            <a:r>
-              <a:rPr lang="en-US" dirty="0"/>
-              <a:t>Team:</a:t>
-            </a:r>
-            <a:r>
-              <a:rPr lang="en-US" dirty="0"/>
-              <a:t/>
-            </a:r>
-            <a:br>
-              <a:rPr lang="en-US" dirty="0"/>
-            </a:br>
-            <a:r>
-              <a:rPr lang="en-US" dirty="0"/>
-              <a:t>- node management - add, edit or delete nodes</a:t>
-            </a:r>
-            <a:r>
-              <a:rPr lang="en-US" dirty="0"/>
-              <a:t/>
-            </a:r>
-            <a:br>
-              <a:rPr lang="en-US" dirty="0"/>
-            </a:br>
-            <a:r>
-              <a:rPr lang="en-US" dirty="0"/>
-              <a:t>- compliance scans - execute scans</a:t>
-            </a:r>
-            <a:r>
-              <a:rPr lang="en-US" dirty="0"/>
-              <a:t/>
-            </a:r>
-            <a:br>
-              <a:rPr lang="en-US" dirty="0"/>
-            </a:br>
-            <a:r>
-              <a:rPr lang="en-US" dirty="0"/>
-              <a:t>- patch management - execute patch execution (deactivated by default)</a:t>
-            </a:r>
-            <a:r>
-              <a:rPr lang="en-US" dirty="0"/>
-              <a:t/>
-            </a:r>
-            <a:br>
-              <a:rPr lang="en-US" dirty="0"/>
-            </a:br>
-            <a:r>
-              <a:rPr lang="en-US" dirty="0"/>
-              <a:t>- security automation - use cookbooks for remediation (not available yet)</a:t>
-            </a:r>
-            <a:r>
-              <a:rPr lang="en-US" dirty="0"/>
-              <a:t/>
-            </a:r>
-            <a:br>
-              <a:rPr lang="en-US" dirty="0"/>
-            </a:br>
-            <a:r>
-              <a:rPr lang="en-US" dirty="0"/>
-              <a:t>I think we need to remove the latest to points until we have finalized the features.(edited)</a:t>
-            </a:r>
-            <a:endParaRPr lang="en-US" dirty="0"/>
-          </a:p>
-        </p:txBody>
-      </p:sp>
-    </p:spTree>
-    <p:extLst>
-      <p:ext uri="{BB962C8B-B14F-4D97-AF65-F5344CB8AC3E}">
-        <p14:creationId xmlns:p14="http://schemas.microsoft.com/office/powerpoint/2010/main" val="2651180901"/>
-      </p:ext>
-    </p:extLst>
-  </p:cSld>
-  <p:clrMapOvr>
-    <a:masterClrMapping/>
-  </p:clrMapOvr>
-  <p:transition spd="med">
-    <p:fade/>
-  </p:transition>
-</p:sld>
-</file>
-
-<file path=ppt/slides/slide28.xml><?xml version="1.0" encoding="utf-8"?>
-<p:sld xmlns:a="http://schemas.openxmlformats.org/drawingml/2006/main" xmlns:r="http://schemas.openxmlformats.org/officeDocument/2006/relationships" xmlns:p="http://schemas.openxmlformats.org/presentationml/2006/main">
-  <p:cSld>
-    <p:spTree>
-      <p:nvGrpSpPr>
-        <p:cNvPr id="1" name=""/>
-        <p:cNvGrpSpPr/>
-        <p:nvPr/>
-      </p:nvGrpSpPr>
-      <p:grpSpPr>
-        <a:xfrm>
-          <a:off x="0" y="0"/>
-          <a:ext cx="0" cy="0"/>
-          <a:chOff x="0" y="0"/>
-          <a:chExt cx="0" cy="0"/>
-        </a:xfrm>
-      </p:grpSpPr>
-      <p:sp>
-        <p:nvSpPr>
-          <p:cNvPr id="2" name="Title 1"/>
-          <p:cNvSpPr>
-            <a:spLocks noGrp="1"/>
-          </p:cNvSpPr>
-          <p:nvPr>
-            <p:ph type="ctrTitle"/>
-          </p:nvPr>
-        </p:nvSpPr>
-        <p:spPr>
-          <a:xfrm>
-            <a:off x="1325881" y="2452145"/>
-            <a:ext cx="12664758" cy="968599"/>
-          </a:xfrm>
-        </p:spPr>
-        <p:txBody>
-          <a:bodyPr>
-            <a:normAutofit fontScale="90000"/>
-          </a:bodyPr>
-          <a:lstStyle/>
-          <a:p>
-            <a:r>
-              <a:rPr lang="en-US" dirty="0" smtClean="0"/>
-              <a:t>Group Lab: Managing Users and Permissions</a:t>
-            </a:r>
-            <a:endParaRPr lang="en-US" dirty="0"/>
-          </a:p>
-        </p:txBody>
-      </p:sp>
-      <p:sp>
-        <p:nvSpPr>
-          <p:cNvPr id="3" name="Content Placeholder 2"/>
-          <p:cNvSpPr>
-            <a:spLocks noGrp="1"/>
-          </p:cNvSpPr>
-          <p:nvPr>
-            <p:ph sz="quarter" idx="11"/>
-          </p:nvPr>
-        </p:nvSpPr>
-        <p:spPr>
-          <a:xfrm>
-            <a:off x="1671638" y="3420745"/>
-            <a:ext cx="12319000" cy="1528233"/>
-          </a:xfrm>
-        </p:spPr>
-        <p:txBody>
-          <a:bodyPr/>
-          <a:lstStyle/>
-          <a:p>
-            <a:r>
-              <a:rPr lang="en-US" dirty="0" smtClean="0"/>
-              <a:t>Uploading it so it can be used in scans..</a:t>
-            </a:r>
-            <a:endParaRPr lang="en-US" dirty="0"/>
-          </a:p>
-        </p:txBody>
-      </p:sp>
-      <p:sp>
-        <p:nvSpPr>
-          <p:cNvPr id="4" name="Text Placeholder 3"/>
-          <p:cNvSpPr>
-            <a:spLocks noGrp="1"/>
-          </p:cNvSpPr>
-          <p:nvPr>
-            <p:ph type="body" sz="quarter" idx="10"/>
-          </p:nvPr>
-        </p:nvSpPr>
-        <p:spPr/>
-        <p:txBody>
-          <a:bodyPr/>
-          <a:lstStyle/>
-          <a:p>
-            <a:pPr marL="342900" indent="-342900">
-              <a:buFont typeface="Wingdings" panose="05000000000000000000" pitchFamily="2" charset="2"/>
-              <a:buChar char="q"/>
-            </a:pPr>
-            <a:r>
-              <a:rPr lang="en-US" dirty="0" smtClean="0"/>
-              <a:t>Zip up the new profile.</a:t>
-            </a:r>
-          </a:p>
-          <a:p>
-            <a:pPr marL="342900" indent="-342900">
-              <a:buFont typeface="Wingdings" panose="05000000000000000000" pitchFamily="2" charset="2"/>
-              <a:buChar char="q"/>
-            </a:pPr>
-            <a:r>
-              <a:rPr lang="en-US" dirty="0" smtClean="0"/>
-              <a:t>Upload it to your laptop and then to the Compliance Server.</a:t>
-            </a:r>
-          </a:p>
-          <a:p>
-            <a:pPr marL="342900" indent="-342900">
-              <a:buFont typeface="Wingdings" panose="05000000000000000000" pitchFamily="2" charset="2"/>
-              <a:buChar char="q"/>
-            </a:pPr>
-            <a:endParaRPr lang="en-US" dirty="0" smtClean="0"/>
-          </a:p>
-          <a:p>
-            <a:pPr marL="342900" indent="-342900">
-              <a:buFont typeface="Wingdings" panose="05000000000000000000" pitchFamily="2" charset="2"/>
-              <a:buChar char="q"/>
-            </a:pPr>
-            <a:endParaRPr lang="en-US" dirty="0" smtClean="0"/>
-          </a:p>
-          <a:p>
-            <a:pPr marL="342900" indent="-342900">
-              <a:buFont typeface="Wingdings" panose="05000000000000000000" pitchFamily="2" charset="2"/>
-              <a:buChar char="q"/>
-            </a:pPr>
-            <a:endParaRPr lang="en-US" dirty="0"/>
-          </a:p>
-        </p:txBody>
-      </p:sp>
-    </p:spTree>
-    <p:extLst>
-      <p:ext uri="{BB962C8B-B14F-4D97-AF65-F5344CB8AC3E}">
-        <p14:creationId xmlns:p14="http://schemas.microsoft.com/office/powerpoint/2010/main" val="1012789885"/>
-      </p:ext>
-    </p:extLst>
-  </p:cSld>
-  <p:clrMapOvr>
-    <a:masterClrMapping/>
-  </p:clrMapOvr>
-  <p:transition spd="med">
-    <p:fade/>
-  </p:transition>
-</p:sld>
-</file>
-
-<file path=ppt/slides/slide29.xml><?xml version="1.0" encoding="utf-8"?>
-<p:sld xmlns:a="http://schemas.openxmlformats.org/drawingml/2006/main" xmlns:r="http://schemas.openxmlformats.org/officeDocument/2006/relationships" xmlns:p="http://schemas.openxmlformats.org/presentationml/2006/main">
-  <p:cSld>
-    <p:spTree>
-      <p:nvGrpSpPr>
-        <p:cNvPr id="1" name=""/>
-        <p:cNvGrpSpPr/>
-        <p:nvPr/>
-      </p:nvGrpSpPr>
-      <p:grpSpPr>
-        <a:xfrm>
-          <a:off x="0" y="0"/>
-          <a:ext cx="0" cy="0"/>
-          <a:chOff x="0" y="0"/>
-          <a:chExt cx="0" cy="0"/>
-        </a:xfrm>
-      </p:grpSpPr>
-      <p:sp>
-        <p:nvSpPr>
-          <p:cNvPr id="2" name="Title 1"/>
-          <p:cNvSpPr>
-            <a:spLocks noGrp="1"/>
-          </p:cNvSpPr>
-          <p:nvPr>
-            <p:ph type="title"/>
-          </p:nvPr>
-        </p:nvSpPr>
-        <p:spPr/>
-        <p:txBody>
-          <a:bodyPr/>
-          <a:lstStyle/>
-          <a:p>
-            <a:r>
-              <a:rPr lang="en-US" dirty="0" smtClean="0"/>
-              <a:t>GL: Managing Permissions</a:t>
-            </a:r>
-            <a:endParaRPr lang="en-US" dirty="0"/>
-          </a:p>
-        </p:txBody>
-      </p:sp>
-      <p:sp>
-        <p:nvSpPr>
-          <p:cNvPr id="3" name="Text Placeholder 2"/>
-          <p:cNvSpPr>
-            <a:spLocks noGrp="1"/>
-          </p:cNvSpPr>
-          <p:nvPr>
-            <p:ph type="body" sz="quarter" idx="12"/>
-          </p:nvPr>
-        </p:nvSpPr>
-        <p:spPr>
-          <a:xfrm>
-            <a:off x="650040" y="1856198"/>
-            <a:ext cx="13428269" cy="5345953"/>
-          </a:xfrm>
-        </p:spPr>
-        <p:txBody>
-          <a:bodyPr/>
-          <a:lstStyle/>
-          <a:p>
-            <a:r>
-              <a:rPr lang="en-US" dirty="0" smtClean="0"/>
-              <a:t>OUTLINE</a:t>
-            </a:r>
-          </a:p>
-          <a:p>
-            <a:r>
-              <a:rPr lang="en-US" dirty="0" smtClean="0"/>
-              <a:t>Creating a user</a:t>
-            </a:r>
-          </a:p>
-          <a:p>
-            <a:r>
-              <a:rPr lang="en-US" dirty="0" smtClean="0"/>
-              <a:t>Creating an org - must create nodes while in org.</a:t>
-            </a:r>
-          </a:p>
-          <a:p>
-            <a:endParaRPr lang="en-US" dirty="0"/>
-          </a:p>
-          <a:p>
-            <a:r>
-              <a:rPr lang="en-US" dirty="0" smtClean="0"/>
-              <a:t>Teams - have special </a:t>
-            </a:r>
-            <a:r>
-              <a:rPr lang="en-US" dirty="0" err="1" smtClean="0"/>
-              <a:t>privleges</a:t>
-            </a:r>
-            <a:r>
-              <a:rPr lang="en-US" dirty="0" smtClean="0"/>
-              <a:t>--orgs seem to own team and in orgs is where you create teams.</a:t>
-            </a:r>
-          </a:p>
-          <a:p>
-            <a:endParaRPr lang="en-US" dirty="0"/>
-          </a:p>
-          <a:p>
-            <a:endParaRPr lang="en-US" dirty="0" smtClean="0"/>
-          </a:p>
-          <a:p>
-            <a:endParaRPr lang="en-US" dirty="0" smtClean="0"/>
-          </a:p>
-          <a:p>
-            <a:endParaRPr lang="en-US" dirty="0"/>
-          </a:p>
-        </p:txBody>
-      </p:sp>
-    </p:spTree>
-    <p:extLst>
-      <p:ext uri="{BB962C8B-B14F-4D97-AF65-F5344CB8AC3E}">
-        <p14:creationId xmlns:p14="http://schemas.microsoft.com/office/powerpoint/2010/main" val="13019320"/>
-      </p:ext>
-    </p:extLst>
-  </p:cSld>
-  <p:clrMapOvr>
-    <a:masterClrMapping/>
-  </p:clrMapOvr>
-  <p:transition spd="med">
-    <p:fade/>
-  </p:transition>
-</p:sld>
-</file>
-
-<file path=ppt/slides/slide3.xml><?xml version="1.0" encoding="utf-8"?>
-<p:sld xmlns:a="http://schemas.openxmlformats.org/drawingml/2006/main" xmlns:r="http://schemas.openxmlformats.org/officeDocument/2006/relationships" xmlns:p="http://schemas.openxmlformats.org/presentationml/2006/main">
-  <p:cSld>
-    <p:spTree>
-      <p:nvGrpSpPr>
-        <p:cNvPr id="1" name=""/>
-        <p:cNvGrpSpPr/>
-        <p:nvPr/>
-      </p:nvGrpSpPr>
-      <p:grpSpPr>
-        <a:xfrm>
-          <a:off x="0" y="0"/>
-          <a:ext cx="0" cy="0"/>
-          <a:chOff x="0" y="0"/>
-          <a:chExt cx="0" cy="0"/>
-        </a:xfrm>
-      </p:grpSpPr>
-      <p:sp>
-        <p:nvSpPr>
-          <p:cNvPr id="2" name="Title 1"/>
-          <p:cNvSpPr>
-            <a:spLocks noGrp="1"/>
-          </p:cNvSpPr>
-          <p:nvPr>
-            <p:ph type="ctrTitle"/>
-          </p:nvPr>
-        </p:nvSpPr>
-        <p:spPr/>
-        <p:txBody>
-          <a:bodyPr>
-            <a:normAutofit fontScale="90000"/>
-          </a:bodyPr>
-          <a:lstStyle/>
-          <a:p>
-            <a:r>
-              <a:rPr lang="en-US" dirty="0" smtClean="0"/>
-              <a:t>Managing Users</a:t>
-            </a:r>
-            <a:endParaRPr lang="en-US" dirty="0"/>
-          </a:p>
-        </p:txBody>
-      </p:sp>
-      <p:sp>
-        <p:nvSpPr>
-          <p:cNvPr id="3" name="Subtitle 2"/>
-          <p:cNvSpPr>
-            <a:spLocks noGrp="1"/>
-          </p:cNvSpPr>
-          <p:nvPr>
-            <p:ph type="subTitle" idx="1"/>
-          </p:nvPr>
-        </p:nvSpPr>
-        <p:spPr>
-          <a:xfrm>
-            <a:off x="1671638" y="3271838"/>
-            <a:ext cx="12319000" cy="4302154"/>
-          </a:xfrm>
-        </p:spPr>
-        <p:txBody>
-          <a:bodyPr/>
-          <a:lstStyle/>
-          <a:p>
-            <a:r>
-              <a:rPr lang="en-US" dirty="0" smtClean="0"/>
-              <a:t>You can create and edit Compliance Server users.</a:t>
-            </a:r>
-          </a:p>
-          <a:p>
-            <a:endParaRPr lang="en-US" dirty="0"/>
-          </a:p>
-          <a:p>
-            <a:r>
-              <a:rPr lang="en-US" dirty="0" smtClean="0"/>
-              <a:t>You can also modify their permission in or to allow or prevent certain actions.</a:t>
-            </a:r>
-            <a:endParaRPr lang="en-US" dirty="0"/>
-          </a:p>
-        </p:txBody>
-      </p:sp>
-    </p:spTree>
-    <p:extLst>
-      <p:ext uri="{BB962C8B-B14F-4D97-AF65-F5344CB8AC3E}">
-        <p14:creationId xmlns:p14="http://schemas.microsoft.com/office/powerpoint/2010/main" val="3334238159"/>
-      </p:ext>
-    </p:extLst>
-  </p:cSld>
-  <p:clrMapOvr>
-    <a:masterClrMapping/>
-  </p:clrMapOvr>
-  <p:transition spd="med">
-    <p:fade/>
-  </p:transition>
-</p:sld>
-</file>
-
-<file path=ppt/slides/slide30.xml><?xml version="1.0" encoding="utf-8"?>
-<p:sld xmlns:a="http://schemas.openxmlformats.org/drawingml/2006/main" xmlns:r="http://schemas.openxmlformats.org/officeDocument/2006/relationships" xmlns:p="http://schemas.openxmlformats.org/presentationml/2006/main">
-  <p:cSld>
-    <p:spTree>
-      <p:nvGrpSpPr>
-        <p:cNvPr id="1" name=""/>
-        <p:cNvGrpSpPr/>
-        <p:nvPr/>
-      </p:nvGrpSpPr>
-      <p:grpSpPr>
-        <a:xfrm>
-          <a:off x="0" y="0"/>
-          <a:ext cx="0" cy="0"/>
-          <a:chOff x="0" y="0"/>
-          <a:chExt cx="0" cy="0"/>
-        </a:xfrm>
-      </p:grpSpPr>
-      <p:sp>
-        <p:nvSpPr>
-          <p:cNvPr id="2" name="Title 1"/>
-          <p:cNvSpPr>
-            <a:spLocks noGrp="1"/>
-          </p:cNvSpPr>
-          <p:nvPr>
-            <p:ph type="title"/>
-          </p:nvPr>
-        </p:nvSpPr>
-        <p:spPr/>
-        <p:txBody>
-          <a:bodyPr/>
-          <a:lstStyle/>
-          <a:p>
-            <a:r>
-              <a:rPr lang="en-US" dirty="0" smtClean="0"/>
-              <a:t>GL: Managing Permissions</a:t>
-            </a:r>
-            <a:endParaRPr lang="en-US" dirty="0"/>
-          </a:p>
-        </p:txBody>
-      </p:sp>
-      <p:sp>
-        <p:nvSpPr>
-          <p:cNvPr id="3" name="Text Placeholder 2"/>
-          <p:cNvSpPr>
-            <a:spLocks noGrp="1"/>
-          </p:cNvSpPr>
-          <p:nvPr>
-            <p:ph type="body" sz="quarter" idx="12"/>
-          </p:nvPr>
-        </p:nvSpPr>
-        <p:spPr>
-          <a:xfrm>
-            <a:off x="650040" y="1856198"/>
-            <a:ext cx="4819107" cy="5345953"/>
-          </a:xfrm>
-        </p:spPr>
-        <p:txBody>
-          <a:bodyPr/>
-          <a:lstStyle/>
-          <a:p>
-            <a:endParaRPr lang="en-US" dirty="0"/>
-          </a:p>
-        </p:txBody>
-      </p:sp>
-      <p:pic>
-        <p:nvPicPr>
-          <p:cNvPr id="9" name="Picture 8"/>
           <p:cNvPicPr>
             <a:picLocks noChangeAspect="1"/>
           </p:cNvPicPr>
@@ -17092,8 +15265,8 @@
         </p:blipFill>
         <p:spPr>
           <a:xfrm>
-            <a:off x="10962585" y="410385"/>
-            <a:ext cx="3616057" cy="4211962"/>
+            <a:off x="9055448" y="942975"/>
+            <a:ext cx="6489352" cy="3332736"/>
           </a:xfrm>
           <a:prstGeom prst="rect">
             <a:avLst/>
@@ -17112,16 +15285,16 @@
           <p:nvPr/>
         </p:nvCxnSpPr>
         <p:spPr>
-          <a:xfrm>
-            <a:off x="6124755" y="2516366"/>
-            <a:ext cx="5458932" cy="1181054"/>
+          <a:xfrm flipV="1">
+            <a:off x="3829050" y="2590800"/>
+            <a:ext cx="10725150" cy="457200"/>
           </a:xfrm>
           <a:prstGeom prst="straightConnector1">
             <a:avLst/>
           </a:prstGeom>
           <a:ln>
             <a:solidFill>
-              <a:schemeClr val="accent4"/>
+              <a:schemeClr val="accent1"/>
             </a:solidFill>
             <a:tailEnd type="triangle"/>
           </a:ln>
@@ -17157,8 +15330,8 @@
         </p:blipFill>
         <p:spPr>
           <a:xfrm>
-            <a:off x="9284928" y="5248185"/>
-            <a:ext cx="6105525" cy="2581275"/>
+            <a:off x="9525000" y="4486438"/>
+            <a:ext cx="5848350" cy="3552616"/>
           </a:xfrm>
           <a:prstGeom prst="rect">
             <a:avLst/>
@@ -17170,10 +15343,46 @@
           </a:ln>
         </p:spPr>
       </p:pic>
+      <p:cxnSp>
+        <p:nvCxnSpPr>
+          <p:cNvPr id="12" name="Straight Arrow Connector 11"/>
+          <p:cNvCxnSpPr/>
+          <p:nvPr/>
+        </p:nvCxnSpPr>
+        <p:spPr>
+          <a:xfrm>
+            <a:off x="4819650" y="5010313"/>
+            <a:ext cx="4572000" cy="722723"/>
+          </a:xfrm>
+          <a:prstGeom prst="straightConnector1">
+            <a:avLst/>
+          </a:prstGeom>
+          <a:ln>
+            <a:solidFill>
+              <a:schemeClr val="accent1"/>
+            </a:solidFill>
+            <a:tailEnd type="triangle"/>
+          </a:ln>
+        </p:spPr>
+        <p:style>
+          <a:lnRef idx="3">
+            <a:schemeClr val="accent1"/>
+          </a:lnRef>
+          <a:fillRef idx="0">
+            <a:schemeClr val="accent1"/>
+          </a:fillRef>
+          <a:effectRef idx="2">
+            <a:schemeClr val="accent1"/>
+          </a:effectRef>
+          <a:fontRef idx="minor">
+            <a:schemeClr val="tx1"/>
+          </a:fontRef>
+        </p:style>
+      </p:cxnSp>
     </p:spTree>
     <p:extLst>
       <p:ext uri="{BB962C8B-B14F-4D97-AF65-F5344CB8AC3E}">
-        <p14:creationId xmlns:p14="http://schemas.microsoft.com/office/powerpoint/2010/main" val="1295840728"/>
+        <p14:creationId xmlns:p14="http://schemas.microsoft.com/office/powerpoint/2010/main" val="977830325"/>
       </p:ext>
     </p:extLst>
   </p:cSld>
@@ -17186,7 +15395,7 @@
 </p:sld>
 </file>
 
-<file path=ppt/slides/slide31.xml><?xml version="1.0" encoding="utf-8"?>
+<file path=ppt/slides/slide26.xml><?xml version="1.0" encoding="utf-8"?>
 <p:sld xmlns:a="http://schemas.openxmlformats.org/drawingml/2006/main" xmlns:r="http://schemas.openxmlformats.org/officeDocument/2006/relationships" xmlns:p="http://schemas.openxmlformats.org/presentationml/2006/main">
   <p:cSld>
     <p:spTree>
@@ -17220,7 +15429,15 @@
           <a:p>
             <a:r>
               <a:rPr lang="en-US" dirty="0" smtClean="0"/>
-              <a:t>GL: Managing Permissions</a:t>
+              <a:t>Discussion: </a:t>
+            </a:r>
+            <a:r>
+              <a:rPr lang="en-US" dirty="0" smtClean="0"/>
+              <a:t>Managing </a:t>
+            </a:r>
+            <a:r>
+              <a:rPr lang="en-US" dirty="0" smtClean="0"/>
+              <a:t>Team Permissions</a:t>
             </a:r>
             <a:endParaRPr lang="en-US" dirty="0"/>
           </a:p>
@@ -17239,163 +15456,73 @@
         <p:spPr>
           <a:xfrm>
             <a:off x="650040" y="1856198"/>
-            <a:ext cx="4819107" cy="5345953"/>
+            <a:ext cx="6703260" cy="5345953"/>
           </a:xfrm>
         </p:spPr>
         <p:txBody>
           <a:bodyPr/>
           <a:lstStyle/>
           <a:p>
+            <a:pPr marL="457200" indent="-457200">
+              <a:buFont typeface="Wingdings" panose="05000000000000000000" pitchFamily="2" charset="2"/>
+              <a:buChar char="q"/>
+            </a:pPr>
+            <a:r>
+              <a:rPr lang="en-US" dirty="0" smtClean="0"/>
+              <a:t>The </a:t>
+            </a:r>
+            <a:r>
+              <a:rPr lang="en-US" b="1" dirty="0" smtClean="0"/>
+              <a:t>Node Management </a:t>
+            </a:r>
+            <a:r>
+              <a:rPr lang="en-US" dirty="0" smtClean="0"/>
+              <a:t>permissions, when checked, enable the team members to  </a:t>
+            </a:r>
+            <a:r>
+              <a:rPr lang="en-US" dirty="0"/>
+              <a:t>add, edit or delete </a:t>
+            </a:r>
+            <a:r>
+              <a:rPr lang="en-US" dirty="0" smtClean="0"/>
+              <a:t>nodes from the dashboard.</a:t>
+            </a:r>
+          </a:p>
+          <a:p>
+            <a:pPr marL="457200" indent="-457200">
+              <a:buFont typeface="Wingdings" panose="05000000000000000000" pitchFamily="2" charset="2"/>
+              <a:buChar char="q"/>
+            </a:pPr>
             <a:endParaRPr lang="en-US" dirty="0"/>
           </a:p>
-        </p:txBody>
-      </p:sp>
-      <p:pic>
-        <p:nvPicPr>
-          <p:cNvPr id="4" name="Picture 3"/>
-          <p:cNvPicPr>
-            <a:picLocks noChangeAspect="1"/>
-          </p:cNvPicPr>
-          <p:nvPr/>
-        </p:nvPicPr>
-        <p:blipFill>
-          <a:blip r:embed="rId2"/>
-          <a:stretch>
-            <a:fillRect/>
-          </a:stretch>
-        </p:blipFill>
-        <p:spPr>
-          <a:xfrm>
-            <a:off x="12410745" y="1586991"/>
-            <a:ext cx="2927021" cy="5968082"/>
-          </a:xfrm>
-          <a:prstGeom prst="rect">
-            <a:avLst/>
-          </a:prstGeom>
-        </p:spPr>
-      </p:pic>
-    </p:spTree>
-    <p:extLst>
-      <p:ext uri="{BB962C8B-B14F-4D97-AF65-F5344CB8AC3E}">
-        <p14:creationId xmlns:p14="http://schemas.microsoft.com/office/powerpoint/2010/main" val="1377954874"/>
-      </p:ext>
-    </p:extLst>
-  </p:cSld>
-  <p:clrMapOvr>
-    <a:masterClrMapping/>
-  </p:clrMapOvr>
-  <p:transition spd="med">
-    <p:fade/>
-  </p:transition>
-</p:sld>
-</file>
-
-<file path=ppt/slides/slide32.xml><?xml version="1.0" encoding="utf-8"?>
-<p:sld xmlns:a="http://schemas.openxmlformats.org/drawingml/2006/main" xmlns:r="http://schemas.openxmlformats.org/officeDocument/2006/relationships" xmlns:p="http://schemas.openxmlformats.org/presentationml/2006/main">
-  <p:cSld>
-    <p:spTree>
-      <p:nvGrpSpPr>
-        <p:cNvPr id="1" name=""/>
-        <p:cNvGrpSpPr/>
-        <p:nvPr/>
-      </p:nvGrpSpPr>
-      <p:grpSpPr>
-        <a:xfrm>
-          <a:off x="0" y="0"/>
-          <a:ext cx="0" cy="0"/>
-          <a:chOff x="0" y="0"/>
-          <a:chExt cx="0" cy="0"/>
-        </a:xfrm>
-      </p:grpSpPr>
-      <p:sp>
-        <p:nvSpPr>
-          <p:cNvPr id="2" name="Title 1"/>
-          <p:cNvSpPr>
-            <a:spLocks noGrp="1"/>
-          </p:cNvSpPr>
-          <p:nvPr>
-            <p:ph type="title"/>
-          </p:nvPr>
-        </p:nvSpPr>
-        <p:spPr/>
-        <p:txBody>
-          <a:bodyPr/>
-          <a:lstStyle/>
-          <a:p>
-            <a:r>
-              <a:rPr lang="en-US" dirty="0" smtClean="0"/>
-              <a:t>GL: Managing Permissions</a:t>
-            </a:r>
-            <a:endParaRPr lang="en-US" dirty="0"/>
-          </a:p>
-        </p:txBody>
-      </p:sp>
-      <p:sp>
-        <p:nvSpPr>
-          <p:cNvPr id="3" name="Text Placeholder 2"/>
-          <p:cNvSpPr>
-            <a:spLocks noGrp="1"/>
-          </p:cNvSpPr>
-          <p:nvPr>
-            <p:ph type="body" sz="quarter" idx="12"/>
-          </p:nvPr>
-        </p:nvSpPr>
-        <p:spPr>
-          <a:xfrm>
-            <a:off x="650040" y="1856198"/>
-            <a:ext cx="4819107" cy="5345953"/>
-          </a:xfrm>
-        </p:spPr>
-        <p:txBody>
-          <a:bodyPr/>
-          <a:lstStyle/>
-          <a:p>
-            <a:r>
-              <a:rPr lang="en-US" dirty="0" smtClean="0"/>
-              <a:t>1. full perms can mange users, orgs and perms.</a:t>
-            </a:r>
-          </a:p>
-          <a:p>
-            <a:endParaRPr lang="en-US" dirty="0"/>
-          </a:p>
-          <a:p>
-            <a:r>
-              <a:rPr lang="en-US" dirty="0" smtClean="0"/>
-              <a:t>2. if </a:t>
-            </a:r>
-            <a:r>
-              <a:rPr lang="en-US" dirty="0" err="1" smtClean="0"/>
-              <a:t>i</a:t>
-            </a:r>
-            <a:r>
-              <a:rPr lang="en-US" dirty="0" smtClean="0"/>
-              <a:t> set test2 user perms to only org management</a:t>
-            </a:r>
-          </a:p>
-          <a:p>
-            <a:endParaRPr lang="en-US" dirty="0"/>
-          </a:p>
-          <a:p>
-            <a:r>
-              <a:rPr lang="en-US" dirty="0" smtClean="0"/>
-              <a:t>3. if </a:t>
-            </a:r>
-            <a:r>
-              <a:rPr lang="en-US" dirty="0" err="1" smtClean="0"/>
-              <a:t>i</a:t>
-            </a:r>
-            <a:r>
-              <a:rPr lang="en-US" dirty="0" smtClean="0"/>
-              <a:t> remove all </a:t>
-            </a:r>
-            <a:r>
-              <a:rPr lang="en-US" dirty="0" err="1" smtClean="0"/>
-              <a:t>perms..you</a:t>
-            </a:r>
-            <a:r>
-              <a:rPr lang="en-US" dirty="0" smtClean="0"/>
-              <a:t> can do nothing but view profiles and add keys..</a:t>
-            </a:r>
+          <a:p>
+            <a:pPr marL="457200" indent="-457200">
+              <a:buFont typeface="Wingdings" panose="05000000000000000000" pitchFamily="2" charset="2"/>
+              <a:buChar char="q"/>
+            </a:pPr>
+            <a:r>
+              <a:rPr lang="en-US" dirty="0" smtClean="0"/>
+              <a:t>The </a:t>
+            </a:r>
+            <a:r>
+              <a:rPr lang="en-US" b="1" dirty="0" smtClean="0"/>
+              <a:t>Compliance Scans </a:t>
+            </a:r>
+            <a:r>
+              <a:rPr lang="en-US" dirty="0"/>
+              <a:t>permissions, when checked, enable the team members to </a:t>
+            </a:r>
+            <a:r>
+              <a:rPr lang="en-US" dirty="0" smtClean="0"/>
+              <a:t>execute scans.</a:t>
+            </a:r>
+            <a:r>
+              <a:rPr lang="en-US" dirty="0"/>
+              <a:t/>
+            </a:r>
+            <a:br>
+              <a:rPr lang="en-US" dirty="0"/>
+            </a:br>
             <a:endParaRPr lang="en-US" dirty="0"/>
           </a:p>
         </p:txBody>
@@ -17403,30 +15530,6 @@
       <p:pic>
         <p:nvPicPr>
           <p:cNvPr id="5" name="Picture 4"/>
-          <p:cNvPicPr>
-            <a:picLocks noChangeAspect="1"/>
-          </p:cNvPicPr>
-          <p:nvPr/>
-        </p:nvPicPr>
-        <p:blipFill>
-          <a:blip r:embed="rId2"/>
-          <a:stretch>
-            <a:fillRect/>
-          </a:stretch>
-        </p:blipFill>
-        <p:spPr>
-          <a:xfrm>
-            <a:off x="10508657" y="3617883"/>
-            <a:ext cx="4788845" cy="3127974"/>
-          </a:xfrm>
-          <a:prstGeom prst="rect">
-            <a:avLst/>
-          </a:prstGeom>
-        </p:spPr>
-      </p:pic>
-      <p:pic>
-        <p:nvPicPr>
-          <p:cNvPr id="6" name="Picture 5"/>
           <p:cNvPicPr>
             <a:picLocks noChangeAspect="1"/>
           </p:cNvPicPr>
@@ -17440,12 +15543,17 @@
         </p:blipFill>
         <p:spPr>
           <a:xfrm>
-            <a:off x="10426580" y="427448"/>
-            <a:ext cx="2476500" cy="2857500"/>
+            <a:off x="7632700" y="1856198"/>
+            <a:ext cx="7912100" cy="4806254"/>
           </a:xfrm>
           <a:prstGeom prst="rect">
             <a:avLst/>
           </a:prstGeom>
+          <a:ln>
+            <a:solidFill>
+              <a:schemeClr val="accent1"/>
+            </a:solidFill>
+          </a:ln>
         </p:spPr>
       </p:pic>
       <p:cxnSp>
@@ -17456,15 +15564,15 @@
         </p:nvCxnSpPr>
         <p:spPr>
           <a:xfrm>
-            <a:off x="5952226" y="3812875"/>
-            <a:ext cx="4192438" cy="716299"/>
+            <a:off x="5048250" y="3962400"/>
+            <a:ext cx="2800350" cy="296925"/>
           </a:xfrm>
           <a:prstGeom prst="straightConnector1">
             <a:avLst/>
           </a:prstGeom>
           <a:ln>
             <a:solidFill>
-              <a:schemeClr val="accent4"/>
+              <a:schemeClr val="accent1"/>
             </a:solidFill>
             <a:tailEnd type="triangle"/>
           </a:ln>
@@ -17486,21 +15594,21 @@
       </p:cxnSp>
       <p:cxnSp>
         <p:nvCxnSpPr>
-          <p:cNvPr id="9" name="Straight Arrow Connector 8"/>
+          <p:cNvPr id="10" name="Straight Arrow Connector 9"/>
           <p:cNvCxnSpPr/>
           <p:nvPr/>
         </p:nvCxnSpPr>
         <p:spPr>
           <a:xfrm flipV="1">
-            <a:off x="3755425" y="2017529"/>
-            <a:ext cx="6078688" cy="97496"/>
+            <a:off x="5753100" y="4743451"/>
+            <a:ext cx="2095500" cy="567874"/>
           </a:xfrm>
           <a:prstGeom prst="straightConnector1">
             <a:avLst/>
           </a:prstGeom>
           <a:ln>
             <a:solidFill>
-              <a:schemeClr val="accent4"/>
+              <a:schemeClr val="accent1"/>
             </a:solidFill>
             <a:tailEnd type="triangle"/>
           </a:ln>
@@ -17520,34 +15628,10 @@
           </a:fontRef>
         </p:style>
       </p:cxnSp>
-      <p:pic>
-        <p:nvPicPr>
-          <p:cNvPr id="11" name="Picture 10"/>
-          <p:cNvPicPr>
-            <a:picLocks noChangeAspect="1"/>
-          </p:cNvPicPr>
-          <p:nvPr/>
-        </p:nvPicPr>
-        <p:blipFill>
-          <a:blip r:embed="rId4"/>
-          <a:stretch>
-            <a:fillRect/>
-          </a:stretch>
-        </p:blipFill>
-        <p:spPr>
-          <a:xfrm>
-            <a:off x="10144664" y="7165748"/>
-            <a:ext cx="2190750" cy="962025"/>
-          </a:xfrm>
-          <a:prstGeom prst="rect">
-            <a:avLst/>
-          </a:prstGeom>
-        </p:spPr>
-      </p:pic>
     </p:spTree>
     <p:extLst>
       <p:ext uri="{BB962C8B-B14F-4D97-AF65-F5344CB8AC3E}">
-        <p14:creationId xmlns:p14="http://schemas.microsoft.com/office/powerpoint/2010/main" val="3575102315"/>
+        <p14:creationId xmlns:p14="http://schemas.microsoft.com/office/powerpoint/2010/main" val="2320361458"/>
       </p:ext>
     </p:extLst>
   </p:cSld>
@@ -17560,7 +15644,7 @@
 </p:sld>
 </file>
 
-<file path=ppt/slides/slide33.xml><?xml version="1.0" encoding="utf-8"?>
+<file path=ppt/slides/slide27.xml><?xml version="1.0" encoding="utf-8"?>
 <p:sld xmlns:a="http://schemas.openxmlformats.org/drawingml/2006/main" xmlns:r="http://schemas.openxmlformats.org/officeDocument/2006/relationships" xmlns:p="http://schemas.openxmlformats.org/presentationml/2006/main">
   <p:cSld>
     <p:spTree>
@@ -17594,7 +15678,15 @@
           <a:p>
             <a:r>
               <a:rPr lang="en-US" dirty="0" smtClean="0"/>
-              <a:t>GL: Managing Permissions</a:t>
+              <a:t>Discussion: </a:t>
+            </a:r>
+            <a:r>
+              <a:rPr lang="en-US" dirty="0" smtClean="0"/>
+              <a:t>Managing </a:t>
+            </a:r>
+            <a:r>
+              <a:rPr lang="en-US" dirty="0" smtClean="0"/>
+              <a:t>Team Permissions</a:t>
             </a:r>
             <a:endParaRPr lang="en-US" dirty="0"/>
           </a:p>
@@ -17613,7 +15705,7 @@
         <p:spPr>
           <a:xfrm>
             <a:off x="650040" y="1856198"/>
-            <a:ext cx="4819107" cy="5345953"/>
+            <a:ext cx="6360360" cy="5345953"/>
           </a:xfrm>
         </p:spPr>
         <p:txBody>
@@ -17621,354 +15713,12 @@
           <a:lstStyle/>
           <a:p>
             <a:r>
-              <a:rPr lang="en-US" dirty="0" smtClean="0"/>
-              <a:t>1. If </a:t>
-            </a:r>
-            <a:r>
-              <a:rPr lang="en-US" dirty="0" err="1" smtClean="0"/>
-              <a:t>i</a:t>
-            </a:r>
-            <a:r>
-              <a:rPr lang="en-US" dirty="0" smtClean="0"/>
-              <a:t> set to site management only can do all?</a:t>
-            </a:r>
-          </a:p>
-          <a:p>
-            <a:endParaRPr lang="en-US" dirty="0"/>
-          </a:p>
-          <a:p>
-            <a:r>
-              <a:rPr lang="en-US" dirty="0" smtClean="0"/>
-              <a:t>2. if </a:t>
-            </a:r>
-            <a:r>
-              <a:rPr lang="en-US" dirty="0" err="1" smtClean="0"/>
-              <a:t>i</a:t>
-            </a:r>
-            <a:r>
-              <a:rPr lang="en-US" dirty="0" smtClean="0"/>
-              <a:t> set test2 user perms to only org management</a:t>
-            </a:r>
-          </a:p>
-          <a:p>
-            <a:endParaRPr lang="en-US" dirty="0"/>
-          </a:p>
-          <a:p>
-            <a:r>
-              <a:rPr lang="en-US" dirty="0" smtClean="0"/>
-              <a:t>3. if </a:t>
-            </a:r>
-            <a:r>
-              <a:rPr lang="en-US" dirty="0" err="1" smtClean="0"/>
-              <a:t>i</a:t>
-            </a:r>
-            <a:r>
-              <a:rPr lang="en-US" dirty="0" smtClean="0"/>
-              <a:t> remove all </a:t>
-            </a:r>
-            <a:r>
-              <a:rPr lang="en-US" dirty="0" err="1" smtClean="0"/>
-              <a:t>perms..you</a:t>
-            </a:r>
-            <a:r>
-              <a:rPr lang="en-US" dirty="0" smtClean="0"/>
-              <a:t> can do nothing but view profiles and add keys..</a:t>
-            </a:r>
-            <a:endParaRPr lang="en-US" dirty="0"/>
-          </a:p>
-        </p:txBody>
-      </p:sp>
-      <p:cxnSp>
-        <p:nvCxnSpPr>
-          <p:cNvPr id="8" name="Straight Arrow Connector 7"/>
-          <p:cNvCxnSpPr/>
-          <p:nvPr/>
-        </p:nvCxnSpPr>
-        <p:spPr>
-          <a:xfrm>
-            <a:off x="5952226" y="3812875"/>
-            <a:ext cx="4192438" cy="716299"/>
-          </a:xfrm>
-          <a:prstGeom prst="straightConnector1">
-            <a:avLst/>
-          </a:prstGeom>
-          <a:ln>
-            <a:solidFill>
-              <a:schemeClr val="accent4"/>
-            </a:solidFill>
-            <a:tailEnd type="triangle"/>
-          </a:ln>
-        </p:spPr>
-        <p:style>
-          <a:lnRef idx="3">
-            <a:schemeClr val="accent1"/>
-          </a:lnRef>
-          <a:fillRef idx="0">
-            <a:schemeClr val="accent1"/>
-          </a:fillRef>
-          <a:effectRef idx="2">
-            <a:schemeClr val="accent1"/>
-          </a:effectRef>
-          <a:fontRef idx="minor">
-            <a:schemeClr val="tx1"/>
-          </a:fontRef>
-        </p:style>
-      </p:cxnSp>
-      <p:cxnSp>
-        <p:nvCxnSpPr>
-          <p:cNvPr id="9" name="Straight Arrow Connector 8"/>
-          <p:cNvCxnSpPr/>
-          <p:nvPr/>
-        </p:nvCxnSpPr>
-        <p:spPr>
-          <a:xfrm flipV="1">
-            <a:off x="3755425" y="2017529"/>
-            <a:ext cx="6078688" cy="97496"/>
-          </a:xfrm>
-          <a:prstGeom prst="straightConnector1">
-            <a:avLst/>
-          </a:prstGeom>
-          <a:ln>
-            <a:solidFill>
-              <a:schemeClr val="accent4"/>
-            </a:solidFill>
-            <a:tailEnd type="triangle"/>
-          </a:ln>
-        </p:spPr>
-        <p:style>
-          <a:lnRef idx="3">
-            <a:schemeClr val="accent1"/>
-          </a:lnRef>
-          <a:fillRef idx="0">
-            <a:schemeClr val="accent1"/>
-          </a:fillRef>
-          <a:effectRef idx="2">
-            <a:schemeClr val="accent1"/>
-          </a:effectRef>
-          <a:fontRef idx="minor">
-            <a:schemeClr val="tx1"/>
-          </a:fontRef>
-        </p:style>
-      </p:cxnSp>
-      <p:pic>
-        <p:nvPicPr>
-          <p:cNvPr id="4" name="Picture 3"/>
-          <p:cNvPicPr>
-            <a:picLocks noChangeAspect="1"/>
-          </p:cNvPicPr>
-          <p:nvPr/>
-        </p:nvPicPr>
-        <p:blipFill>
-          <a:blip r:embed="rId2"/>
-          <a:stretch>
-            <a:fillRect/>
-          </a:stretch>
-        </p:blipFill>
-        <p:spPr>
-          <a:xfrm>
-            <a:off x="10767798" y="676311"/>
-            <a:ext cx="3068972" cy="3028591"/>
-          </a:xfrm>
-          <a:prstGeom prst="rect">
-            <a:avLst/>
-          </a:prstGeom>
-        </p:spPr>
-      </p:pic>
-    </p:spTree>
-    <p:extLst>
-      <p:ext uri="{BB962C8B-B14F-4D97-AF65-F5344CB8AC3E}">
-        <p14:creationId xmlns:p14="http://schemas.microsoft.com/office/powerpoint/2010/main" val="1783828845"/>
-      </p:ext>
-    </p:extLst>
-  </p:cSld>
-  <p:clrMapOvr>
-    <a:masterClrMapping/>
-  </p:clrMapOvr>
-  <p:transition spd="med">
-    <p:fade/>
-  </p:transition>
-</p:sld>
-</file>
-
-<file path=ppt/slides/slide34.xml><?xml version="1.0" encoding="utf-8"?>
-<p:sld xmlns:a="http://schemas.openxmlformats.org/drawingml/2006/main" xmlns:r="http://schemas.openxmlformats.org/officeDocument/2006/relationships" xmlns:p="http://schemas.openxmlformats.org/presentationml/2006/main">
-  <p:cSld>
-    <p:spTree>
-      <p:nvGrpSpPr>
-        <p:cNvPr id="1" name=""/>
-        <p:cNvGrpSpPr/>
-        <p:nvPr/>
-      </p:nvGrpSpPr>
-      <p:grpSpPr>
-        <a:xfrm>
-          <a:off x="0" y="0"/>
-          <a:ext cx="0" cy="0"/>
-          <a:chOff x="0" y="0"/>
-          <a:chExt cx="0" cy="0"/>
-        </a:xfrm>
-      </p:grpSpPr>
-      <p:sp>
-        <p:nvSpPr>
-          <p:cNvPr id="2" name="Title 1"/>
-          <p:cNvSpPr>
-            <a:spLocks noGrp="1"/>
-          </p:cNvSpPr>
-          <p:nvPr>
-            <p:ph type="title"/>
-          </p:nvPr>
-        </p:nvSpPr>
-        <p:spPr/>
-        <p:txBody>
-          <a:bodyPr/>
-          <a:lstStyle/>
-          <a:p>
-            <a:r>
-              <a:rPr lang="en-US" dirty="0" smtClean="0"/>
-              <a:t>GL: Managing Permissions</a:t>
-            </a:r>
-            <a:endParaRPr lang="en-US" dirty="0"/>
-          </a:p>
-        </p:txBody>
-      </p:sp>
-      <p:sp>
-        <p:nvSpPr>
-          <p:cNvPr id="3" name="Text Placeholder 2"/>
-          <p:cNvSpPr>
-            <a:spLocks noGrp="1"/>
-          </p:cNvSpPr>
-          <p:nvPr>
-            <p:ph type="body" sz="quarter" idx="12"/>
-          </p:nvPr>
-        </p:nvSpPr>
-        <p:spPr>
-          <a:xfrm>
-            <a:off x="650040" y="1856198"/>
-            <a:ext cx="4819107" cy="5345953"/>
-          </a:xfrm>
-        </p:spPr>
-        <p:txBody>
-          <a:bodyPr/>
-          <a:lstStyle/>
-          <a:p>
-            <a:r>
-              <a:rPr lang="en-US" dirty="0"/>
-              <a:t>I got it to work now. Seem that after I switch to a different org, I then need to create/add nodes while in that org.</a:t>
-            </a:r>
-          </a:p>
-        </p:txBody>
-      </p:sp>
-      <p:pic>
-        <p:nvPicPr>
-          <p:cNvPr id="4" name="Picture 3"/>
-          <p:cNvPicPr>
-            <a:picLocks noChangeAspect="1"/>
-          </p:cNvPicPr>
-          <p:nvPr/>
-        </p:nvPicPr>
-        <p:blipFill>
-          <a:blip r:embed="rId2"/>
-          <a:stretch>
-            <a:fillRect/>
-          </a:stretch>
-        </p:blipFill>
-        <p:spPr>
-          <a:xfrm>
-            <a:off x="12410745" y="1586991"/>
-            <a:ext cx="2927021" cy="5968082"/>
-          </a:xfrm>
-          <a:prstGeom prst="rect">
-            <a:avLst/>
-          </a:prstGeom>
-        </p:spPr>
-      </p:pic>
-    </p:spTree>
-    <p:extLst>
-      <p:ext uri="{BB962C8B-B14F-4D97-AF65-F5344CB8AC3E}">
-        <p14:creationId xmlns:p14="http://schemas.microsoft.com/office/powerpoint/2010/main" val="3819132160"/>
-      </p:ext>
-    </p:extLst>
-  </p:cSld>
-  <p:clrMapOvr>
-    <a:masterClrMapping/>
-  </p:clrMapOvr>
-  <p:transition spd="med">
-    <p:fade/>
-  </p:transition>
-</p:sld>
-</file>
-
-<file path=ppt/slides/slide35.xml><?xml version="1.0" encoding="utf-8"?>
-<p:sld xmlns:a="http://schemas.openxmlformats.org/drawingml/2006/main" xmlns:r="http://schemas.openxmlformats.org/officeDocument/2006/relationships" xmlns:p="http://schemas.openxmlformats.org/presentationml/2006/main">
-  <p:cSld>
-    <p:spTree>
-      <p:nvGrpSpPr>
-        <p:cNvPr id="1" name=""/>
-        <p:cNvGrpSpPr/>
-        <p:nvPr/>
-      </p:nvGrpSpPr>
-      <p:grpSpPr>
-        <a:xfrm>
-          <a:off x="0" y="0"/>
-          <a:ext cx="0" cy="0"/>
-          <a:chOff x="0" y="0"/>
-          <a:chExt cx="0" cy="0"/>
-        </a:xfrm>
-      </p:grpSpPr>
-      <p:sp>
-        <p:nvSpPr>
-          <p:cNvPr id="2" name="Title 1"/>
-          <p:cNvSpPr>
-            <a:spLocks noGrp="1"/>
-          </p:cNvSpPr>
-          <p:nvPr>
-            <p:ph type="title"/>
-          </p:nvPr>
-        </p:nvSpPr>
-        <p:spPr/>
-        <p:txBody>
-          <a:bodyPr/>
-          <a:lstStyle/>
-          <a:p>
-            <a:r>
-              <a:rPr lang="en-US" dirty="0" smtClean="0"/>
-              <a:t>GL: Managing Permissions</a:t>
-            </a:r>
-            <a:endParaRPr lang="en-US" dirty="0"/>
-          </a:p>
-        </p:txBody>
-      </p:sp>
-      <p:sp>
-        <p:nvSpPr>
-          <p:cNvPr id="3" name="Text Placeholder 2"/>
-          <p:cNvSpPr>
-            <a:spLocks noGrp="1"/>
-          </p:cNvSpPr>
-          <p:nvPr>
-            <p:ph type="body" sz="quarter" idx="12"/>
-          </p:nvPr>
-        </p:nvSpPr>
-        <p:spPr>
-          <a:xfrm>
-            <a:off x="650040" y="1856198"/>
-            <a:ext cx="4819107" cy="5345953"/>
-          </a:xfrm>
-        </p:spPr>
-        <p:txBody>
-          <a:bodyPr/>
-          <a:lstStyle/>
-          <a:p>
-            <a:r>
-              <a:rPr lang="en-US" dirty="0" smtClean="0"/>
-              <a:t>can edit or create a node.</a:t>
-            </a:r>
-          </a:p>
-          <a:p>
-            <a:endParaRPr lang="en-US" dirty="0"/>
-          </a:p>
-          <a:p>
-            <a:r>
-              <a:rPr lang="en-US" dirty="0" smtClean="0"/>
-              <a:t>HARD refresh</a:t>
+              <a:rPr lang="en-US" b="1" dirty="0" smtClean="0"/>
+              <a:t>Note</a:t>
+            </a:r>
+            <a:r>
+              <a:rPr lang="en-US" dirty="0" smtClean="0"/>
+              <a:t>: As of this writing, the Patch Management and Security Automation permissions are not fully functional. </a:t>
             </a:r>
             <a:endParaRPr lang="en-US" dirty="0"/>
           </a:p>
@@ -17977,35 +15727,6 @@
       <p:pic>
         <p:nvPicPr>
           <p:cNvPr id="5" name="Picture 4"/>
-          <p:cNvPicPr>
-            <a:picLocks noChangeAspect="1"/>
-          </p:cNvPicPr>
-          <p:nvPr/>
-        </p:nvPicPr>
-        <p:blipFill>
-          <a:blip r:embed="rId2"/>
-          <a:stretch>
-            <a:fillRect/>
-          </a:stretch>
-        </p:blipFill>
-        <p:spPr>
-          <a:xfrm>
-            <a:off x="7598201" y="1133475"/>
-            <a:ext cx="3810000" cy="2499554"/>
-          </a:xfrm>
-          <a:prstGeom prst="rect">
-            <a:avLst/>
-          </a:prstGeom>
-          <a:ln>
-            <a:solidFill>
-              <a:schemeClr val="accent1"/>
-            </a:solidFill>
-          </a:ln>
-        </p:spPr>
-      </p:pic>
-      <p:pic>
-        <p:nvPicPr>
-          <p:cNvPr id="6" name="Picture 5"/>
           <p:cNvPicPr>
             <a:picLocks noChangeAspect="1"/>
           </p:cNvPicPr>
@@ -18019,8 +15740,8 @@
         </p:blipFill>
         <p:spPr>
           <a:xfrm>
-            <a:off x="12003436" y="1133475"/>
-            <a:ext cx="3976765" cy="4283983"/>
+            <a:off x="7632700" y="1856198"/>
+            <a:ext cx="7912100" cy="4806254"/>
           </a:xfrm>
           <a:prstGeom prst="rect">
             <a:avLst/>
@@ -18032,150 +15753,10 @@
           </a:ln>
         </p:spPr>
       </p:pic>
-      <p:sp>
-        <p:nvSpPr>
-          <p:cNvPr id="7" name="Rectangle 6"/>
-          <p:cNvSpPr/>
-          <p:nvPr/>
-        </p:nvSpPr>
-        <p:spPr>
-          <a:xfrm>
-            <a:off x="199366" y="4139222"/>
-            <a:ext cx="8128000" cy="3785652"/>
-          </a:xfrm>
-          <a:prstGeom prst="rect">
-            <a:avLst/>
-          </a:prstGeom>
-        </p:spPr>
-        <p:txBody>
-          <a:bodyPr>
-            <a:spAutoFit/>
-          </a:bodyPr>
-          <a:lstStyle/>
-          <a:p>
-            <a:r>
-              <a:rPr lang="en-US" dirty="0"/>
-              <a:t>Teams seem to have their own set of permissions. Couple questions please:</a:t>
-            </a:r>
-            <a:r>
-              <a:rPr lang="en-US" i="1" dirty="0"/>
-              <a:t/>
-            </a:r>
-            <a:br>
-              <a:rPr lang="en-US" i="1" dirty="0"/>
-            </a:br>
-            <a:r>
-              <a:rPr lang="en-US" dirty="0"/>
-              <a:t>1. How does a user's Site Management permissions relate to a Team's Node Management and Compliance Scan permissions?</a:t>
-            </a:r>
-            <a:r>
-              <a:rPr lang="en-US" i="1" dirty="0"/>
-              <a:t/>
-            </a:r>
-            <a:br>
-              <a:rPr lang="en-US" i="1" dirty="0"/>
-            </a:br>
-            <a:endParaRPr lang="en-US" dirty="0"/>
-          </a:p>
-          <a:p>
-            <a:r>
-              <a:rPr lang="en-US" b="1" dirty="0" err="1">
-                <a:solidFill>
-                  <a:srgbClr val="2C2D30"/>
-                </a:solidFill>
-                <a:hlinkClick r:id="rId4"/>
-              </a:rPr>
-              <a:t>steve_delfante</a:t>
-            </a:r>
-            <a:r>
-              <a:rPr lang="en-US" dirty="0"/>
-              <a:t> </a:t>
-            </a:r>
-            <a:r>
-              <a:rPr lang="en-US" sz="1050" i="1" dirty="0">
-                <a:solidFill>
-                  <a:srgbClr val="9E9EA6"/>
-                </a:solidFill>
-                <a:latin typeface="Slack-Lato"/>
-                <a:hlinkClick r:id="rId5" tooltip="Today at 11:06:02 AM&lt;br&gt;Click to open in archives"/>
-              </a:rPr>
-              <a:t>[</a:t>
-            </a:r>
-            <a:r>
-              <a:rPr lang="en-US" sz="1050" dirty="0">
-                <a:solidFill>
-                  <a:srgbClr val="9E9EA6"/>
-                </a:solidFill>
-                <a:latin typeface="Slack-Lato"/>
-                <a:hlinkClick r:id="rId5" tooltip="Today at 11:06:02 AM&lt;br&gt;Click to open in archives"/>
-              </a:rPr>
-              <a:t>11:06 AM</a:t>
-            </a:r>
-            <a:r>
-              <a:rPr lang="en-US" sz="1050" i="1" dirty="0">
-                <a:solidFill>
-                  <a:srgbClr val="9E9EA6"/>
-                </a:solidFill>
-                <a:latin typeface="Slack-Lato"/>
-                <a:hlinkClick r:id="rId5" tooltip="Today at 11:06:02 AM&lt;br&gt;Click to open in archives"/>
-              </a:rPr>
-              <a:t>]</a:t>
-            </a:r>
-            <a:r>
-              <a:rPr lang="en-US" dirty="0"/>
-              <a:t> </a:t>
-            </a:r>
-            <a:r>
-              <a:rPr lang="en-US" dirty="0">
-                <a:solidFill>
-                  <a:srgbClr val="9E9EA6"/>
-                </a:solidFill>
-                <a:hlinkClick r:id="rId6"/>
-              </a:rPr>
-              <a:t>uploaded an image: </a:t>
-            </a:r>
-            <a:r>
-              <a:rPr lang="en-US" b="1" dirty="0">
-                <a:solidFill>
-                  <a:srgbClr val="2A80B9"/>
-                </a:solidFill>
-                <a:hlinkClick r:id="rId6"/>
-              </a:rPr>
-              <a:t>Pasted image at 2016-01-22, 11:06 AM</a:t>
-            </a:r>
-            <a:r>
-              <a:rPr lang="en-US" dirty="0">
-                <a:solidFill>
-                  <a:srgbClr val="9E9EA6"/>
-                </a:solidFill>
-                <a:hlinkClick r:id="rId6"/>
-              </a:rPr>
-              <a:t> </a:t>
-            </a:r>
-            <a:endParaRPr lang="en-US" dirty="0">
-              <a:solidFill>
-                <a:srgbClr val="2A80B9"/>
-              </a:solidFill>
-              <a:latin typeface="Slack-Lato"/>
-              <a:hlinkClick r:id="rId7" tooltip="Open in lightbox (ctrl+click to open original in new tab)"/>
-            </a:endParaRPr>
-          </a:p>
-          <a:p>
-            <a:r>
-              <a:rPr lang="en-US" dirty="0"/>
-              <a:t/>
-            </a:r>
-            <a:br>
-              <a:rPr lang="en-US" dirty="0"/>
-            </a:br>
-            <a:endParaRPr lang="en-US" dirty="0"/>
-          </a:p>
-        </p:txBody>
-      </p:sp>
     </p:spTree>
     <p:extLst>
       <p:ext uri="{BB962C8B-B14F-4D97-AF65-F5344CB8AC3E}">
-        <p14:creationId xmlns:p14="http://schemas.microsoft.com/office/powerpoint/2010/main" val="1966089205"/>
+        <p14:creationId xmlns:p14="http://schemas.microsoft.com/office/powerpoint/2010/main" val="830267423"/>
       </p:ext>
     </p:extLst>
   </p:cSld>
@@ -18188,711 +15769,7 @@
 </p:sld>
 </file>
 
-<file path=ppt/slides/slide36.xml><?xml version="1.0" encoding="utf-8"?>
-<p:sld xmlns:a="http://schemas.openxmlformats.org/drawingml/2006/main" xmlns:r="http://schemas.openxmlformats.org/officeDocument/2006/relationships" xmlns:p="http://schemas.openxmlformats.org/presentationml/2006/main">
-  <p:cSld>
-    <p:spTree>
-      <p:nvGrpSpPr>
-        <p:cNvPr id="1" name=""/>
-        <p:cNvGrpSpPr/>
-        <p:nvPr/>
-      </p:nvGrpSpPr>
-      <p:grpSpPr>
-        <a:xfrm>
-          <a:off x="0" y="0"/>
-          <a:ext cx="0" cy="0"/>
-          <a:chOff x="0" y="0"/>
-          <a:chExt cx="0" cy="0"/>
-        </a:xfrm>
-      </p:grpSpPr>
-      <p:sp>
-        <p:nvSpPr>
-          <p:cNvPr id="2" name="Title 1"/>
-          <p:cNvSpPr>
-            <a:spLocks noGrp="1"/>
-          </p:cNvSpPr>
-          <p:nvPr>
-            <p:ph type="ctrTitle"/>
-          </p:nvPr>
-        </p:nvSpPr>
-        <p:spPr/>
-        <p:txBody>
-          <a:bodyPr>
-            <a:normAutofit fontScale="90000"/>
-          </a:bodyPr>
-          <a:lstStyle/>
-          <a:p>
-            <a:r>
-              <a:rPr lang="en-US" dirty="0" smtClean="0"/>
-              <a:t>Running Reports</a:t>
-            </a:r>
-            <a:endParaRPr lang="en-US" dirty="0"/>
-          </a:p>
-        </p:txBody>
-      </p:sp>
-      <p:sp>
-        <p:nvSpPr>
-          <p:cNvPr id="3" name="Subtitle 2"/>
-          <p:cNvSpPr>
-            <a:spLocks noGrp="1"/>
-          </p:cNvSpPr>
-          <p:nvPr>
-            <p:ph type="subTitle" idx="1"/>
-          </p:nvPr>
-        </p:nvSpPr>
-        <p:spPr>
-          <a:xfrm>
-            <a:off x="1671638" y="3271838"/>
-            <a:ext cx="12319000" cy="4317682"/>
-          </a:xfrm>
-        </p:spPr>
-        <p:txBody>
-          <a:bodyPr/>
-          <a:lstStyle/>
-          <a:p>
-            <a:r>
-              <a:rPr lang="en-US" dirty="0" smtClean="0"/>
-              <a:t>mmm</a:t>
-            </a:r>
-          </a:p>
-          <a:p>
-            <a:endParaRPr lang="en-US" dirty="0"/>
-          </a:p>
-          <a:p>
-            <a:endParaRPr lang="en-US" dirty="0" smtClean="0"/>
-          </a:p>
-          <a:p>
-            <a:r>
-              <a:rPr lang="en-US" dirty="0" smtClean="0"/>
-              <a:t>IMPORTING NODES</a:t>
-            </a:r>
-          </a:p>
-          <a:p>
-            <a:r>
-              <a:rPr lang="en-US" dirty="0" err="1" smtClean="0"/>
-              <a:t>andrew</a:t>
-            </a:r>
-            <a:r>
-              <a:rPr lang="en-US" dirty="0"/>
-              <a:t>: you can add nodes using the API, e.g. in bulk</a:t>
-            </a:r>
-            <a:r>
-              <a:rPr lang="en-US" dirty="0">
-                <a:hlinkClick r:id="rId3"/>
-              </a:rPr>
-              <a:t>https://github.com/chef/chef-compliance/blob/master/docs/api_compliance.rst#post-bulk</a:t>
-            </a:r>
-            <a:endParaRPr lang="en-US" dirty="0"/>
-          </a:p>
-        </p:txBody>
-      </p:sp>
-    </p:spTree>
-    <p:extLst>
-      <p:ext uri="{BB962C8B-B14F-4D97-AF65-F5344CB8AC3E}">
-        <p14:creationId xmlns:p14="http://schemas.microsoft.com/office/powerpoint/2010/main" val="311788290"/>
-      </p:ext>
-    </p:extLst>
-  </p:cSld>
-  <p:clrMapOvr>
-    <a:masterClrMapping/>
-  </p:clrMapOvr>
-  <p:transition spd="med">
-    <p:fade/>
-  </p:transition>
-</p:sld>
-</file>
-
-<file path=ppt/slides/slide37.xml><?xml version="1.0" encoding="utf-8"?>
-<p:sld xmlns:a="http://schemas.openxmlformats.org/drawingml/2006/main" xmlns:r="http://schemas.openxmlformats.org/officeDocument/2006/relationships" xmlns:p="http://schemas.openxmlformats.org/presentationml/2006/main">
-  <p:cSld>
-    <p:spTree>
-      <p:nvGrpSpPr>
-        <p:cNvPr id="1" name=""/>
-        <p:cNvGrpSpPr/>
-        <p:nvPr/>
-      </p:nvGrpSpPr>
-      <p:grpSpPr>
-        <a:xfrm>
-          <a:off x="0" y="0"/>
-          <a:ext cx="0" cy="0"/>
-          <a:chOff x="0" y="0"/>
-          <a:chExt cx="0" cy="0"/>
-        </a:xfrm>
-      </p:grpSpPr>
-      <p:sp>
-        <p:nvSpPr>
-          <p:cNvPr id="2" name="Title 1"/>
-          <p:cNvSpPr>
-            <a:spLocks noGrp="1"/>
-          </p:cNvSpPr>
-          <p:nvPr>
-            <p:ph type="ctrTitle"/>
-          </p:nvPr>
-        </p:nvSpPr>
-        <p:spPr>
-          <a:xfrm>
-            <a:off x="1671637" y="2292126"/>
-            <a:ext cx="12319001" cy="1251174"/>
-          </a:xfrm>
-        </p:spPr>
-        <p:txBody>
-          <a:bodyPr>
-            <a:normAutofit/>
-          </a:bodyPr>
-          <a:lstStyle/>
-          <a:p>
-            <a:r>
-              <a:rPr lang="en-US" dirty="0" smtClean="0"/>
-              <a:t>GE: Creating a Custom Profile</a:t>
-            </a:r>
-            <a:endParaRPr lang="en-US" dirty="0"/>
-          </a:p>
-        </p:txBody>
-      </p:sp>
-      <p:sp>
-        <p:nvSpPr>
-          <p:cNvPr id="3" name="Content Placeholder 2"/>
-          <p:cNvSpPr>
-            <a:spLocks noGrp="1"/>
-          </p:cNvSpPr>
-          <p:nvPr>
-            <p:ph sz="quarter" idx="11"/>
-          </p:nvPr>
-        </p:nvSpPr>
-        <p:spPr/>
-        <p:txBody>
-          <a:bodyPr/>
-          <a:lstStyle/>
-          <a:p>
-            <a:r>
-              <a:rPr lang="en-US" dirty="0" smtClean="0"/>
-              <a:t>Creating custom profiles to fit your business needs.</a:t>
-            </a:r>
-            <a:endParaRPr lang="en-US" dirty="0"/>
-          </a:p>
-        </p:txBody>
-      </p:sp>
-      <p:sp>
-        <p:nvSpPr>
-          <p:cNvPr id="4" name="Text Placeholder 3"/>
-          <p:cNvSpPr>
-            <a:spLocks noGrp="1"/>
-          </p:cNvSpPr>
-          <p:nvPr>
-            <p:ph type="body" sz="quarter" idx="10"/>
-          </p:nvPr>
-        </p:nvSpPr>
-        <p:spPr/>
-        <p:txBody>
-          <a:bodyPr/>
-          <a:lstStyle/>
-          <a:p>
-            <a:pPr marL="342900" indent="-342900">
-              <a:buFont typeface="Wingdings" panose="05000000000000000000" pitchFamily="2" charset="2"/>
-              <a:buChar char="q"/>
-            </a:pPr>
-            <a:r>
-              <a:rPr lang="en-US" dirty="0" smtClean="0"/>
-              <a:t>Create a custom profile.</a:t>
-            </a:r>
-          </a:p>
-          <a:p>
-            <a:pPr marL="342900" indent="-342900">
-              <a:buFont typeface="Wingdings" panose="05000000000000000000" pitchFamily="2" charset="2"/>
-              <a:buChar char="q"/>
-            </a:pPr>
-            <a:r>
-              <a:rPr lang="en-US" dirty="0" smtClean="0"/>
-              <a:t>Test your profile with </a:t>
-            </a:r>
-            <a:r>
-              <a:rPr lang="en-US" dirty="0" err="1" smtClean="0"/>
-              <a:t>InSpec</a:t>
-            </a:r>
-            <a:endParaRPr lang="en-US" dirty="0" smtClean="0"/>
-          </a:p>
-          <a:p>
-            <a:pPr marL="342900" indent="-342900">
-              <a:buFont typeface="Wingdings" panose="05000000000000000000" pitchFamily="2" charset="2"/>
-              <a:buChar char="q"/>
-            </a:pPr>
-            <a:endParaRPr lang="en-US" dirty="0" smtClean="0"/>
-          </a:p>
-          <a:p>
-            <a:pPr marL="342900" indent="-342900">
-              <a:buFont typeface="Wingdings" panose="05000000000000000000" pitchFamily="2" charset="2"/>
-              <a:buChar char="q"/>
-            </a:pPr>
-            <a:endParaRPr lang="en-US" dirty="0" smtClean="0"/>
-          </a:p>
-          <a:p>
-            <a:pPr marL="342900" indent="-342900">
-              <a:buFont typeface="Wingdings" panose="05000000000000000000" pitchFamily="2" charset="2"/>
-              <a:buChar char="q"/>
-            </a:pPr>
-            <a:endParaRPr lang="en-US" dirty="0"/>
-          </a:p>
-        </p:txBody>
-      </p:sp>
-    </p:spTree>
-    <p:extLst>
-      <p:ext uri="{BB962C8B-B14F-4D97-AF65-F5344CB8AC3E}">
-        <p14:creationId xmlns:p14="http://schemas.microsoft.com/office/powerpoint/2010/main" val="1713764854"/>
-      </p:ext>
-    </p:extLst>
-  </p:cSld>
-  <p:clrMapOvr>
-    <a:masterClrMapping/>
-  </p:clrMapOvr>
-  <p:transition spd="med">
-    <p:fade/>
-  </p:transition>
-  <p:timing>
-    <p:tnLst>
-      <p:par>
-        <p:cTn id="1" dur="indefinite" restart="never" nodeType="tmRoot"/>
-      </p:par>
-    </p:tnLst>
-  </p:timing>
-</p:sld>
-</file>
-
-<file path=ppt/slides/slide38.xml><?xml version="1.0" encoding="utf-8"?>
-<p:sld xmlns:a="http://schemas.openxmlformats.org/drawingml/2006/main" xmlns:r="http://schemas.openxmlformats.org/officeDocument/2006/relationships" xmlns:p="http://schemas.openxmlformats.org/presentationml/2006/main">
-  <p:cSld>
-    <p:spTree>
-      <p:nvGrpSpPr>
-        <p:cNvPr id="1" name=""/>
-        <p:cNvGrpSpPr/>
-        <p:nvPr/>
-      </p:nvGrpSpPr>
-      <p:grpSpPr>
-        <a:xfrm>
-          <a:off x="0" y="0"/>
-          <a:ext cx="0" cy="0"/>
-          <a:chOff x="0" y="0"/>
-          <a:chExt cx="0" cy="0"/>
-        </a:xfrm>
-      </p:grpSpPr>
-      <p:sp>
-        <p:nvSpPr>
-          <p:cNvPr id="2" name="Content Placeholder 1"/>
-          <p:cNvSpPr>
-            <a:spLocks noGrp="1"/>
-          </p:cNvSpPr>
-          <p:nvPr>
-            <p:ph sz="quarter" idx="10"/>
-          </p:nvPr>
-        </p:nvSpPr>
-        <p:spPr>
-          <a:xfrm>
-            <a:off x="1121104" y="3413050"/>
-            <a:ext cx="14423693" cy="4086978"/>
-          </a:xfrm>
-        </p:spPr>
-        <p:txBody>
-          <a:bodyPr/>
-          <a:lstStyle/>
-          <a:p>
-            <a:pPr defTabSz="1217613" fontAlgn="base">
-              <a:lnSpc>
-                <a:spcPct val="90000"/>
-              </a:lnSpc>
-              <a:spcBef>
-                <a:spcPct val="30000"/>
-              </a:spcBef>
-              <a:spcAft>
-                <a:spcPts val="450"/>
-              </a:spcAft>
-              <a:buSzTx/>
-              <a:defRPr/>
-            </a:pPr>
-            <a:endParaRPr lang="en-US" dirty="0"/>
-          </a:p>
-        </p:txBody>
-      </p:sp>
-      <p:sp>
-        <p:nvSpPr>
-          <p:cNvPr id="3" name="Text Placeholder 2"/>
-          <p:cNvSpPr>
-            <a:spLocks noGrp="1"/>
-          </p:cNvSpPr>
-          <p:nvPr>
-            <p:ph type="body" sz="quarter" idx="11"/>
-          </p:nvPr>
-        </p:nvSpPr>
-        <p:spPr>
-          <a:xfrm>
-            <a:off x="1121104" y="1239874"/>
-            <a:ext cx="14422528" cy="1630917"/>
-          </a:xfrm>
-        </p:spPr>
-        <p:txBody>
-          <a:bodyPr/>
-          <a:lstStyle/>
-          <a:p>
-            <a:r>
-              <a:rPr lang="en-US" dirty="0" smtClean="0"/>
-              <a:t>$ mkdir </a:t>
-            </a:r>
-            <a:r>
-              <a:rPr lang="en-US" dirty="0"/>
-              <a:t>-p ~/</a:t>
-            </a:r>
-            <a:r>
-              <a:rPr lang="en-US" dirty="0" err="1" smtClean="0"/>
-              <a:t>compliance_profiles</a:t>
-            </a:r>
-            <a:r>
-              <a:rPr lang="en-US" dirty="0" smtClean="0"/>
-              <a:t>/profile_01</a:t>
-            </a:r>
-          </a:p>
-          <a:p>
-            <a:r>
-              <a:rPr lang="en-US" dirty="0" smtClean="0"/>
-              <a:t>$ cd </a:t>
-            </a:r>
-            <a:r>
-              <a:rPr lang="en-US" dirty="0"/>
-              <a:t>~/</a:t>
-            </a:r>
-            <a:r>
-              <a:rPr lang="en-US" dirty="0" err="1" smtClean="0"/>
-              <a:t>compliance_profiles</a:t>
-            </a:r>
-            <a:r>
-              <a:rPr lang="en-US" dirty="0" smtClean="0"/>
-              <a:t>/profile_01</a:t>
-            </a:r>
-            <a:endParaRPr lang="en-US" dirty="0"/>
-          </a:p>
-        </p:txBody>
-      </p:sp>
-      <p:sp>
-        <p:nvSpPr>
-          <p:cNvPr id="5" name="Title 4"/>
-          <p:cNvSpPr>
-            <a:spLocks noGrp="1"/>
-          </p:cNvSpPr>
-          <p:nvPr>
-            <p:ph type="title"/>
-          </p:nvPr>
-        </p:nvSpPr>
-        <p:spPr/>
-        <p:txBody>
-          <a:bodyPr>
-            <a:normAutofit/>
-          </a:bodyPr>
-          <a:lstStyle/>
-          <a:p>
-            <a:r>
-              <a:rPr lang="en-US" dirty="0"/>
-              <a:t>GE: </a:t>
-            </a:r>
-            <a:r>
-              <a:rPr lang="en-US" dirty="0" smtClean="0"/>
-              <a:t>Create a Directory for your Profile</a:t>
-            </a:r>
-            <a:endParaRPr lang="en-US" dirty="0"/>
-          </a:p>
-        </p:txBody>
-      </p:sp>
-    </p:spTree>
-    <p:extLst>
-      <p:ext uri="{BB962C8B-B14F-4D97-AF65-F5344CB8AC3E}">
-        <p14:creationId xmlns:p14="http://schemas.microsoft.com/office/powerpoint/2010/main" val="3303351184"/>
-      </p:ext>
-    </p:extLst>
-  </p:cSld>
-  <p:clrMapOvr>
-    <a:masterClrMapping/>
-  </p:clrMapOvr>
-  <p:transition spd="med">
-    <p:fade/>
-  </p:transition>
-  <p:timing>
-    <p:tnLst>
-      <p:par>
-        <p:cTn id="1" dur="indefinite" restart="never" nodeType="tmRoot"/>
-      </p:par>
-    </p:tnLst>
-  </p:timing>
-</p:sld>
-</file>
-
-<file path=ppt/slides/slide39.xml><?xml version="1.0" encoding="utf-8"?>
-<p:sld xmlns:a="http://schemas.openxmlformats.org/drawingml/2006/main" xmlns:r="http://schemas.openxmlformats.org/officeDocument/2006/relationships" xmlns:p="http://schemas.openxmlformats.org/presentationml/2006/main">
-  <p:cSld>
-    <p:spTree>
-      <p:nvGrpSpPr>
-        <p:cNvPr id="1" name=""/>
-        <p:cNvGrpSpPr/>
-        <p:nvPr/>
-      </p:nvGrpSpPr>
-      <p:grpSpPr>
-        <a:xfrm>
-          <a:off x="0" y="0"/>
-          <a:ext cx="0" cy="0"/>
-          <a:chOff x="0" y="0"/>
-          <a:chExt cx="0" cy="0"/>
-        </a:xfrm>
-      </p:grpSpPr>
-      <p:sp>
-        <p:nvSpPr>
-          <p:cNvPr id="2" name="Title 1"/>
-          <p:cNvSpPr>
-            <a:spLocks noGrp="1"/>
-          </p:cNvSpPr>
-          <p:nvPr>
-            <p:ph type="ctrTitle"/>
-          </p:nvPr>
-        </p:nvSpPr>
-        <p:spPr>
-          <a:xfrm>
-            <a:off x="1325881" y="2452145"/>
-            <a:ext cx="12664758" cy="968599"/>
-          </a:xfrm>
-        </p:spPr>
-        <p:txBody>
-          <a:bodyPr>
-            <a:normAutofit fontScale="90000"/>
-          </a:bodyPr>
-          <a:lstStyle/>
-          <a:p>
-            <a:r>
-              <a:rPr lang="en-US" dirty="0" smtClean="0"/>
-              <a:t>GE: Uploading the Custom Profile to the Compliance Server </a:t>
-            </a:r>
-            <a:endParaRPr lang="en-US" dirty="0"/>
-          </a:p>
-        </p:txBody>
-      </p:sp>
-      <p:sp>
-        <p:nvSpPr>
-          <p:cNvPr id="3" name="Content Placeholder 2"/>
-          <p:cNvSpPr>
-            <a:spLocks noGrp="1"/>
-          </p:cNvSpPr>
-          <p:nvPr>
-            <p:ph sz="quarter" idx="11"/>
-          </p:nvPr>
-        </p:nvSpPr>
-        <p:spPr>
-          <a:xfrm>
-            <a:off x="1671638" y="3420745"/>
-            <a:ext cx="12319000" cy="1528233"/>
-          </a:xfrm>
-        </p:spPr>
-        <p:txBody>
-          <a:bodyPr/>
-          <a:lstStyle/>
-          <a:p>
-            <a:r>
-              <a:rPr lang="en-US" dirty="0" smtClean="0"/>
-              <a:t>Uploading it so it can be used in scans..</a:t>
-            </a:r>
-            <a:endParaRPr lang="en-US" dirty="0"/>
-          </a:p>
-        </p:txBody>
-      </p:sp>
-      <p:sp>
-        <p:nvSpPr>
-          <p:cNvPr id="4" name="Text Placeholder 3"/>
-          <p:cNvSpPr>
-            <a:spLocks noGrp="1"/>
-          </p:cNvSpPr>
-          <p:nvPr>
-            <p:ph type="body" sz="quarter" idx="10"/>
-          </p:nvPr>
-        </p:nvSpPr>
-        <p:spPr/>
-        <p:txBody>
-          <a:bodyPr/>
-          <a:lstStyle/>
-          <a:p>
-            <a:pPr marL="342900" indent="-342900">
-              <a:buFont typeface="Wingdings" panose="05000000000000000000" pitchFamily="2" charset="2"/>
-              <a:buChar char="q"/>
-            </a:pPr>
-            <a:r>
-              <a:rPr lang="en-US" dirty="0" smtClean="0"/>
-              <a:t>Zip up the new profile.</a:t>
-            </a:r>
-          </a:p>
-          <a:p>
-            <a:pPr marL="342900" indent="-342900">
-              <a:buFont typeface="Wingdings" panose="05000000000000000000" pitchFamily="2" charset="2"/>
-              <a:buChar char="q"/>
-            </a:pPr>
-            <a:r>
-              <a:rPr lang="en-US" dirty="0" smtClean="0"/>
-              <a:t>Upload it to your laptop and then to the Compliance Server.</a:t>
-            </a:r>
-          </a:p>
-          <a:p>
-            <a:pPr marL="342900" indent="-342900">
-              <a:buFont typeface="Wingdings" panose="05000000000000000000" pitchFamily="2" charset="2"/>
-              <a:buChar char="q"/>
-            </a:pPr>
-            <a:endParaRPr lang="en-US" dirty="0" smtClean="0"/>
-          </a:p>
-          <a:p>
-            <a:pPr marL="342900" indent="-342900">
-              <a:buFont typeface="Wingdings" panose="05000000000000000000" pitchFamily="2" charset="2"/>
-              <a:buChar char="q"/>
-            </a:pPr>
-            <a:endParaRPr lang="en-US" dirty="0" smtClean="0"/>
-          </a:p>
-          <a:p>
-            <a:pPr marL="342900" indent="-342900">
-              <a:buFont typeface="Wingdings" panose="05000000000000000000" pitchFamily="2" charset="2"/>
-              <a:buChar char="q"/>
-            </a:pPr>
-            <a:endParaRPr lang="en-US" dirty="0"/>
-          </a:p>
-        </p:txBody>
-      </p:sp>
-    </p:spTree>
-    <p:extLst>
-      <p:ext uri="{BB962C8B-B14F-4D97-AF65-F5344CB8AC3E}">
-        <p14:creationId xmlns:p14="http://schemas.microsoft.com/office/powerpoint/2010/main" val="203882454"/>
-      </p:ext>
-    </p:extLst>
-  </p:cSld>
-  <p:clrMapOvr>
-    <a:masterClrMapping/>
-  </p:clrMapOvr>
-  <p:transition spd="med">
-    <p:fade/>
-  </p:transition>
-</p:sld>
-</file>
-
-<file path=ppt/slides/slide4.xml><?xml version="1.0" encoding="utf-8"?>
-<p:sld xmlns:a="http://schemas.openxmlformats.org/drawingml/2006/main" xmlns:r="http://schemas.openxmlformats.org/officeDocument/2006/relationships" xmlns:p="http://schemas.openxmlformats.org/presentationml/2006/main">
-  <p:cSld>
-    <p:spTree>
-      <p:nvGrpSpPr>
-        <p:cNvPr id="1" name=""/>
-        <p:cNvGrpSpPr/>
-        <p:nvPr/>
-      </p:nvGrpSpPr>
-      <p:grpSpPr>
-        <a:xfrm>
-          <a:off x="0" y="0"/>
-          <a:ext cx="0" cy="0"/>
-          <a:chOff x="0" y="0"/>
-          <a:chExt cx="0" cy="0"/>
-        </a:xfrm>
-      </p:grpSpPr>
-      <p:sp>
-        <p:nvSpPr>
-          <p:cNvPr id="2" name="Title 1"/>
-          <p:cNvSpPr>
-            <a:spLocks noGrp="1"/>
-          </p:cNvSpPr>
-          <p:nvPr>
-            <p:ph type="ctrTitle"/>
-          </p:nvPr>
-        </p:nvSpPr>
-        <p:spPr/>
-        <p:txBody>
-          <a:bodyPr>
-            <a:normAutofit fontScale="90000"/>
-          </a:bodyPr>
-          <a:lstStyle/>
-          <a:p>
-            <a:r>
-              <a:rPr lang="en-US" dirty="0" smtClean="0"/>
-              <a:t>Group Lab: Creating Users</a:t>
-            </a:r>
-            <a:endParaRPr lang="en-US" dirty="0"/>
-          </a:p>
-        </p:txBody>
-      </p:sp>
-      <p:sp>
-        <p:nvSpPr>
-          <p:cNvPr id="4" name="Text Placeholder 3"/>
-          <p:cNvSpPr>
-            <a:spLocks noGrp="1"/>
-          </p:cNvSpPr>
-          <p:nvPr>
-            <p:ph type="body" sz="quarter" idx="10"/>
-          </p:nvPr>
-        </p:nvSpPr>
-        <p:spPr/>
-        <p:txBody>
-          <a:bodyPr/>
-          <a:lstStyle/>
-          <a:p>
-            <a:pPr marL="342900" indent="-342900">
-              <a:buFont typeface="Wingdings" panose="05000000000000000000" pitchFamily="2" charset="2"/>
-              <a:buChar char="q"/>
-            </a:pPr>
-            <a:r>
-              <a:rPr lang="en-US" dirty="0" smtClean="0"/>
-              <a:t>Create a new Compliance User.</a:t>
-            </a:r>
-          </a:p>
-          <a:p>
-            <a:pPr marL="342900" indent="-342900">
-              <a:buFont typeface="Wingdings" panose="05000000000000000000" pitchFamily="2" charset="2"/>
-              <a:buChar char="q"/>
-            </a:pPr>
-            <a:r>
-              <a:rPr lang="en-US" dirty="0" smtClean="0"/>
-              <a:t>Modify a user's permissions.</a:t>
-            </a:r>
-            <a:endParaRPr lang="en-US" dirty="0"/>
-          </a:p>
-        </p:txBody>
-      </p:sp>
-      <p:sp>
-        <p:nvSpPr>
-          <p:cNvPr id="5" name="Content Placeholder 2"/>
-          <p:cNvSpPr>
-            <a:spLocks noGrp="1"/>
-          </p:cNvSpPr>
-          <p:nvPr>
-            <p:ph sz="quarter" idx="11"/>
-          </p:nvPr>
-        </p:nvSpPr>
-        <p:spPr>
-          <a:xfrm>
-            <a:off x="1671638" y="3260725"/>
-            <a:ext cx="12319000" cy="1528233"/>
-          </a:xfrm>
-        </p:spPr>
-        <p:txBody>
-          <a:bodyPr/>
-          <a:lstStyle/>
-          <a:p>
-            <a:r>
-              <a:rPr lang="en-US" dirty="0" smtClean="0"/>
-              <a:t>Let's learn by doing. We'll stop along the way to explain details.</a:t>
-            </a:r>
-            <a:endParaRPr lang="en-US" dirty="0"/>
-          </a:p>
-        </p:txBody>
-      </p:sp>
-    </p:spTree>
-    <p:extLst>
-      <p:ext uri="{BB962C8B-B14F-4D97-AF65-F5344CB8AC3E}">
-        <p14:creationId xmlns:p14="http://schemas.microsoft.com/office/powerpoint/2010/main" val="1349034760"/>
-      </p:ext>
-    </p:extLst>
-  </p:cSld>
-  <p:clrMapOvr>
-    <a:masterClrMapping/>
-  </p:clrMapOvr>
-  <p:transition spd="med">
-    <p:fade/>
-  </p:transition>
-</p:sld>
-</file>
-
-<file path=ppt/slides/slide40.xml><?xml version="1.0" encoding="utf-8"?>
+<file path=ppt/slides/slide28.xml><?xml version="1.0" encoding="utf-8"?>
 <p:sld xmlns:a="http://schemas.openxmlformats.org/drawingml/2006/main" xmlns:r="http://schemas.openxmlformats.org/officeDocument/2006/relationships" xmlns:p="http://schemas.openxmlformats.org/presentationml/2006/main">
   <p:cSld>
     <p:bg>
@@ -19072,7 +15949,7 @@
 </p:sld>
 </file>
 
-<file path=ppt/slides/slide41.xml><?xml version="1.0" encoding="utf-8"?>
+<file path=ppt/slides/slide29.xml><?xml version="1.0" encoding="utf-8"?>
 <p:sld xmlns:a="http://schemas.openxmlformats.org/drawingml/2006/main" xmlns:r="http://schemas.openxmlformats.org/officeDocument/2006/relationships" xmlns:p="http://schemas.openxmlformats.org/presentationml/2006/main">
   <p:cSld>
     <p:spTree>
@@ -19254,6 +16131,240 @@
     <p:extLst>
       <p:ext uri="{BB962C8B-B14F-4D97-AF65-F5344CB8AC3E}">
         <p14:creationId xmlns:p14="http://schemas.microsoft.com/office/powerpoint/2010/main" val="522763473"/>
+      </p:ext>
+    </p:extLst>
+  </p:cSld>
+  <p:clrMapOvr>
+    <a:masterClrMapping/>
+  </p:clrMapOvr>
+  <p:transition spd="med">
+    <p:fade/>
+  </p:transition>
+</p:sld>
+</file>
+
+<file path=ppt/slides/slide3.xml><?xml version="1.0" encoding="utf-8"?>
+<p:sld xmlns:a="http://schemas.openxmlformats.org/drawingml/2006/main" xmlns:r="http://schemas.openxmlformats.org/officeDocument/2006/relationships" xmlns:p="http://schemas.openxmlformats.org/presentationml/2006/main">
+  <p:cSld>
+    <p:spTree>
+      <p:nvGrpSpPr>
+        <p:cNvPr id="1" name=""/>
+        <p:cNvGrpSpPr/>
+        <p:nvPr/>
+      </p:nvGrpSpPr>
+      <p:grpSpPr>
+        <a:xfrm>
+          <a:off x="0" y="0"/>
+          <a:ext cx="0" cy="0"/>
+          <a:chOff x="0" y="0"/>
+          <a:chExt cx="0" cy="0"/>
+        </a:xfrm>
+      </p:grpSpPr>
+      <p:sp>
+        <p:nvSpPr>
+          <p:cNvPr id="2" name="Title 1"/>
+          <p:cNvSpPr>
+            <a:spLocks noGrp="1"/>
+          </p:cNvSpPr>
+          <p:nvPr>
+            <p:ph type="ctrTitle"/>
+          </p:nvPr>
+        </p:nvSpPr>
+        <p:spPr/>
+        <p:txBody>
+          <a:bodyPr>
+            <a:normAutofit fontScale="90000"/>
+          </a:bodyPr>
+          <a:lstStyle/>
+          <a:p>
+            <a:r>
+              <a:rPr lang="en-US" dirty="0" smtClean="0"/>
+              <a:t>Managing Users</a:t>
+            </a:r>
+            <a:endParaRPr lang="en-US" dirty="0"/>
+          </a:p>
+        </p:txBody>
+      </p:sp>
+      <p:sp>
+        <p:nvSpPr>
+          <p:cNvPr id="3" name="Subtitle 2"/>
+          <p:cNvSpPr>
+            <a:spLocks noGrp="1"/>
+          </p:cNvSpPr>
+          <p:nvPr>
+            <p:ph type="subTitle" idx="1"/>
+          </p:nvPr>
+        </p:nvSpPr>
+        <p:spPr>
+          <a:xfrm>
+            <a:off x="1671638" y="3271838"/>
+            <a:ext cx="12319000" cy="4302154"/>
+          </a:xfrm>
+        </p:spPr>
+        <p:txBody>
+          <a:bodyPr/>
+          <a:lstStyle/>
+          <a:p>
+            <a:r>
+              <a:rPr lang="en-US" dirty="0" smtClean="0"/>
+              <a:t>You can create and edit Compliance Server users.</a:t>
+            </a:r>
+          </a:p>
+          <a:p>
+            <a:endParaRPr lang="en-US" dirty="0"/>
+          </a:p>
+          <a:p>
+            <a:r>
+              <a:rPr lang="en-US" dirty="0" smtClean="0"/>
+              <a:t>You can also modify their permission in or to allow or prevent certain actions.</a:t>
+            </a:r>
+            <a:endParaRPr lang="en-US" dirty="0"/>
+          </a:p>
+        </p:txBody>
+      </p:sp>
+    </p:spTree>
+    <p:extLst>
+      <p:ext uri="{BB962C8B-B14F-4D97-AF65-F5344CB8AC3E}">
+        <p14:creationId xmlns:p14="http://schemas.microsoft.com/office/powerpoint/2010/main" val="3334238159"/>
+      </p:ext>
+    </p:extLst>
+  </p:cSld>
+  <p:clrMapOvr>
+    <a:masterClrMapping/>
+  </p:clrMapOvr>
+  <p:transition spd="med">
+    <p:fade/>
+  </p:transition>
+</p:sld>
+</file>
+
+<file path=ppt/slides/slide4.xml><?xml version="1.0" encoding="utf-8"?>
+<p:sld xmlns:a="http://schemas.openxmlformats.org/drawingml/2006/main" xmlns:r="http://schemas.openxmlformats.org/officeDocument/2006/relationships" xmlns:p="http://schemas.openxmlformats.org/presentationml/2006/main">
+  <p:cSld>
+    <p:spTree>
+      <p:nvGrpSpPr>
+        <p:cNvPr id="1" name=""/>
+        <p:cNvGrpSpPr/>
+        <p:nvPr/>
+      </p:nvGrpSpPr>
+      <p:grpSpPr>
+        <a:xfrm>
+          <a:off x="0" y="0"/>
+          <a:ext cx="0" cy="0"/>
+          <a:chOff x="0" y="0"/>
+          <a:chExt cx="0" cy="0"/>
+        </a:xfrm>
+      </p:grpSpPr>
+      <p:sp>
+        <p:nvSpPr>
+          <p:cNvPr id="2" name="Title 1"/>
+          <p:cNvSpPr>
+            <a:spLocks noGrp="1"/>
+          </p:cNvSpPr>
+          <p:nvPr>
+            <p:ph type="ctrTitle"/>
+          </p:nvPr>
+        </p:nvSpPr>
+        <p:spPr/>
+        <p:txBody>
+          <a:bodyPr>
+            <a:normAutofit fontScale="90000"/>
+          </a:bodyPr>
+          <a:lstStyle/>
+          <a:p>
+            <a:r>
+              <a:rPr lang="en-US" dirty="0" smtClean="0"/>
+              <a:t>Group Lab: Creating Users</a:t>
+            </a:r>
+            <a:endParaRPr lang="en-US" dirty="0"/>
+          </a:p>
+        </p:txBody>
+      </p:sp>
+      <p:sp>
+        <p:nvSpPr>
+          <p:cNvPr id="4" name="Text Placeholder 3"/>
+          <p:cNvSpPr>
+            <a:spLocks noGrp="1"/>
+          </p:cNvSpPr>
+          <p:nvPr>
+            <p:ph type="body" sz="quarter" idx="10"/>
+          </p:nvPr>
+        </p:nvSpPr>
+        <p:spPr/>
+        <p:txBody>
+          <a:bodyPr/>
+          <a:lstStyle/>
+          <a:p>
+            <a:pPr marL="342900" indent="-342900">
+              <a:buFont typeface="Wingdings" panose="05000000000000000000" pitchFamily="2" charset="2"/>
+              <a:buChar char="q"/>
+            </a:pPr>
+            <a:r>
+              <a:rPr lang="en-US" dirty="0" smtClean="0"/>
+              <a:t>Create a new Compliance User.</a:t>
+            </a:r>
+          </a:p>
+          <a:p>
+            <a:pPr marL="342900" indent="-342900">
+              <a:buFont typeface="Wingdings" panose="05000000000000000000" pitchFamily="2" charset="2"/>
+              <a:buChar char="q"/>
+            </a:pPr>
+            <a:r>
+              <a:rPr lang="en-US" dirty="0" smtClean="0"/>
+              <a:t>Modify a </a:t>
+            </a:r>
+            <a:r>
+              <a:rPr lang="en-US" dirty="0" smtClean="0"/>
+              <a:t>User's </a:t>
+            </a:r>
+            <a:r>
+              <a:rPr lang="en-US" dirty="0"/>
+              <a:t>P</a:t>
+            </a:r>
+            <a:r>
+              <a:rPr lang="en-US" dirty="0" smtClean="0"/>
+              <a:t>ermissions</a:t>
+            </a:r>
+            <a:r>
+              <a:rPr lang="en-US" dirty="0" smtClean="0"/>
+              <a:t>.</a:t>
+            </a:r>
+            <a:endParaRPr lang="en-US" dirty="0"/>
+          </a:p>
+        </p:txBody>
+      </p:sp>
+      <p:sp>
+        <p:nvSpPr>
+          <p:cNvPr id="5" name="Content Placeholder 2"/>
+          <p:cNvSpPr>
+            <a:spLocks noGrp="1"/>
+          </p:cNvSpPr>
+          <p:nvPr>
+            <p:ph sz="quarter" idx="11"/>
+          </p:nvPr>
+        </p:nvSpPr>
+        <p:spPr>
+          <a:xfrm>
+            <a:off x="1671638" y="3260725"/>
+            <a:ext cx="12319000" cy="1528233"/>
+          </a:xfrm>
+        </p:spPr>
+        <p:txBody>
+          <a:bodyPr/>
+          <a:lstStyle/>
+          <a:p>
+            <a:r>
+              <a:rPr lang="en-US" dirty="0" smtClean="0"/>
+              <a:t>Let's learn by doing. We'll stop along the way to explain details.</a:t>
+            </a:r>
+            <a:endParaRPr lang="en-US" dirty="0"/>
+          </a:p>
+        </p:txBody>
+      </p:sp>
+    </p:spTree>
+    <p:extLst>
+      <p:ext uri="{BB962C8B-B14F-4D97-AF65-F5344CB8AC3E}">
+        <p14:creationId xmlns:p14="http://schemas.microsoft.com/office/powerpoint/2010/main" val="1349034760"/>
       </p:ext>
     </p:extLst>
   </p:cSld>

--- a/08-permissions-orgs.pptx
+++ b/08-permissions-orgs.pptx
@@ -302,7 +302,7 @@
               <a:pPr>
                 <a:defRPr/>
               </a:pPr>
-              <a:t>2016-01-26</a:t>
+              <a:t>2016-01-27</a:t>
             </a:fld>
             <a:endParaRPr lang="en-US" dirty="0"/>
           </a:p>
@@ -485,7 +485,7 @@
               <a:pPr>
                 <a:defRPr/>
               </a:pPr>
-              <a:t>2016-01-26</a:t>
+              <a:t>2016-01-27</a:t>
             </a:fld>
             <a:endParaRPr lang="en-US" dirty="0"/>
           </a:p>
@@ -930,6 +930,93 @@
           <a:bodyPr/>
           <a:lstStyle/>
           <a:p>
+            <a:r>
+              <a:rPr lang="en-US" dirty="0" smtClean="0"/>
+              <a:t>Instructor Note: While managing</a:t>
+            </a:r>
+            <a:r>
+              <a:rPr lang="en-US" baseline="0" dirty="0" smtClean="0"/>
+              <a:t> users and organizations via a web UI may seem like a trivial topic, in Chef Compliance there is some complexity in how nodes are shared via Organizations. So this hands-on module allows the students to manage users, organizations, and teams so they can see the resulting behavior first hand.</a:t>
+            </a:r>
+          </a:p>
+          <a:p>
+            <a:endParaRPr lang="en-US" baseline="0" dirty="0" smtClean="0"/>
+          </a:p>
+          <a:p>
+            <a:r>
+              <a:rPr lang="en-US" dirty="0" smtClean="0"/>
+              <a:t>Instructor Note: LDAP integration is</a:t>
+            </a:r>
+            <a:r>
+              <a:rPr lang="en-US" baseline="0" dirty="0" smtClean="0"/>
+              <a:t> scheduled for Q2 2016. As of this writing</a:t>
+            </a:r>
+            <a:r>
+              <a:rPr lang="en-US" sz="1200" b="0" i="0" kern="1200" dirty="0" smtClean="0">
+                <a:solidFill>
+                  <a:schemeClr val="tx1"/>
+                </a:solidFill>
+                <a:effectLst/>
+                <a:latin typeface="Arial" panose="020B0604020202020204" pitchFamily="34" charset="0"/>
+                <a:ea typeface="ＭＳ Ｐゴシック" charset="0"/>
+                <a:cs typeface="Arial" panose="020B0604020202020204" pitchFamily="34" charset="0"/>
+              </a:rPr>
+              <a:t>, </a:t>
+            </a:r>
+            <a:r>
+              <a:rPr lang="en-US" sz="1200" b="0" i="0" kern="1200" dirty="0" smtClean="0">
+                <a:solidFill>
+                  <a:schemeClr val="tx1"/>
+                </a:solidFill>
+                <a:effectLst/>
+                <a:latin typeface="Arial" panose="020B0604020202020204" pitchFamily="34" charset="0"/>
+                <a:ea typeface="ＭＳ Ｐゴシック" charset="0"/>
+                <a:cs typeface="Arial" panose="020B0604020202020204" pitchFamily="34" charset="0"/>
+              </a:rPr>
+              <a:t>users have two </a:t>
+            </a:r>
+            <a:r>
+              <a:rPr lang="en-US" sz="1200" b="0" i="0" kern="1200" dirty="0" smtClean="0">
+                <a:solidFill>
+                  <a:schemeClr val="tx1"/>
+                </a:solidFill>
+                <a:effectLst/>
+                <a:latin typeface="Arial" panose="020B0604020202020204" pitchFamily="34" charset="0"/>
+                <a:ea typeface="ＭＳ Ｐゴシック" charset="0"/>
+                <a:cs typeface="Arial" panose="020B0604020202020204" pitchFamily="34" charset="0"/>
+              </a:rPr>
+              <a:t>options</a:t>
+            </a:r>
+            <a:r>
+              <a:rPr lang="en-US" sz="1200" b="0" i="0" kern="1200" baseline="0" dirty="0" smtClean="0">
+                <a:solidFill>
+                  <a:schemeClr val="tx1"/>
+                </a:solidFill>
+                <a:effectLst/>
+                <a:latin typeface="Arial" panose="020B0604020202020204" pitchFamily="34" charset="0"/>
+                <a:ea typeface="ＭＳ Ｐゴシック" charset="0"/>
+                <a:cs typeface="Arial" panose="020B0604020202020204" pitchFamily="34" charset="0"/>
+              </a:rPr>
+              <a:t> for managing </a:t>
+            </a:r>
+            <a:r>
+              <a:rPr lang="en-US" baseline="0" dirty="0" smtClean="0"/>
+              <a:t>manage users, organizations, and teams--The web UI or via </a:t>
+            </a:r>
+            <a:r>
+              <a:rPr lang="en-US" baseline="0" smtClean="0"/>
+              <a:t>API: </a:t>
+            </a:r>
+            <a:r>
+              <a:rPr lang="en-US" smtClean="0"/>
+              <a:t>https</a:t>
+            </a:r>
+            <a:r>
+              <a:rPr lang="en-US" dirty="0" smtClean="0"/>
+              <a:t>://docs.chef.io/release/compliance_1-0/api_compliance.html#users</a:t>
+            </a:r>
+          </a:p>
+          <a:p>
             <a:endParaRPr lang="en-US" dirty="0"/>
           </a:p>
         </p:txBody>
@@ -957,7 +1044,7 @@
               <a:pPr>
                 <a:defRPr/>
               </a:pPr>
-              <a:t>2</a:t>
+              <a:t>1</a:t>
             </a:fld>
             <a:endParaRPr lang="en-US" dirty="0"/>
           </a:p>
@@ -1010,7 +1097,7 @@
     </p:spTree>
     <p:extLst>
       <p:ext uri="{BB962C8B-B14F-4D97-AF65-F5344CB8AC3E}">
-        <p14:creationId xmlns:p14="http://schemas.microsoft.com/office/powerpoint/2010/main" val="2407138045"/>
+        <p14:creationId xmlns:p14="http://schemas.microsoft.com/office/powerpoint/2010/main" val="2853119605"/>
       </p:ext>
     </p:extLst>
   </p:cSld>
@@ -1064,6 +1151,14 @@
           <a:bodyPr/>
           <a:lstStyle/>
           <a:p>
+            <a:r>
+              <a:rPr lang="en-US" dirty="0" smtClean="0"/>
+              <a:t>Instructor Note: Answer--The</a:t>
+            </a:r>
+            <a:r>
+              <a:rPr lang="en-US" baseline="0" dirty="0" smtClean="0"/>
+              <a:t> nodes have not gone anywhere. They are only accessible under the admin user's default organization, not under this new `chef` organization. In the next steps we'll add a node to our new organization.</a:t>
+            </a:r>
             <a:endParaRPr lang="en-US" dirty="0"/>
           </a:p>
         </p:txBody>
@@ -1091,7 +1186,7 @@
               <a:pPr>
                 <a:defRPr/>
               </a:pPr>
-              <a:t>17</a:t>
+              <a:t>16</a:t>
             </a:fld>
             <a:endParaRPr lang="en-US" dirty="0"/>
           </a:p>
@@ -1144,7 +1239,7 @@
     </p:spTree>
     <p:extLst>
       <p:ext uri="{BB962C8B-B14F-4D97-AF65-F5344CB8AC3E}">
-        <p14:creationId xmlns:p14="http://schemas.microsoft.com/office/powerpoint/2010/main" val="3125568326"/>
+        <p14:creationId xmlns:p14="http://schemas.microsoft.com/office/powerpoint/2010/main" val="3101897495"/>
       </p:ext>
     </p:extLst>
   </p:cSld>
@@ -1225,7 +1320,7 @@
               <a:pPr>
                 <a:defRPr/>
               </a:pPr>
-              <a:t>18</a:t>
+              <a:t>17</a:t>
             </a:fld>
             <a:endParaRPr lang="en-US" dirty="0"/>
           </a:p>
@@ -1278,7 +1373,7 @@
     </p:spTree>
     <p:extLst>
       <p:ext uri="{BB962C8B-B14F-4D97-AF65-F5344CB8AC3E}">
-        <p14:creationId xmlns:p14="http://schemas.microsoft.com/office/powerpoint/2010/main" val="2503782277"/>
+        <p14:creationId xmlns:p14="http://schemas.microsoft.com/office/powerpoint/2010/main" val="3125568326"/>
       </p:ext>
     </p:extLst>
   </p:cSld>
@@ -1359,7 +1454,7 @@
               <a:pPr>
                 <a:defRPr/>
               </a:pPr>
-              <a:t>19</a:t>
+              <a:t>18</a:t>
             </a:fld>
             <a:endParaRPr lang="en-US" dirty="0"/>
           </a:p>
@@ -1412,7 +1507,7 @@
     </p:spTree>
     <p:extLst>
       <p:ext uri="{BB962C8B-B14F-4D97-AF65-F5344CB8AC3E}">
-        <p14:creationId xmlns:p14="http://schemas.microsoft.com/office/powerpoint/2010/main" val="2641013521"/>
+        <p14:creationId xmlns:p14="http://schemas.microsoft.com/office/powerpoint/2010/main" val="2503782277"/>
       </p:ext>
     </p:extLst>
   </p:cSld>
@@ -1466,10 +1561,6 @@
           <a:bodyPr/>
           <a:lstStyle/>
           <a:p>
-            <a:r>
-              <a:rPr lang="en-US" dirty="0" smtClean="0"/>
-              <a:t>Instructor Note: Answer--Because your new user name is part of the Team object that is resides under the new (chef) organization.</a:t>
-            </a:r>
             <a:endParaRPr lang="en-US" dirty="0"/>
           </a:p>
         </p:txBody>
@@ -1497,7 +1588,7 @@
               <a:pPr>
                 <a:defRPr/>
               </a:pPr>
-              <a:t>20</a:t>
+              <a:t>19</a:t>
             </a:fld>
             <a:endParaRPr lang="en-US" dirty="0"/>
           </a:p>
@@ -1550,7 +1641,7 @@
     </p:spTree>
     <p:extLst>
       <p:ext uri="{BB962C8B-B14F-4D97-AF65-F5344CB8AC3E}">
-        <p14:creationId xmlns:p14="http://schemas.microsoft.com/office/powerpoint/2010/main" val="104711200"/>
+        <p14:creationId xmlns:p14="http://schemas.microsoft.com/office/powerpoint/2010/main" val="2641013521"/>
       </p:ext>
     </p:extLst>
   </p:cSld>
@@ -1604,6 +1695,10 @@
           <a:bodyPr/>
           <a:lstStyle/>
           <a:p>
+            <a:r>
+              <a:rPr lang="en-US" dirty="0" smtClean="0"/>
+              <a:t>Instructor Note: Answer--Because your new user name is part of the Team object that is resides under the new (chef) organization.</a:t>
+            </a:r>
             <a:endParaRPr lang="en-US" dirty="0"/>
           </a:p>
         </p:txBody>
@@ -1631,7 +1726,7 @@
               <a:pPr>
                 <a:defRPr/>
               </a:pPr>
-              <a:t>21</a:t>
+              <a:t>20</a:t>
             </a:fld>
             <a:endParaRPr lang="en-US" dirty="0"/>
           </a:p>
@@ -1684,7 +1779,7 @@
     </p:spTree>
     <p:extLst>
       <p:ext uri="{BB962C8B-B14F-4D97-AF65-F5344CB8AC3E}">
-        <p14:creationId xmlns:p14="http://schemas.microsoft.com/office/powerpoint/2010/main" val="4014415873"/>
+        <p14:creationId xmlns:p14="http://schemas.microsoft.com/office/powerpoint/2010/main" val="104711200"/>
       </p:ext>
     </p:extLst>
   </p:cSld>
@@ -1738,7 +1833,7 @@
           <a:bodyPr/>
           <a:lstStyle/>
           <a:p>
-            <a:endParaRPr lang="en-US" baseline="0" dirty="0" smtClean="0"/>
+            <a:endParaRPr lang="en-US" dirty="0"/>
           </a:p>
         </p:txBody>
       </p:sp>
@@ -1765,7 +1860,7 @@
               <a:pPr>
                 <a:defRPr/>
               </a:pPr>
-              <a:t>22</a:t>
+              <a:t>21</a:t>
             </a:fld>
             <a:endParaRPr lang="en-US" dirty="0"/>
           </a:p>
@@ -1818,7 +1913,7 @@
     </p:spTree>
     <p:extLst>
       <p:ext uri="{BB962C8B-B14F-4D97-AF65-F5344CB8AC3E}">
-        <p14:creationId xmlns:p14="http://schemas.microsoft.com/office/powerpoint/2010/main" val="2565008402"/>
+        <p14:creationId xmlns:p14="http://schemas.microsoft.com/office/powerpoint/2010/main" val="4014415873"/>
       </p:ext>
     </p:extLst>
   </p:cSld>
@@ -1872,6 +1967,140 @@
           <a:bodyPr/>
           <a:lstStyle/>
           <a:p>
+            <a:endParaRPr lang="en-US" baseline="0" dirty="0" smtClean="0"/>
+          </a:p>
+        </p:txBody>
+      </p:sp>
+      <p:sp>
+        <p:nvSpPr>
+          <p:cNvPr id="4" name="Slide Number Placeholder 3"/>
+          <p:cNvSpPr>
+            <a:spLocks noGrp="1"/>
+          </p:cNvSpPr>
+          <p:nvPr>
+            <p:ph type="sldNum" sz="quarter" idx="10"/>
+          </p:nvPr>
+        </p:nvSpPr>
+        <p:spPr/>
+        <p:txBody>
+          <a:bodyPr/>
+          <a:lstStyle/>
+          <a:p>
+            <a:pPr>
+              <a:defRPr/>
+            </a:pPr>
+            <a:fld id="{DC3734AA-3150-D947-AC52-2F5DF48BFCD5}" type="slidenum">
+              <a:rPr lang="en-US" smtClean="0"/>
+              <a:pPr>
+                <a:defRPr/>
+              </a:pPr>
+              <a:t>22</a:t>
+            </a:fld>
+            <a:endParaRPr lang="en-US" dirty="0"/>
+          </a:p>
+        </p:txBody>
+      </p:sp>
+      <p:sp>
+        <p:nvSpPr>
+          <p:cNvPr id="5" name="Header Placeholder 4"/>
+          <p:cNvSpPr>
+            <a:spLocks noGrp="1"/>
+          </p:cNvSpPr>
+          <p:nvPr>
+            <p:ph type="hdr" sz="quarter" idx="11"/>
+          </p:nvPr>
+        </p:nvSpPr>
+        <p:spPr/>
+        <p:txBody>
+          <a:bodyPr/>
+          <a:lstStyle/>
+          <a:p>
+            <a:pPr>
+              <a:defRPr/>
+            </a:pPr>
+            <a:endParaRPr lang="en-US"/>
+          </a:p>
+        </p:txBody>
+      </p:sp>
+      <p:sp>
+        <p:nvSpPr>
+          <p:cNvPr id="6" name="Footer Placeholder 5"/>
+          <p:cNvSpPr>
+            <a:spLocks noGrp="1"/>
+          </p:cNvSpPr>
+          <p:nvPr>
+            <p:ph type="ftr" sz="quarter" idx="12"/>
+          </p:nvPr>
+        </p:nvSpPr>
+        <p:spPr/>
+        <p:txBody>
+          <a:bodyPr/>
+          <a:lstStyle/>
+          <a:p>
+            <a:pPr>
+              <a:defRPr/>
+            </a:pPr>
+            <a:endParaRPr lang="en-US"/>
+          </a:p>
+        </p:txBody>
+      </p:sp>
+    </p:spTree>
+    <p:extLst>
+      <p:ext uri="{BB962C8B-B14F-4D97-AF65-F5344CB8AC3E}">
+        <p14:creationId xmlns:p14="http://schemas.microsoft.com/office/powerpoint/2010/main" val="2565008402"/>
+      </p:ext>
+    </p:extLst>
+  </p:cSld>
+  <p:clrMapOvr>
+    <a:masterClrMapping/>
+  </p:clrMapOvr>
+</p:notes>
+</file>
+
+<file path=ppt/notesSlides/notesSlide17.xml><?xml version="1.0" encoding="utf-8"?>
+<p:notes xmlns:a="http://schemas.openxmlformats.org/drawingml/2006/main" xmlns:r="http://schemas.openxmlformats.org/officeDocument/2006/relationships" xmlns:p="http://schemas.openxmlformats.org/presentationml/2006/main">
+  <p:cSld>
+    <p:spTree>
+      <p:nvGrpSpPr>
+        <p:cNvPr id="1" name=""/>
+        <p:cNvGrpSpPr/>
+        <p:nvPr/>
+      </p:nvGrpSpPr>
+      <p:grpSpPr>
+        <a:xfrm>
+          <a:off x="0" y="0"/>
+          <a:ext cx="0" cy="0"/>
+          <a:chOff x="0" y="0"/>
+          <a:chExt cx="0" cy="0"/>
+        </a:xfrm>
+      </p:grpSpPr>
+      <p:sp>
+        <p:nvSpPr>
+          <p:cNvPr id="2" name="Slide Image Placeholder 1"/>
+          <p:cNvSpPr>
+            <a:spLocks noGrp="1" noRot="1" noChangeAspect="1"/>
+          </p:cNvSpPr>
+          <p:nvPr>
+            <p:ph type="sldImg"/>
+          </p:nvPr>
+        </p:nvSpPr>
+        <p:spPr/>
+      </p:sp>
+      <p:sp>
+        <p:nvSpPr>
+          <p:cNvPr id="3" name="Notes Placeholder 2"/>
+          <p:cNvSpPr>
+            <a:spLocks noGrp="1"/>
+          </p:cNvSpPr>
+          <p:nvPr>
+            <p:ph type="body" idx="1"/>
+          </p:nvPr>
+        </p:nvSpPr>
+        <p:spPr/>
+        <p:txBody>
+          <a:bodyPr/>
+          <a:lstStyle/>
+          <a:p>
             <a:r>
               <a:rPr lang="en-US" dirty="0" smtClean="0"/>
               <a:t>When you create a new team, all these permissions are enabled (checked)</a:t>
@@ -1970,7 +2199,7 @@
 </p:notes>
 </file>
 
-<file path=ppt/notesSlides/notesSlide17.xml><?xml version="1.0" encoding="utf-8"?>
+<file path=ppt/notesSlides/notesSlide18.xml><?xml version="1.0" encoding="utf-8"?>
 <p:notes xmlns:a="http://schemas.openxmlformats.org/drawingml/2006/main" xmlns:r="http://schemas.openxmlformats.org/officeDocument/2006/relationships" xmlns:p="http://schemas.openxmlformats.org/presentationml/2006/main">
   <p:cSld>
     <p:spTree>
@@ -2183,38 +2412,7 @@
           <a:bodyPr/>
           <a:lstStyle/>
           <a:p>
-            <a:r>
-              <a:rPr lang="en-US" dirty="0" smtClean="0"/>
-              <a:t>Permissions are used </a:t>
-            </a:r>
-            <a:r>
-              <a:rPr lang="en-US" dirty="0" smtClean="0"/>
-              <a:t>to control what users and organizations can do in the context of </a:t>
-            </a:r>
-            <a:r>
-              <a:rPr lang="en-US" dirty="0" smtClean="0"/>
-              <a:t>Chef Compliance</a:t>
-            </a:r>
-            <a:r>
-              <a:rPr lang="en-US" dirty="0" smtClean="0"/>
-              <a:t>. You can effectively enable or disable permissions to scan systems, update packages, or manage various aspects of Chef Compliance including users and </a:t>
-            </a:r>
-            <a:r>
-              <a:rPr lang="en-US" dirty="0" smtClean="0"/>
-              <a:t>organizations.</a:t>
-            </a:r>
-          </a:p>
-          <a:p>
-            <a:endParaRPr lang="en-US" dirty="0" smtClean="0"/>
-          </a:p>
-          <a:p>
-            <a:r>
-              <a:rPr lang="en-US" dirty="0" smtClean="0"/>
-              <a:t> </a:t>
-            </a:r>
-          </a:p>
-          <a:p>
-            <a:endParaRPr lang="en-US" dirty="0" smtClean="0"/>
+            <a:endParaRPr lang="en-US" dirty="0"/>
           </a:p>
         </p:txBody>
       </p:sp>
@@ -2241,7 +2439,7 @@
               <a:pPr>
                 <a:defRPr/>
               </a:pPr>
-              <a:t>3</a:t>
+              <a:t>2</a:t>
             </a:fld>
             <a:endParaRPr lang="en-US" dirty="0"/>
           </a:p>
@@ -2294,7 +2492,7 @@
     </p:spTree>
     <p:extLst>
       <p:ext uri="{BB962C8B-B14F-4D97-AF65-F5344CB8AC3E}">
-        <p14:creationId xmlns:p14="http://schemas.microsoft.com/office/powerpoint/2010/main" val="4020403135"/>
+        <p14:creationId xmlns:p14="http://schemas.microsoft.com/office/powerpoint/2010/main" val="2407138045"/>
       </p:ext>
     </p:extLst>
   </p:cSld>
@@ -2350,21 +2548,8 @@
           <a:p>
             <a:r>
               <a:rPr lang="en-US" dirty="0" smtClean="0"/>
-              <a:t>The Site Management</a:t>
-            </a:r>
-            <a:r>
-              <a:rPr lang="en-US" baseline="0" dirty="0" smtClean="0"/>
-              <a:t> permission can be thought of as Administrator-level permissions. It is like a superset of the </a:t>
-            </a:r>
-            <a:r>
-              <a:rPr lang="en-US" b="0" dirty="0" smtClean="0"/>
-              <a:t>Organization Management and the User Management</a:t>
-            </a:r>
-            <a:r>
-              <a:rPr lang="en-US" b="0" baseline="0" dirty="0" smtClean="0"/>
-              <a:t> permissions.</a:t>
-            </a:r>
-            <a:endParaRPr lang="en-US" b="0" dirty="0" smtClean="0"/>
+              <a:t>Permissions are used to control what users and organizations can do in the context of Chef Compliance. You can effectively enable or disable permissions to scan systems, update packages, or manage various aspects of Chef Compliance including users and organizations.</a:t>
+            </a:r>
           </a:p>
           <a:p>
             <a:endParaRPr lang="en-US" dirty="0" smtClean="0"/>
@@ -2372,13 +2557,11 @@
           <a:p>
             <a:r>
               <a:rPr lang="en-US" dirty="0" smtClean="0"/>
-              <a:t>We will</a:t>
-            </a:r>
-            <a:r>
-              <a:rPr lang="en-US" baseline="0" dirty="0" smtClean="0"/>
-              <a:t> discuss Organizations and their purpose later in this module.</a:t>
-            </a:r>
-            <a:endParaRPr lang="en-US" dirty="0"/>
+              <a:t> </a:t>
+            </a:r>
+          </a:p>
+          <a:p>
+            <a:endParaRPr lang="en-US" dirty="0" smtClean="0"/>
           </a:p>
         </p:txBody>
       </p:sp>
@@ -2405,7 +2588,7 @@
               <a:pPr>
                 <a:defRPr/>
               </a:pPr>
-              <a:t>7</a:t>
+              <a:t>3</a:t>
             </a:fld>
             <a:endParaRPr lang="en-US" dirty="0"/>
           </a:p>
@@ -2458,7 +2641,7 @@
     </p:spTree>
     <p:extLst>
       <p:ext uri="{BB962C8B-B14F-4D97-AF65-F5344CB8AC3E}">
-        <p14:creationId xmlns:p14="http://schemas.microsoft.com/office/powerpoint/2010/main" val="1988989554"/>
+        <p14:creationId xmlns:p14="http://schemas.microsoft.com/office/powerpoint/2010/main" val="4020403135"/>
       </p:ext>
     </p:extLst>
   </p:cSld>
@@ -2514,25 +2697,33 @@
           <a:p>
             <a:r>
               <a:rPr lang="en-US" dirty="0" smtClean="0"/>
-              <a:t>Notice</a:t>
+              <a:t>The Site Management</a:t>
             </a:r>
             <a:r>
               <a:rPr lang="en-US" baseline="0" dirty="0" smtClean="0"/>
-              <a:t> that you can't delete the original admin user, however, since you always need at least an admin user.</a:t>
-            </a:r>
+              <a:t> permission can be thought of as Administrator-level permissions. It is like a superset of the </a:t>
+            </a:r>
+            <a:r>
+              <a:rPr lang="en-US" b="0" dirty="0" smtClean="0"/>
+              <a:t>Organization Management and the User Management</a:t>
+            </a:r>
+            <a:r>
+              <a:rPr lang="en-US" b="0" baseline="0" dirty="0" smtClean="0"/>
+              <a:t> permissions.</a:t>
+            </a:r>
+            <a:endParaRPr lang="en-US" b="0" dirty="0" smtClean="0"/>
+          </a:p>
+          <a:p>
             <a:endParaRPr lang="en-US" dirty="0" smtClean="0"/>
           </a:p>
           <a:p>
-            <a:endParaRPr lang="en-US" dirty="0" smtClean="0"/>
-          </a:p>
-          <a:p>
-            <a:r>
-              <a:rPr lang="en-US" dirty="0" smtClean="0"/>
-              <a:t>We will use this new user in the up coming lab</a:t>
+            <a:r>
+              <a:rPr lang="en-US" dirty="0" smtClean="0"/>
+              <a:t>We will</a:t>
             </a:r>
             <a:r>
               <a:rPr lang="en-US" baseline="0" dirty="0" smtClean="0"/>
-              <a:t> exercises.</a:t>
+              <a:t> discuss Organizations and their purpose later in this module.</a:t>
             </a:r>
             <a:endParaRPr lang="en-US" dirty="0"/>
           </a:p>
@@ -2561,7 +2752,7 @@
               <a:pPr>
                 <a:defRPr/>
               </a:pPr>
-              <a:t>8</a:t>
+              <a:t>7</a:t>
             </a:fld>
             <a:endParaRPr lang="en-US" dirty="0"/>
           </a:p>
@@ -2614,7 +2805,7 @@
     </p:spTree>
     <p:extLst>
       <p:ext uri="{BB962C8B-B14F-4D97-AF65-F5344CB8AC3E}">
-        <p14:creationId xmlns:p14="http://schemas.microsoft.com/office/powerpoint/2010/main" val="797718723"/>
+        <p14:creationId xmlns:p14="http://schemas.microsoft.com/office/powerpoint/2010/main" val="1988989554"/>
       </p:ext>
     </p:extLst>
   </p:cSld>
@@ -2670,41 +2861,27 @@
           <a:p>
             <a:r>
               <a:rPr lang="en-US" dirty="0" smtClean="0"/>
-              <a:t>As of this writing, the</a:t>
+              <a:t>Notice</a:t>
             </a:r>
             <a:r>
               <a:rPr lang="en-US" baseline="0" dirty="0" smtClean="0"/>
-              <a:t> only way to share access to nodes </a:t>
+              <a:t> that you can't delete the original admin user, however, since you always need at least an admin user.</a:t>
+            </a:r>
+            <a:endParaRPr lang="en-US" dirty="0" smtClean="0"/>
+          </a:p>
+          <a:p>
+            <a:endParaRPr lang="en-US" dirty="0" smtClean="0"/>
+          </a:p>
+          <a:p>
+            <a:r>
+              <a:rPr lang="en-US" dirty="0" smtClean="0"/>
+              <a:t>We will use this new user in the up coming lab</a:t>
             </a:r>
             <a:r>
               <a:rPr lang="en-US" baseline="0" dirty="0" smtClean="0"/>
-              <a:t>between different user accounts via </a:t>
-            </a:r>
-            <a:r>
-              <a:rPr lang="en-US" baseline="0" dirty="0" smtClean="0"/>
-              <a:t>a combination of an </a:t>
-            </a:r>
-            <a:r>
-              <a:rPr lang="en-US" baseline="0" dirty="0" smtClean="0"/>
-              <a:t>Organization </a:t>
-            </a:r>
-            <a:r>
-              <a:rPr lang="en-US" baseline="0" dirty="0" smtClean="0"/>
-              <a:t>object and its Team object</a:t>
-            </a:r>
-            <a:r>
-              <a:rPr lang="en-US" baseline="0" dirty="0" smtClean="0"/>
-              <a:t>.</a:t>
-            </a:r>
-          </a:p>
-          <a:p>
-            <a:endParaRPr lang="en-US" baseline="0" dirty="0" smtClean="0"/>
-          </a:p>
-          <a:p>
-            <a:endParaRPr lang="en-US" baseline="0" dirty="0" smtClean="0"/>
-          </a:p>
-          <a:p>
-            <a:endParaRPr lang="en-US" baseline="0" dirty="0" smtClean="0"/>
+              <a:t> exercises.</a:t>
+            </a:r>
+            <a:endParaRPr lang="en-US" dirty="0"/>
           </a:p>
         </p:txBody>
       </p:sp>
@@ -2731,7 +2908,7 @@
               <a:pPr>
                 <a:defRPr/>
               </a:pPr>
-              <a:t>11</a:t>
+              <a:t>8</a:t>
             </a:fld>
             <a:endParaRPr lang="en-US" dirty="0"/>
           </a:p>
@@ -2784,7 +2961,7 @@
     </p:spTree>
     <p:extLst>
       <p:ext uri="{BB962C8B-B14F-4D97-AF65-F5344CB8AC3E}">
-        <p14:creationId xmlns:p14="http://schemas.microsoft.com/office/powerpoint/2010/main" val="1940029684"/>
+        <p14:creationId xmlns:p14="http://schemas.microsoft.com/office/powerpoint/2010/main" val="797718723"/>
       </p:ext>
     </p:extLst>
   </p:cSld>
@@ -2838,7 +3015,23 @@
           <a:bodyPr/>
           <a:lstStyle/>
           <a:p>
-            <a:endParaRPr lang="en-US" dirty="0"/>
+            <a:r>
+              <a:rPr lang="en-US" dirty="0" smtClean="0"/>
+              <a:t>As of this writing, the</a:t>
+            </a:r>
+            <a:r>
+              <a:rPr lang="en-US" baseline="0" dirty="0" smtClean="0"/>
+              <a:t> only way to share access to nodes between different user accounts via a combination of an Organization object and its Team object.</a:t>
+            </a:r>
+          </a:p>
+          <a:p>
+            <a:endParaRPr lang="en-US" baseline="0" dirty="0" smtClean="0"/>
+          </a:p>
+          <a:p>
+            <a:endParaRPr lang="en-US" baseline="0" dirty="0" smtClean="0"/>
+          </a:p>
+          <a:p>
+            <a:endParaRPr lang="en-US" baseline="0" dirty="0" smtClean="0"/>
           </a:p>
         </p:txBody>
       </p:sp>
@@ -2865,7 +3058,7 @@
               <a:pPr>
                 <a:defRPr/>
               </a:pPr>
-              <a:t>13</a:t>
+              <a:t>11</a:t>
             </a:fld>
             <a:endParaRPr lang="en-US" dirty="0"/>
           </a:p>
@@ -2918,7 +3111,7 @@
     </p:spTree>
     <p:extLst>
       <p:ext uri="{BB962C8B-B14F-4D97-AF65-F5344CB8AC3E}">
-        <p14:creationId xmlns:p14="http://schemas.microsoft.com/office/powerpoint/2010/main" val="4148579746"/>
+        <p14:creationId xmlns:p14="http://schemas.microsoft.com/office/powerpoint/2010/main" val="1940029684"/>
       </p:ext>
     </p:extLst>
   </p:cSld>
@@ -2999,7 +3192,7 @@
               <a:pPr>
                 <a:defRPr/>
               </a:pPr>
-              <a:t>14</a:t>
+              <a:t>13</a:t>
             </a:fld>
             <a:endParaRPr lang="en-US" dirty="0"/>
           </a:p>
@@ -3052,7 +3245,7 @@
     </p:spTree>
     <p:extLst>
       <p:ext uri="{BB962C8B-B14F-4D97-AF65-F5344CB8AC3E}">
-        <p14:creationId xmlns:p14="http://schemas.microsoft.com/office/powerpoint/2010/main" val="1441109328"/>
+        <p14:creationId xmlns:p14="http://schemas.microsoft.com/office/powerpoint/2010/main" val="4148579746"/>
       </p:ext>
     </p:extLst>
   </p:cSld>
@@ -3133,7 +3326,7 @@
               <a:pPr>
                 <a:defRPr/>
               </a:pPr>
-              <a:t>15</a:t>
+              <a:t>14</a:t>
             </a:fld>
             <a:endParaRPr lang="en-US" dirty="0"/>
           </a:p>
@@ -3186,7 +3379,7 @@
     </p:spTree>
     <p:extLst>
       <p:ext uri="{BB962C8B-B14F-4D97-AF65-F5344CB8AC3E}">
-        <p14:creationId xmlns:p14="http://schemas.microsoft.com/office/powerpoint/2010/main" val="3031306680"/>
+        <p14:creationId xmlns:p14="http://schemas.microsoft.com/office/powerpoint/2010/main" val="1441109328"/>
       </p:ext>
     </p:extLst>
   </p:cSld>
@@ -3240,14 +3433,6 @@
           <a:bodyPr/>
           <a:lstStyle/>
           <a:p>
-            <a:r>
-              <a:rPr lang="en-US" dirty="0" smtClean="0"/>
-              <a:t>Instructor Note: Answer--The</a:t>
-            </a:r>
-            <a:r>
-              <a:rPr lang="en-US" baseline="0" dirty="0" smtClean="0"/>
-              <a:t> nodes have not gone anywhere. They are only accessible under the admin user's default organization, not under this new `chef` organization. In the next steps we'll add a node to our new organization.</a:t>
-            </a:r>
             <a:endParaRPr lang="en-US" dirty="0"/>
           </a:p>
         </p:txBody>
@@ -3275,7 +3460,7 @@
               <a:pPr>
                 <a:defRPr/>
               </a:pPr>
-              <a:t>16</a:t>
+              <a:t>15</a:t>
             </a:fld>
             <a:endParaRPr lang="en-US" dirty="0"/>
           </a:p>
@@ -3328,7 +3513,7 @@
     </p:spTree>
     <p:extLst>
       <p:ext uri="{BB962C8B-B14F-4D97-AF65-F5344CB8AC3E}">
-        <p14:creationId xmlns:p14="http://schemas.microsoft.com/office/powerpoint/2010/main" val="3101897495"/>
+        <p14:creationId xmlns:p14="http://schemas.microsoft.com/office/powerpoint/2010/main" val="3031306680"/>
       </p:ext>
     </p:extLst>
   </p:cSld>
@@ -11948,13 +12133,8 @@
           <a:p>
             <a:r>
               <a:rPr lang="en-US" dirty="0" smtClean="0"/>
-              <a:t>Notice that you cannot access any </a:t>
-            </a:r>
-            <a:r>
-              <a:rPr lang="en-US" dirty="0" smtClean="0"/>
-              <a:t>nodes that were added previously.</a:t>
-            </a:r>
-            <a:endParaRPr lang="en-US" dirty="0" smtClean="0"/>
+              <a:t>Notice that you cannot access any nodes that were added previously.</a:t>
+            </a:r>
           </a:p>
           <a:p>
             <a:endParaRPr lang="en-US" dirty="0"/>
@@ -11962,13 +12142,8 @@
           <a:p>
             <a:r>
               <a:rPr lang="en-US" dirty="0" smtClean="0"/>
-              <a:t>Also notice that your current permissions don't allow you to manage </a:t>
-            </a:r>
-            <a:r>
-              <a:rPr lang="en-US" dirty="0" smtClean="0"/>
-              <a:t>users or organizations.</a:t>
-            </a:r>
-            <a:endParaRPr lang="en-US" dirty="0" smtClean="0"/>
+              <a:t>Also notice that your current permissions don't allow you to manage users or organizations.</a:t>
+            </a:r>
           </a:p>
           <a:p>
             <a:endParaRPr lang="en-US" dirty="0"/>
@@ -12152,27 +12327,7 @@
           <a:p>
             <a:r>
               <a:rPr lang="en-US" dirty="0" smtClean="0"/>
-              <a:t>Before you add nodes that you may want to share with other users, you should first create at least one Compliance </a:t>
-            </a:r>
-            <a:r>
-              <a:rPr lang="en-US" dirty="0" smtClean="0"/>
-              <a:t>organization </a:t>
-            </a:r>
-            <a:r>
-              <a:rPr lang="en-US" dirty="0" smtClean="0"/>
-              <a:t>and a corresponding Compliance </a:t>
-            </a:r>
-            <a:r>
-              <a:rPr lang="en-US" dirty="0" smtClean="0"/>
-              <a:t>team </a:t>
-            </a:r>
-            <a:r>
-              <a:rPr lang="en-US" dirty="0" smtClean="0"/>
-              <a:t>to which those nodes will be associated</a:t>
-            </a:r>
-            <a:r>
-              <a:rPr lang="en-US" dirty="0" smtClean="0"/>
-              <a:t>.</a:t>
+              <a:t>Before you add nodes that you may want to share with other users, you should first create at least one Compliance organization and a corresponding Compliance team to which those nodes will be associated.</a:t>
             </a:r>
           </a:p>
           <a:p>
@@ -12181,15 +12336,7 @@
           <a:p>
             <a:r>
               <a:rPr lang="en-US" dirty="0" smtClean="0"/>
-              <a:t>In </a:t>
-            </a:r>
-            <a:r>
-              <a:rPr lang="en-US" dirty="0" smtClean="0"/>
-              <a:t>such a scenario, y</a:t>
-            </a:r>
-            <a:r>
-              <a:rPr lang="en-US" dirty="0" smtClean="0"/>
-              <a:t>ou'll need to switch to the new organization and then add nodes while you are working under that organization.</a:t>
+              <a:t>In such a scenario, you'll need to switch to the new organization and then add nodes while you are working under that organization.</a:t>
             </a:r>
           </a:p>
           <a:p>
@@ -12729,11 +12876,7 @@
             </a:r>
             <a:r>
               <a:rPr lang="en-US" dirty="0" smtClean="0"/>
-              <a:t> link to add team member to your new organization</a:t>
-            </a:r>
-            <a:r>
-              <a:rPr lang="en-US" dirty="0" smtClean="0"/>
-              <a:t>.</a:t>
+              <a:t> link to add team member to your new organization.</a:t>
             </a:r>
           </a:p>
           <a:p>
@@ -12743,11 +12886,7 @@
             </a:pPr>
             <a:r>
               <a:rPr lang="en-US" dirty="0" smtClean="0"/>
-              <a:t>Click </a:t>
-            </a:r>
-            <a:r>
-              <a:rPr lang="en-US" dirty="0" smtClean="0"/>
-              <a:t>the </a:t>
+              <a:t>Click the </a:t>
             </a:r>
             <a:r>
               <a:rPr lang="en-US" b="1" dirty="0" smtClean="0"/>
@@ -12755,23 +12894,7 @@
             </a:r>
             <a:r>
               <a:rPr lang="en-US" dirty="0" smtClean="0"/>
-              <a:t>field </a:t>
-            </a:r>
-            <a:r>
-              <a:rPr lang="en-US" dirty="0" smtClean="0"/>
-              <a:t>and then select your new user name to </a:t>
-            </a:r>
-            <a:r>
-              <a:rPr lang="en-US" dirty="0" smtClean="0"/>
-              <a:t>add it to this </a:t>
-            </a:r>
-            <a:r>
-              <a:rPr lang="en-US" dirty="0" smtClean="0"/>
-              <a:t>team</a:t>
-            </a:r>
-            <a:r>
-              <a:rPr lang="en-US" dirty="0" smtClean="0"/>
-              <a:t>.</a:t>
+              <a:t>field and then select your new user name to add it to this team.</a:t>
             </a:r>
           </a:p>
           <a:p>
@@ -13234,11 +13357,7 @@
             </a:r>
             <a:r>
               <a:rPr lang="en-US" dirty="0" smtClean="0"/>
-              <a:t>: </a:t>
-            </a:r>
-            <a:r>
-              <a:rPr lang="en-US" dirty="0" smtClean="0"/>
-              <a:t>Where have your previous nodes gone?</a:t>
+              <a:t>: Where have your previous nodes gone?</a:t>
             </a:r>
           </a:p>
           <a:p>
@@ -13869,15 +13988,7 @@
           <a:p>
             <a:r>
               <a:rPr lang="en-US" dirty="0" smtClean="0"/>
-              <a:t>As you may recall, the last time you tried to view nodes while logged </a:t>
-            </a:r>
-            <a:r>
-              <a:rPr lang="en-US" dirty="0" smtClean="0"/>
-              <a:t>in to </a:t>
-            </a:r>
-            <a:r>
-              <a:rPr lang="en-US" dirty="0" smtClean="0"/>
-              <a:t>the Compliance Dashboard with your new user name, you could not see any nodes.</a:t>
+              <a:t>As you may recall, the last time you tried to view nodes while logged in to the Compliance Dashboard with your new user name, you could not see any nodes.</a:t>
             </a:r>
           </a:p>
           <a:p>
@@ -14264,11 +14375,7 @@
           <a:p>
             <a:r>
               <a:rPr lang="en-US" dirty="0" smtClean="0"/>
-              <a:t>While logged in with your new user name, you should now be able to access the node that was created under your new organization</a:t>
-            </a:r>
-            <a:r>
-              <a:rPr lang="en-US" dirty="0" smtClean="0"/>
-              <a:t>.</a:t>
+              <a:t>While logged in with your new user name, you should now be able to access the node that was created under your new organization.</a:t>
             </a:r>
           </a:p>
           <a:p>
@@ -14281,15 +14388,7 @@
             </a:r>
             <a:r>
               <a:rPr lang="en-US" dirty="0" smtClean="0"/>
-              <a:t>: Do </a:t>
-            </a:r>
-            <a:r>
-              <a:rPr lang="en-US" dirty="0" smtClean="0"/>
-              <a:t>you remember why this is possible</a:t>
-            </a:r>
-            <a:r>
-              <a:rPr lang="en-US" dirty="0" smtClean="0"/>
-              <a:t>?</a:t>
+              <a:t>: Do you remember why this is possible?</a:t>
             </a:r>
           </a:p>
           <a:p>
@@ -14451,15 +14550,7 @@
           <a:p>
             <a:r>
               <a:rPr lang="en-US" dirty="0" smtClean="0"/>
-              <a:t>You should only be able to access the </a:t>
-            </a:r>
-            <a:r>
-              <a:rPr lang="en-US" dirty="0" smtClean="0"/>
-              <a:t>node </a:t>
-            </a:r>
-            <a:r>
-              <a:rPr lang="en-US" dirty="0" smtClean="0"/>
-              <a:t>that was created under your new organization.</a:t>
+              <a:t>You should only be able to access the node that was created under your new organization.</a:t>
             </a:r>
             <a:endParaRPr lang="en-US" dirty="0"/>
           </a:p>
@@ -14605,7 +14696,6 @@
               <a:rPr lang="en-US" dirty="0" smtClean="0"/>
               <a:t>Team permissions are completely separate and independent of user permissions.</a:t>
             </a:r>
-            <a:endParaRPr lang="en-US" dirty="0" smtClean="0"/>
           </a:p>
           <a:p>
             <a:endParaRPr lang="en-US" dirty="0" smtClean="0"/>
@@ -14674,11 +14764,7 @@
           <a:p>
             <a:r>
               <a:rPr lang="en-US" dirty="0" smtClean="0"/>
-              <a:t>GL: Managing </a:t>
-            </a:r>
-            <a:r>
-              <a:rPr lang="en-US" dirty="0" smtClean="0"/>
-              <a:t>Team Permissions</a:t>
+              <a:t>GL: Managing Team Permissions</a:t>
             </a:r>
             <a:endParaRPr lang="en-US" dirty="0"/>
           </a:p>
@@ -14912,11 +14998,7 @@
           <a:p>
             <a:r>
               <a:rPr lang="en-US" dirty="0" smtClean="0"/>
-              <a:t>GL: Managing </a:t>
-            </a:r>
-            <a:r>
-              <a:rPr lang="en-US" dirty="0" smtClean="0"/>
-              <a:t>Team Permissions</a:t>
+              <a:t>GL: Managing Team Permissions</a:t>
             </a:r>
             <a:endParaRPr lang="en-US" dirty="0"/>
           </a:p>
@@ -14956,11 +15038,7 @@
             </a:r>
             <a:r>
               <a:rPr lang="en-US" dirty="0" smtClean="0"/>
-              <a:t>from the menu</a:t>
-            </a:r>
-            <a:r>
-              <a:rPr lang="en-US" dirty="0" smtClean="0"/>
-              <a:t>.</a:t>
+              <a:t>from the menu.</a:t>
             </a:r>
           </a:p>
           <a:p>
@@ -15172,11 +15250,7 @@
           <a:p>
             <a:r>
               <a:rPr lang="en-US" dirty="0" smtClean="0"/>
-              <a:t>GL: Managing </a:t>
-            </a:r>
-            <a:r>
-              <a:rPr lang="en-US" dirty="0" smtClean="0"/>
-              <a:t>Team Permissions</a:t>
+              <a:t>GL: Managing Team Permissions</a:t>
             </a:r>
             <a:endParaRPr lang="en-US" dirty="0"/>
           </a:p>
@@ -15429,15 +15503,7 @@
           <a:p>
             <a:r>
               <a:rPr lang="en-US" dirty="0" smtClean="0"/>
-              <a:t>Discussion: </a:t>
-            </a:r>
-            <a:r>
-              <a:rPr lang="en-US" dirty="0" smtClean="0"/>
-              <a:t>Managing </a:t>
-            </a:r>
-            <a:r>
-              <a:rPr lang="en-US" dirty="0" smtClean="0"/>
-              <a:t>Team Permissions</a:t>
+              <a:t>Discussion: Managing Team Permissions</a:t>
             </a:r>
             <a:endParaRPr lang="en-US" dirty="0"/>
           </a:p>
@@ -15678,15 +15744,7 @@
           <a:p>
             <a:r>
               <a:rPr lang="en-US" dirty="0" smtClean="0"/>
-              <a:t>Discussion: </a:t>
-            </a:r>
-            <a:r>
-              <a:rPr lang="en-US" dirty="0" smtClean="0"/>
-              <a:t>Managing </a:t>
-            </a:r>
-            <a:r>
-              <a:rPr lang="en-US" dirty="0" smtClean="0"/>
-              <a:t>Team Permissions</a:t>
+              <a:t>Discussion: Managing Team Permissions</a:t>
             </a:r>
             <a:endParaRPr lang="en-US" dirty="0"/>
           </a:p>
@@ -16311,11 +16369,7 @@
             </a:pPr>
             <a:r>
               <a:rPr lang="en-US" dirty="0" smtClean="0"/>
-              <a:t>Modify a </a:t>
-            </a:r>
-            <a:r>
-              <a:rPr lang="en-US" dirty="0" smtClean="0"/>
-              <a:t>User's </a:t>
+              <a:t>Modify a User's </a:t>
             </a:r>
             <a:r>
               <a:rPr lang="en-US" dirty="0"/>
@@ -16323,11 +16377,7 @@
             </a:r>
             <a:r>
               <a:rPr lang="en-US" dirty="0" smtClean="0"/>
-              <a:t>ermissions</a:t>
-            </a:r>
-            <a:r>
-              <a:rPr lang="en-US" dirty="0" smtClean="0"/>
-              <a:t>.</a:t>
+              <a:t>ermissions.</a:t>
             </a:r>
             <a:endParaRPr lang="en-US" dirty="0"/>
           </a:p>
@@ -18795,27 +18845,6 @@
 </file>
 
 <file path=customXml/item1.xml><?xml version="1.0" encoding="utf-8"?>
-<p:properties xmlns:p="http://schemas.microsoft.com/office/2006/metadata/properties" xmlns:xsi="http://www.w3.org/2001/XMLSchema-instance" xmlns:pc="http://schemas.microsoft.com/office/infopath/2007/PartnerControls">
-  <documentManagement>
-    <_dlc_DocId xmlns="7bb5d761-a2ea-4873-95f7-7a6658fb3ef0">M4CWTKMW727E-592-73</_dlc_DocId>
-    <_dlc_DocIdUrl xmlns="7bb5d761-a2ea-4873-95f7-7a6658fb3ef0">
-      <Url>https://kms.vci.local/marketing/team/_layouts/DocIdRedir.aspx?ID=M4CWTKMW727E-592-73</Url>
-      <Description>M4CWTKMW727E-592-73</Description>
-    </_dlc_DocIdUrl>
-  </documentManagement>
-</p:properties>
-</file>
-
-<file path=customXml/item2.xml><?xml version="1.0" encoding="utf-8"?>
-<?mso-contentType ?>
-<FormTemplates xmlns="http://schemas.microsoft.com/sharepoint/v3/contenttype/forms">
-  <Display>DocumentLibraryForm</Display>
-  <Edit>DocumentLibraryForm</Edit>
-  <New>DocumentLibraryForm</New>
-</FormTemplates>
-</file>
-
-<file path=customXml/item3.xml><?xml version="1.0" encoding="utf-8"?>
 <?mso-contentType ?>
 <spe:Receivers xmlns:spe="http://schemas.microsoft.com/sharepoint/events">
   <Receiver>
@@ -18861,7 +18890,7 @@
 </spe:Receivers>
 </file>
 
-<file path=customXml/item4.xml><?xml version="1.0" encoding="utf-8"?>
+<file path=customXml/item2.xml><?xml version="1.0" encoding="utf-8"?>
 <ct:contentTypeSchema xmlns:ct="http://schemas.microsoft.com/office/2006/metadata/contentType" xmlns:ma="http://schemas.microsoft.com/office/2006/metadata/properties/metaAttributes" ct:_="" ma:_="" ma:contentTypeName="Document" ma:contentTypeID="0x0101000812F700BE7F874999720E88173FE491" ma:contentTypeVersion="0" ma:contentTypeDescription="Create a new document." ma:contentTypeScope="" ma:versionID="3f79f408e2ca720b7aba6e0e32464d0c">
   <xsd:schema xmlns:xsd="http://www.w3.org/2001/XMLSchema" xmlns:xs="http://www.w3.org/2001/XMLSchema" xmlns:p="http://schemas.microsoft.com/office/2006/metadata/properties" xmlns:ns2="7bb5d761-a2ea-4873-95f7-7a6658fb3ef0" targetNamespace="http://schemas.microsoft.com/office/2006/metadata/properties" ma:root="true" ma:fieldsID="1e062cd38ba31e406bfc4340fbc7f87a" ns2:_="">
     <xsd:import namespace="7bb5d761-a2ea-4873-95f7-7a6658fb3ef0"/>
@@ -19006,7 +19035,54 @@
 </ct:contentTypeSchema>
 </file>
 
+<file path=customXml/item3.xml><?xml version="1.0" encoding="utf-8"?>
+<p:properties xmlns:p="http://schemas.microsoft.com/office/2006/metadata/properties" xmlns:xsi="http://www.w3.org/2001/XMLSchema-instance" xmlns:pc="http://schemas.microsoft.com/office/infopath/2007/PartnerControls">
+  <documentManagement>
+    <_dlc_DocId xmlns="7bb5d761-a2ea-4873-95f7-7a6658fb3ef0">M4CWTKMW727E-592-73</_dlc_DocId>
+    <_dlc_DocIdUrl xmlns="7bb5d761-a2ea-4873-95f7-7a6658fb3ef0">
+      <Url>https://kms.vci.local/marketing/team/_layouts/DocIdRedir.aspx?ID=M4CWTKMW727E-592-73</Url>
+      <Description>M4CWTKMW727E-592-73</Description>
+    </_dlc_DocIdUrl>
+  </documentManagement>
+</p:properties>
+</file>
+
+<file path=customXml/item4.xml><?xml version="1.0" encoding="utf-8"?>
+<?mso-contentType ?>
+<FormTemplates xmlns="http://schemas.microsoft.com/sharepoint/v3/contenttype/forms">
+  <Display>DocumentLibraryForm</Display>
+  <Edit>DocumentLibraryForm</Edit>
+  <New>DocumentLibraryForm</New>
+</FormTemplates>
+</file>
+
 <file path=customXml/itemProps1.xml><?xml version="1.0" encoding="utf-8"?>
+<ds:datastoreItem xmlns:ds="http://schemas.openxmlformats.org/officeDocument/2006/customXml" ds:itemID="{B13EBC30-FE27-4C6A-B723-23FC2188F7DC}">
+  <ds:schemaRefs>
+    <ds:schemaRef ds:uri="http://schemas.microsoft.com/sharepoint/events"/>
+  </ds:schemaRefs>
+</ds:datastoreItem>
+</file>
+
+<file path=customXml/itemProps2.xml><?xml version="1.0" encoding="utf-8"?>
+<ds:datastoreItem xmlns:ds="http://schemas.openxmlformats.org/officeDocument/2006/customXml" ds:itemID="{164479E5-0B02-49AC-B79E-EC1D6164DDD3}">
+  <ds:schemaRefs>
+    <ds:schemaRef ds:uri="http://schemas.microsoft.com/office/2006/metadata/contentType"/>
+    <ds:schemaRef ds:uri="http://schemas.microsoft.com/office/2006/metadata/properties/metaAttributes"/>
+    <ds:schemaRef ds:uri="http://www.w3.org/2001/XMLSchema"/>
+    <ds:schemaRef ds:uri="http://schemas.microsoft.com/office/2006/metadata/properties"/>
+    <ds:schemaRef ds:uri="7bb5d761-a2ea-4873-95f7-7a6658fb3ef0"/>
+    <ds:schemaRef ds:uri="http://schemas.microsoft.com/office/2006/documentManagement/types"/>
+    <ds:schemaRef ds:uri="http://schemas.microsoft.com/office/infopath/2007/PartnerControls"/>
+    <ds:schemaRef ds:uri="http://schemas.openxmlformats.org/package/2006/metadata/core-properties"/>
+    <ds:schemaRef ds:uri="http://purl.org/dc/elements/1.1/"/>
+    <ds:schemaRef ds:uri="http://purl.org/dc/terms/"/>
+    <ds:schemaRef ds:uri="http://schemas.microsoft.com/internal/obd"/>
+  </ds:schemaRefs>
+</ds:datastoreItem>
+</file>
+
+<file path=customXml/itemProps3.xml><?xml version="1.0" encoding="utf-8"?>
 <ds:datastoreItem xmlns:ds="http://schemas.openxmlformats.org/officeDocument/2006/customXml" ds:itemID="{6921749B-AEB7-461B-845F-603CABD25259}">
   <ds:schemaRefs>
     <ds:schemaRef ds:uri="http://schemas.microsoft.com/office/2006/documentManagement/types"/>
@@ -19022,36 +19098,10 @@
 </ds:datastoreItem>
 </file>
 
-<file path=customXml/itemProps2.xml><?xml version="1.0" encoding="utf-8"?>
+<file path=customXml/itemProps4.xml><?xml version="1.0" encoding="utf-8"?>
 <ds:datastoreItem xmlns:ds="http://schemas.openxmlformats.org/officeDocument/2006/customXml" ds:itemID="{5CDEB364-43EC-4510-9881-539C2A3FCE9E}">
   <ds:schemaRefs>
     <ds:schemaRef ds:uri="http://schemas.microsoft.com/sharepoint/v3/contenttype/forms"/>
   </ds:schemaRefs>
 </ds:datastoreItem>
-</file>
-
-<file path=customXml/itemProps3.xml><?xml version="1.0" encoding="utf-8"?>
-<ds:datastoreItem xmlns:ds="http://schemas.openxmlformats.org/officeDocument/2006/customXml" ds:itemID="{B13EBC30-FE27-4C6A-B723-23FC2188F7DC}">
-  <ds:schemaRefs>
-    <ds:schemaRef ds:uri="http://schemas.microsoft.com/sharepoint/events"/>
-  </ds:schemaRefs>
-</ds:datastoreItem>
-</file>
-
-<file path=customXml/itemProps4.xml><?xml version="1.0" encoding="utf-8"?>
-<ds:datastoreItem xmlns:ds="http://schemas.openxmlformats.org/officeDocument/2006/customXml" ds:itemID="{164479E5-0B02-49AC-B79E-EC1D6164DDD3}">
-  <ds:schemaRefs>
-    <ds:schemaRef ds:uri="http://schemas.microsoft.com/office/2006/metadata/contentType"/>
-    <ds:schemaRef ds:uri="http://schemas.microsoft.com/office/2006/metadata/properties/metaAttributes"/>
-    <ds:schemaRef ds:uri="http://www.w3.org/2001/XMLSchema"/>
-    <ds:schemaRef ds:uri="http://schemas.microsoft.com/office/2006/metadata/properties"/>
-    <ds:schemaRef ds:uri="7bb5d761-a2ea-4873-95f7-7a6658fb3ef0"/>
-    <ds:schemaRef ds:uri="http://schemas.microsoft.com/office/2006/documentManagement/types"/>
-    <ds:schemaRef ds:uri="http://schemas.microsoft.com/office/infopath/2007/PartnerControls"/>
-    <ds:schemaRef ds:uri="http://schemas.openxmlformats.org/package/2006/metadata/core-properties"/>
-    <ds:schemaRef ds:uri="http://purl.org/dc/elements/1.1/"/>
-    <ds:schemaRef ds:uri="http://purl.org/dc/terms/"/>
-    <ds:schemaRef ds:uri="http://schemas.microsoft.com/internal/obd"/>
-  </ds:schemaRefs>
-</ds:datastoreItem>
 </file>
--- a/08-permissions-orgs.pptx
+++ b/08-permissions-orgs.pptx
@@ -302,7 +302,7 @@
               <a:pPr>
                 <a:defRPr/>
               </a:pPr>
-              <a:t>2016-01-27</a:t>
+              <a:t>2016-02-02</a:t>
             </a:fld>
             <a:endParaRPr lang="en-US" dirty="0"/>
           </a:p>
@@ -485,7 +485,7 @@
               <a:pPr>
                 <a:defRPr/>
               </a:pPr>
-              <a:t>2016-01-27</a:t>
+              <a:t>2016-02-02</a:t>
             </a:fld>
             <a:endParaRPr lang="en-US" dirty="0"/>
           </a:p>
@@ -961,31 +961,7 @@
                 <a:ea typeface="ＭＳ Ｐゴシック" charset="0"/>
                 <a:cs typeface="Arial" panose="020B0604020202020204" pitchFamily="34" charset="0"/>
               </a:rPr>
-              <a:t>, </a:t>
-            </a:r>
-            <a:r>
-              <a:rPr lang="en-US" sz="1200" b="0" i="0" kern="1200" dirty="0" smtClean="0">
-                <a:solidFill>
-                  <a:schemeClr val="tx1"/>
-                </a:solidFill>
-                <a:effectLst/>
-                <a:latin typeface="Arial" panose="020B0604020202020204" pitchFamily="34" charset="0"/>
-                <a:ea typeface="ＭＳ Ｐゴシック" charset="0"/>
-                <a:cs typeface="Arial" panose="020B0604020202020204" pitchFamily="34" charset="0"/>
-              </a:rPr>
-              <a:t>users have two </a:t>
-            </a:r>
-            <a:r>
-              <a:rPr lang="en-US" sz="1200" b="0" i="0" kern="1200" dirty="0" smtClean="0">
-                <a:solidFill>
-                  <a:schemeClr val="tx1"/>
-                </a:solidFill>
-                <a:effectLst/>
-                <a:latin typeface="Arial" panose="020B0604020202020204" pitchFamily="34" charset="0"/>
-                <a:ea typeface="ＭＳ Ｐゴシック" charset="0"/>
-                <a:cs typeface="Arial" panose="020B0604020202020204" pitchFamily="34" charset="0"/>
-              </a:rPr>
-              <a:t>options</a:t>
+              <a:t>, users have two options</a:t>
             </a:r>
             <a:r>
               <a:rPr lang="en-US" sz="1200" b="0" i="0" kern="1200" baseline="0" dirty="0" smtClean="0">
@@ -2101,6 +2077,140 @@
           <a:bodyPr/>
           <a:lstStyle/>
           <a:p>
+            <a:endParaRPr lang="en-US" dirty="0"/>
+          </a:p>
+        </p:txBody>
+      </p:sp>
+      <p:sp>
+        <p:nvSpPr>
+          <p:cNvPr id="4" name="Slide Number Placeholder 3"/>
+          <p:cNvSpPr>
+            <a:spLocks noGrp="1"/>
+          </p:cNvSpPr>
+          <p:nvPr>
+            <p:ph type="sldNum" sz="quarter" idx="10"/>
+          </p:nvPr>
+        </p:nvSpPr>
+        <p:spPr/>
+        <p:txBody>
+          <a:bodyPr/>
+          <a:lstStyle/>
+          <a:p>
+            <a:pPr>
+              <a:defRPr/>
+            </a:pPr>
+            <a:fld id="{DC3734AA-3150-D947-AC52-2F5DF48BFCD5}" type="slidenum">
+              <a:rPr lang="en-US" smtClean="0"/>
+              <a:pPr>
+                <a:defRPr/>
+              </a:pPr>
+              <a:t>25</a:t>
+            </a:fld>
+            <a:endParaRPr lang="en-US" dirty="0"/>
+          </a:p>
+        </p:txBody>
+      </p:sp>
+      <p:sp>
+        <p:nvSpPr>
+          <p:cNvPr id="5" name="Header Placeholder 4"/>
+          <p:cNvSpPr>
+            <a:spLocks noGrp="1"/>
+          </p:cNvSpPr>
+          <p:nvPr>
+            <p:ph type="hdr" sz="quarter" idx="11"/>
+          </p:nvPr>
+        </p:nvSpPr>
+        <p:spPr/>
+        <p:txBody>
+          <a:bodyPr/>
+          <a:lstStyle/>
+          <a:p>
+            <a:pPr>
+              <a:defRPr/>
+            </a:pPr>
+            <a:endParaRPr lang="en-US"/>
+          </a:p>
+        </p:txBody>
+      </p:sp>
+      <p:sp>
+        <p:nvSpPr>
+          <p:cNvPr id="6" name="Footer Placeholder 5"/>
+          <p:cNvSpPr>
+            <a:spLocks noGrp="1"/>
+          </p:cNvSpPr>
+          <p:nvPr>
+            <p:ph type="ftr" sz="quarter" idx="12"/>
+          </p:nvPr>
+        </p:nvSpPr>
+        <p:spPr/>
+        <p:txBody>
+          <a:bodyPr/>
+          <a:lstStyle/>
+          <a:p>
+            <a:pPr>
+              <a:defRPr/>
+            </a:pPr>
+            <a:endParaRPr lang="en-US"/>
+          </a:p>
+        </p:txBody>
+      </p:sp>
+    </p:spTree>
+    <p:extLst>
+      <p:ext uri="{BB962C8B-B14F-4D97-AF65-F5344CB8AC3E}">
+        <p14:creationId xmlns:p14="http://schemas.microsoft.com/office/powerpoint/2010/main" val="2528005046"/>
+      </p:ext>
+    </p:extLst>
+  </p:cSld>
+  <p:clrMapOvr>
+    <a:masterClrMapping/>
+  </p:clrMapOvr>
+</p:notes>
+</file>
+
+<file path=ppt/notesSlides/notesSlide18.xml><?xml version="1.0" encoding="utf-8"?>
+<p:notes xmlns:a="http://schemas.openxmlformats.org/drawingml/2006/main" xmlns:r="http://schemas.openxmlformats.org/officeDocument/2006/relationships" xmlns:p="http://schemas.openxmlformats.org/presentationml/2006/main">
+  <p:cSld>
+    <p:spTree>
+      <p:nvGrpSpPr>
+        <p:cNvPr id="1" name=""/>
+        <p:cNvGrpSpPr/>
+        <p:nvPr/>
+      </p:nvGrpSpPr>
+      <p:grpSpPr>
+        <a:xfrm>
+          <a:off x="0" y="0"/>
+          <a:ext cx="0" cy="0"/>
+          <a:chOff x="0" y="0"/>
+          <a:chExt cx="0" cy="0"/>
+        </a:xfrm>
+      </p:grpSpPr>
+      <p:sp>
+        <p:nvSpPr>
+          <p:cNvPr id="2" name="Slide Image Placeholder 1"/>
+          <p:cNvSpPr>
+            <a:spLocks noGrp="1" noRot="1" noChangeAspect="1"/>
+          </p:cNvSpPr>
+          <p:nvPr>
+            <p:ph type="sldImg"/>
+          </p:nvPr>
+        </p:nvSpPr>
+        <p:spPr/>
+      </p:sp>
+      <p:sp>
+        <p:nvSpPr>
+          <p:cNvPr id="3" name="Notes Placeholder 2"/>
+          <p:cNvSpPr>
+            <a:spLocks noGrp="1"/>
+          </p:cNvSpPr>
+          <p:nvPr>
+            <p:ph type="body" idx="1"/>
+          </p:nvPr>
+        </p:nvSpPr>
+        <p:spPr/>
+        <p:txBody>
+          <a:bodyPr/>
+          <a:lstStyle/>
+          <a:p>
             <a:r>
               <a:rPr lang="en-US" dirty="0" smtClean="0"/>
               <a:t>When you create a new team, all these permissions are enabled (checked)</a:t>
@@ -2199,7 +2309,7 @@
 </p:notes>
 </file>
 
-<file path=ppt/notesSlides/notesSlide18.xml><?xml version="1.0" encoding="utf-8"?>
+<file path=ppt/notesSlides/notesSlide19.xml><?xml version="1.0" encoding="utf-8"?>
 <p:notes xmlns:a="http://schemas.openxmlformats.org/drawingml/2006/main" xmlns:r="http://schemas.openxmlformats.org/officeDocument/2006/relationships" xmlns:p="http://schemas.openxmlformats.org/presentationml/2006/main">
   <p:cSld>
     <p:spTree>
@@ -2697,7 +2807,20 @@
           <a:p>
             <a:r>
               <a:rPr lang="en-US" dirty="0" smtClean="0"/>
-              <a:t>The Site Management</a:t>
+              <a:t>TBD Move this discussion before preceding slide?</a:t>
+            </a:r>
+          </a:p>
+          <a:p>
+            <a:endParaRPr lang="en-US" dirty="0" smtClean="0"/>
+          </a:p>
+          <a:p>
+            <a:r>
+              <a:rPr lang="en-US" dirty="0" smtClean="0"/>
+              <a:t>The </a:t>
+            </a:r>
+            <a:r>
+              <a:rPr lang="en-US" dirty="0" smtClean="0"/>
+              <a:t>Site Management</a:t>
             </a:r>
             <a:r>
               <a:rPr lang="en-US" baseline="0" dirty="0" smtClean="0"/>
@@ -3433,6 +3556,14 @@
           <a:bodyPr/>
           <a:lstStyle/>
           <a:p>
+            <a:r>
+              <a:rPr lang="en-US" dirty="0" err="1" smtClean="0"/>
+              <a:t>tbd</a:t>
+            </a:r>
+            <a:r>
+              <a:rPr lang="en-US" dirty="0" smtClean="0"/>
+              <a:t>- remove test-org?</a:t>
+            </a:r>
             <a:endParaRPr lang="en-US" dirty="0"/>
           </a:p>
         </p:txBody>
@@ -4088,14 +4219,14 @@
           </a:ln>
           <a:extLst>
             <a:ext uri="{909E8E84-426E-40dd-AFC4-6F175D3DCCD1}">
-              <a14:hiddenFill xmlns:a14="http://schemas.microsoft.com/office/drawing/2010/main" xmlns="">
+              <a14:hiddenFill xmlns="" xmlns:a14="http://schemas.microsoft.com/office/drawing/2010/main">
                 <a:solidFill>
                   <a:srgbClr val="FFFFFF"/>
                 </a:solidFill>
               </a14:hiddenFill>
             </a:ext>
             <a:ext uri="{91240B29-F687-4f45-9708-019B960494DF}">
-              <a14:hiddenLine xmlns:a14="http://schemas.microsoft.com/office/drawing/2010/main" xmlns="" w="9525">
+              <a14:hiddenLine xmlns="" xmlns:a14="http://schemas.microsoft.com/office/drawing/2010/main" w="9525">
                 <a:solidFill>
                   <a:srgbClr val="000000"/>
                 </a:solidFill>
@@ -4243,14 +4374,14 @@
           </a:ln>
           <a:extLst>
             <a:ext uri="{909E8E84-426E-40dd-AFC4-6F175D3DCCD1}">
-              <a14:hiddenFill xmlns:a14="http://schemas.microsoft.com/office/drawing/2010/main" xmlns="">
+              <a14:hiddenFill xmlns="" xmlns:a14="http://schemas.microsoft.com/office/drawing/2010/main">
                 <a:solidFill>
                   <a:srgbClr val="FFFFFF"/>
                 </a:solidFill>
               </a14:hiddenFill>
             </a:ext>
             <a:ext uri="{91240B29-F687-4f45-9708-019B960494DF}">
-              <a14:hiddenLine xmlns:a14="http://schemas.microsoft.com/office/drawing/2010/main" xmlns="" w="9525">
+              <a14:hiddenLine xmlns="" xmlns:a14="http://schemas.microsoft.com/office/drawing/2010/main" w="9525">
                 <a:solidFill>
                   <a:srgbClr val="000000"/>
                 </a:solidFill>
@@ -4741,14 +4872,14 @@
           </a:ln>
           <a:extLst>
             <a:ext uri="{909E8E84-426E-40dd-AFC4-6F175D3DCCD1}">
-              <a14:hiddenFill xmlns:a14="http://schemas.microsoft.com/office/drawing/2010/main" xmlns="">
+              <a14:hiddenFill xmlns="" xmlns:a14="http://schemas.microsoft.com/office/drawing/2010/main">
                 <a:solidFill>
                   <a:srgbClr val="FFFFFF"/>
                 </a:solidFill>
               </a14:hiddenFill>
             </a:ext>
             <a:ext uri="{91240B29-F687-4f45-9708-019B960494DF}">
-              <a14:hiddenLine xmlns:a14="http://schemas.microsoft.com/office/drawing/2010/main" xmlns="" w="9525">
+              <a14:hiddenLine xmlns="" xmlns:a14="http://schemas.microsoft.com/office/drawing/2010/main" w="9525">
                 <a:solidFill>
                   <a:srgbClr val="000000"/>
                 </a:solidFill>
@@ -5274,14 +5405,14 @@
           </a:ln>
           <a:extLst>
             <a:ext uri="{909E8E84-426E-40dd-AFC4-6F175D3DCCD1}">
-              <a14:hiddenFill xmlns:a14="http://schemas.microsoft.com/office/drawing/2010/main" xmlns="">
+              <a14:hiddenFill xmlns="" xmlns:a14="http://schemas.microsoft.com/office/drawing/2010/main">
                 <a:solidFill>
                   <a:srgbClr val="FFFFFF"/>
                 </a:solidFill>
               </a14:hiddenFill>
             </a:ext>
             <a:ext uri="{91240B29-F687-4f45-9708-019B960494DF}">
-              <a14:hiddenLine xmlns:a14="http://schemas.microsoft.com/office/drawing/2010/main" xmlns="" w="9525">
+              <a14:hiddenLine xmlns="" xmlns:a14="http://schemas.microsoft.com/office/drawing/2010/main" w="9525">
                 <a:solidFill>
                   <a:srgbClr val="000000"/>
                 </a:solidFill>
@@ -6905,14 +7036,14 @@
           </a:ln>
           <a:extLst>
             <a:ext uri="{909E8E84-426E-40dd-AFC4-6F175D3DCCD1}">
-              <a14:hiddenFill xmlns:a14="http://schemas.microsoft.com/office/drawing/2010/main" xmlns="">
+              <a14:hiddenFill xmlns="" xmlns:a14="http://schemas.microsoft.com/office/drawing/2010/main">
                 <a:solidFill>
                   <a:srgbClr val="FFFFFF"/>
                 </a:solidFill>
               </a14:hiddenFill>
             </a:ext>
             <a:ext uri="{91240B29-F687-4f45-9708-019B960494DF}">
-              <a14:hiddenLine xmlns:a14="http://schemas.microsoft.com/office/drawing/2010/main" xmlns="" w="9525">
+              <a14:hiddenLine xmlns="" xmlns:a14="http://schemas.microsoft.com/office/drawing/2010/main" w="9525">
                 <a:solidFill>
                   <a:srgbClr val="000000"/>
                 </a:solidFill>
@@ -8447,14 +8578,14 @@
           </a:ln>
           <a:extLst>
             <a:ext uri="{909E8E84-426E-40dd-AFC4-6F175D3DCCD1}">
-              <a14:hiddenFill xmlns:a14="http://schemas.microsoft.com/office/drawing/2010/main" xmlns="">
+              <a14:hiddenFill xmlns="" xmlns:a14="http://schemas.microsoft.com/office/drawing/2010/main">
                 <a:solidFill>
                   <a:srgbClr val="FFFFFF"/>
                 </a:solidFill>
               </a14:hiddenFill>
             </a:ext>
             <a:ext uri="{91240B29-F687-4f45-9708-019B960494DF}">
-              <a14:hiddenLine xmlns:a14="http://schemas.microsoft.com/office/drawing/2010/main" xmlns="" w="9525">
+              <a14:hiddenLine xmlns="" xmlns:a14="http://schemas.microsoft.com/office/drawing/2010/main" w="9525">
                 <a:solidFill>
                   <a:srgbClr val="000000"/>
                 </a:solidFill>
@@ -8960,14 +9091,14 @@
           </a:ln>
           <a:extLst>
             <a:ext uri="{909E8E84-426E-40dd-AFC4-6F175D3DCCD1}">
-              <a14:hiddenFill xmlns:a14="http://schemas.microsoft.com/office/drawing/2010/main" xmlns="">
+              <a14:hiddenFill xmlns="" xmlns:a14="http://schemas.microsoft.com/office/drawing/2010/main">
                 <a:solidFill>
                   <a:srgbClr val="FFFFFF"/>
                 </a:solidFill>
               </a14:hiddenFill>
             </a:ext>
             <a:ext uri="{91240B29-F687-4f45-9708-019B960494DF}">
-              <a14:hiddenLine xmlns:a14="http://schemas.microsoft.com/office/drawing/2010/main" xmlns="" w="9525">
+              <a14:hiddenLine xmlns="" xmlns:a14="http://schemas.microsoft.com/office/drawing/2010/main" w="9525">
                 <a:solidFill>
                   <a:srgbClr val="000000"/>
                 </a:solidFill>
@@ -9534,14 +9665,14 @@
           </a:ln>
           <a:extLst>
             <a:ext uri="{909E8E84-426E-40dd-AFC4-6F175D3DCCD1}">
-              <a14:hiddenFill xmlns:a14="http://schemas.microsoft.com/office/drawing/2010/main" xmlns="">
+              <a14:hiddenFill xmlns="" xmlns:a14="http://schemas.microsoft.com/office/drawing/2010/main">
                 <a:solidFill>
                   <a:srgbClr val="FFFFFF"/>
                 </a:solidFill>
               </a14:hiddenFill>
             </a:ext>
             <a:ext uri="{91240B29-F687-4f45-9708-019B960494DF}">
-              <a14:hiddenLine xmlns:a14="http://schemas.microsoft.com/office/drawing/2010/main" xmlns="" w="9525">
+              <a14:hiddenLine xmlns="" xmlns:a14="http://schemas.microsoft.com/office/drawing/2010/main" w="9525">
                 <a:solidFill>
                   <a:srgbClr val="000000"/>
                 </a:solidFill>
@@ -10481,14 +10612,14 @@
           </a:ln>
           <a:extLst>
             <a:ext uri="{909E8E84-426E-40dd-AFC4-6F175D3DCCD1}">
-              <a14:hiddenFill xmlns:a14="http://schemas.microsoft.com/office/drawing/2010/main" xmlns="">
+              <a14:hiddenFill xmlns="" xmlns:a14="http://schemas.microsoft.com/office/drawing/2010/main">
                 <a:solidFill>
                   <a:srgbClr val="FFFFFF"/>
                 </a:solidFill>
               </a14:hiddenFill>
             </a:ext>
             <a:ext uri="{91240B29-F687-4f45-9708-019B960494DF}">
-              <a14:hiddenLine xmlns:a14="http://schemas.microsoft.com/office/drawing/2010/main" xmlns="" w="9525">
+              <a14:hiddenLine xmlns="" xmlns:a14="http://schemas.microsoft.com/office/drawing/2010/main" w="9525">
                 <a:solidFill>
                   <a:srgbClr val="000000"/>
                 </a:solidFill>
@@ -11241,14 +11372,14 @@
           </a:ln>
           <a:extLst>
             <a:ext uri="{909E8E84-426E-40dd-AFC4-6F175D3DCCD1}">
-              <a14:hiddenFill xmlns:a14="http://schemas.microsoft.com/office/drawing/2010/main" xmlns="">
+              <a14:hiddenFill xmlns="" xmlns:a14="http://schemas.microsoft.com/office/drawing/2010/main">
                 <a:solidFill>
                   <a:srgbClr val="FFFFFF"/>
                 </a:solidFill>
               </a14:hiddenFill>
             </a:ext>
             <a:ext uri="{91240B29-F687-4f45-9708-019B960494DF}">
-              <a14:hiddenLine xmlns:a14="http://schemas.microsoft.com/office/drawing/2010/main" xmlns="" w="9525">
+              <a14:hiddenLine xmlns="" xmlns:a14="http://schemas.microsoft.com/office/drawing/2010/main" w="9525">
                 <a:solidFill>
                   <a:srgbClr val="000000"/>
                 </a:solidFill>
@@ -12243,6 +12374,13 @@
   <p:transition spd="med">
     <p:fade/>
   </p:transition>
+  <p:timing>
+    <p:tnLst>
+      <p:par>
+        <p:cTn id="1" dur="indefinite" restart="never" nodeType="tmRoot"/>
+      </p:par>
+    </p:tnLst>
+  </p:timing>
 </p:sld>
 </file>
 
@@ -12369,6 +12507,13 @@
   <p:transition spd="med">
     <p:fade/>
   </p:transition>
+  <p:timing>
+    <p:tnLst>
+      <p:par>
+        <p:cTn id="1" dur="indefinite" restart="never" nodeType="tmRoot"/>
+      </p:par>
+    </p:tnLst>
+  </p:timing>
 </p:sld>
 </file>
 
@@ -12475,7 +12620,15 @@
             </a:pPr>
             <a:r>
               <a:rPr lang="en-US" dirty="0" smtClean="0"/>
-              <a:t>Test  a Team Member's Access to a Node.</a:t>
+              <a:t>Test </a:t>
+            </a:r>
+            <a:r>
+              <a:rPr lang="en-US" dirty="0" smtClean="0"/>
+              <a:t>a </a:t>
+            </a:r>
+            <a:r>
+              <a:rPr lang="en-US" dirty="0" smtClean="0"/>
+              <a:t>Team Member's Access to a Node.</a:t>
             </a:r>
           </a:p>
           <a:p>
@@ -12531,6 +12684,13 @@
   <p:transition spd="med">
     <p:fade/>
   </p:transition>
+  <p:timing>
+    <p:tnLst>
+      <p:par>
+        <p:cTn id="1" dur="indefinite" restart="never" nodeType="tmRoot"/>
+      </p:par>
+    </p:tnLst>
+  </p:timing>
 </p:sld>
 </file>
 
@@ -12790,6 +12950,13 @@
   <p:transition spd="med">
     <p:fade/>
   </p:transition>
+  <p:timing>
+    <p:tnLst>
+      <p:par>
+        <p:cTn id="1" dur="indefinite" restart="never" nodeType="tmRoot"/>
+      </p:par>
+    </p:tnLst>
+  </p:timing>
 </p:sld>
 </file>
 
@@ -13063,6 +13230,13 @@
   <p:transition spd="med">
     <p:fade/>
   </p:transition>
+  <p:timing>
+    <p:tnLst>
+      <p:par>
+        <p:cTn id="1" dur="indefinite" restart="never" nodeType="tmRoot"/>
+      </p:par>
+    </p:tnLst>
+  </p:timing>
 </p:sld>
 </file>
 
@@ -13270,6 +13444,13 @@
   <p:transition spd="med">
     <p:fade/>
   </p:transition>
+  <p:timing>
+    <p:tnLst>
+      <p:par>
+        <p:cTn id="1" dur="indefinite" restart="never" nodeType="tmRoot"/>
+      </p:par>
+    </p:tnLst>
+  </p:timing>
 </p:sld>
 </file>
 
@@ -13491,6 +13672,13 @@
   <p:transition spd="med">
     <p:fade/>
   </p:transition>
+  <p:timing>
+    <p:tnLst>
+      <p:par>
+        <p:cTn id="1" dur="indefinite" restart="never" nodeType="tmRoot"/>
+      </p:par>
+    </p:tnLst>
+  </p:timing>
 </p:sld>
 </file>
 
@@ -13672,6 +13860,13 @@
   <p:transition spd="med">
     <p:fade/>
   </p:transition>
+  <p:timing>
+    <p:tnLst>
+      <p:par>
+        <p:cTn id="1" dur="indefinite" restart="never" nodeType="tmRoot"/>
+      </p:par>
+    </p:tnLst>
+  </p:timing>
 </p:sld>
 </file>
 
@@ -13914,6 +14109,13 @@
   <p:transition spd="med">
     <p:fade/>
   </p:transition>
+  <p:timing>
+    <p:tnLst>
+      <p:par>
+        <p:cTn id="1" dur="indefinite" restart="never" nodeType="tmRoot"/>
+      </p:par>
+    </p:tnLst>
+  </p:timing>
 </p:sld>
 </file>
 
@@ -14119,6 +14321,13 @@
   <p:transition spd="med">
     <p:fade/>
   </p:transition>
+  <p:timing>
+    <p:tnLst>
+      <p:par>
+        <p:cTn id="1" dur="indefinite" restart="never" nodeType="tmRoot"/>
+      </p:par>
+    </p:tnLst>
+  </p:timing>
 </p:sld>
 </file>
 
@@ -14463,6 +14672,13 @@
   <p:transition spd="med">
     <p:fade/>
   </p:transition>
+  <p:timing>
+    <p:tnLst>
+      <p:par>
+        <p:cTn id="1" dur="indefinite" restart="never" nodeType="tmRoot"/>
+      </p:par>
+    </p:tnLst>
+  </p:timing>
 </p:sld>
 </file>
 
@@ -14623,6 +14839,13 @@
   <p:transition spd="med">
     <p:fade/>
   </p:transition>
+  <p:timing>
+    <p:tnLst>
+      <p:par>
+        <p:cTn id="1" dur="indefinite" restart="never" nodeType="tmRoot"/>
+      </p:par>
+    </p:tnLst>
+  </p:timing>
 </p:sld>
 </file>
 
@@ -14727,6 +14950,13 @@
   <p:transition spd="med">
     <p:fade/>
   </p:transition>
+  <p:timing>
+    <p:tnLst>
+      <p:par>
+        <p:cTn id="1" dur="indefinite" restart="never" nodeType="tmRoot"/>
+      </p:par>
+    </p:tnLst>
+  </p:timing>
 </p:sld>
 </file>
 
@@ -14961,6 +15191,13 @@
   <p:transition spd="med">
     <p:fade/>
   </p:transition>
+  <p:timing>
+    <p:tnLst>
+      <p:par>
+        <p:cTn id="1" dur="indefinite" restart="never" nodeType="tmRoot"/>
+      </p:par>
+    </p:tnLst>
+  </p:timing>
 </p:sld>
 </file>
 
@@ -15213,6 +15450,13 @@
   <p:transition spd="med">
     <p:fade/>
   </p:transition>
+  <p:timing>
+    <p:tnLst>
+      <p:par>
+        <p:cTn id="1" dur="indefinite" restart="never" nodeType="tmRoot"/>
+      </p:par>
+    </p:tnLst>
+  </p:timing>
 </p:sld>
 </file>
 
@@ -15332,7 +15576,7 @@
           <p:nvPr/>
         </p:nvPicPr>
         <p:blipFill>
-          <a:blip r:embed="rId2"/>
+          <a:blip r:embed="rId3"/>
           <a:stretch>
             <a:fillRect/>
           </a:stretch>
@@ -15360,8 +15604,8 @@
         </p:nvCxnSpPr>
         <p:spPr>
           <a:xfrm flipV="1">
-            <a:off x="3829050" y="2590800"/>
-            <a:ext cx="10725150" cy="457200"/>
+            <a:off x="3829050" y="2252546"/>
+            <a:ext cx="10845955" cy="795454"/>
           </a:xfrm>
           <a:prstGeom prst="straightConnector1">
             <a:avLst/>
@@ -15397,7 +15641,7 @@
           <p:nvPr/>
         </p:nvPicPr>
         <p:blipFill>
-          <a:blip r:embed="rId3"/>
+          <a:blip r:embed="rId4"/>
           <a:stretch>
             <a:fillRect/>
           </a:stretch>
@@ -15466,6 +15710,13 @@
   <p:transition spd="med">
     <p:fade/>
   </p:transition>
+  <p:timing>
+    <p:tnLst>
+      <p:par>
+        <p:cTn id="1" dur="indefinite" restart="never" nodeType="tmRoot"/>
+      </p:par>
+    </p:tnLst>
+  </p:timing>
 </p:sld>
 </file>
 
@@ -15543,11 +15794,15 @@
             </a:r>
             <a:r>
               <a:rPr lang="en-US" dirty="0" smtClean="0"/>
-              <a:t>permissions, when checked, enable the team members to  </a:t>
+              <a:t>permissions, when checked, enable the team members to </a:t>
+            </a:r>
+            <a:r>
+              <a:rPr lang="en-US" dirty="0" smtClean="0"/>
+              <a:t>add</a:t>
             </a:r>
             <a:r>
               <a:rPr lang="en-US" dirty="0"/>
-              <a:t>add, edit or delete </a:t>
+              <a:t>, edit or delete </a:t>
             </a:r>
             <a:r>
               <a:rPr lang="en-US" dirty="0" smtClean="0"/>
@@ -15707,6 +15962,13 @@
   <p:transition spd="med">
     <p:fade/>
   </p:transition>
+  <p:timing>
+    <p:tnLst>
+      <p:par>
+        <p:cTn id="1" dur="indefinite" restart="never" nodeType="tmRoot"/>
+      </p:par>
+    </p:tnLst>
+  </p:timing>
 </p:sld>
 </file>
 
@@ -15824,6 +16086,13 @@
   <p:transition spd="med">
     <p:fade/>
   </p:transition>
+  <p:timing>
+    <p:tnLst>
+      <p:par>
+        <p:cTn id="1" dur="indefinite" restart="never" nodeType="tmRoot"/>
+      </p:par>
+    </p:tnLst>
+  </p:timing>
 </p:sld>
 </file>
 
@@ -16004,6 +16273,13 @@
   <p:transition spd="med">
     <p:fade/>
   </p:transition>
+  <p:timing>
+    <p:tnLst>
+      <p:par>
+        <p:cTn id="1" dur="indefinite" restart="never" nodeType="tmRoot"/>
+      </p:par>
+    </p:tnLst>
+  </p:timing>
 </p:sld>
 </file>
 
@@ -16274,7 +16550,15 @@
           <a:p>
             <a:r>
               <a:rPr lang="en-US" dirty="0" smtClean="0"/>
-              <a:t>You can also modify their permission in or to allow or prevent certain actions.</a:t>
+              <a:t>You can also modify their permission </a:t>
+            </a:r>
+            <a:r>
+              <a:rPr lang="en-US" dirty="0" smtClean="0"/>
+              <a:t>to </a:t>
+            </a:r>
+            <a:r>
+              <a:rPr lang="en-US" dirty="0" smtClean="0"/>
+              <a:t>allow or prevent certain actions.</a:t>
             </a:r>
             <a:endParaRPr lang="en-US" dirty="0"/>
           </a:p>
@@ -16293,6 +16577,13 @@
   <p:transition spd="med">
     <p:fade/>
   </p:transition>
+  <p:timing>
+    <p:tnLst>
+      <p:par>
+        <p:cTn id="1" dur="indefinite" restart="never" nodeType="tmRoot"/>
+      </p:par>
+    </p:tnLst>
+  </p:timing>
 </p:sld>
 </file>
 
@@ -16424,6 +16715,13 @@
   <p:transition spd="med">
     <p:fade/>
   </p:transition>
+  <p:timing>
+    <p:tnLst>
+      <p:par>
+        <p:cTn id="1" dur="indefinite" restart="never" nodeType="tmRoot"/>
+      </p:par>
+    </p:tnLst>
+  </p:timing>
 </p:sld>
 </file>
 
@@ -16703,6 +17001,13 @@
   <p:transition spd="med">
     <p:fade/>
   </p:transition>
+  <p:timing>
+    <p:tnLst>
+      <p:par>
+        <p:cTn id="1" dur="indefinite" restart="never" nodeType="tmRoot"/>
+      </p:par>
+    </p:tnLst>
+  </p:timing>
 </p:sld>
 </file>
 
@@ -16866,6 +17171,13 @@
   <p:transition spd="med">
     <p:fade/>
   </p:transition>
+  <p:timing>
+    <p:tnLst>
+      <p:par>
+        <p:cTn id="1" dur="indefinite" restart="never" nodeType="tmRoot"/>
+      </p:par>
+    </p:tnLst>
+  </p:timing>
 </p:sld>
 </file>
 
@@ -17064,6 +17376,13 @@
   <p:transition spd="med">
     <p:fade/>
   </p:transition>
+  <p:timing>
+    <p:tnLst>
+      <p:par>
+        <p:cTn id="1" dur="indefinite" restart="never" nodeType="tmRoot"/>
+      </p:par>
+    </p:tnLst>
+  </p:timing>
 </p:sld>
 </file>
 
@@ -17267,6 +17586,13 @@
   <p:transition spd="med">
     <p:fade/>
   </p:transition>
+  <p:timing>
+    <p:tnLst>
+      <p:par>
+        <p:cTn id="1" dur="indefinite" restart="never" nodeType="tmRoot"/>
+      </p:par>
+    </p:tnLst>
+  </p:timing>
 </p:sld>
 </file>
 
@@ -17358,7 +17684,11 @@
             </a:r>
             <a:r>
               <a:rPr lang="en-US" b="1" dirty="0" smtClean="0"/>
-              <a:t>new user name</a:t>
+              <a:t>new user </a:t>
+            </a:r>
+            <a:r>
+              <a:rPr lang="en-US" b="1" dirty="0" smtClean="0"/>
+              <a:t>ID</a:t>
             </a:r>
             <a:r>
               <a:rPr lang="en-US" dirty="0" smtClean="0"/>
@@ -17511,6 +17841,13 @@
   <p:transition spd="med">
     <p:fade/>
   </p:transition>
+  <p:timing>
+    <p:tnLst>
+      <p:par>
+        <p:cTn id="1" dur="indefinite" restart="never" nodeType="tmRoot"/>
+      </p:par>
+    </p:tnLst>
+  </p:timing>
 </p:sld>
 </file>
 
@@ -18845,49 +19182,15 @@
 </file>
 
 <file path=customXml/item1.xml><?xml version="1.0" encoding="utf-8"?>
-<?mso-contentType ?>
-<spe:Receivers xmlns:spe="http://schemas.microsoft.com/sharepoint/events">
-  <Receiver>
-    <Name>Document ID Generator</Name>
-    <Synchronization>Synchronous</Synchronization>
-    <Type>10001</Type>
-    <SequenceNumber>1000</SequenceNumber>
-    <Assembly>Microsoft.Office.DocumentManagement, Version=14.0.0.0, Culture=neutral, PublicKeyToken=71e9bce111e9429c</Assembly>
-    <Class>Microsoft.Office.DocumentManagement.Internal.DocIdHandler</Class>
-    <Data/>
-    <Filter/>
-  </Receiver>
-  <Receiver>
-    <Name>Document ID Generator</Name>
-    <Synchronization>Synchronous</Synchronization>
-    <Type>10002</Type>
-    <SequenceNumber>1001</SequenceNumber>
-    <Assembly>Microsoft.Office.DocumentManagement, Version=14.0.0.0, Culture=neutral, PublicKeyToken=71e9bce111e9429c</Assembly>
-    <Class>Microsoft.Office.DocumentManagement.Internal.DocIdHandler</Class>
-    <Data/>
-    <Filter/>
-  </Receiver>
-  <Receiver>
-    <Name>Document ID Generator</Name>
-    <Synchronization>Synchronous</Synchronization>
-    <Type>10004</Type>
-    <SequenceNumber>1002</SequenceNumber>
-    <Assembly>Microsoft.Office.DocumentManagement, Version=14.0.0.0, Culture=neutral, PublicKeyToken=71e9bce111e9429c</Assembly>
-    <Class>Microsoft.Office.DocumentManagement.Internal.DocIdHandler</Class>
-    <Data/>
-    <Filter/>
-  </Receiver>
-  <Receiver>
-    <Name>Document ID Generator</Name>
-    <Synchronization>Synchronous</Synchronization>
-    <Type>10006</Type>
-    <SequenceNumber>1003</SequenceNumber>
-    <Assembly>Microsoft.Office.DocumentManagement, Version=14.0.0.0, Culture=neutral, PublicKeyToken=71e9bce111e9429c</Assembly>
-    <Class>Microsoft.Office.DocumentManagement.Internal.DocIdHandler</Class>
-    <Data/>
-    <Filter/>
-  </Receiver>
-</spe:Receivers>
+<p:properties xmlns:p="http://schemas.microsoft.com/office/2006/metadata/properties" xmlns:xsi="http://www.w3.org/2001/XMLSchema-instance" xmlns:pc="http://schemas.microsoft.com/office/infopath/2007/PartnerControls">
+  <documentManagement>
+    <_dlc_DocId xmlns="7bb5d761-a2ea-4873-95f7-7a6658fb3ef0">M4CWTKMW727E-592-73</_dlc_DocId>
+    <_dlc_DocIdUrl xmlns="7bb5d761-a2ea-4873-95f7-7a6658fb3ef0">
+      <Url>https://kms.vci.local/marketing/team/_layouts/DocIdRedir.aspx?ID=M4CWTKMW727E-592-73</Url>
+      <Description>M4CWTKMW727E-592-73</Description>
+    </_dlc_DocIdUrl>
+  </documentManagement>
+</p:properties>
 </file>
 
 <file path=customXml/item2.xml><?xml version="1.0" encoding="utf-8"?>
@@ -19036,15 +19339,49 @@
 </file>
 
 <file path=customXml/item3.xml><?xml version="1.0" encoding="utf-8"?>
-<p:properties xmlns:p="http://schemas.microsoft.com/office/2006/metadata/properties" xmlns:xsi="http://www.w3.org/2001/XMLSchema-instance" xmlns:pc="http://schemas.microsoft.com/office/infopath/2007/PartnerControls">
-  <documentManagement>
-    <_dlc_DocId xmlns="7bb5d761-a2ea-4873-95f7-7a6658fb3ef0">M4CWTKMW727E-592-73</_dlc_DocId>
-    <_dlc_DocIdUrl xmlns="7bb5d761-a2ea-4873-95f7-7a6658fb3ef0">
-      <Url>https://kms.vci.local/marketing/team/_layouts/DocIdRedir.aspx?ID=M4CWTKMW727E-592-73</Url>
-      <Description>M4CWTKMW727E-592-73</Description>
-    </_dlc_DocIdUrl>
-  </documentManagement>
-</p:properties>
+<?mso-contentType ?>
+<spe:Receivers xmlns:spe="http://schemas.microsoft.com/sharepoint/events">
+  <Receiver>
+    <Name>Document ID Generator</Name>
+    <Synchronization>Synchronous</Synchronization>
+    <Type>10001</Type>
+    <SequenceNumber>1000</SequenceNumber>
+    <Assembly>Microsoft.Office.DocumentManagement, Version=14.0.0.0, Culture=neutral, PublicKeyToken=71e9bce111e9429c</Assembly>
+    <Class>Microsoft.Office.DocumentManagement.Internal.DocIdHandler</Class>
+    <Data/>
+    <Filter/>
+  </Receiver>
+  <Receiver>
+    <Name>Document ID Generator</Name>
+    <Synchronization>Synchronous</Synchronization>
+    <Type>10002</Type>
+    <SequenceNumber>1001</SequenceNumber>
+    <Assembly>Microsoft.Office.DocumentManagement, Version=14.0.0.0, Culture=neutral, PublicKeyToken=71e9bce111e9429c</Assembly>
+    <Class>Microsoft.Office.DocumentManagement.Internal.DocIdHandler</Class>
+    <Data/>
+    <Filter/>
+  </Receiver>
+  <Receiver>
+    <Name>Document ID Generator</Name>
+    <Synchronization>Synchronous</Synchronization>
+    <Type>10004</Type>
+    <SequenceNumber>1002</SequenceNumber>
+    <Assembly>Microsoft.Office.DocumentManagement, Version=14.0.0.0, Culture=neutral, PublicKeyToken=71e9bce111e9429c</Assembly>
+    <Class>Microsoft.Office.DocumentManagement.Internal.DocIdHandler</Class>
+    <Data/>
+    <Filter/>
+  </Receiver>
+  <Receiver>
+    <Name>Document ID Generator</Name>
+    <Synchronization>Synchronous</Synchronization>
+    <Type>10006</Type>
+    <SequenceNumber>1003</SequenceNumber>
+    <Assembly>Microsoft.Office.DocumentManagement, Version=14.0.0.0, Culture=neutral, PublicKeyToken=71e9bce111e9429c</Assembly>
+    <Class>Microsoft.Office.DocumentManagement.Internal.DocIdHandler</Class>
+    <Data/>
+    <Filter/>
+  </Receiver>
+</spe:Receivers>
 </file>
 
 <file path=customXml/item4.xml><?xml version="1.0" encoding="utf-8"?>
@@ -19057,9 +19394,17 @@
 </file>
 
 <file path=customXml/itemProps1.xml><?xml version="1.0" encoding="utf-8"?>
-<ds:datastoreItem xmlns:ds="http://schemas.openxmlformats.org/officeDocument/2006/customXml" ds:itemID="{B13EBC30-FE27-4C6A-B723-23FC2188F7DC}">
+<ds:datastoreItem xmlns:ds="http://schemas.openxmlformats.org/officeDocument/2006/customXml" ds:itemID="{6921749B-AEB7-461B-845F-603CABD25259}">
   <ds:schemaRefs>
-    <ds:schemaRef ds:uri="http://schemas.microsoft.com/sharepoint/events"/>
+    <ds:schemaRef ds:uri="http://schemas.microsoft.com/office/2006/documentManagement/types"/>
+    <ds:schemaRef ds:uri="http://schemas.microsoft.com/office/infopath/2007/PartnerControls"/>
+    <ds:schemaRef ds:uri="http://purl.org/dc/elements/1.1/"/>
+    <ds:schemaRef ds:uri="http://schemas.microsoft.com/office/2006/metadata/properties"/>
+    <ds:schemaRef ds:uri="7bb5d761-a2ea-4873-95f7-7a6658fb3ef0"/>
+    <ds:schemaRef ds:uri="http://purl.org/dc/terms/"/>
+    <ds:schemaRef ds:uri="http://schemas.openxmlformats.org/package/2006/metadata/core-properties"/>
+    <ds:schemaRef ds:uri="http://www.w3.org/XML/1998/namespace"/>
+    <ds:schemaRef ds:uri="http://purl.org/dc/dcmitype/"/>
   </ds:schemaRefs>
 </ds:datastoreItem>
 </file>
@@ -19083,17 +19428,9 @@
 </file>
 
 <file path=customXml/itemProps3.xml><?xml version="1.0" encoding="utf-8"?>
-<ds:datastoreItem xmlns:ds="http://schemas.openxmlformats.org/officeDocument/2006/customXml" ds:itemID="{6921749B-AEB7-461B-845F-603CABD25259}">
+<ds:datastoreItem xmlns:ds="http://schemas.openxmlformats.org/officeDocument/2006/customXml" ds:itemID="{B13EBC30-FE27-4C6A-B723-23FC2188F7DC}">
   <ds:schemaRefs>
-    <ds:schemaRef ds:uri="http://schemas.microsoft.com/office/2006/documentManagement/types"/>
-    <ds:schemaRef ds:uri="http://schemas.microsoft.com/office/infopath/2007/PartnerControls"/>
-    <ds:schemaRef ds:uri="http://purl.org/dc/elements/1.1/"/>
-    <ds:schemaRef ds:uri="http://schemas.microsoft.com/office/2006/metadata/properties"/>
-    <ds:schemaRef ds:uri="7bb5d761-a2ea-4873-95f7-7a6658fb3ef0"/>
-    <ds:schemaRef ds:uri="http://purl.org/dc/terms/"/>
-    <ds:schemaRef ds:uri="http://schemas.openxmlformats.org/package/2006/metadata/core-properties"/>
-    <ds:schemaRef ds:uri="http://www.w3.org/XML/1998/namespace"/>
-    <ds:schemaRef ds:uri="http://purl.org/dc/dcmitype/"/>
+    <ds:schemaRef ds:uri="http://schemas.microsoft.com/sharepoint/events"/>
   </ds:schemaRefs>
 </ds:datastoreItem>
 </file>

--- a/08-permissions-orgs.pptx
+++ b/08-permissions-orgs.pptx
@@ -17,8 +17,8 @@
     <p:sldId id="325" r:id="rId9"/>
     <p:sldId id="333" r:id="rId10"/>
     <p:sldId id="335" r:id="rId11"/>
-    <p:sldId id="336" r:id="rId12"/>
-    <p:sldId id="337" r:id="rId13"/>
+    <p:sldId id="337" r:id="rId12"/>
+    <p:sldId id="336" r:id="rId13"/>
     <p:sldId id="338" r:id="rId14"/>
     <p:sldId id="340" r:id="rId15"/>
     <p:sldId id="341" r:id="rId16"/>
@@ -302,7 +302,7 @@
               <a:pPr>
                 <a:defRPr/>
               </a:pPr>
-              <a:t>2016-02-02</a:t>
+              <a:t>2016-02-10</a:t>
             </a:fld>
             <a:endParaRPr lang="en-US" dirty="0"/>
           </a:p>
@@ -485,7 +485,7 @@
               <a:pPr>
                 <a:defRPr/>
               </a:pPr>
-              <a:t>2016-02-02</a:t>
+              <a:t>2016-02-10</a:t>
             </a:fld>
             <a:endParaRPr lang="en-US" dirty="0"/>
           </a:p>
@@ -977,19 +977,11 @@
             </a:r>
             <a:r>
               <a:rPr lang="en-US" baseline="0" dirty="0" smtClean="0"/>
-              <a:t>manage users, organizations, and teams--The web UI or via </a:t>
-            </a:r>
-            <a:r>
-              <a:rPr lang="en-US" baseline="0" smtClean="0"/>
-              <a:t>API: </a:t>
-            </a:r>
-            <a:r>
-              <a:rPr lang="en-US" smtClean="0"/>
-              <a:t>https</a:t>
-            </a:r>
-            <a:r>
-              <a:rPr lang="en-US" dirty="0" smtClean="0"/>
-              <a:t>://docs.chef.io/release/compliance_1-0/api_compliance.html#users</a:t>
+              <a:t>manage users, organizations, and teams--The web UI or via API: </a:t>
+            </a:r>
+            <a:r>
+              <a:rPr lang="en-US" dirty="0" smtClean="0"/>
+              <a:t>https://docs.chef.io/release/compliance_1-0/api_compliance.html#users</a:t>
             </a:r>
           </a:p>
           <a:p>
@@ -2807,15 +2799,6 @@
           <a:p>
             <a:r>
               <a:rPr lang="en-US" dirty="0" smtClean="0"/>
-              <a:t>TBD Move this discussion before preceding slide?</a:t>
-            </a:r>
-          </a:p>
-          <a:p>
-            <a:endParaRPr lang="en-US" dirty="0" smtClean="0"/>
-          </a:p>
-          <a:p>
-            <a:r>
-              <a:rPr lang="en-US" dirty="0" smtClean="0"/>
               <a:t>The </a:t>
             </a:r>
             <a:r>
@@ -2875,7 +2858,7 @@
               <a:pPr>
                 <a:defRPr/>
               </a:pPr>
-              <a:t>7</a:t>
+              <a:t>6</a:t>
             </a:fld>
             <a:endParaRPr lang="en-US" dirty="0"/>
           </a:p>
@@ -3556,14 +3539,6 @@
           <a:bodyPr/>
           <a:lstStyle/>
           <a:p>
-            <a:r>
-              <a:rPr lang="en-US" dirty="0" err="1" smtClean="0"/>
-              <a:t>tbd</a:t>
-            </a:r>
-            <a:r>
-              <a:rPr lang="en-US" dirty="0" smtClean="0"/>
-              <a:t>- remove test-org?</a:t>
-            </a:r>
             <a:endParaRPr lang="en-US" dirty="0"/>
           </a:p>
         </p:txBody>
@@ -4219,14 +4194,14 @@
           </a:ln>
           <a:extLst>
             <a:ext uri="{909E8E84-426E-40dd-AFC4-6F175D3DCCD1}">
-              <a14:hiddenFill xmlns="" xmlns:a14="http://schemas.microsoft.com/office/drawing/2010/main">
+              <a14:hiddenFill xmlns:a14="http://schemas.microsoft.com/office/drawing/2010/main" xmlns="">
                 <a:solidFill>
                   <a:srgbClr val="FFFFFF"/>
                 </a:solidFill>
               </a14:hiddenFill>
             </a:ext>
             <a:ext uri="{91240B29-F687-4f45-9708-019B960494DF}">
-              <a14:hiddenLine xmlns="" xmlns:a14="http://schemas.microsoft.com/office/drawing/2010/main" w="9525">
+              <a14:hiddenLine xmlns:a14="http://schemas.microsoft.com/office/drawing/2010/main" xmlns="" w="9525">
                 <a:solidFill>
                   <a:srgbClr val="000000"/>
                 </a:solidFill>
@@ -4374,14 +4349,14 @@
           </a:ln>
           <a:extLst>
             <a:ext uri="{909E8E84-426E-40dd-AFC4-6F175D3DCCD1}">
-              <a14:hiddenFill xmlns="" xmlns:a14="http://schemas.microsoft.com/office/drawing/2010/main">
+              <a14:hiddenFill xmlns:a14="http://schemas.microsoft.com/office/drawing/2010/main" xmlns="">
                 <a:solidFill>
                   <a:srgbClr val="FFFFFF"/>
                 </a:solidFill>
               </a14:hiddenFill>
             </a:ext>
             <a:ext uri="{91240B29-F687-4f45-9708-019B960494DF}">
-              <a14:hiddenLine xmlns="" xmlns:a14="http://schemas.microsoft.com/office/drawing/2010/main" w="9525">
+              <a14:hiddenLine xmlns:a14="http://schemas.microsoft.com/office/drawing/2010/main" xmlns="" w="9525">
                 <a:solidFill>
                   <a:srgbClr val="000000"/>
                 </a:solidFill>
@@ -4872,14 +4847,14 @@
           </a:ln>
           <a:extLst>
             <a:ext uri="{909E8E84-426E-40dd-AFC4-6F175D3DCCD1}">
-              <a14:hiddenFill xmlns="" xmlns:a14="http://schemas.microsoft.com/office/drawing/2010/main">
+              <a14:hiddenFill xmlns:a14="http://schemas.microsoft.com/office/drawing/2010/main" xmlns="">
                 <a:solidFill>
                   <a:srgbClr val="FFFFFF"/>
                 </a:solidFill>
               </a14:hiddenFill>
             </a:ext>
             <a:ext uri="{91240B29-F687-4f45-9708-019B960494DF}">
-              <a14:hiddenLine xmlns="" xmlns:a14="http://schemas.microsoft.com/office/drawing/2010/main" w="9525">
+              <a14:hiddenLine xmlns:a14="http://schemas.microsoft.com/office/drawing/2010/main" xmlns="" w="9525">
                 <a:solidFill>
                   <a:srgbClr val="000000"/>
                 </a:solidFill>
@@ -5405,14 +5380,14 @@
           </a:ln>
           <a:extLst>
             <a:ext uri="{909E8E84-426E-40dd-AFC4-6F175D3DCCD1}">
-              <a14:hiddenFill xmlns="" xmlns:a14="http://schemas.microsoft.com/office/drawing/2010/main">
+              <a14:hiddenFill xmlns:a14="http://schemas.microsoft.com/office/drawing/2010/main" xmlns="">
                 <a:solidFill>
                   <a:srgbClr val="FFFFFF"/>
                 </a:solidFill>
               </a14:hiddenFill>
             </a:ext>
             <a:ext uri="{91240B29-F687-4f45-9708-019B960494DF}">
-              <a14:hiddenLine xmlns="" xmlns:a14="http://schemas.microsoft.com/office/drawing/2010/main" w="9525">
+              <a14:hiddenLine xmlns:a14="http://schemas.microsoft.com/office/drawing/2010/main" xmlns="" w="9525">
                 <a:solidFill>
                   <a:srgbClr val="000000"/>
                 </a:solidFill>
@@ -7036,14 +7011,14 @@
           </a:ln>
           <a:extLst>
             <a:ext uri="{909E8E84-426E-40dd-AFC4-6F175D3DCCD1}">
-              <a14:hiddenFill xmlns="" xmlns:a14="http://schemas.microsoft.com/office/drawing/2010/main">
+              <a14:hiddenFill xmlns:a14="http://schemas.microsoft.com/office/drawing/2010/main" xmlns="">
                 <a:solidFill>
                   <a:srgbClr val="FFFFFF"/>
                 </a:solidFill>
               </a14:hiddenFill>
             </a:ext>
             <a:ext uri="{91240B29-F687-4f45-9708-019B960494DF}">
-              <a14:hiddenLine xmlns="" xmlns:a14="http://schemas.microsoft.com/office/drawing/2010/main" w="9525">
+              <a14:hiddenLine xmlns:a14="http://schemas.microsoft.com/office/drawing/2010/main" xmlns="" w="9525">
                 <a:solidFill>
                   <a:srgbClr val="000000"/>
                 </a:solidFill>
@@ -8578,14 +8553,14 @@
           </a:ln>
           <a:extLst>
             <a:ext uri="{909E8E84-426E-40dd-AFC4-6F175D3DCCD1}">
-              <a14:hiddenFill xmlns="" xmlns:a14="http://schemas.microsoft.com/office/drawing/2010/main">
+              <a14:hiddenFill xmlns:a14="http://schemas.microsoft.com/office/drawing/2010/main" xmlns="">
                 <a:solidFill>
                   <a:srgbClr val="FFFFFF"/>
                 </a:solidFill>
               </a14:hiddenFill>
             </a:ext>
             <a:ext uri="{91240B29-F687-4f45-9708-019B960494DF}">
-              <a14:hiddenLine xmlns="" xmlns:a14="http://schemas.microsoft.com/office/drawing/2010/main" w="9525">
+              <a14:hiddenLine xmlns:a14="http://schemas.microsoft.com/office/drawing/2010/main" xmlns="" w="9525">
                 <a:solidFill>
                   <a:srgbClr val="000000"/>
                 </a:solidFill>
@@ -9091,14 +9066,14 @@
           </a:ln>
           <a:extLst>
             <a:ext uri="{909E8E84-426E-40dd-AFC4-6F175D3DCCD1}">
-              <a14:hiddenFill xmlns="" xmlns:a14="http://schemas.microsoft.com/office/drawing/2010/main">
+              <a14:hiddenFill xmlns:a14="http://schemas.microsoft.com/office/drawing/2010/main" xmlns="">
                 <a:solidFill>
                   <a:srgbClr val="FFFFFF"/>
                 </a:solidFill>
               </a14:hiddenFill>
             </a:ext>
             <a:ext uri="{91240B29-F687-4f45-9708-019B960494DF}">
-              <a14:hiddenLine xmlns="" xmlns:a14="http://schemas.microsoft.com/office/drawing/2010/main" w="9525">
+              <a14:hiddenLine xmlns:a14="http://schemas.microsoft.com/office/drawing/2010/main" xmlns="" w="9525">
                 <a:solidFill>
                   <a:srgbClr val="000000"/>
                 </a:solidFill>
@@ -9665,14 +9640,14 @@
           </a:ln>
           <a:extLst>
             <a:ext uri="{909E8E84-426E-40dd-AFC4-6F175D3DCCD1}">
-              <a14:hiddenFill xmlns="" xmlns:a14="http://schemas.microsoft.com/office/drawing/2010/main">
+              <a14:hiddenFill xmlns:a14="http://schemas.microsoft.com/office/drawing/2010/main" xmlns="">
                 <a:solidFill>
                   <a:srgbClr val="FFFFFF"/>
                 </a:solidFill>
               </a14:hiddenFill>
             </a:ext>
             <a:ext uri="{91240B29-F687-4f45-9708-019B960494DF}">
-              <a14:hiddenLine xmlns="" xmlns:a14="http://schemas.microsoft.com/office/drawing/2010/main" w="9525">
+              <a14:hiddenLine xmlns:a14="http://schemas.microsoft.com/office/drawing/2010/main" xmlns="" w="9525">
                 <a:solidFill>
                   <a:srgbClr val="000000"/>
                 </a:solidFill>
@@ -10612,14 +10587,14 @@
           </a:ln>
           <a:extLst>
             <a:ext uri="{909E8E84-426E-40dd-AFC4-6F175D3DCCD1}">
-              <a14:hiddenFill xmlns="" xmlns:a14="http://schemas.microsoft.com/office/drawing/2010/main">
+              <a14:hiddenFill xmlns:a14="http://schemas.microsoft.com/office/drawing/2010/main" xmlns="">
                 <a:solidFill>
                   <a:srgbClr val="FFFFFF"/>
                 </a:solidFill>
               </a14:hiddenFill>
             </a:ext>
             <a:ext uri="{91240B29-F687-4f45-9708-019B960494DF}">
-              <a14:hiddenLine xmlns="" xmlns:a14="http://schemas.microsoft.com/office/drawing/2010/main" w="9525">
+              <a14:hiddenLine xmlns:a14="http://schemas.microsoft.com/office/drawing/2010/main" xmlns="" w="9525">
                 <a:solidFill>
                   <a:srgbClr val="000000"/>
                 </a:solidFill>
@@ -11372,14 +11347,14 @@
           </a:ln>
           <a:extLst>
             <a:ext uri="{909E8E84-426E-40dd-AFC4-6F175D3DCCD1}">
-              <a14:hiddenFill xmlns="" xmlns:a14="http://schemas.microsoft.com/office/drawing/2010/main">
+              <a14:hiddenFill xmlns:a14="http://schemas.microsoft.com/office/drawing/2010/main" xmlns="">
                 <a:solidFill>
                   <a:srgbClr val="FFFFFF"/>
                 </a:solidFill>
               </a14:hiddenFill>
             </a:ext>
             <a:ext uri="{91240B29-F687-4f45-9708-019B960494DF}">
-              <a14:hiddenLine xmlns="" xmlns:a14="http://schemas.microsoft.com/office/drawing/2010/main" w="9525">
+              <a14:hiddenLine xmlns:a14="http://schemas.microsoft.com/office/drawing/2010/main" xmlns="" w="9525">
                 <a:solidFill>
                   <a:srgbClr val="000000"/>
                 </a:solidFill>
@@ -12620,15 +12595,7 @@
             </a:pPr>
             <a:r>
               <a:rPr lang="en-US" dirty="0" smtClean="0"/>
-              <a:t>Test </a:t>
-            </a:r>
-            <a:r>
-              <a:rPr lang="en-US" dirty="0" smtClean="0"/>
-              <a:t>a </a:t>
-            </a:r>
-            <a:r>
-              <a:rPr lang="en-US" dirty="0" smtClean="0"/>
-              <a:t>Team Member's Access to a Node.</a:t>
+              <a:t>Test a Team Member's Access to a Node.</a:t>
             </a:r>
           </a:p>
           <a:p>
@@ -13366,35 +13333,74 @@
           </a:p>
         </p:txBody>
       </p:sp>
-      <p:pic>
-        <p:nvPicPr>
-          <p:cNvPr id="7" name="Picture 6"/>
-          <p:cNvPicPr>
-            <a:picLocks noChangeAspect="1"/>
-          </p:cNvPicPr>
+      <p:grpSp>
+        <p:nvGrpSpPr>
+          <p:cNvPr id="5" name="Group 4"/>
+          <p:cNvGrpSpPr/>
           <p:nvPr/>
-        </p:nvPicPr>
-        <p:blipFill>
-          <a:blip r:embed="rId3"/>
-          <a:stretch>
-            <a:fillRect/>
-          </a:stretch>
-        </p:blipFill>
-        <p:spPr>
+        </p:nvGrpSpPr>
+        <p:grpSpPr>
           <a:xfrm>
             <a:off x="7626500" y="609076"/>
             <a:ext cx="8464293" cy="5597171"/>
+            <a:chOff x="7626500" y="609076"/>
+            <a:chExt cx="8464293" cy="5597171"/>
           </a:xfrm>
-          <a:prstGeom prst="rect">
-            <a:avLst/>
-          </a:prstGeom>
-          <a:ln>
-            <a:solidFill>
-              <a:schemeClr val="accent1"/>
-            </a:solidFill>
-          </a:ln>
-        </p:spPr>
-      </p:pic>
+        </p:grpSpPr>
+        <p:pic>
+          <p:nvPicPr>
+            <p:cNvPr id="7" name="Picture 6"/>
+            <p:cNvPicPr>
+              <a:picLocks noChangeAspect="1"/>
+            </p:cNvPicPr>
+            <p:nvPr/>
+          </p:nvPicPr>
+          <p:blipFill>
+            <a:blip r:embed="rId3"/>
+            <a:stretch>
+              <a:fillRect/>
+            </a:stretch>
+          </p:blipFill>
+          <p:spPr>
+            <a:xfrm>
+              <a:off x="7626500" y="609076"/>
+              <a:ext cx="8464293" cy="5597171"/>
+            </a:xfrm>
+            <a:prstGeom prst="rect">
+              <a:avLst/>
+            </a:prstGeom>
+            <a:ln>
+              <a:solidFill>
+                <a:schemeClr val="accent1"/>
+              </a:solidFill>
+            </a:ln>
+          </p:spPr>
+        </p:pic>
+        <p:pic>
+          <p:nvPicPr>
+            <p:cNvPr id="4" name="Picture 3"/>
+            <p:cNvPicPr>
+              <a:picLocks noChangeAspect="1"/>
+            </p:cNvPicPr>
+            <p:nvPr/>
+          </p:nvPicPr>
+          <p:blipFill>
+            <a:blip r:embed="rId4"/>
+            <a:stretch>
+              <a:fillRect/>
+            </a:stretch>
+          </p:blipFill>
+          <p:spPr>
+            <a:xfrm>
+              <a:off x="8124126" y="3856759"/>
+              <a:ext cx="570612" cy="307253"/>
+            </a:xfrm>
+            <a:prstGeom prst="rect">
+              <a:avLst/>
+            </a:prstGeom>
+          </p:spPr>
+        </p:pic>
+      </p:grpSp>
       <p:cxnSp>
         <p:nvCxnSpPr>
           <p:cNvPr id="13" name="Straight Arrow Connector 12"/>
@@ -15794,11 +15800,7 @@
             </a:r>
             <a:r>
               <a:rPr lang="en-US" dirty="0" smtClean="0"/>
-              <a:t>permissions, when checked, enable the team members to </a:t>
-            </a:r>
-            <a:r>
-              <a:rPr lang="en-US" dirty="0" smtClean="0"/>
-              <a:t>add</a:t>
+              <a:t>permissions, when checked, enable the team members to add</a:t>
             </a:r>
             <a:r>
               <a:rPr lang="en-US" dirty="0"/>
@@ -16550,15 +16552,7 @@
           <a:p>
             <a:r>
               <a:rPr lang="en-US" dirty="0" smtClean="0"/>
-              <a:t>You can also modify their permission </a:t>
-            </a:r>
-            <a:r>
-              <a:rPr lang="en-US" dirty="0" smtClean="0"/>
-              <a:t>to </a:t>
-            </a:r>
-            <a:r>
-              <a:rPr lang="en-US" dirty="0" smtClean="0"/>
-              <a:t>allow or prevent certain actions.</a:t>
+              <a:t>You can also modify their permission to allow or prevent certain actions.</a:t>
             </a:r>
             <a:endParaRPr lang="en-US" dirty="0"/>
           </a:p>
@@ -16988,6 +16982,42 @@
           </a:fontRef>
         </p:style>
       </p:cxnSp>
+      <p:cxnSp>
+        <p:nvCxnSpPr>
+          <p:cNvPr id="13" name="Straight Arrow Connector 12"/>
+          <p:cNvCxnSpPr/>
+          <p:nvPr/>
+        </p:nvCxnSpPr>
+        <p:spPr>
+          <a:xfrm>
+            <a:off x="5373104" y="5203172"/>
+            <a:ext cx="6714818" cy="1161433"/>
+          </a:xfrm>
+          <a:prstGeom prst="straightConnector1">
+            <a:avLst/>
+          </a:prstGeom>
+          <a:ln>
+            <a:solidFill>
+              <a:schemeClr val="accent1"/>
+            </a:solidFill>
+            <a:tailEnd type="triangle"/>
+          </a:ln>
+        </p:spPr>
+        <p:style>
+          <a:lnRef idx="3">
+            <a:schemeClr val="accent1"/>
+          </a:lnRef>
+          <a:fillRef idx="0">
+            <a:schemeClr val="accent1"/>
+          </a:fillRef>
+          <a:effectRef idx="2">
+            <a:schemeClr val="accent1"/>
+          </a:effectRef>
+          <a:fontRef idx="minor">
+            <a:schemeClr val="tx1"/>
+          </a:fontRef>
+        </p:style>
+      </p:cxnSp>
     </p:spTree>
     <p:extLst>
       <p:ext uri="{BB962C8B-B14F-4D97-AF65-F5344CB8AC3E}">
@@ -17040,12 +17070,21 @@
         </p:nvSpPr>
         <p:spPr/>
         <p:txBody>
-          <a:bodyPr/>
+          <a:bodyPr>
+            <a:normAutofit fontScale="90000"/>
+          </a:bodyPr>
           <a:lstStyle/>
           <a:p>
             <a:r>
               <a:rPr lang="en-US" dirty="0" smtClean="0"/>
-              <a:t>GL: Creating Users</a:t>
+              <a:t>Discussion:</a:t>
+            </a:r>
+            <a:br>
+              <a:rPr lang="en-US" dirty="0" smtClean="0"/>
+            </a:br>
+            <a:r>
+              <a:rPr lang="en-US" dirty="0" smtClean="0"/>
+              <a:t>Creating Users</a:t>
             </a:r>
             <a:endParaRPr lang="en-US" dirty="0"/>
           </a:p>
@@ -17064,89 +17103,123 @@
         <p:spPr>
           <a:xfrm>
             <a:off x="650040" y="1856198"/>
-            <a:ext cx="6006792" cy="5345953"/>
+            <a:ext cx="6464438" cy="5897914"/>
           </a:xfrm>
         </p:spPr>
         <p:txBody>
           <a:bodyPr/>
           <a:lstStyle/>
           <a:p>
-            <a:pPr marL="514350" indent="-514350">
-              <a:buFont typeface="+mj-lt"/>
-              <a:buAutoNum type="arabicPeriod" startAt="4"/>
+            <a:r>
+              <a:rPr lang="en-US" dirty="0" smtClean="0"/>
+              <a:t>The Users/Create screen displays.</a:t>
+            </a:r>
+          </a:p>
+          <a:p>
+            <a:r>
+              <a:rPr lang="en-US" dirty="0" smtClean="0"/>
+              <a:t>A </a:t>
+            </a:r>
+            <a:r>
+              <a:rPr lang="en-US" dirty="0"/>
+              <a:t>user can have the following permissions</a:t>
+            </a:r>
+            <a:r>
+              <a:rPr lang="en-US" dirty="0" smtClean="0"/>
+              <a:t>:</a:t>
+            </a:r>
+            <a:endParaRPr lang="en-US" dirty="0" smtClean="0"/>
+          </a:p>
+          <a:p>
+            <a:pPr marL="457200" indent="-457200">
+              <a:buFont typeface="Wingdings" panose="05000000000000000000" pitchFamily="2" charset="2"/>
+              <a:buChar char="q"/>
             </a:pPr>
             <a:r>
-              <a:rPr lang="en-US" dirty="0" smtClean="0"/>
-              <a:t>From the resulting screen, type a </a:t>
+              <a:rPr lang="en-US" b="1" dirty="0"/>
+              <a:t>S</a:t>
             </a:r>
             <a:r>
               <a:rPr lang="en-US" b="1" dirty="0" smtClean="0"/>
-              <a:t>user name </a:t>
-            </a:r>
-            <a:r>
-              <a:rPr lang="en-US" dirty="0" smtClean="0"/>
-              <a:t>of your choice and a password you'll remember, like </a:t>
-            </a:r>
+              <a:t>ite Management </a:t>
+            </a:r>
+            <a:r>
+              <a:rPr lang="en-US" dirty="0" smtClean="0"/>
+              <a:t>users can do everything.</a:t>
+            </a:r>
+          </a:p>
+          <a:p>
+            <a:pPr marL="457200" indent="-457200">
+              <a:buFont typeface="Wingdings" panose="05000000000000000000" pitchFamily="2" charset="2"/>
+              <a:buChar char="q"/>
+            </a:pPr>
             <a:r>
               <a:rPr lang="en-US" b="1" dirty="0" smtClean="0"/>
-              <a:t>chef</a:t>
-            </a:r>
-            <a:r>
-              <a:rPr lang="en-US" dirty="0" smtClean="0"/>
-              <a:t>.</a:t>
-            </a:r>
-          </a:p>
-          <a:p>
-            <a:endParaRPr lang="en-US" dirty="0" smtClean="0"/>
-          </a:p>
-          <a:p>
+              <a:t>Organization Management </a:t>
+            </a:r>
+            <a:r>
+              <a:rPr lang="en-US" dirty="0" smtClean="0"/>
+              <a:t>users can </a:t>
+            </a:r>
+            <a:r>
+              <a:rPr lang="en-US" dirty="0"/>
+              <a:t>create, edit or delete </a:t>
+            </a:r>
+            <a:r>
+              <a:rPr lang="en-US" dirty="0" smtClean="0"/>
+              <a:t>Organizations.</a:t>
+            </a:r>
+          </a:p>
+          <a:p>
+            <a:pPr marL="457200" indent="-457200">
+              <a:buFont typeface="Wingdings" panose="05000000000000000000" pitchFamily="2" charset="2"/>
+              <a:buChar char="q"/>
+            </a:pPr>
             <a:r>
               <a:rPr lang="en-US" b="1" dirty="0" smtClean="0"/>
-              <a:t>Note</a:t>
-            </a:r>
-            <a:r>
-              <a:rPr lang="en-US" dirty="0" smtClean="0"/>
-              <a:t>: Leave the new user's permissions unchecked for now.</a:t>
-            </a:r>
-          </a:p>
-          <a:p>
-            <a:endParaRPr lang="en-US" dirty="0" smtClean="0"/>
-          </a:p>
-          <a:p>
-            <a:r>
-              <a:rPr lang="en-US" dirty="0" smtClean="0"/>
-              <a:t>5. Click the </a:t>
-            </a:r>
-            <a:r>
-              <a:rPr lang="en-US" b="1" dirty="0" smtClean="0"/>
-              <a:t>Add user</a:t>
-            </a:r>
-            <a:r>
-              <a:rPr lang="en-US" dirty="0" smtClean="0"/>
-              <a:t> button.</a:t>
-            </a:r>
+              <a:t>User Management </a:t>
+            </a:r>
+            <a:r>
+              <a:rPr lang="en-US" dirty="0" smtClean="0"/>
+              <a:t>users can </a:t>
+            </a:r>
+            <a:r>
+              <a:rPr lang="en-US" dirty="0"/>
+              <a:t>create, edit or delete </a:t>
+            </a:r>
+            <a:r>
+              <a:rPr lang="en-US" dirty="0" smtClean="0"/>
+              <a:t>users.</a:t>
+            </a:r>
+            <a:r>
+              <a:rPr lang="en-US" dirty="0"/>
+              <a:t/>
+            </a:r>
+            <a:br>
+              <a:rPr lang="en-US" dirty="0"/>
+            </a:br>
             <a:endParaRPr lang="en-US" dirty="0"/>
           </a:p>
         </p:txBody>
       </p:sp>
       <p:pic>
         <p:nvPicPr>
-          <p:cNvPr id="8" name="Picture 7"/>
+          <p:cNvPr id="4" name="Picture 3"/>
           <p:cNvPicPr>
             <a:picLocks noChangeAspect="1"/>
           </p:cNvPicPr>
           <p:nvPr/>
         </p:nvPicPr>
         <p:blipFill>
-          <a:blip r:embed="rId2"/>
+          <a:blip r:embed="rId3"/>
           <a:stretch>
             <a:fillRect/>
           </a:stretch>
         </p:blipFill>
         <p:spPr>
           <a:xfrm>
-            <a:off x="8544060" y="462914"/>
-            <a:ext cx="7000741" cy="7071742"/>
+            <a:off x="8396287" y="447472"/>
+            <a:ext cx="7348702" cy="6746350"/>
           </a:xfrm>
           <a:prstGeom prst="rect">
             <a:avLst/>
@@ -17161,7 +17234,7 @@
     </p:spTree>
     <p:extLst>
       <p:ext uri="{BB962C8B-B14F-4D97-AF65-F5344CB8AC3E}">
-        <p14:creationId xmlns:p14="http://schemas.microsoft.com/office/powerpoint/2010/main" val="3093924348"/>
+        <p14:creationId xmlns:p14="http://schemas.microsoft.com/office/powerpoint/2010/main" val="3254653793"/>
       </p:ext>
     </p:extLst>
   </p:cSld>
@@ -17210,21 +17283,12 @@
         </p:nvSpPr>
         <p:spPr/>
         <p:txBody>
-          <a:bodyPr>
-            <a:normAutofit fontScale="90000"/>
-          </a:bodyPr>
+          <a:bodyPr/>
           <a:lstStyle/>
           <a:p>
             <a:r>
               <a:rPr lang="en-US" dirty="0" smtClean="0"/>
-              <a:t>Discussion:</a:t>
-            </a:r>
-            <a:br>
-              <a:rPr lang="en-US" dirty="0" smtClean="0"/>
-            </a:br>
-            <a:r>
-              <a:rPr lang="en-US" dirty="0" smtClean="0"/>
-              <a:t>Creating Users</a:t>
+              <a:t>GL: Creating Users</a:t>
             </a:r>
             <a:endParaRPr lang="en-US" dirty="0"/>
           </a:p>
@@ -17242,116 +17306,98 @@
         </p:nvSpPr>
         <p:spPr>
           <a:xfrm>
-            <a:off x="650040" y="1856198"/>
-            <a:ext cx="6006792" cy="5897914"/>
+            <a:off x="650039" y="1856198"/>
+            <a:ext cx="6709765" cy="5345953"/>
           </a:xfrm>
         </p:spPr>
         <p:txBody>
           <a:bodyPr/>
           <a:lstStyle/>
           <a:p>
+            <a:pPr marL="514350" indent="-514350">
+              <a:buFont typeface="+mj-lt"/>
+              <a:buAutoNum type="arabicPeriod" startAt="4"/>
+            </a:pPr>
+            <a:r>
+              <a:rPr lang="en-US" dirty="0" smtClean="0"/>
+              <a:t>From the </a:t>
+            </a:r>
             <a:r>
               <a:rPr lang="en-US" dirty="0"/>
-              <a:t>A user can have the following permissions</a:t>
-            </a:r>
-            <a:r>
-              <a:rPr lang="en-US" dirty="0" smtClean="0"/>
-              <a:t>:</a:t>
+              <a:t>current Users/Create screen</a:t>
+            </a:r>
+            <a:r>
+              <a:rPr lang="en-US" dirty="0" smtClean="0"/>
+              <a:t>, type a </a:t>
+            </a:r>
+            <a:r>
+              <a:rPr lang="en-US" b="1" dirty="0" smtClean="0"/>
+              <a:t>user name </a:t>
+            </a:r>
+            <a:r>
+              <a:rPr lang="en-US" dirty="0" smtClean="0"/>
+              <a:t>of your choice and a password you'll remember, like </a:t>
+            </a:r>
+            <a:r>
+              <a:rPr lang="en-US" b="1" dirty="0" smtClean="0"/>
+              <a:t>chef</a:t>
+            </a:r>
+            <a:r>
+              <a:rPr lang="en-US" dirty="0" smtClean="0"/>
+              <a:t>.</a:t>
             </a:r>
           </a:p>
           <a:p>
             <a:endParaRPr lang="en-US" dirty="0" smtClean="0"/>
           </a:p>
           <a:p>
-            <a:pPr marL="457200" indent="-457200">
-              <a:buFont typeface="Wingdings" panose="05000000000000000000" pitchFamily="2" charset="2"/>
-              <a:buChar char="q"/>
-            </a:pPr>
-            <a:r>
-              <a:rPr lang="en-US" b="1" dirty="0"/>
-              <a:t>S</a:t>
-            </a:r>
             <a:r>
               <a:rPr lang="en-US" b="1" dirty="0" smtClean="0"/>
-              <a:t>ite Management </a:t>
-            </a:r>
-            <a:r>
-              <a:rPr lang="en-US" dirty="0" smtClean="0"/>
-              <a:t>users can do everything.</a:t>
-            </a:r>
-          </a:p>
-          <a:p>
-            <a:pPr marL="457200" indent="-457200">
-              <a:buFont typeface="Wingdings" panose="05000000000000000000" pitchFamily="2" charset="2"/>
-              <a:buChar char="q"/>
-            </a:pPr>
+              <a:t>Note</a:t>
+            </a:r>
+            <a:r>
+              <a:rPr lang="en-US" dirty="0" smtClean="0"/>
+              <a:t>: Leave the new user's permissions unchecked for now.</a:t>
+            </a:r>
+          </a:p>
+          <a:p>
+            <a:endParaRPr lang="en-US" dirty="0" smtClean="0"/>
+          </a:p>
+          <a:p>
+            <a:r>
+              <a:rPr lang="en-US" dirty="0" smtClean="0"/>
+              <a:t>5. Click the </a:t>
+            </a:r>
             <a:r>
               <a:rPr lang="en-US" b="1" dirty="0" smtClean="0"/>
-              <a:t>Organization Management </a:t>
-            </a:r>
-            <a:r>
-              <a:rPr lang="en-US" dirty="0" smtClean="0"/>
-              <a:t>users can </a:t>
-            </a:r>
-            <a:r>
-              <a:rPr lang="en-US" dirty="0"/>
-              <a:t>create, edit or delete </a:t>
-            </a:r>
-            <a:r>
-              <a:rPr lang="en-US" dirty="0" smtClean="0"/>
-              <a:t>Organizations.</a:t>
-            </a:r>
-          </a:p>
-          <a:p>
-            <a:pPr marL="457200" indent="-457200">
-              <a:buFont typeface="Wingdings" panose="05000000000000000000" pitchFamily="2" charset="2"/>
-              <a:buChar char="q"/>
-            </a:pPr>
-            <a:r>
-              <a:rPr lang="en-US" b="1" dirty="0" smtClean="0"/>
-              <a:t>User Management </a:t>
-            </a:r>
-            <a:r>
-              <a:rPr lang="en-US" dirty="0" smtClean="0"/>
-              <a:t>users can </a:t>
-            </a:r>
-            <a:r>
-              <a:rPr lang="en-US" dirty="0"/>
-              <a:t>create, edit or delete </a:t>
-            </a:r>
-            <a:r>
-              <a:rPr lang="en-US" dirty="0" smtClean="0"/>
-              <a:t>users.</a:t>
-            </a:r>
-            <a:r>
-              <a:rPr lang="en-US" dirty="0"/>
-              <a:t/>
-            </a:r>
-            <a:br>
-              <a:rPr lang="en-US" dirty="0"/>
-            </a:br>
+              <a:t>Add user</a:t>
+            </a:r>
+            <a:r>
+              <a:rPr lang="en-US" dirty="0" smtClean="0"/>
+              <a:t> button.</a:t>
+            </a:r>
             <a:endParaRPr lang="en-US" dirty="0"/>
           </a:p>
         </p:txBody>
       </p:sp>
       <p:pic>
         <p:nvPicPr>
-          <p:cNvPr id="4" name="Picture 3"/>
+          <p:cNvPr id="8" name="Picture 7"/>
           <p:cNvPicPr>
             <a:picLocks noChangeAspect="1"/>
           </p:cNvPicPr>
           <p:nvPr/>
         </p:nvPicPr>
         <p:blipFill>
-          <a:blip r:embed="rId3"/>
+          <a:blip r:embed="rId2"/>
           <a:stretch>
             <a:fillRect/>
           </a:stretch>
         </p:blipFill>
         <p:spPr>
           <a:xfrm>
-            <a:off x="8396287" y="447472"/>
-            <a:ext cx="7348702" cy="6746350"/>
+            <a:off x="8544060" y="462914"/>
+            <a:ext cx="7000741" cy="7071742"/>
           </a:xfrm>
           <a:prstGeom prst="rect">
             <a:avLst/>
@@ -17366,7 +17412,7 @@
     </p:spTree>
     <p:extLst>
       <p:ext uri="{BB962C8B-B14F-4D97-AF65-F5344CB8AC3E}">
-        <p14:creationId xmlns:p14="http://schemas.microsoft.com/office/powerpoint/2010/main" val="3254653793"/>
+        <p14:creationId xmlns:p14="http://schemas.microsoft.com/office/powerpoint/2010/main" val="3093924348"/>
       </p:ext>
     </p:extLst>
   </p:cSld>
@@ -17684,11 +17730,7 @@
             </a:r>
             <a:r>
               <a:rPr lang="en-US" b="1" dirty="0" smtClean="0"/>
-              <a:t>new user </a:t>
-            </a:r>
-            <a:r>
-              <a:rPr lang="en-US" b="1" dirty="0" smtClean="0"/>
-              <a:t>ID</a:t>
+              <a:t>new user ID</a:t>
             </a:r>
             <a:r>
               <a:rPr lang="en-US" dirty="0" smtClean="0"/>
@@ -19182,15 +19224,49 @@
 </file>
 
 <file path=customXml/item1.xml><?xml version="1.0" encoding="utf-8"?>
-<p:properties xmlns:p="http://schemas.microsoft.com/office/2006/metadata/properties" xmlns:xsi="http://www.w3.org/2001/XMLSchema-instance" xmlns:pc="http://schemas.microsoft.com/office/infopath/2007/PartnerControls">
-  <documentManagement>
-    <_dlc_DocId xmlns="7bb5d761-a2ea-4873-95f7-7a6658fb3ef0">M4CWTKMW727E-592-73</_dlc_DocId>
-    <_dlc_DocIdUrl xmlns="7bb5d761-a2ea-4873-95f7-7a6658fb3ef0">
-      <Url>https://kms.vci.local/marketing/team/_layouts/DocIdRedir.aspx?ID=M4CWTKMW727E-592-73</Url>
-      <Description>M4CWTKMW727E-592-73</Description>
-    </_dlc_DocIdUrl>
-  </documentManagement>
-</p:properties>
+<?mso-contentType ?>
+<spe:Receivers xmlns:spe="http://schemas.microsoft.com/sharepoint/events">
+  <Receiver>
+    <Name>Document ID Generator</Name>
+    <Synchronization>Synchronous</Synchronization>
+    <Type>10001</Type>
+    <SequenceNumber>1000</SequenceNumber>
+    <Assembly>Microsoft.Office.DocumentManagement, Version=14.0.0.0, Culture=neutral, PublicKeyToken=71e9bce111e9429c</Assembly>
+    <Class>Microsoft.Office.DocumentManagement.Internal.DocIdHandler</Class>
+    <Data/>
+    <Filter/>
+  </Receiver>
+  <Receiver>
+    <Name>Document ID Generator</Name>
+    <Synchronization>Synchronous</Synchronization>
+    <Type>10002</Type>
+    <SequenceNumber>1001</SequenceNumber>
+    <Assembly>Microsoft.Office.DocumentManagement, Version=14.0.0.0, Culture=neutral, PublicKeyToken=71e9bce111e9429c</Assembly>
+    <Class>Microsoft.Office.DocumentManagement.Internal.DocIdHandler</Class>
+    <Data/>
+    <Filter/>
+  </Receiver>
+  <Receiver>
+    <Name>Document ID Generator</Name>
+    <Synchronization>Synchronous</Synchronization>
+    <Type>10004</Type>
+    <SequenceNumber>1002</SequenceNumber>
+    <Assembly>Microsoft.Office.DocumentManagement, Version=14.0.0.0, Culture=neutral, PublicKeyToken=71e9bce111e9429c</Assembly>
+    <Class>Microsoft.Office.DocumentManagement.Internal.DocIdHandler</Class>
+    <Data/>
+    <Filter/>
+  </Receiver>
+  <Receiver>
+    <Name>Document ID Generator</Name>
+    <Synchronization>Synchronous</Synchronization>
+    <Type>10006</Type>
+    <SequenceNumber>1003</SequenceNumber>
+    <Assembly>Microsoft.Office.DocumentManagement, Version=14.0.0.0, Culture=neutral, PublicKeyToken=71e9bce111e9429c</Assembly>
+    <Class>Microsoft.Office.DocumentManagement.Internal.DocIdHandler</Class>
+    <Data/>
+    <Filter/>
+  </Receiver>
+</spe:Receivers>
 </file>
 
 <file path=customXml/item2.xml><?xml version="1.0" encoding="utf-8"?>
@@ -19339,49 +19415,15 @@
 </file>
 
 <file path=customXml/item3.xml><?xml version="1.0" encoding="utf-8"?>
-<?mso-contentType ?>
-<spe:Receivers xmlns:spe="http://schemas.microsoft.com/sharepoint/events">
-  <Receiver>
-    <Name>Document ID Generator</Name>
-    <Synchronization>Synchronous</Synchronization>
-    <Type>10001</Type>
-    <SequenceNumber>1000</SequenceNumber>
-    <Assembly>Microsoft.Office.DocumentManagement, Version=14.0.0.0, Culture=neutral, PublicKeyToken=71e9bce111e9429c</Assembly>
-    <Class>Microsoft.Office.DocumentManagement.Internal.DocIdHandler</Class>
-    <Data/>
-    <Filter/>
-  </Receiver>
-  <Receiver>
-    <Name>Document ID Generator</Name>
-    <Synchronization>Synchronous</Synchronization>
-    <Type>10002</Type>
-    <SequenceNumber>1001</SequenceNumber>
-    <Assembly>Microsoft.Office.DocumentManagement, Version=14.0.0.0, Culture=neutral, PublicKeyToken=71e9bce111e9429c</Assembly>
-    <Class>Microsoft.Office.DocumentManagement.Internal.DocIdHandler</Class>
-    <Data/>
-    <Filter/>
-  </Receiver>
-  <Receiver>
-    <Name>Document ID Generator</Name>
-    <Synchronization>Synchronous</Synchronization>
-    <Type>10004</Type>
-    <SequenceNumber>1002</SequenceNumber>
-    <Assembly>Microsoft.Office.DocumentManagement, Version=14.0.0.0, Culture=neutral, PublicKeyToken=71e9bce111e9429c</Assembly>
-    <Class>Microsoft.Office.DocumentManagement.Internal.DocIdHandler</Class>
-    <Data/>
-    <Filter/>
-  </Receiver>
-  <Receiver>
-    <Name>Document ID Generator</Name>
-    <Synchronization>Synchronous</Synchronization>
-    <Type>10006</Type>
-    <SequenceNumber>1003</SequenceNumber>
-    <Assembly>Microsoft.Office.DocumentManagement, Version=14.0.0.0, Culture=neutral, PublicKeyToken=71e9bce111e9429c</Assembly>
-    <Class>Microsoft.Office.DocumentManagement.Internal.DocIdHandler</Class>
-    <Data/>
-    <Filter/>
-  </Receiver>
-</spe:Receivers>
+<p:properties xmlns:p="http://schemas.microsoft.com/office/2006/metadata/properties" xmlns:xsi="http://www.w3.org/2001/XMLSchema-instance" xmlns:pc="http://schemas.microsoft.com/office/infopath/2007/PartnerControls">
+  <documentManagement>
+    <_dlc_DocId xmlns="7bb5d761-a2ea-4873-95f7-7a6658fb3ef0">M4CWTKMW727E-592-73</_dlc_DocId>
+    <_dlc_DocIdUrl xmlns="7bb5d761-a2ea-4873-95f7-7a6658fb3ef0">
+      <Url>https://kms.vci.local/marketing/team/_layouts/DocIdRedir.aspx?ID=M4CWTKMW727E-592-73</Url>
+      <Description>M4CWTKMW727E-592-73</Description>
+    </_dlc_DocIdUrl>
+  </documentManagement>
+</p:properties>
 </file>
 
 <file path=customXml/item4.xml><?xml version="1.0" encoding="utf-8"?>
@@ -19394,17 +19436,9 @@
 </file>
 
 <file path=customXml/itemProps1.xml><?xml version="1.0" encoding="utf-8"?>
-<ds:datastoreItem xmlns:ds="http://schemas.openxmlformats.org/officeDocument/2006/customXml" ds:itemID="{6921749B-AEB7-461B-845F-603CABD25259}">
+<ds:datastoreItem xmlns:ds="http://schemas.openxmlformats.org/officeDocument/2006/customXml" ds:itemID="{B13EBC30-FE27-4C6A-B723-23FC2188F7DC}">
   <ds:schemaRefs>
-    <ds:schemaRef ds:uri="http://schemas.microsoft.com/office/2006/documentManagement/types"/>
-    <ds:schemaRef ds:uri="http://schemas.microsoft.com/office/infopath/2007/PartnerControls"/>
-    <ds:schemaRef ds:uri="http://purl.org/dc/elements/1.1/"/>
-    <ds:schemaRef ds:uri="http://schemas.microsoft.com/office/2006/metadata/properties"/>
-    <ds:schemaRef ds:uri="7bb5d761-a2ea-4873-95f7-7a6658fb3ef0"/>
-    <ds:schemaRef ds:uri="http://purl.org/dc/terms/"/>
-    <ds:schemaRef ds:uri="http://schemas.openxmlformats.org/package/2006/metadata/core-properties"/>
-    <ds:schemaRef ds:uri="http://www.w3.org/XML/1998/namespace"/>
-    <ds:schemaRef ds:uri="http://purl.org/dc/dcmitype/"/>
+    <ds:schemaRef ds:uri="http://schemas.microsoft.com/sharepoint/events"/>
   </ds:schemaRefs>
 </ds:datastoreItem>
 </file>
@@ -19428,9 +19462,17 @@
 </file>
 
 <file path=customXml/itemProps3.xml><?xml version="1.0" encoding="utf-8"?>
-<ds:datastoreItem xmlns:ds="http://schemas.openxmlformats.org/officeDocument/2006/customXml" ds:itemID="{B13EBC30-FE27-4C6A-B723-23FC2188F7DC}">
+<ds:datastoreItem xmlns:ds="http://schemas.openxmlformats.org/officeDocument/2006/customXml" ds:itemID="{6921749B-AEB7-461B-845F-603CABD25259}">
   <ds:schemaRefs>
-    <ds:schemaRef ds:uri="http://schemas.microsoft.com/sharepoint/events"/>
+    <ds:schemaRef ds:uri="http://schemas.microsoft.com/office/2006/documentManagement/types"/>
+    <ds:schemaRef ds:uri="http://schemas.microsoft.com/office/infopath/2007/PartnerControls"/>
+    <ds:schemaRef ds:uri="http://purl.org/dc/elements/1.1/"/>
+    <ds:schemaRef ds:uri="http://schemas.microsoft.com/office/2006/metadata/properties"/>
+    <ds:schemaRef ds:uri="7bb5d761-a2ea-4873-95f7-7a6658fb3ef0"/>
+    <ds:schemaRef ds:uri="http://purl.org/dc/terms/"/>
+    <ds:schemaRef ds:uri="http://schemas.openxmlformats.org/package/2006/metadata/core-properties"/>
+    <ds:schemaRef ds:uri="http://www.w3.org/XML/1998/namespace"/>
+    <ds:schemaRef ds:uri="http://purl.org/dc/dcmitype/"/>
   </ds:schemaRefs>
 </ds:datastoreItem>
 </file>

--- a/08-permissions-orgs.pptx
+++ b/08-permissions-orgs.pptx
@@ -6,10 +6,10 @@
     <p:sldMasterId id="2147483847" r:id="rId6"/>
   </p:sldMasterIdLst>
   <p:notesMasterIdLst>
-    <p:notesMasterId r:id="rId36"/>
+    <p:notesMasterId r:id="rId37"/>
   </p:notesMasterIdLst>
   <p:handoutMasterIdLst>
-    <p:handoutMasterId r:id="rId37"/>
+    <p:handoutMasterId r:id="rId38"/>
   </p:handoutMasterIdLst>
   <p:sldIdLst>
     <p:sldId id="256" r:id="rId7"/>
@@ -40,7 +40,8 @@
     <p:sldId id="356" r:id="rId32"/>
     <p:sldId id="357" r:id="rId33"/>
     <p:sldId id="276" r:id="rId34"/>
-    <p:sldId id="267" r:id="rId35"/>
+    <p:sldId id="358" r:id="rId35"/>
+    <p:sldId id="267" r:id="rId36"/>
   </p:sldIdLst>
   <p:sldSz cx="16256000" cy="9144000"/>
   <p:notesSz cx="6858000" cy="9144000"/>
@@ -302,7 +303,7 @@
               <a:pPr>
                 <a:defRPr/>
               </a:pPr>
-              <a:t>2016-02-10</a:t>
+              <a:t>2016-02-12</a:t>
             </a:fld>
             <a:endParaRPr lang="en-US" dirty="0"/>
           </a:p>
@@ -485,7 +486,7 @@
               <a:pPr>
                 <a:defRPr/>
               </a:pPr>
-              <a:t>2016-02-10</a:t>
+              <a:t>2016-02-12</a:t>
             </a:fld>
             <a:endParaRPr lang="en-US" dirty="0"/>
           </a:p>
@@ -2604,6 +2605,419 @@
 </p:notes>
 </file>
 
+<file path=ppt/notesSlides/notesSlide20.xml><?xml version="1.0" encoding="utf-8"?>
+<p:notes xmlns:a="http://schemas.openxmlformats.org/drawingml/2006/main" xmlns:r="http://schemas.openxmlformats.org/officeDocument/2006/relationships" xmlns:p="http://schemas.openxmlformats.org/presentationml/2006/main">
+  <p:cSld>
+    <p:spTree>
+      <p:nvGrpSpPr>
+        <p:cNvPr id="1" name=""/>
+        <p:cNvGrpSpPr/>
+        <p:nvPr/>
+      </p:nvGrpSpPr>
+      <p:grpSpPr>
+        <a:xfrm>
+          <a:off x="0" y="0"/>
+          <a:ext cx="0" cy="0"/>
+          <a:chOff x="0" y="0"/>
+          <a:chExt cx="0" cy="0"/>
+        </a:xfrm>
+      </p:grpSpPr>
+      <p:sp>
+        <p:nvSpPr>
+          <p:cNvPr id="2" name="Slide Image Placeholder 1"/>
+          <p:cNvSpPr>
+            <a:spLocks noGrp="1" noRot="1" noChangeAspect="1"/>
+          </p:cNvSpPr>
+          <p:nvPr>
+            <p:ph type="sldImg"/>
+          </p:nvPr>
+        </p:nvSpPr>
+        <p:spPr/>
+      </p:sp>
+      <p:sp>
+        <p:nvSpPr>
+          <p:cNvPr id="3" name="Notes Placeholder 2"/>
+          <p:cNvSpPr>
+            <a:spLocks noGrp="1"/>
+          </p:cNvSpPr>
+          <p:nvPr>
+            <p:ph type="body" idx="1"/>
+          </p:nvPr>
+        </p:nvSpPr>
+        <p:spPr/>
+        <p:txBody>
+          <a:bodyPr>
+            <a:normAutofit lnSpcReduction="10000"/>
+          </a:bodyPr>
+          <a:lstStyle/>
+          <a:p>
+            <a:r>
+              <a:rPr lang="en-US" dirty="0" smtClean="0"/>
+              <a:t>Instructor Note</a:t>
+            </a:r>
+            <a:r>
+              <a:rPr lang="en-US" baseline="0" dirty="0" smtClean="0"/>
+              <a:t> Answers:</a:t>
+            </a:r>
+            <a:br>
+              <a:rPr lang="en-US" baseline="0" dirty="0" smtClean="0"/>
+            </a:br>
+            <a:r>
+              <a:rPr lang="en-US" baseline="0" dirty="0" smtClean="0"/>
+              <a:t>1.</a:t>
+            </a:r>
+            <a:r>
+              <a:rPr lang="en-US" baseline="0" dirty="0" smtClean="0"/>
+              <a:t> By using a combination of an Organization object and its Team object. Teams belong to Organizations so members of teams can then view or manage nodes that have been added to their team's organization.</a:t>
+            </a:r>
+          </a:p>
+          <a:p>
+            <a:r>
+              <a:rPr lang="en-US" baseline="0" dirty="0" smtClean="0"/>
+              <a:t>2. </a:t>
+            </a:r>
+            <a:r>
+              <a:rPr lang="en-US" b="0" dirty="0" smtClean="0"/>
+              <a:t>Site Management.</a:t>
+            </a:r>
+            <a:endParaRPr lang="en-US" b="0" baseline="0" dirty="0" smtClean="0"/>
+          </a:p>
+          <a:p>
+            <a:r>
+              <a:rPr lang="en-US" dirty="0" smtClean="0"/>
+              <a:t>A user can have the following permissions:</a:t>
+            </a:r>
+          </a:p>
+          <a:p>
+            <a:pPr marL="457200" indent="-457200">
+              <a:buFont typeface="Wingdings" panose="05000000000000000000" pitchFamily="2" charset="2"/>
+              <a:buChar char="q"/>
+            </a:pPr>
+            <a:r>
+              <a:rPr lang="en-US" b="1" dirty="0" smtClean="0"/>
+              <a:t>Organization Management </a:t>
+            </a:r>
+            <a:r>
+              <a:rPr lang="en-US" dirty="0" smtClean="0"/>
+              <a:t>users can create, edit or delete Organizations.</a:t>
+            </a:r>
+          </a:p>
+          <a:p>
+            <a:pPr marL="457200" indent="-457200">
+              <a:buFont typeface="Wingdings" panose="05000000000000000000" pitchFamily="2" charset="2"/>
+              <a:buChar char="q"/>
+            </a:pPr>
+            <a:r>
+              <a:rPr lang="en-US" b="1" dirty="0" smtClean="0"/>
+              <a:t>User Management </a:t>
+            </a:r>
+            <a:r>
+              <a:rPr lang="en-US" dirty="0" smtClean="0"/>
+              <a:t>users can create, edit or delete users.</a:t>
+            </a:r>
+          </a:p>
+          <a:p>
+            <a:pPr marL="457200" marR="0" indent="-457200" algn="l" defTabSz="1217613" rtl="0" eaLnBrk="1" fontAlgn="base" latinLnBrk="0" hangingPunct="1">
+              <a:lnSpc>
+                <a:spcPct val="90000"/>
+              </a:lnSpc>
+              <a:spcBef>
+                <a:spcPct val="30000"/>
+              </a:spcBef>
+              <a:spcAft>
+                <a:spcPts val="450"/>
+              </a:spcAft>
+              <a:buClrTx/>
+              <a:buSzTx/>
+              <a:buFont typeface="Wingdings" panose="05000000000000000000" pitchFamily="2" charset="2"/>
+              <a:buChar char="q"/>
+              <a:tabLst/>
+              <a:defRPr/>
+            </a:pPr>
+            <a:r>
+              <a:rPr lang="en-US" b="1" dirty="0" smtClean="0"/>
+              <a:t>Site Management </a:t>
+            </a:r>
+            <a:r>
+              <a:rPr lang="en-US" dirty="0" smtClean="0"/>
+              <a:t>users can do everything.</a:t>
+            </a:r>
+            <a:endParaRPr lang="en-US" dirty="0" smtClean="0"/>
+          </a:p>
+        </p:txBody>
+      </p:sp>
+      <p:sp>
+        <p:nvSpPr>
+          <p:cNvPr id="4" name="Slide Number Placeholder 3"/>
+          <p:cNvSpPr>
+            <a:spLocks noGrp="1"/>
+          </p:cNvSpPr>
+          <p:nvPr>
+            <p:ph type="sldNum" sz="quarter" idx="10"/>
+          </p:nvPr>
+        </p:nvSpPr>
+        <p:spPr/>
+        <p:txBody>
+          <a:bodyPr/>
+          <a:lstStyle/>
+          <a:p>
+            <a:pPr>
+              <a:defRPr/>
+            </a:pPr>
+            <a:fld id="{DC3734AA-3150-D947-AC52-2F5DF48BFCD5}" type="slidenum">
+              <a:rPr lang="en-US" smtClean="0"/>
+              <a:pPr>
+                <a:defRPr/>
+              </a:pPr>
+              <a:t>28</a:t>
+            </a:fld>
+            <a:endParaRPr lang="en-US" dirty="0"/>
+          </a:p>
+        </p:txBody>
+      </p:sp>
+      <p:sp>
+        <p:nvSpPr>
+          <p:cNvPr id="5" name="Header Placeholder 4"/>
+          <p:cNvSpPr>
+            <a:spLocks noGrp="1"/>
+          </p:cNvSpPr>
+          <p:nvPr>
+            <p:ph type="hdr" sz="quarter" idx="11"/>
+          </p:nvPr>
+        </p:nvSpPr>
+        <p:spPr/>
+        <p:txBody>
+          <a:bodyPr/>
+          <a:lstStyle/>
+          <a:p>
+            <a:pPr>
+              <a:defRPr/>
+            </a:pPr>
+            <a:endParaRPr lang="en-US"/>
+          </a:p>
+        </p:txBody>
+      </p:sp>
+      <p:sp>
+        <p:nvSpPr>
+          <p:cNvPr id="6" name="Footer Placeholder 5"/>
+          <p:cNvSpPr>
+            <a:spLocks noGrp="1"/>
+          </p:cNvSpPr>
+          <p:nvPr>
+            <p:ph type="ftr" sz="quarter" idx="12"/>
+          </p:nvPr>
+        </p:nvSpPr>
+        <p:spPr/>
+        <p:txBody>
+          <a:bodyPr/>
+          <a:lstStyle/>
+          <a:p>
+            <a:pPr>
+              <a:defRPr/>
+            </a:pPr>
+            <a:endParaRPr lang="en-US"/>
+          </a:p>
+        </p:txBody>
+      </p:sp>
+    </p:spTree>
+    <p:extLst>
+      <p:ext uri="{BB962C8B-B14F-4D97-AF65-F5344CB8AC3E}">
+        <p14:creationId xmlns:p14="http://schemas.microsoft.com/office/powerpoint/2010/main" val="678402507"/>
+      </p:ext>
+    </p:extLst>
+  </p:cSld>
+  <p:clrMapOvr>
+    <a:masterClrMapping/>
+  </p:clrMapOvr>
+</p:notes>
+</file>
+
+<file path=ppt/notesSlides/notesSlide21.xml><?xml version="1.0" encoding="utf-8"?>
+<p:notes xmlns:a="http://schemas.openxmlformats.org/drawingml/2006/main" xmlns:r="http://schemas.openxmlformats.org/officeDocument/2006/relationships" xmlns:p="http://schemas.openxmlformats.org/presentationml/2006/main">
+  <p:cSld>
+    <p:spTree>
+      <p:nvGrpSpPr>
+        <p:cNvPr id="1" name=""/>
+        <p:cNvGrpSpPr/>
+        <p:nvPr/>
+      </p:nvGrpSpPr>
+      <p:grpSpPr>
+        <a:xfrm>
+          <a:off x="0" y="0"/>
+          <a:ext cx="0" cy="0"/>
+          <a:chOff x="0" y="0"/>
+          <a:chExt cx="0" cy="0"/>
+        </a:xfrm>
+      </p:grpSpPr>
+      <p:sp>
+        <p:nvSpPr>
+          <p:cNvPr id="2" name="Slide Image Placeholder 1"/>
+          <p:cNvSpPr>
+            <a:spLocks noGrp="1" noRot="1" noChangeAspect="1"/>
+          </p:cNvSpPr>
+          <p:nvPr>
+            <p:ph type="sldImg"/>
+          </p:nvPr>
+        </p:nvSpPr>
+        <p:spPr/>
+      </p:sp>
+      <p:sp>
+        <p:nvSpPr>
+          <p:cNvPr id="3" name="Notes Placeholder 2"/>
+          <p:cNvSpPr>
+            <a:spLocks noGrp="1"/>
+          </p:cNvSpPr>
+          <p:nvPr>
+            <p:ph type="body" idx="1"/>
+          </p:nvPr>
+        </p:nvSpPr>
+        <p:spPr/>
+        <p:txBody>
+          <a:bodyPr>
+            <a:normAutofit fontScale="77500" lnSpcReduction="20000"/>
+          </a:bodyPr>
+          <a:lstStyle/>
+          <a:p>
+            <a:pPr marL="0" marR="0" indent="0" algn="l" defTabSz="1217613" rtl="0" eaLnBrk="1" fontAlgn="base" latinLnBrk="0" hangingPunct="1">
+              <a:lnSpc>
+                <a:spcPct val="90000"/>
+              </a:lnSpc>
+              <a:spcBef>
+                <a:spcPct val="30000"/>
+              </a:spcBef>
+              <a:spcAft>
+                <a:spcPts val="450"/>
+              </a:spcAft>
+              <a:buClrTx/>
+              <a:buSzTx/>
+              <a:buFontTx/>
+              <a:buNone/>
+              <a:tabLst/>
+              <a:defRPr/>
+            </a:pPr>
+            <a:r>
+              <a:rPr lang="en-US" dirty="0" smtClean="0"/>
+              <a:t>Instructor Note</a:t>
+            </a:r>
+            <a:r>
+              <a:rPr lang="en-US" baseline="0" dirty="0" smtClean="0"/>
+              <a:t> Answers:</a:t>
+            </a:r>
+            <a:br>
+              <a:rPr lang="en-US" baseline="0" dirty="0" smtClean="0"/>
+            </a:br>
+            <a:r>
+              <a:rPr lang="en-US" baseline="0" dirty="0" smtClean="0"/>
+              <a:t>1.</a:t>
+            </a:r>
+            <a:r>
+              <a:rPr lang="en-US" baseline="0" dirty="0" smtClean="0"/>
+              <a:t> </a:t>
+            </a:r>
+            <a:r>
+              <a:rPr lang="en-US" dirty="0" smtClean="0"/>
+              <a:t>The </a:t>
+            </a:r>
+            <a:r>
+              <a:rPr lang="en-US" b="1" dirty="0" smtClean="0"/>
+              <a:t>Node Management </a:t>
+            </a:r>
+            <a:r>
+              <a:rPr lang="en-US" dirty="0" smtClean="0"/>
+              <a:t>permissions, when checked, enable the team members to add, edit, or delete nodes from the dashboard.</a:t>
+            </a:r>
+          </a:p>
+          <a:p>
+            <a:endParaRPr lang="en-US" dirty="0" smtClean="0"/>
+          </a:p>
+        </p:txBody>
+      </p:sp>
+      <p:sp>
+        <p:nvSpPr>
+          <p:cNvPr id="4" name="Slide Number Placeholder 3"/>
+          <p:cNvSpPr>
+            <a:spLocks noGrp="1"/>
+          </p:cNvSpPr>
+          <p:nvPr>
+            <p:ph type="sldNum" sz="quarter" idx="10"/>
+          </p:nvPr>
+        </p:nvSpPr>
+        <p:spPr/>
+        <p:txBody>
+          <a:bodyPr/>
+          <a:lstStyle/>
+          <a:p>
+            <a:pPr>
+              <a:defRPr/>
+            </a:pPr>
+            <a:fld id="{DC3734AA-3150-D947-AC52-2F5DF48BFCD5}" type="slidenum">
+              <a:rPr lang="en-US" smtClean="0"/>
+              <a:pPr>
+                <a:defRPr/>
+              </a:pPr>
+              <a:t>29</a:t>
+            </a:fld>
+            <a:endParaRPr lang="en-US" dirty="0"/>
+          </a:p>
+        </p:txBody>
+      </p:sp>
+      <p:sp>
+        <p:nvSpPr>
+          <p:cNvPr id="5" name="Header Placeholder 4"/>
+          <p:cNvSpPr>
+            <a:spLocks noGrp="1"/>
+          </p:cNvSpPr>
+          <p:nvPr>
+            <p:ph type="hdr" sz="quarter" idx="11"/>
+          </p:nvPr>
+        </p:nvSpPr>
+        <p:spPr/>
+        <p:txBody>
+          <a:bodyPr/>
+          <a:lstStyle/>
+          <a:p>
+            <a:pPr>
+              <a:defRPr/>
+            </a:pPr>
+            <a:endParaRPr lang="en-US"/>
+          </a:p>
+        </p:txBody>
+      </p:sp>
+      <p:sp>
+        <p:nvSpPr>
+          <p:cNvPr id="6" name="Footer Placeholder 5"/>
+          <p:cNvSpPr>
+            <a:spLocks noGrp="1"/>
+          </p:cNvSpPr>
+          <p:nvPr>
+            <p:ph type="ftr" sz="quarter" idx="12"/>
+          </p:nvPr>
+        </p:nvSpPr>
+        <p:spPr/>
+        <p:txBody>
+          <a:bodyPr/>
+          <a:lstStyle/>
+          <a:p>
+            <a:pPr>
+              <a:defRPr/>
+            </a:pPr>
+            <a:endParaRPr lang="en-US"/>
+          </a:p>
+        </p:txBody>
+      </p:sp>
+    </p:spTree>
+    <p:extLst>
+      <p:ext uri="{BB962C8B-B14F-4D97-AF65-F5344CB8AC3E}">
+        <p14:creationId xmlns:p14="http://schemas.microsoft.com/office/powerpoint/2010/main" val="3737479673"/>
+      </p:ext>
+    </p:extLst>
+  </p:cSld>
+  <p:clrMapOvr>
+    <a:masterClrMapping/>
+  </p:clrMapOvr>
+</p:notes>
+</file>
+
 <file path=ppt/notesSlides/notesSlide3.xml><?xml version="1.0" encoding="utf-8"?>
 <p:notes xmlns:a="http://schemas.openxmlformats.org/drawingml/2006/main" xmlns:r="http://schemas.openxmlformats.org/officeDocument/2006/relationships" xmlns:p="http://schemas.openxmlformats.org/presentationml/2006/main">
   <p:cSld>
@@ -2799,11 +3213,7 @@
           <a:p>
             <a:r>
               <a:rPr lang="en-US" dirty="0" smtClean="0"/>
-              <a:t>The </a:t>
-            </a:r>
-            <a:r>
-              <a:rPr lang="en-US" dirty="0" smtClean="0"/>
-              <a:t>Site Management</a:t>
+              <a:t>The Site Management</a:t>
             </a:r>
             <a:r>
               <a:rPr lang="en-US" baseline="0" dirty="0" smtClean="0"/>
@@ -4194,14 +4604,14 @@
           </a:ln>
           <a:extLst>
             <a:ext uri="{909E8E84-426E-40dd-AFC4-6F175D3DCCD1}">
-              <a14:hiddenFill xmlns:a14="http://schemas.microsoft.com/office/drawing/2010/main" xmlns="">
+              <a14:hiddenFill xmlns="" xmlns:a14="http://schemas.microsoft.com/office/drawing/2010/main">
                 <a:solidFill>
                   <a:srgbClr val="FFFFFF"/>
                 </a:solidFill>
               </a14:hiddenFill>
             </a:ext>
             <a:ext uri="{91240B29-F687-4f45-9708-019B960494DF}">
-              <a14:hiddenLine xmlns:a14="http://schemas.microsoft.com/office/drawing/2010/main" xmlns="" w="9525">
+              <a14:hiddenLine xmlns="" xmlns:a14="http://schemas.microsoft.com/office/drawing/2010/main" w="9525">
                 <a:solidFill>
                   <a:srgbClr val="000000"/>
                 </a:solidFill>
@@ -4349,14 +4759,14 @@
           </a:ln>
           <a:extLst>
             <a:ext uri="{909E8E84-426E-40dd-AFC4-6F175D3DCCD1}">
-              <a14:hiddenFill xmlns:a14="http://schemas.microsoft.com/office/drawing/2010/main" xmlns="">
+              <a14:hiddenFill xmlns="" xmlns:a14="http://schemas.microsoft.com/office/drawing/2010/main">
                 <a:solidFill>
                   <a:srgbClr val="FFFFFF"/>
                 </a:solidFill>
               </a14:hiddenFill>
             </a:ext>
             <a:ext uri="{91240B29-F687-4f45-9708-019B960494DF}">
-              <a14:hiddenLine xmlns:a14="http://schemas.microsoft.com/office/drawing/2010/main" xmlns="" w="9525">
+              <a14:hiddenLine xmlns="" xmlns:a14="http://schemas.microsoft.com/office/drawing/2010/main" w="9525">
                 <a:solidFill>
                   <a:srgbClr val="000000"/>
                 </a:solidFill>
@@ -4847,14 +5257,14 @@
           </a:ln>
           <a:extLst>
             <a:ext uri="{909E8E84-426E-40dd-AFC4-6F175D3DCCD1}">
-              <a14:hiddenFill xmlns:a14="http://schemas.microsoft.com/office/drawing/2010/main" xmlns="">
+              <a14:hiddenFill xmlns="" xmlns:a14="http://schemas.microsoft.com/office/drawing/2010/main">
                 <a:solidFill>
                   <a:srgbClr val="FFFFFF"/>
                 </a:solidFill>
               </a14:hiddenFill>
             </a:ext>
             <a:ext uri="{91240B29-F687-4f45-9708-019B960494DF}">
-              <a14:hiddenLine xmlns:a14="http://schemas.microsoft.com/office/drawing/2010/main" xmlns="" w="9525">
+              <a14:hiddenLine xmlns="" xmlns:a14="http://schemas.microsoft.com/office/drawing/2010/main" w="9525">
                 <a:solidFill>
                   <a:srgbClr val="000000"/>
                 </a:solidFill>
@@ -5380,14 +5790,14 @@
           </a:ln>
           <a:extLst>
             <a:ext uri="{909E8E84-426E-40dd-AFC4-6F175D3DCCD1}">
-              <a14:hiddenFill xmlns:a14="http://schemas.microsoft.com/office/drawing/2010/main" xmlns="">
+              <a14:hiddenFill xmlns="" xmlns:a14="http://schemas.microsoft.com/office/drawing/2010/main">
                 <a:solidFill>
                   <a:srgbClr val="FFFFFF"/>
                 </a:solidFill>
               </a14:hiddenFill>
             </a:ext>
             <a:ext uri="{91240B29-F687-4f45-9708-019B960494DF}">
-              <a14:hiddenLine xmlns:a14="http://schemas.microsoft.com/office/drawing/2010/main" xmlns="" w="9525">
+              <a14:hiddenLine xmlns="" xmlns:a14="http://schemas.microsoft.com/office/drawing/2010/main" w="9525">
                 <a:solidFill>
                   <a:srgbClr val="000000"/>
                 </a:solidFill>
@@ -7011,14 +7421,14 @@
           </a:ln>
           <a:extLst>
             <a:ext uri="{909E8E84-426E-40dd-AFC4-6F175D3DCCD1}">
-              <a14:hiddenFill xmlns:a14="http://schemas.microsoft.com/office/drawing/2010/main" xmlns="">
+              <a14:hiddenFill xmlns="" xmlns:a14="http://schemas.microsoft.com/office/drawing/2010/main">
                 <a:solidFill>
                   <a:srgbClr val="FFFFFF"/>
                 </a:solidFill>
               </a14:hiddenFill>
             </a:ext>
             <a:ext uri="{91240B29-F687-4f45-9708-019B960494DF}">
-              <a14:hiddenLine xmlns:a14="http://schemas.microsoft.com/office/drawing/2010/main" xmlns="" w="9525">
+              <a14:hiddenLine xmlns="" xmlns:a14="http://schemas.microsoft.com/office/drawing/2010/main" w="9525">
                 <a:solidFill>
                   <a:srgbClr val="000000"/>
                 </a:solidFill>
@@ -8553,14 +8963,14 @@
           </a:ln>
           <a:extLst>
             <a:ext uri="{909E8E84-426E-40dd-AFC4-6F175D3DCCD1}">
-              <a14:hiddenFill xmlns:a14="http://schemas.microsoft.com/office/drawing/2010/main" xmlns="">
+              <a14:hiddenFill xmlns="" xmlns:a14="http://schemas.microsoft.com/office/drawing/2010/main">
                 <a:solidFill>
                   <a:srgbClr val="FFFFFF"/>
                 </a:solidFill>
               </a14:hiddenFill>
             </a:ext>
             <a:ext uri="{91240B29-F687-4f45-9708-019B960494DF}">
-              <a14:hiddenLine xmlns:a14="http://schemas.microsoft.com/office/drawing/2010/main" xmlns="" w="9525">
+              <a14:hiddenLine xmlns="" xmlns:a14="http://schemas.microsoft.com/office/drawing/2010/main" w="9525">
                 <a:solidFill>
                   <a:srgbClr val="000000"/>
                 </a:solidFill>
@@ -9066,14 +9476,14 @@
           </a:ln>
           <a:extLst>
             <a:ext uri="{909E8E84-426E-40dd-AFC4-6F175D3DCCD1}">
-              <a14:hiddenFill xmlns:a14="http://schemas.microsoft.com/office/drawing/2010/main" xmlns="">
+              <a14:hiddenFill xmlns="" xmlns:a14="http://schemas.microsoft.com/office/drawing/2010/main">
                 <a:solidFill>
                   <a:srgbClr val="FFFFFF"/>
                 </a:solidFill>
               </a14:hiddenFill>
             </a:ext>
             <a:ext uri="{91240B29-F687-4f45-9708-019B960494DF}">
-              <a14:hiddenLine xmlns:a14="http://schemas.microsoft.com/office/drawing/2010/main" xmlns="" w="9525">
+              <a14:hiddenLine xmlns="" xmlns:a14="http://schemas.microsoft.com/office/drawing/2010/main" w="9525">
                 <a:solidFill>
                   <a:srgbClr val="000000"/>
                 </a:solidFill>
@@ -9640,14 +10050,14 @@
           </a:ln>
           <a:extLst>
             <a:ext uri="{909E8E84-426E-40dd-AFC4-6F175D3DCCD1}">
-              <a14:hiddenFill xmlns:a14="http://schemas.microsoft.com/office/drawing/2010/main" xmlns="">
+              <a14:hiddenFill xmlns="" xmlns:a14="http://schemas.microsoft.com/office/drawing/2010/main">
                 <a:solidFill>
                   <a:srgbClr val="FFFFFF"/>
                 </a:solidFill>
               </a14:hiddenFill>
             </a:ext>
             <a:ext uri="{91240B29-F687-4f45-9708-019B960494DF}">
-              <a14:hiddenLine xmlns:a14="http://schemas.microsoft.com/office/drawing/2010/main" xmlns="" w="9525">
+              <a14:hiddenLine xmlns="" xmlns:a14="http://schemas.microsoft.com/office/drawing/2010/main" w="9525">
                 <a:solidFill>
                   <a:srgbClr val="000000"/>
                 </a:solidFill>
@@ -10587,14 +10997,14 @@
           </a:ln>
           <a:extLst>
             <a:ext uri="{909E8E84-426E-40dd-AFC4-6F175D3DCCD1}">
-              <a14:hiddenFill xmlns:a14="http://schemas.microsoft.com/office/drawing/2010/main" xmlns="">
+              <a14:hiddenFill xmlns="" xmlns:a14="http://schemas.microsoft.com/office/drawing/2010/main">
                 <a:solidFill>
                   <a:srgbClr val="FFFFFF"/>
                 </a:solidFill>
               </a14:hiddenFill>
             </a:ext>
             <a:ext uri="{91240B29-F687-4f45-9708-019B960494DF}">
-              <a14:hiddenLine xmlns:a14="http://schemas.microsoft.com/office/drawing/2010/main" xmlns="" w="9525">
+              <a14:hiddenLine xmlns="" xmlns:a14="http://schemas.microsoft.com/office/drawing/2010/main" w="9525">
                 <a:solidFill>
                   <a:srgbClr val="000000"/>
                 </a:solidFill>
@@ -11347,14 +11757,14 @@
           </a:ln>
           <a:extLst>
             <a:ext uri="{909E8E84-426E-40dd-AFC4-6F175D3DCCD1}">
-              <a14:hiddenFill xmlns:a14="http://schemas.microsoft.com/office/drawing/2010/main" xmlns="">
+              <a14:hiddenFill xmlns="" xmlns:a14="http://schemas.microsoft.com/office/drawing/2010/main">
                 <a:solidFill>
                   <a:srgbClr val="FFFFFF"/>
                 </a:solidFill>
               </a14:hiddenFill>
             </a:ext>
             <a:ext uri="{91240B29-F687-4f45-9708-019B960494DF}">
-              <a14:hiddenLine xmlns:a14="http://schemas.microsoft.com/office/drawing/2010/main" xmlns="" w="9525">
+              <a14:hiddenLine xmlns="" xmlns:a14="http://schemas.microsoft.com/office/drawing/2010/main" w="9525">
                 <a:solidFill>
                   <a:srgbClr val="000000"/>
                 </a:solidFill>
@@ -16175,15 +16585,16 @@
             </a:pPr>
             <a:r>
               <a:rPr lang="en-US" dirty="0" smtClean="0"/>
-              <a:t>What is ...?</a:t>
+              <a:t>How can you share nodes between different user names?</a:t>
+            </a:r>
+            <a:r>
+              <a:rPr lang="en-US" dirty="0" smtClean="0"/>
+              <a:t/>
             </a:r>
             <a:br>
               <a:rPr lang="en-US" dirty="0" smtClean="0"/>
             </a:br>
-            <a:r>
-              <a:rPr lang="en-US" dirty="0" smtClean="0"/>
-              <a:t>______________________________</a:t>
-            </a:r>
+            <a:endParaRPr lang="en-US" dirty="0" smtClean="0"/>
           </a:p>
           <a:p>
             <a:pPr marL="514350" indent="-514350">
@@ -16192,71 +16603,57 @@
             </a:pPr>
             <a:r>
               <a:rPr lang="en-US" dirty="0" smtClean="0"/>
-              <a:t>Which is the correct answer?  </a:t>
-            </a:r>
+              <a:t>Of the following permissions found </a:t>
+            </a:r>
+            <a:r>
+              <a:rPr lang="en-US" dirty="0"/>
+              <a:t>on the Users/Create </a:t>
+            </a:r>
+            <a:r>
+              <a:rPr lang="en-US" dirty="0" smtClean="0"/>
+              <a:t>screen, </a:t>
+            </a:r>
+            <a:r>
+              <a:rPr lang="en-US" dirty="0" smtClean="0"/>
+              <a:t>which has the highest levels of permissions when enabled?</a:t>
+            </a:r>
+            <a:r>
+              <a:rPr lang="en-US" dirty="0"/>
+              <a:t/>
+            </a:r>
+            <a:br>
+              <a:rPr lang="en-US" dirty="0"/>
+            </a:br>
+            <a:endParaRPr lang="en-US" dirty="0"/>
           </a:p>
           <a:p>
             <a:pPr marL="822325" lvl="1" indent="-514350">
-              <a:buFont typeface="+mj-lt"/>
-              <a:buAutoNum type="alphaLcPeriod"/>
+              <a:buFont typeface="Wingdings" panose="05000000000000000000" pitchFamily="2" charset="2"/>
+              <a:buChar char="q"/>
             </a:pPr>
             <a:r>
               <a:rPr lang="en-US" dirty="0" smtClean="0"/>
-              <a:t>answer</a:t>
+              <a:t>Organization Management.</a:t>
             </a:r>
           </a:p>
           <a:p>
             <a:pPr marL="822325" lvl="1" indent="-514350">
-              <a:buFont typeface="+mj-lt"/>
-              <a:buAutoNum type="alphaLcPeriod"/>
+              <a:buFont typeface="Wingdings" panose="05000000000000000000" pitchFamily="2" charset="2"/>
+              <a:buChar char="q"/>
             </a:pPr>
             <a:r>
               <a:rPr lang="en-US" dirty="0" smtClean="0"/>
-              <a:t>answer</a:t>
+              <a:t>User Management. </a:t>
             </a:r>
           </a:p>
           <a:p>
             <a:pPr marL="822325" lvl="1" indent="-514350">
-              <a:buFont typeface="+mj-lt"/>
-              <a:buAutoNum type="alphaLcPeriod"/>
+              <a:buFont typeface="Wingdings" panose="05000000000000000000" pitchFamily="2" charset="2"/>
+              <a:buChar char="q"/>
             </a:pPr>
             <a:r>
               <a:rPr lang="en-US" dirty="0" smtClean="0"/>
-              <a:t>answer</a:t>
-            </a:r>
-          </a:p>
-          <a:p>
-            <a:pPr marL="822325" lvl="1" indent="-514350">
-              <a:buFont typeface="+mj-lt"/>
-              <a:buAutoNum type="alphaLcPeriod"/>
-            </a:pPr>
-            <a:r>
-              <a:rPr lang="en-US" dirty="0" smtClean="0"/>
-              <a:t>answer</a:t>
-            </a:r>
-            <a:br>
-              <a:rPr lang="en-US" dirty="0" smtClean="0"/>
-            </a:br>
-            <a:endParaRPr lang="en-US" dirty="0" smtClean="0"/>
-          </a:p>
-          <a:p>
-            <a:pPr marL="514350" indent="-514350">
-              <a:buFont typeface="+mj-lt"/>
-              <a:buAutoNum type="arabicPeriod"/>
-            </a:pPr>
-            <a:r>
-              <a:rPr lang="en-US" dirty="0" smtClean="0"/>
-              <a:t>Capable of carrying on a conversation</a:t>
-            </a:r>
-          </a:p>
-          <a:p>
-            <a:pPr marL="514350" indent="-514350">
-              <a:buFont typeface="+mj-lt"/>
-              <a:buAutoNum type="arabicPeriod"/>
-            </a:pPr>
-            <a:r>
-              <a:rPr lang="en-US" dirty="0" smtClean="0"/>
-              <a:t>Explain</a:t>
+              <a:t>Site Management.</a:t>
             </a:r>
             <a:endParaRPr lang="en-US" dirty="0"/>
           </a:p>
@@ -16304,169 +16701,104 @@
       </p:grpSpPr>
       <p:sp>
         <p:nvSpPr>
-          <p:cNvPr id="2" name="Footer Placeholder 1"/>
-          <p:cNvSpPr txBox="1">
-            <a:spLocks/>
-          </p:cNvSpPr>
-          <p:nvPr/>
+          <p:cNvPr id="2" name="Title 1"/>
+          <p:cNvSpPr>
+            <a:spLocks noGrp="1"/>
+          </p:cNvSpPr>
+          <p:nvPr>
+            <p:ph type="title"/>
+          </p:nvPr>
+        </p:nvSpPr>
+        <p:spPr/>
+        <p:txBody>
+          <a:bodyPr/>
+          <a:lstStyle/>
+          <a:p>
+            <a:r>
+              <a:rPr lang="en-US" dirty="0" smtClean="0"/>
+              <a:t>Review Questions</a:t>
+            </a:r>
+            <a:endParaRPr lang="en-US" dirty="0"/>
+          </a:p>
+        </p:txBody>
+      </p:sp>
+      <p:sp>
+        <p:nvSpPr>
+          <p:cNvPr id="3" name="Text Placeholder 2"/>
+          <p:cNvSpPr>
+            <a:spLocks noGrp="1"/>
+          </p:cNvSpPr>
+          <p:nvPr>
+            <p:ph type="body" sz="quarter" idx="12"/>
+          </p:nvPr>
         </p:nvSpPr>
         <p:spPr>
           <a:xfrm>
-            <a:off x="324400" y="8579607"/>
-            <a:ext cx="5681953" cy="507556"/>
+            <a:off x="523040" y="1856198"/>
+            <a:ext cx="7154258" cy="5345953"/>
+          </a:xfrm>
+        </p:spPr>
+        <p:txBody>
+          <a:bodyPr/>
+          <a:lstStyle/>
+          <a:p>
+            <a:pPr marL="514350" indent="-514350">
+              <a:buFont typeface="+mj-lt"/>
+              <a:buAutoNum type="arabicPeriod" startAt="3"/>
+            </a:pPr>
+            <a:r>
+              <a:rPr lang="en-US" dirty="0" smtClean="0"/>
+              <a:t>Regarding team permissions, what </a:t>
+            </a:r>
+            <a:r>
+              <a:rPr lang="en-US" dirty="0" smtClean="0"/>
+              <a:t>can the </a:t>
+            </a:r>
+            <a:r>
+              <a:rPr lang="en-US" b="1" dirty="0" smtClean="0"/>
+              <a:t>Node management </a:t>
+            </a:r>
+            <a:r>
+              <a:rPr lang="en-US" dirty="0" smtClean="0"/>
+              <a:t>permission allow?</a:t>
+            </a:r>
+            <a:endParaRPr lang="en-US" dirty="0"/>
+          </a:p>
+        </p:txBody>
+      </p:sp>
+      <p:pic>
+        <p:nvPicPr>
+          <p:cNvPr id="4" name="Picture 3"/>
+          <p:cNvPicPr>
+            <a:picLocks noChangeAspect="1"/>
+          </p:cNvPicPr>
+          <p:nvPr/>
+        </p:nvPicPr>
+        <p:blipFill>
+          <a:blip r:embed="rId3"/>
+          <a:stretch>
+            <a:fillRect/>
+          </a:stretch>
+        </p:blipFill>
+        <p:spPr>
+          <a:xfrm>
+            <a:off x="7804298" y="1856198"/>
+            <a:ext cx="8321530" cy="5054965"/>
           </a:xfrm>
           <a:prstGeom prst="rect">
             <a:avLst/>
           </a:prstGeom>
+          <a:ln>
+            <a:solidFill>
+              <a:schemeClr val="accent1"/>
+            </a:solidFill>
+          </a:ln>
         </p:spPr>
-        <p:txBody>
-          <a:bodyPr/>
-          <a:lstStyle>
-            <a:defPPr>
-              <a:defRPr lang="en-US"/>
-            </a:defPPr>
-            <a:lvl1pPr algn="l" defTabSz="1217613" rtl="0" fontAlgn="base">
-              <a:spcBef>
-                <a:spcPct val="0"/>
-              </a:spcBef>
-              <a:spcAft>
-                <a:spcPct val="0"/>
-              </a:spcAft>
-              <a:defRPr sz="2400" kern="1200">
-                <a:solidFill>
-                  <a:schemeClr val="tx1"/>
-                </a:solidFill>
-                <a:latin typeface="Arial" charset="0"/>
-                <a:ea typeface="ＭＳ Ｐゴシック" charset="0"/>
-                <a:cs typeface="ＭＳ Ｐゴシック" charset="0"/>
-              </a:defRPr>
-            </a:lvl1pPr>
-            <a:lvl2pPr marL="608013" indent="-150813" algn="l" defTabSz="1217613" rtl="0" fontAlgn="base">
-              <a:spcBef>
-                <a:spcPct val="0"/>
-              </a:spcBef>
-              <a:spcAft>
-                <a:spcPct val="0"/>
-              </a:spcAft>
-              <a:defRPr sz="2400" kern="1200">
-                <a:solidFill>
-                  <a:schemeClr val="tx1"/>
-                </a:solidFill>
-                <a:latin typeface="Arial" charset="0"/>
-                <a:ea typeface="ＭＳ Ｐゴシック" charset="0"/>
-                <a:cs typeface="ＭＳ Ｐゴシック" charset="0"/>
-              </a:defRPr>
-            </a:lvl2pPr>
-            <a:lvl3pPr marL="1217613" indent="-303213" algn="l" defTabSz="1217613" rtl="0" fontAlgn="base">
-              <a:spcBef>
-                <a:spcPct val="0"/>
-              </a:spcBef>
-              <a:spcAft>
-                <a:spcPct val="0"/>
-              </a:spcAft>
-              <a:defRPr sz="2400" kern="1200">
-                <a:solidFill>
-                  <a:schemeClr val="tx1"/>
-                </a:solidFill>
-                <a:latin typeface="Arial" charset="0"/>
-                <a:ea typeface="ＭＳ Ｐゴシック" charset="0"/>
-                <a:cs typeface="ＭＳ Ｐゴシック" charset="0"/>
-              </a:defRPr>
-            </a:lvl3pPr>
-            <a:lvl4pPr marL="1827213" indent="-455613" algn="l" defTabSz="1217613" rtl="0" fontAlgn="base">
-              <a:spcBef>
-                <a:spcPct val="0"/>
-              </a:spcBef>
-              <a:spcAft>
-                <a:spcPct val="0"/>
-              </a:spcAft>
-              <a:defRPr sz="2400" kern="1200">
-                <a:solidFill>
-                  <a:schemeClr val="tx1"/>
-                </a:solidFill>
-                <a:latin typeface="Arial" charset="0"/>
-                <a:ea typeface="ＭＳ Ｐゴシック" charset="0"/>
-                <a:cs typeface="ＭＳ Ｐゴシック" charset="0"/>
-              </a:defRPr>
-            </a:lvl4pPr>
-            <a:lvl5pPr marL="2436813" indent="-608013" algn="l" defTabSz="1217613" rtl="0" fontAlgn="base">
-              <a:spcBef>
-                <a:spcPct val="0"/>
-              </a:spcBef>
-              <a:spcAft>
-                <a:spcPct val="0"/>
-              </a:spcAft>
-              <a:defRPr sz="2400" kern="1200">
-                <a:solidFill>
-                  <a:schemeClr val="tx1"/>
-                </a:solidFill>
-                <a:latin typeface="Arial" charset="0"/>
-                <a:ea typeface="ＭＳ Ｐゴシック" charset="0"/>
-                <a:cs typeface="ＭＳ Ｐゴシック" charset="0"/>
-              </a:defRPr>
-            </a:lvl5pPr>
-            <a:lvl6pPr marL="2286000" algn="l" defTabSz="457200" rtl="0" eaLnBrk="1" latinLnBrk="0" hangingPunct="1">
-              <a:defRPr sz="2400" kern="1200">
-                <a:solidFill>
-                  <a:schemeClr val="tx1"/>
-                </a:solidFill>
-                <a:latin typeface="Arial" charset="0"/>
-                <a:ea typeface="ＭＳ Ｐゴシック" charset="0"/>
-                <a:cs typeface="ＭＳ Ｐゴシック" charset="0"/>
-              </a:defRPr>
-            </a:lvl6pPr>
-            <a:lvl7pPr marL="2743200" algn="l" defTabSz="457200" rtl="0" eaLnBrk="1" latinLnBrk="0" hangingPunct="1">
-              <a:defRPr sz="2400" kern="1200">
-                <a:solidFill>
-                  <a:schemeClr val="tx1"/>
-                </a:solidFill>
-                <a:latin typeface="Arial" charset="0"/>
-                <a:ea typeface="ＭＳ Ｐゴシック" charset="0"/>
-                <a:cs typeface="ＭＳ Ｐゴシック" charset="0"/>
-              </a:defRPr>
-            </a:lvl7pPr>
-            <a:lvl8pPr marL="3200400" algn="l" defTabSz="457200" rtl="0" eaLnBrk="1" latinLnBrk="0" hangingPunct="1">
-              <a:defRPr sz="2400" kern="1200">
-                <a:solidFill>
-                  <a:schemeClr val="tx1"/>
-                </a:solidFill>
-                <a:latin typeface="Arial" charset="0"/>
-                <a:ea typeface="ＭＳ Ｐゴシック" charset="0"/>
-                <a:cs typeface="ＭＳ Ｐゴシック" charset="0"/>
-              </a:defRPr>
-            </a:lvl8pPr>
-            <a:lvl9pPr marL="3657600" algn="l" defTabSz="457200" rtl="0" eaLnBrk="1" latinLnBrk="0" hangingPunct="1">
-              <a:defRPr sz="2400" kern="1200">
-                <a:solidFill>
-                  <a:schemeClr val="tx1"/>
-                </a:solidFill>
-                <a:latin typeface="Arial" charset="0"/>
-                <a:ea typeface="ＭＳ Ｐゴシック" charset="0"/>
-                <a:cs typeface="ＭＳ Ｐゴシック" charset="0"/>
-              </a:defRPr>
-            </a:lvl9pPr>
-          </a:lstStyle>
-          <a:p>
-            <a:r>
-              <a:rPr lang="en-US" dirty="0" smtClean="0">
-                <a:solidFill>
-                  <a:srgbClr val="7D868C"/>
-                </a:solidFill>
-              </a:rPr>
-              <a:t>©2016 Chef Software Inc</a:t>
-            </a:r>
-            <a:r>
-              <a:rPr lang="en-US" dirty="0" smtClean="0"/>
-              <a:t>.</a:t>
-            </a:r>
-            <a:endParaRPr lang="en-US" dirty="0"/>
-          </a:p>
-        </p:txBody>
-      </p:sp>
+      </p:pic>
     </p:spTree>
     <p:extLst>
       <p:ext uri="{BB962C8B-B14F-4D97-AF65-F5344CB8AC3E}">
-        <p14:creationId xmlns:p14="http://schemas.microsoft.com/office/powerpoint/2010/main" val="522763473"/>
+        <p14:creationId xmlns:p14="http://schemas.microsoft.com/office/powerpoint/2010/main" val="3914353220"/>
       </p:ext>
     </p:extLst>
   </p:cSld>
@@ -16476,6 +16808,13 @@
   <p:transition spd="med">
     <p:fade/>
   </p:transition>
+  <p:timing>
+    <p:tnLst>
+      <p:par>
+        <p:cTn id="1" dur="indefinite" restart="never" nodeType="tmRoot"/>
+      </p:par>
+    </p:tnLst>
+  </p:timing>
 </p:sld>
 </file>
 
@@ -16562,6 +16901,207 @@
     <p:extLst>
       <p:ext uri="{BB962C8B-B14F-4D97-AF65-F5344CB8AC3E}">
         <p14:creationId xmlns:p14="http://schemas.microsoft.com/office/powerpoint/2010/main" val="3334238159"/>
+      </p:ext>
+    </p:extLst>
+  </p:cSld>
+  <p:clrMapOvr>
+    <a:masterClrMapping/>
+  </p:clrMapOvr>
+  <p:transition spd="med">
+    <p:fade/>
+  </p:transition>
+  <p:timing>
+    <p:tnLst>
+      <p:par>
+        <p:cTn id="1" dur="indefinite" restart="never" nodeType="tmRoot"/>
+      </p:par>
+    </p:tnLst>
+  </p:timing>
+</p:sld>
+</file>
+
+<file path=ppt/slides/slide30.xml><?xml version="1.0" encoding="utf-8"?>
+<p:sld xmlns:a="http://schemas.openxmlformats.org/drawingml/2006/main" xmlns:r="http://schemas.openxmlformats.org/officeDocument/2006/relationships" xmlns:p="http://schemas.openxmlformats.org/presentationml/2006/main">
+  <p:cSld>
+    <p:spTree>
+      <p:nvGrpSpPr>
+        <p:cNvPr id="1" name=""/>
+        <p:cNvGrpSpPr/>
+        <p:nvPr/>
+      </p:nvGrpSpPr>
+      <p:grpSpPr>
+        <a:xfrm>
+          <a:off x="0" y="0"/>
+          <a:ext cx="0" cy="0"/>
+          <a:chOff x="0" y="0"/>
+          <a:chExt cx="0" cy="0"/>
+        </a:xfrm>
+      </p:grpSpPr>
+      <p:sp>
+        <p:nvSpPr>
+          <p:cNvPr id="2" name="Footer Placeholder 1"/>
+          <p:cNvSpPr txBox="1">
+            <a:spLocks/>
+          </p:cNvSpPr>
+          <p:nvPr/>
+        </p:nvSpPr>
+        <p:spPr>
+          <a:xfrm>
+            <a:off x="324400" y="8579607"/>
+            <a:ext cx="5681953" cy="507556"/>
+          </a:xfrm>
+          <a:prstGeom prst="rect">
+            <a:avLst/>
+          </a:prstGeom>
+        </p:spPr>
+        <p:txBody>
+          <a:bodyPr/>
+          <a:lstStyle>
+            <a:defPPr>
+              <a:defRPr lang="en-US"/>
+            </a:defPPr>
+            <a:lvl1pPr algn="l" defTabSz="1217613" rtl="0" fontAlgn="base">
+              <a:spcBef>
+                <a:spcPct val="0"/>
+              </a:spcBef>
+              <a:spcAft>
+                <a:spcPct val="0"/>
+              </a:spcAft>
+              <a:defRPr sz="2400" kern="1200">
+                <a:solidFill>
+                  <a:schemeClr val="tx1"/>
+                </a:solidFill>
+                <a:latin typeface="Arial" charset="0"/>
+                <a:ea typeface="ＭＳ Ｐゴシック" charset="0"/>
+                <a:cs typeface="ＭＳ Ｐゴシック" charset="0"/>
+              </a:defRPr>
+            </a:lvl1pPr>
+            <a:lvl2pPr marL="608013" indent="-150813" algn="l" defTabSz="1217613" rtl="0" fontAlgn="base">
+              <a:spcBef>
+                <a:spcPct val="0"/>
+              </a:spcBef>
+              <a:spcAft>
+                <a:spcPct val="0"/>
+              </a:spcAft>
+              <a:defRPr sz="2400" kern="1200">
+                <a:solidFill>
+                  <a:schemeClr val="tx1"/>
+                </a:solidFill>
+                <a:latin typeface="Arial" charset="0"/>
+                <a:ea typeface="ＭＳ Ｐゴシック" charset="0"/>
+                <a:cs typeface="ＭＳ Ｐゴシック" charset="0"/>
+              </a:defRPr>
+            </a:lvl2pPr>
+            <a:lvl3pPr marL="1217613" indent="-303213" algn="l" defTabSz="1217613" rtl="0" fontAlgn="base">
+              <a:spcBef>
+                <a:spcPct val="0"/>
+              </a:spcBef>
+              <a:spcAft>
+                <a:spcPct val="0"/>
+              </a:spcAft>
+              <a:defRPr sz="2400" kern="1200">
+                <a:solidFill>
+                  <a:schemeClr val="tx1"/>
+                </a:solidFill>
+                <a:latin typeface="Arial" charset="0"/>
+                <a:ea typeface="ＭＳ Ｐゴシック" charset="0"/>
+                <a:cs typeface="ＭＳ Ｐゴシック" charset="0"/>
+              </a:defRPr>
+            </a:lvl3pPr>
+            <a:lvl4pPr marL="1827213" indent="-455613" algn="l" defTabSz="1217613" rtl="0" fontAlgn="base">
+              <a:spcBef>
+                <a:spcPct val="0"/>
+              </a:spcBef>
+              <a:spcAft>
+                <a:spcPct val="0"/>
+              </a:spcAft>
+              <a:defRPr sz="2400" kern="1200">
+                <a:solidFill>
+                  <a:schemeClr val="tx1"/>
+                </a:solidFill>
+                <a:latin typeface="Arial" charset="0"/>
+                <a:ea typeface="ＭＳ Ｐゴシック" charset="0"/>
+                <a:cs typeface="ＭＳ Ｐゴシック" charset="0"/>
+              </a:defRPr>
+            </a:lvl4pPr>
+            <a:lvl5pPr marL="2436813" indent="-608013" algn="l" defTabSz="1217613" rtl="0" fontAlgn="base">
+              <a:spcBef>
+                <a:spcPct val="0"/>
+              </a:spcBef>
+              <a:spcAft>
+                <a:spcPct val="0"/>
+              </a:spcAft>
+              <a:defRPr sz="2400" kern="1200">
+                <a:solidFill>
+                  <a:schemeClr val="tx1"/>
+                </a:solidFill>
+                <a:latin typeface="Arial" charset="0"/>
+                <a:ea typeface="ＭＳ Ｐゴシック" charset="0"/>
+                <a:cs typeface="ＭＳ Ｐゴシック" charset="0"/>
+              </a:defRPr>
+            </a:lvl5pPr>
+            <a:lvl6pPr marL="2286000" algn="l" defTabSz="457200" rtl="0" eaLnBrk="1" latinLnBrk="0" hangingPunct="1">
+              <a:defRPr sz="2400" kern="1200">
+                <a:solidFill>
+                  <a:schemeClr val="tx1"/>
+                </a:solidFill>
+                <a:latin typeface="Arial" charset="0"/>
+                <a:ea typeface="ＭＳ Ｐゴシック" charset="0"/>
+                <a:cs typeface="ＭＳ Ｐゴシック" charset="0"/>
+              </a:defRPr>
+            </a:lvl6pPr>
+            <a:lvl7pPr marL="2743200" algn="l" defTabSz="457200" rtl="0" eaLnBrk="1" latinLnBrk="0" hangingPunct="1">
+              <a:defRPr sz="2400" kern="1200">
+                <a:solidFill>
+                  <a:schemeClr val="tx1"/>
+                </a:solidFill>
+                <a:latin typeface="Arial" charset="0"/>
+                <a:ea typeface="ＭＳ Ｐゴシック" charset="0"/>
+                <a:cs typeface="ＭＳ Ｐゴシック" charset="0"/>
+              </a:defRPr>
+            </a:lvl7pPr>
+            <a:lvl8pPr marL="3200400" algn="l" defTabSz="457200" rtl="0" eaLnBrk="1" latinLnBrk="0" hangingPunct="1">
+              <a:defRPr sz="2400" kern="1200">
+                <a:solidFill>
+                  <a:schemeClr val="tx1"/>
+                </a:solidFill>
+                <a:latin typeface="Arial" charset="0"/>
+                <a:ea typeface="ＭＳ Ｐゴシック" charset="0"/>
+                <a:cs typeface="ＭＳ Ｐゴシック" charset="0"/>
+              </a:defRPr>
+            </a:lvl8pPr>
+            <a:lvl9pPr marL="3657600" algn="l" defTabSz="457200" rtl="0" eaLnBrk="1" latinLnBrk="0" hangingPunct="1">
+              <a:defRPr sz="2400" kern="1200">
+                <a:solidFill>
+                  <a:schemeClr val="tx1"/>
+                </a:solidFill>
+                <a:latin typeface="Arial" charset="0"/>
+                <a:ea typeface="ＭＳ Ｐゴシック" charset="0"/>
+                <a:cs typeface="ＭＳ Ｐゴシック" charset="0"/>
+              </a:defRPr>
+            </a:lvl9pPr>
+          </a:lstStyle>
+          <a:p>
+            <a:r>
+              <a:rPr lang="en-US" dirty="0" smtClean="0">
+                <a:solidFill>
+                  <a:srgbClr val="7D868C"/>
+                </a:solidFill>
+              </a:rPr>
+              <a:t>©2016 Chef Software Inc</a:t>
+            </a:r>
+            <a:r>
+              <a:rPr lang="en-US" dirty="0" smtClean="0"/>
+              <a:t>.</a:t>
+            </a:r>
+            <a:endParaRPr lang="en-US" dirty="0"/>
+          </a:p>
+        </p:txBody>
+      </p:sp>
+    </p:spTree>
+    <p:extLst>
+      <p:ext uri="{BB962C8B-B14F-4D97-AF65-F5344CB8AC3E}">
+        <p14:creationId xmlns:p14="http://schemas.microsoft.com/office/powerpoint/2010/main" val="522763473"/>
       </p:ext>
     </p:extLst>
   </p:cSld>
@@ -17128,7 +17668,6 @@
               <a:rPr lang="en-US" dirty="0" smtClean="0"/>
               <a:t>:</a:t>
             </a:r>
-            <a:endParaRPr lang="en-US" dirty="0" smtClean="0"/>
           </a:p>
           <a:p>
             <a:pPr marL="457200" indent="-457200">
@@ -19224,49 +19763,15 @@
 </file>
 
 <file path=customXml/item1.xml><?xml version="1.0" encoding="utf-8"?>
-<?mso-contentType ?>
-<spe:Receivers xmlns:spe="http://schemas.microsoft.com/sharepoint/events">
-  <Receiver>
-    <Name>Document ID Generator</Name>
-    <Synchronization>Synchronous</Synchronization>
-    <Type>10001</Type>
-    <SequenceNumber>1000</SequenceNumber>
-    <Assembly>Microsoft.Office.DocumentManagement, Version=14.0.0.0, Culture=neutral, PublicKeyToken=71e9bce111e9429c</Assembly>
-    <Class>Microsoft.Office.DocumentManagement.Internal.DocIdHandler</Class>
-    <Data/>
-    <Filter/>
-  </Receiver>
-  <Receiver>
-    <Name>Document ID Generator</Name>
-    <Synchronization>Synchronous</Synchronization>
-    <Type>10002</Type>
-    <SequenceNumber>1001</SequenceNumber>
-    <Assembly>Microsoft.Office.DocumentManagement, Version=14.0.0.0, Culture=neutral, PublicKeyToken=71e9bce111e9429c</Assembly>
-    <Class>Microsoft.Office.DocumentManagement.Internal.DocIdHandler</Class>
-    <Data/>
-    <Filter/>
-  </Receiver>
-  <Receiver>
-    <Name>Document ID Generator</Name>
-    <Synchronization>Synchronous</Synchronization>
-    <Type>10004</Type>
-    <SequenceNumber>1002</SequenceNumber>
-    <Assembly>Microsoft.Office.DocumentManagement, Version=14.0.0.0, Culture=neutral, PublicKeyToken=71e9bce111e9429c</Assembly>
-    <Class>Microsoft.Office.DocumentManagement.Internal.DocIdHandler</Class>
-    <Data/>
-    <Filter/>
-  </Receiver>
-  <Receiver>
-    <Name>Document ID Generator</Name>
-    <Synchronization>Synchronous</Synchronization>
-    <Type>10006</Type>
-    <SequenceNumber>1003</SequenceNumber>
-    <Assembly>Microsoft.Office.DocumentManagement, Version=14.0.0.0, Culture=neutral, PublicKeyToken=71e9bce111e9429c</Assembly>
-    <Class>Microsoft.Office.DocumentManagement.Internal.DocIdHandler</Class>
-    <Data/>
-    <Filter/>
-  </Receiver>
-</spe:Receivers>
+<p:properties xmlns:p="http://schemas.microsoft.com/office/2006/metadata/properties" xmlns:xsi="http://www.w3.org/2001/XMLSchema-instance" xmlns:pc="http://schemas.microsoft.com/office/infopath/2007/PartnerControls">
+  <documentManagement>
+    <_dlc_DocId xmlns="7bb5d761-a2ea-4873-95f7-7a6658fb3ef0">M4CWTKMW727E-592-73</_dlc_DocId>
+    <_dlc_DocIdUrl xmlns="7bb5d761-a2ea-4873-95f7-7a6658fb3ef0">
+      <Url>https://kms.vci.local/marketing/team/_layouts/DocIdRedir.aspx?ID=M4CWTKMW727E-592-73</Url>
+      <Description>M4CWTKMW727E-592-73</Description>
+    </_dlc_DocIdUrl>
+  </documentManagement>
+</p:properties>
 </file>
 
 <file path=customXml/item2.xml><?xml version="1.0" encoding="utf-8"?>
@@ -19415,15 +19920,49 @@
 </file>
 
 <file path=customXml/item3.xml><?xml version="1.0" encoding="utf-8"?>
-<p:properties xmlns:p="http://schemas.microsoft.com/office/2006/metadata/properties" xmlns:xsi="http://www.w3.org/2001/XMLSchema-instance" xmlns:pc="http://schemas.microsoft.com/office/infopath/2007/PartnerControls">
-  <documentManagement>
-    <_dlc_DocId xmlns="7bb5d761-a2ea-4873-95f7-7a6658fb3ef0">M4CWTKMW727E-592-73</_dlc_DocId>
-    <_dlc_DocIdUrl xmlns="7bb5d761-a2ea-4873-95f7-7a6658fb3ef0">
-      <Url>https://kms.vci.local/marketing/team/_layouts/DocIdRedir.aspx?ID=M4CWTKMW727E-592-73</Url>
-      <Description>M4CWTKMW727E-592-73</Description>
-    </_dlc_DocIdUrl>
-  </documentManagement>
-</p:properties>
+<?mso-contentType ?>
+<spe:Receivers xmlns:spe="http://schemas.microsoft.com/sharepoint/events">
+  <Receiver>
+    <Name>Document ID Generator</Name>
+    <Synchronization>Synchronous</Synchronization>
+    <Type>10001</Type>
+    <SequenceNumber>1000</SequenceNumber>
+    <Assembly>Microsoft.Office.DocumentManagement, Version=14.0.0.0, Culture=neutral, PublicKeyToken=71e9bce111e9429c</Assembly>
+    <Class>Microsoft.Office.DocumentManagement.Internal.DocIdHandler</Class>
+    <Data/>
+    <Filter/>
+  </Receiver>
+  <Receiver>
+    <Name>Document ID Generator</Name>
+    <Synchronization>Synchronous</Synchronization>
+    <Type>10002</Type>
+    <SequenceNumber>1001</SequenceNumber>
+    <Assembly>Microsoft.Office.DocumentManagement, Version=14.0.0.0, Culture=neutral, PublicKeyToken=71e9bce111e9429c</Assembly>
+    <Class>Microsoft.Office.DocumentManagement.Internal.DocIdHandler</Class>
+    <Data/>
+    <Filter/>
+  </Receiver>
+  <Receiver>
+    <Name>Document ID Generator</Name>
+    <Synchronization>Synchronous</Synchronization>
+    <Type>10004</Type>
+    <SequenceNumber>1002</SequenceNumber>
+    <Assembly>Microsoft.Office.DocumentManagement, Version=14.0.0.0, Culture=neutral, PublicKeyToken=71e9bce111e9429c</Assembly>
+    <Class>Microsoft.Office.DocumentManagement.Internal.DocIdHandler</Class>
+    <Data/>
+    <Filter/>
+  </Receiver>
+  <Receiver>
+    <Name>Document ID Generator</Name>
+    <Synchronization>Synchronous</Synchronization>
+    <Type>10006</Type>
+    <SequenceNumber>1003</SequenceNumber>
+    <Assembly>Microsoft.Office.DocumentManagement, Version=14.0.0.0, Culture=neutral, PublicKeyToken=71e9bce111e9429c</Assembly>
+    <Class>Microsoft.Office.DocumentManagement.Internal.DocIdHandler</Class>
+    <Data/>
+    <Filter/>
+  </Receiver>
+</spe:Receivers>
 </file>
 
 <file path=customXml/item4.xml><?xml version="1.0" encoding="utf-8"?>
@@ -19436,9 +19975,17 @@
 </file>
 
 <file path=customXml/itemProps1.xml><?xml version="1.0" encoding="utf-8"?>
-<ds:datastoreItem xmlns:ds="http://schemas.openxmlformats.org/officeDocument/2006/customXml" ds:itemID="{B13EBC30-FE27-4C6A-B723-23FC2188F7DC}">
+<ds:datastoreItem xmlns:ds="http://schemas.openxmlformats.org/officeDocument/2006/customXml" ds:itemID="{6921749B-AEB7-461B-845F-603CABD25259}">
   <ds:schemaRefs>
-    <ds:schemaRef ds:uri="http://schemas.microsoft.com/sharepoint/events"/>
+    <ds:schemaRef ds:uri="http://schemas.microsoft.com/office/2006/documentManagement/types"/>
+    <ds:schemaRef ds:uri="http://schemas.microsoft.com/office/infopath/2007/PartnerControls"/>
+    <ds:schemaRef ds:uri="http://purl.org/dc/elements/1.1/"/>
+    <ds:schemaRef ds:uri="http://schemas.microsoft.com/office/2006/metadata/properties"/>
+    <ds:schemaRef ds:uri="7bb5d761-a2ea-4873-95f7-7a6658fb3ef0"/>
+    <ds:schemaRef ds:uri="http://purl.org/dc/terms/"/>
+    <ds:schemaRef ds:uri="http://schemas.openxmlformats.org/package/2006/metadata/core-properties"/>
+    <ds:schemaRef ds:uri="http://www.w3.org/XML/1998/namespace"/>
+    <ds:schemaRef ds:uri="http://purl.org/dc/dcmitype/"/>
   </ds:schemaRefs>
 </ds:datastoreItem>
 </file>
@@ -19462,17 +20009,9 @@
 </file>
 
 <file path=customXml/itemProps3.xml><?xml version="1.0" encoding="utf-8"?>
-<ds:datastoreItem xmlns:ds="http://schemas.openxmlformats.org/officeDocument/2006/customXml" ds:itemID="{6921749B-AEB7-461B-845F-603CABD25259}">
+<ds:datastoreItem xmlns:ds="http://schemas.openxmlformats.org/officeDocument/2006/customXml" ds:itemID="{B13EBC30-FE27-4C6A-B723-23FC2188F7DC}">
   <ds:schemaRefs>
-    <ds:schemaRef ds:uri="http://schemas.microsoft.com/office/2006/documentManagement/types"/>
-    <ds:schemaRef ds:uri="http://schemas.microsoft.com/office/infopath/2007/PartnerControls"/>
-    <ds:schemaRef ds:uri="http://purl.org/dc/elements/1.1/"/>
-    <ds:schemaRef ds:uri="http://schemas.microsoft.com/office/2006/metadata/properties"/>
-    <ds:schemaRef ds:uri="7bb5d761-a2ea-4873-95f7-7a6658fb3ef0"/>
-    <ds:schemaRef ds:uri="http://purl.org/dc/terms/"/>
-    <ds:schemaRef ds:uri="http://schemas.openxmlformats.org/package/2006/metadata/core-properties"/>
-    <ds:schemaRef ds:uri="http://www.w3.org/XML/1998/namespace"/>
-    <ds:schemaRef ds:uri="http://purl.org/dc/dcmitype/"/>
+    <ds:schemaRef ds:uri="http://schemas.microsoft.com/sharepoint/events"/>
   </ds:schemaRefs>
 </ds:datastoreItem>
 </file>

--- a/08-permissions-orgs.pptx
+++ b/08-permissions-orgs.pptx
@@ -303,7 +303,7 @@
               <a:pPr>
                 <a:defRPr/>
               </a:pPr>
-              <a:t>2016-02-12</a:t>
+              <a:t>2016-03-02</a:t>
             </a:fld>
             <a:endParaRPr lang="en-US" dirty="0"/>
           </a:p>
@@ -486,7 +486,7 @@
               <a:pPr>
                 <a:defRPr/>
               </a:pPr>
-              <a:t>2016-02-12</a:t>
+              <a:t>2016-03-02</a:t>
             </a:fld>
             <a:endParaRPr lang="en-US" dirty="0"/>
           </a:p>
@@ -2647,7 +2647,7 @@
         <p:spPr/>
         <p:txBody>
           <a:bodyPr>
-            <a:normAutofit lnSpcReduction="10000"/>
+            <a:normAutofit/>
           </a:bodyPr>
           <a:lstStyle/>
           <a:p>
@@ -2664,11 +2664,7 @@
             </a:br>
             <a:r>
               <a:rPr lang="en-US" baseline="0" dirty="0" smtClean="0"/>
-              <a:t>1.</a:t>
-            </a:r>
-            <a:r>
-              <a:rPr lang="en-US" baseline="0" dirty="0" smtClean="0"/>
-              <a:t> By using a combination of an Organization object and its Team object. Teams belong to Organizations so members of teams can then view or manage nodes that have been added to their team's organization.</a:t>
+              <a:t>1. By using a combination of an Organization object and its Team object. Teams belong to Organizations so members of teams can then view or manage nodes that have been added to their team's organization.</a:t>
             </a:r>
           </a:p>
           <a:p>
@@ -2742,7 +2738,6 @@
               <a:rPr lang="en-US" dirty="0" smtClean="0"/>
               <a:t>users can do everything.</a:t>
             </a:r>
-            <a:endParaRPr lang="en-US" dirty="0" smtClean="0"/>
           </a:p>
         </p:txBody>
       </p:sp>
@@ -2874,7 +2869,7 @@
         <p:spPr/>
         <p:txBody>
           <a:bodyPr>
-            <a:normAutofit fontScale="77500" lnSpcReduction="20000"/>
+            <a:normAutofit/>
           </a:bodyPr>
           <a:lstStyle/>
           <a:p>
@@ -2903,16 +2898,16 @@
               <a:rPr lang="en-US" baseline="0" dirty="0" smtClean="0"/>
               <a:t> Answers:</a:t>
             </a:r>
+            <a:r>
+              <a:rPr lang="en-US" baseline="0" smtClean="0"/>
+              <a:t/>
+            </a:r>
             <a:br>
-              <a:rPr lang="en-US" baseline="0" dirty="0" smtClean="0"/>
+              <a:rPr lang="en-US" baseline="0" smtClean="0"/>
             </a:br>
             <a:r>
-              <a:rPr lang="en-US" baseline="0" dirty="0" smtClean="0"/>
-              <a:t>1.</a:t>
-            </a:r>
-            <a:r>
-              <a:rPr lang="en-US" baseline="0" dirty="0" smtClean="0"/>
-              <a:t> </a:t>
+              <a:rPr lang="en-US" baseline="0" smtClean="0"/>
+              <a:t>3. </a:t>
             </a:r>
             <a:r>
               <a:rPr lang="en-US" dirty="0" smtClean="0"/>
@@ -4604,14 +4599,14 @@
           </a:ln>
           <a:extLst>
             <a:ext uri="{909E8E84-426E-40dd-AFC4-6F175D3DCCD1}">
-              <a14:hiddenFill xmlns="" xmlns:a14="http://schemas.microsoft.com/office/drawing/2010/main">
+              <a14:hiddenFill xmlns:a14="http://schemas.microsoft.com/office/drawing/2010/main" xmlns="">
                 <a:solidFill>
                   <a:srgbClr val="FFFFFF"/>
                 </a:solidFill>
               </a14:hiddenFill>
             </a:ext>
             <a:ext uri="{91240B29-F687-4f45-9708-019B960494DF}">
-              <a14:hiddenLine xmlns="" xmlns:a14="http://schemas.microsoft.com/office/drawing/2010/main" w="9525">
+              <a14:hiddenLine xmlns:a14="http://schemas.microsoft.com/office/drawing/2010/main" xmlns="" w="9525">
                 <a:solidFill>
                   <a:srgbClr val="000000"/>
                 </a:solidFill>
@@ -4759,14 +4754,14 @@
           </a:ln>
           <a:extLst>
             <a:ext uri="{909E8E84-426E-40dd-AFC4-6F175D3DCCD1}">
-              <a14:hiddenFill xmlns="" xmlns:a14="http://schemas.microsoft.com/office/drawing/2010/main">
+              <a14:hiddenFill xmlns:a14="http://schemas.microsoft.com/office/drawing/2010/main" xmlns="">
                 <a:solidFill>
                   <a:srgbClr val="FFFFFF"/>
                 </a:solidFill>
               </a14:hiddenFill>
             </a:ext>
             <a:ext uri="{91240B29-F687-4f45-9708-019B960494DF}">
-              <a14:hiddenLine xmlns="" xmlns:a14="http://schemas.microsoft.com/office/drawing/2010/main" w="9525">
+              <a14:hiddenLine xmlns:a14="http://schemas.microsoft.com/office/drawing/2010/main" xmlns="" w="9525">
                 <a:solidFill>
                   <a:srgbClr val="000000"/>
                 </a:solidFill>
@@ -5257,14 +5252,14 @@
           </a:ln>
           <a:extLst>
             <a:ext uri="{909E8E84-426E-40dd-AFC4-6F175D3DCCD1}">
-              <a14:hiddenFill xmlns="" xmlns:a14="http://schemas.microsoft.com/office/drawing/2010/main">
+              <a14:hiddenFill xmlns:a14="http://schemas.microsoft.com/office/drawing/2010/main" xmlns="">
                 <a:solidFill>
                   <a:srgbClr val="FFFFFF"/>
                 </a:solidFill>
               </a14:hiddenFill>
             </a:ext>
             <a:ext uri="{91240B29-F687-4f45-9708-019B960494DF}">
-              <a14:hiddenLine xmlns="" xmlns:a14="http://schemas.microsoft.com/office/drawing/2010/main" w="9525">
+              <a14:hiddenLine xmlns:a14="http://schemas.microsoft.com/office/drawing/2010/main" xmlns="" w="9525">
                 <a:solidFill>
                   <a:srgbClr val="000000"/>
                 </a:solidFill>
@@ -5790,14 +5785,14 @@
           </a:ln>
           <a:extLst>
             <a:ext uri="{909E8E84-426E-40dd-AFC4-6F175D3DCCD1}">
-              <a14:hiddenFill xmlns="" xmlns:a14="http://schemas.microsoft.com/office/drawing/2010/main">
+              <a14:hiddenFill xmlns:a14="http://schemas.microsoft.com/office/drawing/2010/main" xmlns="">
                 <a:solidFill>
                   <a:srgbClr val="FFFFFF"/>
                 </a:solidFill>
               </a14:hiddenFill>
             </a:ext>
             <a:ext uri="{91240B29-F687-4f45-9708-019B960494DF}">
-              <a14:hiddenLine xmlns="" xmlns:a14="http://schemas.microsoft.com/office/drawing/2010/main" w="9525">
+              <a14:hiddenLine xmlns:a14="http://schemas.microsoft.com/office/drawing/2010/main" xmlns="" w="9525">
                 <a:solidFill>
                   <a:srgbClr val="000000"/>
                 </a:solidFill>
@@ -7421,14 +7416,14 @@
           </a:ln>
           <a:extLst>
             <a:ext uri="{909E8E84-426E-40dd-AFC4-6F175D3DCCD1}">
-              <a14:hiddenFill xmlns="" xmlns:a14="http://schemas.microsoft.com/office/drawing/2010/main">
+              <a14:hiddenFill xmlns:a14="http://schemas.microsoft.com/office/drawing/2010/main" xmlns="">
                 <a:solidFill>
                   <a:srgbClr val="FFFFFF"/>
                 </a:solidFill>
               </a14:hiddenFill>
             </a:ext>
             <a:ext uri="{91240B29-F687-4f45-9708-019B960494DF}">
-              <a14:hiddenLine xmlns="" xmlns:a14="http://schemas.microsoft.com/office/drawing/2010/main" w="9525">
+              <a14:hiddenLine xmlns:a14="http://schemas.microsoft.com/office/drawing/2010/main" xmlns="" w="9525">
                 <a:solidFill>
                   <a:srgbClr val="000000"/>
                 </a:solidFill>
@@ -8963,14 +8958,14 @@
           </a:ln>
           <a:extLst>
             <a:ext uri="{909E8E84-426E-40dd-AFC4-6F175D3DCCD1}">
-              <a14:hiddenFill xmlns="" xmlns:a14="http://schemas.microsoft.com/office/drawing/2010/main">
+              <a14:hiddenFill xmlns:a14="http://schemas.microsoft.com/office/drawing/2010/main" xmlns="">
                 <a:solidFill>
                   <a:srgbClr val="FFFFFF"/>
                 </a:solidFill>
               </a14:hiddenFill>
             </a:ext>
             <a:ext uri="{91240B29-F687-4f45-9708-019B960494DF}">
-              <a14:hiddenLine xmlns="" xmlns:a14="http://schemas.microsoft.com/office/drawing/2010/main" w="9525">
+              <a14:hiddenLine xmlns:a14="http://schemas.microsoft.com/office/drawing/2010/main" xmlns="" w="9525">
                 <a:solidFill>
                   <a:srgbClr val="000000"/>
                 </a:solidFill>
@@ -9476,14 +9471,14 @@
           </a:ln>
           <a:extLst>
             <a:ext uri="{909E8E84-426E-40dd-AFC4-6F175D3DCCD1}">
-              <a14:hiddenFill xmlns="" xmlns:a14="http://schemas.microsoft.com/office/drawing/2010/main">
+              <a14:hiddenFill xmlns:a14="http://schemas.microsoft.com/office/drawing/2010/main" xmlns="">
                 <a:solidFill>
                   <a:srgbClr val="FFFFFF"/>
                 </a:solidFill>
               </a14:hiddenFill>
             </a:ext>
             <a:ext uri="{91240B29-F687-4f45-9708-019B960494DF}">
-              <a14:hiddenLine xmlns="" xmlns:a14="http://schemas.microsoft.com/office/drawing/2010/main" w="9525">
+              <a14:hiddenLine xmlns:a14="http://schemas.microsoft.com/office/drawing/2010/main" xmlns="" w="9525">
                 <a:solidFill>
                   <a:srgbClr val="000000"/>
                 </a:solidFill>
@@ -10050,14 +10045,14 @@
           </a:ln>
           <a:extLst>
             <a:ext uri="{909E8E84-426E-40dd-AFC4-6F175D3DCCD1}">
-              <a14:hiddenFill xmlns="" xmlns:a14="http://schemas.microsoft.com/office/drawing/2010/main">
+              <a14:hiddenFill xmlns:a14="http://schemas.microsoft.com/office/drawing/2010/main" xmlns="">
                 <a:solidFill>
                   <a:srgbClr val="FFFFFF"/>
                 </a:solidFill>
               </a14:hiddenFill>
             </a:ext>
             <a:ext uri="{91240B29-F687-4f45-9708-019B960494DF}">
-              <a14:hiddenLine xmlns="" xmlns:a14="http://schemas.microsoft.com/office/drawing/2010/main" w="9525">
+              <a14:hiddenLine xmlns:a14="http://schemas.microsoft.com/office/drawing/2010/main" xmlns="" w="9525">
                 <a:solidFill>
                   <a:srgbClr val="000000"/>
                 </a:solidFill>
@@ -10997,14 +10992,14 @@
           </a:ln>
           <a:extLst>
             <a:ext uri="{909E8E84-426E-40dd-AFC4-6F175D3DCCD1}">
-              <a14:hiddenFill xmlns="" xmlns:a14="http://schemas.microsoft.com/office/drawing/2010/main">
+              <a14:hiddenFill xmlns:a14="http://schemas.microsoft.com/office/drawing/2010/main" xmlns="">
                 <a:solidFill>
                   <a:srgbClr val="FFFFFF"/>
                 </a:solidFill>
               </a14:hiddenFill>
             </a:ext>
             <a:ext uri="{91240B29-F687-4f45-9708-019B960494DF}">
-              <a14:hiddenLine xmlns="" xmlns:a14="http://schemas.microsoft.com/office/drawing/2010/main" w="9525">
+              <a14:hiddenLine xmlns:a14="http://schemas.microsoft.com/office/drawing/2010/main" xmlns="" w="9525">
                 <a:solidFill>
                   <a:srgbClr val="000000"/>
                 </a:solidFill>
@@ -11757,14 +11752,14 @@
           </a:ln>
           <a:extLst>
             <a:ext uri="{909E8E84-426E-40dd-AFC4-6F175D3DCCD1}">
-              <a14:hiddenFill xmlns="" xmlns:a14="http://schemas.microsoft.com/office/drawing/2010/main">
+              <a14:hiddenFill xmlns:a14="http://schemas.microsoft.com/office/drawing/2010/main" xmlns="">
                 <a:solidFill>
                   <a:srgbClr val="FFFFFF"/>
                 </a:solidFill>
               </a14:hiddenFill>
             </a:ext>
             <a:ext uri="{91240B29-F687-4f45-9708-019B960494DF}">
-              <a14:hiddenLine xmlns="" xmlns:a14="http://schemas.microsoft.com/office/drawing/2010/main" w="9525">
+              <a14:hiddenLine xmlns:a14="http://schemas.microsoft.com/office/drawing/2010/main" xmlns="" w="9525">
                 <a:solidFill>
                   <a:srgbClr val="000000"/>
                 </a:solidFill>
@@ -16587,10 +16582,6 @@
               <a:rPr lang="en-US" dirty="0" smtClean="0"/>
               <a:t>How can you share nodes between different user names?</a:t>
             </a:r>
-            <a:r>
-              <a:rPr lang="en-US" dirty="0" smtClean="0"/>
-              <a:t/>
-            </a:r>
             <a:br>
               <a:rPr lang="en-US" dirty="0" smtClean="0"/>
             </a:br>
@@ -16611,11 +16602,7 @@
             </a:r>
             <a:r>
               <a:rPr lang="en-US" dirty="0" smtClean="0"/>
-              <a:t>screen, </a:t>
-            </a:r>
-            <a:r>
-              <a:rPr lang="en-US" dirty="0" smtClean="0"/>
-              <a:t>which has the highest levels of permissions when enabled?</a:t>
+              <a:t>screen, which has the highest levels of permissions when enabled?</a:t>
             </a:r>
             <a:r>
               <a:rPr lang="en-US" dirty="0"/>
@@ -16748,11 +16735,7 @@
             </a:pPr>
             <a:r>
               <a:rPr lang="en-US" dirty="0" smtClean="0"/>
-              <a:t>Regarding team permissions, what </a:t>
-            </a:r>
-            <a:r>
-              <a:rPr lang="en-US" dirty="0" smtClean="0"/>
-              <a:t>can the </a:t>
+              <a:t>Regarding team permissions, what can the </a:t>
             </a:r>
             <a:r>
               <a:rPr lang="en-US" b="1" dirty="0" smtClean="0"/>
@@ -19763,18 +19746,6 @@
 </file>
 
 <file path=customXml/item1.xml><?xml version="1.0" encoding="utf-8"?>
-<p:properties xmlns:p="http://schemas.microsoft.com/office/2006/metadata/properties" xmlns:xsi="http://www.w3.org/2001/XMLSchema-instance" xmlns:pc="http://schemas.microsoft.com/office/infopath/2007/PartnerControls">
-  <documentManagement>
-    <_dlc_DocId xmlns="7bb5d761-a2ea-4873-95f7-7a6658fb3ef0">M4CWTKMW727E-592-73</_dlc_DocId>
-    <_dlc_DocIdUrl xmlns="7bb5d761-a2ea-4873-95f7-7a6658fb3ef0">
-      <Url>https://kms.vci.local/marketing/team/_layouts/DocIdRedir.aspx?ID=M4CWTKMW727E-592-73</Url>
-      <Description>M4CWTKMW727E-592-73</Description>
-    </_dlc_DocIdUrl>
-  </documentManagement>
-</p:properties>
-</file>
-
-<file path=customXml/item2.xml><?xml version="1.0" encoding="utf-8"?>
 <ct:contentTypeSchema xmlns:ct="http://schemas.microsoft.com/office/2006/metadata/contentType" xmlns:ma="http://schemas.microsoft.com/office/2006/metadata/properties/metaAttributes" ct:_="" ma:_="" ma:contentTypeName="Document" ma:contentTypeID="0x0101000812F700BE7F874999720E88173FE491" ma:contentTypeVersion="0" ma:contentTypeDescription="Create a new document." ma:contentTypeScope="" ma:versionID="3f79f408e2ca720b7aba6e0e32464d0c">
   <xsd:schema xmlns:xsd="http://www.w3.org/2001/XMLSchema" xmlns:xs="http://www.w3.org/2001/XMLSchema" xmlns:p="http://schemas.microsoft.com/office/2006/metadata/properties" xmlns:ns2="7bb5d761-a2ea-4873-95f7-7a6658fb3ef0" targetNamespace="http://schemas.microsoft.com/office/2006/metadata/properties" ma:root="true" ma:fieldsID="1e062cd38ba31e406bfc4340fbc7f87a" ns2:_="">
     <xsd:import namespace="7bb5d761-a2ea-4873-95f7-7a6658fb3ef0"/>
@@ -19919,7 +19890,28 @@
 </ct:contentTypeSchema>
 </file>
 
+<file path=customXml/item2.xml><?xml version="1.0" encoding="utf-8"?>
+<p:properties xmlns:p="http://schemas.microsoft.com/office/2006/metadata/properties" xmlns:xsi="http://www.w3.org/2001/XMLSchema-instance" xmlns:pc="http://schemas.microsoft.com/office/infopath/2007/PartnerControls">
+  <documentManagement>
+    <_dlc_DocId xmlns="7bb5d761-a2ea-4873-95f7-7a6658fb3ef0">M4CWTKMW727E-592-73</_dlc_DocId>
+    <_dlc_DocIdUrl xmlns="7bb5d761-a2ea-4873-95f7-7a6658fb3ef0">
+      <Url>https://kms.vci.local/marketing/team/_layouts/DocIdRedir.aspx?ID=M4CWTKMW727E-592-73</Url>
+      <Description>M4CWTKMW727E-592-73</Description>
+    </_dlc_DocIdUrl>
+  </documentManagement>
+</p:properties>
+</file>
+
 <file path=customXml/item3.xml><?xml version="1.0" encoding="utf-8"?>
+<?mso-contentType ?>
+<FormTemplates xmlns="http://schemas.microsoft.com/sharepoint/v3/contenttype/forms">
+  <Display>DocumentLibraryForm</Display>
+  <Edit>DocumentLibraryForm</Edit>
+  <New>DocumentLibraryForm</New>
+</FormTemplates>
+</file>
+
+<file path=customXml/item4.xml><?xml version="1.0" encoding="utf-8"?>
 <?mso-contentType ?>
 <spe:Receivers xmlns:spe="http://schemas.microsoft.com/sharepoint/events">
   <Receiver>
@@ -19965,32 +19957,7 @@
 </spe:Receivers>
 </file>
 
-<file path=customXml/item4.xml><?xml version="1.0" encoding="utf-8"?>
-<?mso-contentType ?>
-<FormTemplates xmlns="http://schemas.microsoft.com/sharepoint/v3/contenttype/forms">
-  <Display>DocumentLibraryForm</Display>
-  <Edit>DocumentLibraryForm</Edit>
-  <New>DocumentLibraryForm</New>
-</FormTemplates>
-</file>
-
 <file path=customXml/itemProps1.xml><?xml version="1.0" encoding="utf-8"?>
-<ds:datastoreItem xmlns:ds="http://schemas.openxmlformats.org/officeDocument/2006/customXml" ds:itemID="{6921749B-AEB7-461B-845F-603CABD25259}">
-  <ds:schemaRefs>
-    <ds:schemaRef ds:uri="http://schemas.microsoft.com/office/2006/documentManagement/types"/>
-    <ds:schemaRef ds:uri="http://schemas.microsoft.com/office/infopath/2007/PartnerControls"/>
-    <ds:schemaRef ds:uri="http://purl.org/dc/elements/1.1/"/>
-    <ds:schemaRef ds:uri="http://schemas.microsoft.com/office/2006/metadata/properties"/>
-    <ds:schemaRef ds:uri="7bb5d761-a2ea-4873-95f7-7a6658fb3ef0"/>
-    <ds:schemaRef ds:uri="http://purl.org/dc/terms/"/>
-    <ds:schemaRef ds:uri="http://schemas.openxmlformats.org/package/2006/metadata/core-properties"/>
-    <ds:schemaRef ds:uri="http://www.w3.org/XML/1998/namespace"/>
-    <ds:schemaRef ds:uri="http://purl.org/dc/dcmitype/"/>
-  </ds:schemaRefs>
-</ds:datastoreItem>
-</file>
-
-<file path=customXml/itemProps2.xml><?xml version="1.0" encoding="utf-8"?>
 <ds:datastoreItem xmlns:ds="http://schemas.openxmlformats.org/officeDocument/2006/customXml" ds:itemID="{164479E5-0B02-49AC-B79E-EC1D6164DDD3}">
   <ds:schemaRefs>
     <ds:schemaRef ds:uri="http://schemas.microsoft.com/office/2006/metadata/contentType"/>
@@ -20008,18 +19975,34 @@
 </ds:datastoreItem>
 </file>
 
+<file path=customXml/itemProps2.xml><?xml version="1.0" encoding="utf-8"?>
+<ds:datastoreItem xmlns:ds="http://schemas.openxmlformats.org/officeDocument/2006/customXml" ds:itemID="{6921749B-AEB7-461B-845F-603CABD25259}">
+  <ds:schemaRefs>
+    <ds:schemaRef ds:uri="http://schemas.microsoft.com/office/2006/documentManagement/types"/>
+    <ds:schemaRef ds:uri="http://schemas.microsoft.com/office/infopath/2007/PartnerControls"/>
+    <ds:schemaRef ds:uri="http://purl.org/dc/elements/1.1/"/>
+    <ds:schemaRef ds:uri="http://schemas.microsoft.com/office/2006/metadata/properties"/>
+    <ds:schemaRef ds:uri="7bb5d761-a2ea-4873-95f7-7a6658fb3ef0"/>
+    <ds:schemaRef ds:uri="http://purl.org/dc/terms/"/>
+    <ds:schemaRef ds:uri="http://schemas.openxmlformats.org/package/2006/metadata/core-properties"/>
+    <ds:schemaRef ds:uri="http://www.w3.org/XML/1998/namespace"/>
+    <ds:schemaRef ds:uri="http://purl.org/dc/dcmitype/"/>
+  </ds:schemaRefs>
+</ds:datastoreItem>
+</file>
+
 <file path=customXml/itemProps3.xml><?xml version="1.0" encoding="utf-8"?>
+<ds:datastoreItem xmlns:ds="http://schemas.openxmlformats.org/officeDocument/2006/customXml" ds:itemID="{5CDEB364-43EC-4510-9881-539C2A3FCE9E}">
+  <ds:schemaRefs>
+    <ds:schemaRef ds:uri="http://schemas.microsoft.com/sharepoint/v3/contenttype/forms"/>
+  </ds:schemaRefs>
+</ds:datastoreItem>
+</file>
+
+<file path=customXml/itemProps4.xml><?xml version="1.0" encoding="utf-8"?>
 <ds:datastoreItem xmlns:ds="http://schemas.openxmlformats.org/officeDocument/2006/customXml" ds:itemID="{B13EBC30-FE27-4C6A-B723-23FC2188F7DC}">
   <ds:schemaRefs>
     <ds:schemaRef ds:uri="http://schemas.microsoft.com/sharepoint/events"/>
   </ds:schemaRefs>
 </ds:datastoreItem>
-</file>
-
-<file path=customXml/itemProps4.xml><?xml version="1.0" encoding="utf-8"?>
-<ds:datastoreItem xmlns:ds="http://schemas.openxmlformats.org/officeDocument/2006/customXml" ds:itemID="{5CDEB364-43EC-4510-9881-539C2A3FCE9E}">
-  <ds:schemaRefs>
-    <ds:schemaRef ds:uri="http://schemas.microsoft.com/sharepoint/v3/contenttype/forms"/>
-  </ds:schemaRefs>
-</ds:datastoreItem>
 </file>